--- a/artifacts/CNTT_Artifact.pptx
+++ b/artifacts/CNTT_Artifact.pptx
@@ -6,7 +6,7 @@
     <p:sldMasterId id="2147483678" r:id="rId2"/>
   </p:sldMasterIdLst>
   <p:notesMasterIdLst>
-    <p:notesMasterId r:id="rId18"/>
+    <p:notesMasterId r:id="rId21"/>
   </p:notesMasterIdLst>
   <p:sldIdLst>
     <p:sldId id="256" r:id="rId3"/>
@@ -23,7 +23,10 @@
     <p:sldId id="272" r:id="rId14"/>
     <p:sldId id="273" r:id="rId15"/>
     <p:sldId id="274" r:id="rId16"/>
-    <p:sldId id="257" r:id="rId17"/>
+    <p:sldId id="275" r:id="rId17"/>
+    <p:sldId id="277" r:id="rId18"/>
+    <p:sldId id="280" r:id="rId19"/>
+    <p:sldId id="257" r:id="rId20"/>
   </p:sldIdLst>
   <p:sldSz cx="12192000" cy="6858000"/>
   <p:notesSz cx="6858000" cy="9144000"/>
@@ -212,7 +215,7 @@
           <a:p>
             <a:fld id="{F300692A-B8F2-48F6-B218-A4958D7E8758}" type="datetimeFigureOut">
               <a:rPr lang="en-US" smtClean="0"/>
-              <a:t>6/19/2019</a:t>
+              <a:t>7/5/2019</a:t>
             </a:fld>
             <a:endParaRPr lang="en-US"/>
           </a:p>
@@ -563,6 +566,174 @@
 </p:notes>
 </file>
 
+<file path=ppt/notesSlides/notesSlide2.xml><?xml version="1.0" encoding="utf-8"?>
+<p:notes xmlns:a="http://schemas.openxmlformats.org/drawingml/2006/main" xmlns:r="http://schemas.openxmlformats.org/officeDocument/2006/relationships" xmlns:p="http://schemas.openxmlformats.org/presentationml/2006/main">
+  <p:cSld>
+    <p:spTree>
+      <p:nvGrpSpPr>
+        <p:cNvPr id="1" name=""/>
+        <p:cNvGrpSpPr/>
+        <p:nvPr/>
+      </p:nvGrpSpPr>
+      <p:grpSpPr>
+        <a:xfrm>
+          <a:off x="0" y="0"/>
+          <a:ext cx="0" cy="0"/>
+          <a:chOff x="0" y="0"/>
+          <a:chExt cx="0" cy="0"/>
+        </a:xfrm>
+      </p:grpSpPr>
+      <p:sp>
+        <p:nvSpPr>
+          <p:cNvPr id="2" name="Slide Image Placeholder 1"/>
+          <p:cNvSpPr>
+            <a:spLocks noGrp="1" noRot="1" noChangeAspect="1"/>
+          </p:cNvSpPr>
+          <p:nvPr>
+            <p:ph type="sldImg"/>
+          </p:nvPr>
+        </p:nvSpPr>
+        <p:spPr/>
+      </p:sp>
+      <p:sp>
+        <p:nvSpPr>
+          <p:cNvPr id="3" name="Notes Placeholder 2"/>
+          <p:cNvSpPr>
+            <a:spLocks noGrp="1"/>
+          </p:cNvSpPr>
+          <p:nvPr>
+            <p:ph type="body" idx="1"/>
+          </p:nvPr>
+        </p:nvSpPr>
+        <p:spPr/>
+        <p:txBody>
+          <a:bodyPr/>
+          <a:lstStyle/>
+          <a:p>
+            <a:endParaRPr lang="en-GB" dirty="0"/>
+          </a:p>
+        </p:txBody>
+      </p:sp>
+      <p:sp>
+        <p:nvSpPr>
+          <p:cNvPr id="4" name="Slide Number Placeholder 3"/>
+          <p:cNvSpPr>
+            <a:spLocks noGrp="1"/>
+          </p:cNvSpPr>
+          <p:nvPr>
+            <p:ph type="sldNum" sz="quarter" idx="10"/>
+          </p:nvPr>
+        </p:nvSpPr>
+        <p:spPr/>
+        <p:txBody>
+          <a:bodyPr/>
+          <a:lstStyle/>
+          <a:p>
+            <a:fld id="{B32ABD91-820C-4FDF-A69B-FB4E2190F4FF}" type="slidenum">
+              <a:rPr lang="en-US" smtClean="0"/>
+              <a:t>16</a:t>
+            </a:fld>
+            <a:endParaRPr lang="en-US"/>
+          </a:p>
+        </p:txBody>
+      </p:sp>
+    </p:spTree>
+    <p:extLst>
+      <p:ext uri="{BB962C8B-B14F-4D97-AF65-F5344CB8AC3E}">
+        <p14:creationId xmlns:p14="http://schemas.microsoft.com/office/powerpoint/2010/main" val="3022686245"/>
+      </p:ext>
+    </p:extLst>
+  </p:cSld>
+  <p:clrMapOvr>
+    <a:masterClrMapping/>
+  </p:clrMapOvr>
+</p:notes>
+</file>
+
+<file path=ppt/notesSlides/notesSlide3.xml><?xml version="1.0" encoding="utf-8"?>
+<p:notes xmlns:a="http://schemas.openxmlformats.org/drawingml/2006/main" xmlns:r="http://schemas.openxmlformats.org/officeDocument/2006/relationships" xmlns:p="http://schemas.openxmlformats.org/presentationml/2006/main">
+  <p:cSld>
+    <p:spTree>
+      <p:nvGrpSpPr>
+        <p:cNvPr id="1" name=""/>
+        <p:cNvGrpSpPr/>
+        <p:nvPr/>
+      </p:nvGrpSpPr>
+      <p:grpSpPr>
+        <a:xfrm>
+          <a:off x="0" y="0"/>
+          <a:ext cx="0" cy="0"/>
+          <a:chOff x="0" y="0"/>
+          <a:chExt cx="0" cy="0"/>
+        </a:xfrm>
+      </p:grpSpPr>
+      <p:sp>
+        <p:nvSpPr>
+          <p:cNvPr id="2" name="Slide Image Placeholder 1"/>
+          <p:cNvSpPr>
+            <a:spLocks noGrp="1" noRot="1" noChangeAspect="1"/>
+          </p:cNvSpPr>
+          <p:nvPr>
+            <p:ph type="sldImg"/>
+          </p:nvPr>
+        </p:nvSpPr>
+        <p:spPr/>
+      </p:sp>
+      <p:sp>
+        <p:nvSpPr>
+          <p:cNvPr id="3" name="Notes Placeholder 2"/>
+          <p:cNvSpPr>
+            <a:spLocks noGrp="1"/>
+          </p:cNvSpPr>
+          <p:nvPr>
+            <p:ph type="body" idx="1"/>
+          </p:nvPr>
+        </p:nvSpPr>
+        <p:spPr/>
+        <p:txBody>
+          <a:bodyPr/>
+          <a:lstStyle/>
+          <a:p>
+            <a:endParaRPr lang="en-GB" dirty="0"/>
+          </a:p>
+        </p:txBody>
+      </p:sp>
+      <p:sp>
+        <p:nvSpPr>
+          <p:cNvPr id="4" name="Slide Number Placeholder 3"/>
+          <p:cNvSpPr>
+            <a:spLocks noGrp="1"/>
+          </p:cNvSpPr>
+          <p:nvPr>
+            <p:ph type="sldNum" sz="quarter" idx="10"/>
+          </p:nvPr>
+        </p:nvSpPr>
+        <p:spPr/>
+        <p:txBody>
+          <a:bodyPr/>
+          <a:lstStyle/>
+          <a:p>
+            <a:fld id="{B32ABD91-820C-4FDF-A69B-FB4E2190F4FF}" type="slidenum">
+              <a:rPr lang="en-US" smtClean="0"/>
+              <a:t>17</a:t>
+            </a:fld>
+            <a:endParaRPr lang="en-US"/>
+          </a:p>
+        </p:txBody>
+      </p:sp>
+    </p:spTree>
+    <p:extLst>
+      <p:ext uri="{BB962C8B-B14F-4D97-AF65-F5344CB8AC3E}">
+        <p14:creationId xmlns:p14="http://schemas.microsoft.com/office/powerpoint/2010/main" val="1241783393"/>
+      </p:ext>
+    </p:extLst>
+  </p:cSld>
+  <p:clrMapOvr>
+    <a:masterClrMapping/>
+  </p:clrMapOvr>
+</p:notes>
+</file>
+
 <file path=ppt/slideLayouts/slideLayout1.xml><?xml version="1.0" encoding="utf-8"?>
 <p:sldLayout xmlns:a="http://schemas.openxmlformats.org/drawingml/2006/main" xmlns:r="http://schemas.openxmlformats.org/officeDocument/2006/relationships" xmlns:p="http://schemas.openxmlformats.org/presentationml/2006/main" showMasterSp="0" type="title" preserve="1">
   <p:cSld name="Title Slide">
@@ -754,7 +925,7 @@
           <a:p>
             <a:fld id="{2B25DCB4-1894-45C1-AC80-BB1CC7AB7AF3}" type="datetimeFigureOut">
               <a:rPr lang="en-GB" smtClean="0"/>
-              <a:t>19/06/2019</a:t>
+              <a:t>05/07/2019</a:t>
             </a:fld>
             <a:endParaRPr lang="en-GB"/>
           </a:p>
@@ -1190,7 +1361,7 @@
           <a:p>
             <a:fld id="{2B25DCB4-1894-45C1-AC80-BB1CC7AB7AF3}" type="datetimeFigureOut">
               <a:rPr lang="en-GB" smtClean="0"/>
-              <a:t>19/06/2019</a:t>
+              <a:t>05/07/2019</a:t>
             </a:fld>
             <a:endParaRPr lang="en-GB"/>
           </a:p>
@@ -1440,7 +1611,7 @@
           <a:p>
             <a:fld id="{2B25DCB4-1894-45C1-AC80-BB1CC7AB7AF3}" type="datetimeFigureOut">
               <a:rPr lang="en-GB" smtClean="0"/>
-              <a:t>19/06/2019</a:t>
+              <a:t>05/07/2019</a:t>
             </a:fld>
             <a:endParaRPr lang="en-GB"/>
           </a:p>
@@ -1748,7 +1919,7 @@
           <a:p>
             <a:fld id="{2B25DCB4-1894-45C1-AC80-BB1CC7AB7AF3}" type="datetimeFigureOut">
               <a:rPr lang="en-GB" smtClean="0"/>
-              <a:t>19/06/2019</a:t>
+              <a:t>05/07/2019</a:t>
             </a:fld>
             <a:endParaRPr lang="en-GB"/>
           </a:p>
@@ -2066,7 +2237,7 @@
           <a:p>
             <a:fld id="{2B25DCB4-1894-45C1-AC80-BB1CC7AB7AF3}" type="datetimeFigureOut">
               <a:rPr lang="en-GB" smtClean="0"/>
-              <a:t>19/06/2019</a:t>
+              <a:t>05/07/2019</a:t>
             </a:fld>
             <a:endParaRPr lang="en-GB"/>
           </a:p>
@@ -2368,7 +2539,7 @@
           <a:p>
             <a:fld id="{2B25DCB4-1894-45C1-AC80-BB1CC7AB7AF3}" type="datetimeFigureOut">
               <a:rPr lang="en-GB" smtClean="0"/>
-              <a:t>19/06/2019</a:t>
+              <a:t>05/07/2019</a:t>
             </a:fld>
             <a:endParaRPr lang="en-GB"/>
           </a:p>
@@ -2735,7 +2906,7 @@
           <a:p>
             <a:fld id="{2B25DCB4-1894-45C1-AC80-BB1CC7AB7AF3}" type="datetimeFigureOut">
               <a:rPr lang="en-GB" smtClean="0"/>
-              <a:t>19/06/2019</a:t>
+              <a:t>05/07/2019</a:t>
             </a:fld>
             <a:endParaRPr lang="en-GB"/>
           </a:p>
@@ -2909,7 +3080,7 @@
           <a:p>
             <a:fld id="{2B25DCB4-1894-45C1-AC80-BB1CC7AB7AF3}" type="datetimeFigureOut">
               <a:rPr lang="en-GB" smtClean="0"/>
-              <a:t>19/06/2019</a:t>
+              <a:t>05/07/2019</a:t>
             </a:fld>
             <a:endParaRPr lang="en-GB"/>
           </a:p>
@@ -3089,7 +3260,7 @@
           <a:p>
             <a:fld id="{2B25DCB4-1894-45C1-AC80-BB1CC7AB7AF3}" type="datetimeFigureOut">
               <a:rPr lang="en-GB" smtClean="0"/>
-              <a:t>19/06/2019</a:t>
+              <a:t>05/07/2019</a:t>
             </a:fld>
             <a:endParaRPr lang="en-GB"/>
           </a:p>
@@ -3281,7 +3452,7 @@
           <a:p>
             <a:fld id="{432668E7-1494-4367-8917-840B541A68C2}" type="datetimeFigureOut">
               <a:rPr lang="en-GB" smtClean="0"/>
-              <a:t>19/06/2019</a:t>
+              <a:t>05/07/2019</a:t>
             </a:fld>
             <a:endParaRPr lang="en-GB"/>
           </a:p>
@@ -3451,7 +3622,7 @@
           <a:p>
             <a:fld id="{432668E7-1494-4367-8917-840B541A68C2}" type="datetimeFigureOut">
               <a:rPr lang="en-GB" smtClean="0"/>
-              <a:t>19/06/2019</a:t>
+              <a:t>05/07/2019</a:t>
             </a:fld>
             <a:endParaRPr lang="en-GB"/>
           </a:p>
@@ -3621,7 +3792,7 @@
           <a:p>
             <a:fld id="{2B25DCB4-1894-45C1-AC80-BB1CC7AB7AF3}" type="datetimeFigureOut">
               <a:rPr lang="en-GB" smtClean="0"/>
-              <a:t>19/06/2019</a:t>
+              <a:t>05/07/2019</a:t>
             </a:fld>
             <a:endParaRPr lang="en-GB"/>
           </a:p>
@@ -3867,7 +4038,7 @@
           <a:p>
             <a:fld id="{432668E7-1494-4367-8917-840B541A68C2}" type="datetimeFigureOut">
               <a:rPr lang="en-GB" smtClean="0"/>
-              <a:t>19/06/2019</a:t>
+              <a:t>05/07/2019</a:t>
             </a:fld>
             <a:endParaRPr lang="en-GB"/>
           </a:p>
@@ -4099,7 +4270,7 @@
           <a:p>
             <a:fld id="{432668E7-1494-4367-8917-840B541A68C2}" type="datetimeFigureOut">
               <a:rPr lang="en-GB" smtClean="0"/>
-              <a:t>19/06/2019</a:t>
+              <a:t>05/07/2019</a:t>
             </a:fld>
             <a:endParaRPr lang="en-GB"/>
           </a:p>
@@ -4466,7 +4637,7 @@
           <a:p>
             <a:fld id="{432668E7-1494-4367-8917-840B541A68C2}" type="datetimeFigureOut">
               <a:rPr lang="en-GB" smtClean="0"/>
-              <a:t>19/06/2019</a:t>
+              <a:t>05/07/2019</a:t>
             </a:fld>
             <a:endParaRPr lang="en-GB"/>
           </a:p>
@@ -4584,7 +4755,7 @@
           <a:p>
             <a:fld id="{432668E7-1494-4367-8917-840B541A68C2}" type="datetimeFigureOut">
               <a:rPr lang="en-GB" smtClean="0"/>
-              <a:t>19/06/2019</a:t>
+              <a:t>05/07/2019</a:t>
             </a:fld>
             <a:endParaRPr lang="en-GB"/>
           </a:p>
@@ -4679,7 +4850,7 @@
           <a:p>
             <a:fld id="{432668E7-1494-4367-8917-840B541A68C2}" type="datetimeFigureOut">
               <a:rPr lang="en-GB" smtClean="0"/>
-              <a:t>19/06/2019</a:t>
+              <a:t>05/07/2019</a:t>
             </a:fld>
             <a:endParaRPr lang="en-GB"/>
           </a:p>
@@ -4956,7 +5127,7 @@
           <a:p>
             <a:fld id="{432668E7-1494-4367-8917-840B541A68C2}" type="datetimeFigureOut">
               <a:rPr lang="en-GB" smtClean="0"/>
-              <a:t>19/06/2019</a:t>
+              <a:t>05/07/2019</a:t>
             </a:fld>
             <a:endParaRPr lang="en-GB"/>
           </a:p>
@@ -5209,7 +5380,7 @@
           <a:p>
             <a:fld id="{432668E7-1494-4367-8917-840B541A68C2}" type="datetimeFigureOut">
               <a:rPr lang="en-GB" smtClean="0"/>
-              <a:t>19/06/2019</a:t>
+              <a:t>05/07/2019</a:t>
             </a:fld>
             <a:endParaRPr lang="en-GB"/>
           </a:p>
@@ -5379,7 +5550,7 @@
           <a:p>
             <a:fld id="{432668E7-1494-4367-8917-840B541A68C2}" type="datetimeFigureOut">
               <a:rPr lang="en-GB" smtClean="0"/>
-              <a:t>19/06/2019</a:t>
+              <a:t>05/07/2019</a:t>
             </a:fld>
             <a:endParaRPr lang="en-GB"/>
           </a:p>
@@ -5559,7 +5730,7 @@
           <a:p>
             <a:fld id="{432668E7-1494-4367-8917-840B541A68C2}" type="datetimeFigureOut">
               <a:rPr lang="en-GB" smtClean="0"/>
-              <a:t>19/06/2019</a:t>
+              <a:t>05/07/2019</a:t>
             </a:fld>
             <a:endParaRPr lang="en-GB"/>
           </a:p>
@@ -5682,7 +5853,7 @@
           <a:p>
             <a:fld id="{AD47607F-D0CB-4AC6-9566-046428C59115}" type="datetime3">
               <a:rPr lang="en-US" smtClean="0"/>
-              <a:t>19 June 2019</a:t>
+              <a:t>5 July 2019</a:t>
             </a:fld>
             <a:endParaRPr lang="en-GB" dirty="0"/>
           </a:p>
@@ -6005,7 +6176,7 @@
           <a:p>
             <a:fld id="{2B25DCB4-1894-45C1-AC80-BB1CC7AB7AF3}" type="datetimeFigureOut">
               <a:rPr lang="en-GB" smtClean="0"/>
-              <a:t>19/06/2019</a:t>
+              <a:t>05/07/2019</a:t>
             </a:fld>
             <a:endParaRPr lang="en-GB"/>
           </a:p>
@@ -6508,7 +6679,7 @@
           <a:p>
             <a:fld id="{2B25DCB4-1894-45C1-AC80-BB1CC7AB7AF3}" type="datetimeFigureOut">
               <a:rPr lang="en-GB" smtClean="0"/>
-              <a:t>19/06/2019</a:t>
+              <a:t>05/07/2019</a:t>
             </a:fld>
             <a:endParaRPr lang="en-GB"/>
           </a:p>
@@ -6890,7 +7061,7 @@
           <a:p>
             <a:fld id="{2B25DCB4-1894-45C1-AC80-BB1CC7AB7AF3}" type="datetimeFigureOut">
               <a:rPr lang="en-GB" smtClean="0"/>
-              <a:t>19/06/2019</a:t>
+              <a:t>05/07/2019</a:t>
             </a:fld>
             <a:endParaRPr lang="en-GB"/>
           </a:p>
@@ -7008,7 +7179,7 @@
           <a:p>
             <a:fld id="{2B25DCB4-1894-45C1-AC80-BB1CC7AB7AF3}" type="datetimeFigureOut">
               <a:rPr lang="en-GB" smtClean="0"/>
-              <a:t>19/06/2019</a:t>
+              <a:t>05/07/2019</a:t>
             </a:fld>
             <a:endParaRPr lang="en-GB"/>
           </a:p>
@@ -7103,7 +7274,7 @@
           <a:p>
             <a:fld id="{2B25DCB4-1894-45C1-AC80-BB1CC7AB7AF3}" type="datetimeFigureOut">
               <a:rPr lang="en-GB" smtClean="0"/>
-              <a:t>19/06/2019</a:t>
+              <a:t>05/07/2019</a:t>
             </a:fld>
             <a:endParaRPr lang="en-GB"/>
           </a:p>
@@ -7358,7 +7529,7 @@
           <a:p>
             <a:fld id="{2B25DCB4-1894-45C1-AC80-BB1CC7AB7AF3}" type="datetimeFigureOut">
               <a:rPr lang="en-GB" smtClean="0"/>
-              <a:t>19/06/2019</a:t>
+              <a:t>05/07/2019</a:t>
             </a:fld>
             <a:endParaRPr lang="en-GB"/>
           </a:p>
@@ -7641,7 +7812,7 @@
           <a:p>
             <a:fld id="{2B25DCB4-1894-45C1-AC80-BB1CC7AB7AF3}" type="datetimeFigureOut">
               <a:rPr lang="en-GB" smtClean="0"/>
-              <a:t>19/06/2019</a:t>
+              <a:t>05/07/2019</a:t>
             </a:fld>
             <a:endParaRPr lang="en-GB"/>
           </a:p>
@@ -8047,7 +8218,7 @@
           <a:p>
             <a:fld id="{2B25DCB4-1894-45C1-AC80-BB1CC7AB7AF3}" type="datetimeFigureOut">
               <a:rPr lang="en-GB" smtClean="0"/>
-              <a:t>19/06/2019</a:t>
+              <a:t>05/07/2019</a:t>
             </a:fld>
             <a:endParaRPr lang="en-GB"/>
           </a:p>
@@ -8759,7 +8930,7 @@
           <a:p>
             <a:fld id="{432668E7-1494-4367-8917-840B541A68C2}" type="datetimeFigureOut">
               <a:rPr lang="en-GB" smtClean="0"/>
-              <a:t>19/06/2019</a:t>
+              <a:t>05/07/2019</a:t>
             </a:fld>
             <a:endParaRPr lang="en-GB"/>
           </a:p>
@@ -18671,6 +18842,4580 @@
 </file>
 
 <file path=ppt/slides/slide15.xml><?xml version="1.0" encoding="utf-8"?>
+<p:sld xmlns:a="http://schemas.openxmlformats.org/drawingml/2006/main" xmlns:r="http://schemas.openxmlformats.org/officeDocument/2006/relationships" xmlns:p="http://schemas.openxmlformats.org/presentationml/2006/main">
+  <p:cSld>
+    <p:spTree>
+      <p:nvGrpSpPr>
+        <p:cNvPr id="1" name=""/>
+        <p:cNvGrpSpPr/>
+        <p:nvPr/>
+      </p:nvGrpSpPr>
+      <p:grpSpPr>
+        <a:xfrm>
+          <a:off x="0" y="0"/>
+          <a:ext cx="0" cy="0"/>
+          <a:chOff x="0" y="0"/>
+          <a:chExt cx="0" cy="0"/>
+        </a:xfrm>
+      </p:grpSpPr>
+      <p:sp>
+        <p:nvSpPr>
+          <p:cNvPr id="2" name="Title 1"/>
+          <p:cNvSpPr>
+            <a:spLocks noGrp="1"/>
+          </p:cNvSpPr>
+          <p:nvPr>
+            <p:ph type="title"/>
+          </p:nvPr>
+        </p:nvSpPr>
+        <p:spPr>
+          <a:xfrm>
+            <a:off x="467810" y="260953"/>
+            <a:ext cx="10515600" cy="676597"/>
+          </a:xfrm>
+        </p:spPr>
+        <p:txBody>
+          <a:bodyPr>
+            <a:normAutofit fontScale="90000"/>
+          </a:bodyPr>
+          <a:lstStyle/>
+          <a:p>
+            <a:r>
+              <a:rPr lang="en-GB" dirty="0" smtClean="0"/>
+              <a:t>Diagram based on Terminology</a:t>
+            </a:r>
+            <a:endParaRPr lang="en-GB" dirty="0"/>
+          </a:p>
+        </p:txBody>
+      </p:sp>
+      <p:sp>
+        <p:nvSpPr>
+          <p:cNvPr id="4" name="Rectangle 3"/>
+          <p:cNvSpPr/>
+          <p:nvPr/>
+        </p:nvSpPr>
+        <p:spPr>
+          <a:xfrm>
+            <a:off x="4415662" y="2279031"/>
+            <a:ext cx="1371602" cy="1335247"/>
+          </a:xfrm>
+          <a:prstGeom prst="rect">
+            <a:avLst/>
+          </a:prstGeom>
+          <a:solidFill>
+            <a:srgbClr val="6262F0"/>
+          </a:solidFill>
+          <a:ln w="25400" cap="flat" cmpd="sng" algn="ctr">
+            <a:noFill/>
+            <a:prstDash val="solid"/>
+          </a:ln>
+          <a:effectLst/>
+        </p:spPr>
+        <p:style>
+          <a:lnRef idx="2">
+            <a:scrgbClr r="0" g="0" b="0"/>
+          </a:lnRef>
+          <a:fillRef idx="1">
+            <a:scrgbClr r="0" g="0" b="0"/>
+          </a:fillRef>
+          <a:effectRef idx="0">
+            <a:scrgbClr r="0" g="0" b="0"/>
+          </a:effectRef>
+          <a:fontRef idx="minor">
+            <a:schemeClr val="lt1"/>
+          </a:fontRef>
+        </p:style>
+        <p:txBody>
+          <a:bodyPr spcFirstLastPara="0" vert="horz" wrap="square" lIns="72000" tIns="72000" rIns="72000" bIns="72000" numCol="1" spcCol="1270" rtlCol="0" anchor="t" anchorCtr="0">
+            <a:noAutofit/>
+          </a:bodyPr>
+          <a:lstStyle/>
+          <a:p>
+            <a:pPr algn="ctr" defTabSz="444500">
+              <a:lnSpc>
+                <a:spcPct val="90000"/>
+              </a:lnSpc>
+              <a:spcBef>
+                <a:spcPct val="0"/>
+              </a:spcBef>
+              <a:spcAft>
+                <a:spcPct val="35000"/>
+              </a:spcAft>
+            </a:pPr>
+            <a:r>
+              <a:rPr lang="en-US" sz="1000" b="1">
+                <a:solidFill>
+                  <a:schemeClr val="bg1"/>
+                </a:solidFill>
+                <a:latin typeface="Vodafone Rg" pitchFamily="34" charset="0"/>
+              </a:rPr>
+              <a:t>VNF on VM</a:t>
+            </a:r>
+          </a:p>
+        </p:txBody>
+      </p:sp>
+      <p:sp>
+        <p:nvSpPr>
+          <p:cNvPr id="5" name="Rectangle 4"/>
+          <p:cNvSpPr/>
+          <p:nvPr/>
+        </p:nvSpPr>
+        <p:spPr>
+          <a:xfrm>
+            <a:off x="5919437" y="2287133"/>
+            <a:ext cx="1335243" cy="425958"/>
+          </a:xfrm>
+          <a:prstGeom prst="rect">
+            <a:avLst/>
+          </a:prstGeom>
+          <a:solidFill>
+            <a:schemeClr val="accent3"/>
+          </a:solidFill>
+          <a:ln w="25400" cap="flat" cmpd="sng" algn="ctr">
+            <a:noFill/>
+            <a:prstDash val="solid"/>
+          </a:ln>
+          <a:effectLst/>
+        </p:spPr>
+        <p:style>
+          <a:lnRef idx="2">
+            <a:scrgbClr r="0" g="0" b="0"/>
+          </a:lnRef>
+          <a:fillRef idx="1">
+            <a:scrgbClr r="0" g="0" b="0"/>
+          </a:fillRef>
+          <a:effectRef idx="0">
+            <a:scrgbClr r="0" g="0" b="0"/>
+          </a:effectRef>
+          <a:fontRef idx="minor">
+            <a:schemeClr val="lt1"/>
+          </a:fontRef>
+        </p:style>
+        <p:txBody>
+          <a:bodyPr spcFirstLastPara="0" vert="horz" wrap="square" lIns="72000" tIns="72000" rIns="72000" bIns="72000" numCol="1" spcCol="1270" rtlCol="0" anchor="t" anchorCtr="0">
+            <a:noAutofit/>
+          </a:bodyPr>
+          <a:lstStyle/>
+          <a:p>
+            <a:pPr algn="ctr" defTabSz="444500">
+              <a:lnSpc>
+                <a:spcPct val="90000"/>
+              </a:lnSpc>
+              <a:spcBef>
+                <a:spcPct val="0"/>
+              </a:spcBef>
+              <a:spcAft>
+                <a:spcPct val="35000"/>
+              </a:spcAft>
+            </a:pPr>
+            <a:r>
+              <a:rPr lang="en-US" sz="1000" b="1">
+                <a:solidFill>
+                  <a:schemeClr val="bg1"/>
+                </a:solidFill>
+                <a:latin typeface="Vodafone Rg" pitchFamily="34" charset="0"/>
+              </a:rPr>
+              <a:t>VNF on Container on VM</a:t>
+            </a:r>
+          </a:p>
+        </p:txBody>
+      </p:sp>
+      <p:sp>
+        <p:nvSpPr>
+          <p:cNvPr id="6" name="Rectangle 5"/>
+          <p:cNvSpPr/>
+          <p:nvPr/>
+        </p:nvSpPr>
+        <p:spPr>
+          <a:xfrm>
+            <a:off x="7370414" y="2279031"/>
+            <a:ext cx="1339472" cy="824763"/>
+          </a:xfrm>
+          <a:prstGeom prst="rect">
+            <a:avLst/>
+          </a:prstGeom>
+          <a:solidFill>
+            <a:schemeClr val="accent1"/>
+          </a:solidFill>
+          <a:ln w="25400" cap="flat" cmpd="sng" algn="ctr">
+            <a:noFill/>
+            <a:prstDash val="solid"/>
+          </a:ln>
+          <a:effectLst/>
+        </p:spPr>
+        <p:style>
+          <a:lnRef idx="2">
+            <a:scrgbClr r="0" g="0" b="0"/>
+          </a:lnRef>
+          <a:fillRef idx="1">
+            <a:scrgbClr r="0" g="0" b="0"/>
+          </a:fillRef>
+          <a:effectRef idx="0">
+            <a:scrgbClr r="0" g="0" b="0"/>
+          </a:effectRef>
+          <a:fontRef idx="minor">
+            <a:schemeClr val="lt1"/>
+          </a:fontRef>
+        </p:style>
+        <p:txBody>
+          <a:bodyPr spcFirstLastPara="0" vert="horz" wrap="square" lIns="72000" tIns="72000" rIns="72000" bIns="72000" numCol="1" spcCol="1270" rtlCol="0" anchor="t" anchorCtr="0">
+            <a:noAutofit/>
+          </a:bodyPr>
+          <a:lstStyle/>
+          <a:p>
+            <a:pPr algn="ctr" defTabSz="444500">
+              <a:lnSpc>
+                <a:spcPct val="90000"/>
+              </a:lnSpc>
+              <a:spcBef>
+                <a:spcPct val="0"/>
+              </a:spcBef>
+              <a:spcAft>
+                <a:spcPct val="35000"/>
+              </a:spcAft>
+            </a:pPr>
+            <a:r>
+              <a:rPr lang="en-US" sz="1000" b="1">
+                <a:solidFill>
+                  <a:schemeClr val="bg1"/>
+                </a:solidFill>
+                <a:latin typeface="Vodafone Rg" pitchFamily="34" charset="0"/>
+              </a:rPr>
+              <a:t>VNF on Container</a:t>
+            </a:r>
+          </a:p>
+        </p:txBody>
+      </p:sp>
+      <p:grpSp>
+        <p:nvGrpSpPr>
+          <p:cNvPr id="7" name="Group 6"/>
+          <p:cNvGrpSpPr/>
+          <p:nvPr/>
+        </p:nvGrpSpPr>
+        <p:grpSpPr>
+          <a:xfrm>
+            <a:off x="7377953" y="3153867"/>
+            <a:ext cx="1334747" cy="918986"/>
+            <a:chOff x="5137650" y="1479999"/>
+            <a:chExt cx="1126033" cy="918986"/>
+          </a:xfrm>
+        </p:grpSpPr>
+        <p:sp>
+          <p:nvSpPr>
+            <p:cNvPr id="8" name="Rounded Rectangle 20"/>
+            <p:cNvSpPr/>
+            <p:nvPr/>
+          </p:nvSpPr>
+          <p:spPr>
+            <a:xfrm>
+              <a:off x="5137650" y="1479999"/>
+              <a:ext cx="1126033" cy="896633"/>
+            </a:xfrm>
+            <a:prstGeom prst="roundRect">
+              <a:avLst>
+                <a:gd name="adj" fmla="val 0"/>
+              </a:avLst>
+            </a:prstGeom>
+            <a:solidFill>
+              <a:srgbClr val="D2D2D2"/>
+            </a:solidFill>
+            <a:ln>
+              <a:solidFill>
+                <a:srgbClr val="D2D2D2"/>
+              </a:solidFill>
+            </a:ln>
+            <a:effectLst/>
+          </p:spPr>
+          <p:style>
+            <a:lnRef idx="1">
+              <a:schemeClr val="dk1"/>
+            </a:lnRef>
+            <a:fillRef idx="2">
+              <a:schemeClr val="dk1"/>
+            </a:fillRef>
+            <a:effectRef idx="1">
+              <a:schemeClr val="dk1"/>
+            </a:effectRef>
+            <a:fontRef idx="minor">
+              <a:schemeClr val="dk1"/>
+            </a:fontRef>
+          </p:style>
+          <p:txBody>
+            <a:bodyPr vert="horz" wrap="square" lIns="72000" tIns="72000" rIns="72000" bIns="72000" rtlCol="0" anchor="t" anchorCtr="0">
+              <a:noAutofit/>
+            </a:bodyPr>
+            <a:lstStyle/>
+            <a:p>
+              <a:pPr algn="ctr">
+                <a:spcAft>
+                  <a:spcPts val="600"/>
+                </a:spcAft>
+                <a:buClr>
+                  <a:srgbClr val="E60000"/>
+                </a:buClr>
+              </a:pPr>
+              <a:r>
+                <a:rPr lang="en-GB" sz="1000" b="1">
+                  <a:solidFill>
+                    <a:schemeClr val="tx1"/>
+                  </a:solidFill>
+                  <a:cs typeface="Arial" panose="020B0604020202020204" pitchFamily="34" charset="0"/>
+                </a:rPr>
+                <a:t>Containers</a:t>
+              </a:r>
+            </a:p>
+            <a:p>
+              <a:pPr algn="ctr">
+                <a:spcAft>
+                  <a:spcPts val="600"/>
+                </a:spcAft>
+                <a:buClr>
+                  <a:srgbClr val="E60000"/>
+                </a:buClr>
+              </a:pPr>
+              <a:endParaRPr lang="en-GB" sz="100" b="1">
+                <a:solidFill>
+                  <a:schemeClr val="tx1"/>
+                </a:solidFill>
+                <a:cs typeface="Arial" panose="020B0604020202020204" pitchFamily="34" charset="0"/>
+              </a:endParaRPr>
+            </a:p>
+            <a:p>
+              <a:pPr algn="ctr">
+                <a:spcAft>
+                  <a:spcPts val="600"/>
+                </a:spcAft>
+                <a:buClr>
+                  <a:srgbClr val="E60000"/>
+                </a:buClr>
+              </a:pPr>
+              <a:r>
+                <a:rPr lang="en-GB" sz="1000" b="1">
+                  <a:solidFill>
+                    <a:srgbClr val="7F7F7F"/>
+                  </a:solidFill>
+                  <a:cs typeface="Arial" panose="020B0604020202020204" pitchFamily="34" charset="0"/>
+                </a:rPr>
+                <a:t>_________</a:t>
+              </a:r>
+            </a:p>
+            <a:p>
+              <a:pPr algn="ctr">
+                <a:spcAft>
+                  <a:spcPts val="600"/>
+                </a:spcAft>
+                <a:buClr>
+                  <a:srgbClr val="E60000"/>
+                </a:buClr>
+              </a:pPr>
+              <a:r>
+                <a:rPr lang="en-GB" sz="800" b="1">
+                  <a:solidFill>
+                    <a:schemeClr val="tx1"/>
+                  </a:solidFill>
+                  <a:cs typeface="Arial" panose="020B0604020202020204" pitchFamily="34" charset="0"/>
+                </a:rPr>
+                <a:t>Container Runtime + Networking</a:t>
+              </a:r>
+            </a:p>
+            <a:p>
+              <a:pPr algn="ctr">
+                <a:spcAft>
+                  <a:spcPts val="600"/>
+                </a:spcAft>
+                <a:buClr>
+                  <a:srgbClr val="E60000"/>
+                </a:buClr>
+              </a:pPr>
+              <a:endParaRPr lang="en-GB" sz="1000" b="1">
+                <a:solidFill>
+                  <a:schemeClr val="tx1"/>
+                </a:solidFill>
+                <a:cs typeface="Arial" panose="020B0604020202020204" pitchFamily="34" charset="0"/>
+              </a:endParaRPr>
+            </a:p>
+          </p:txBody>
+        </p:sp>
+        <p:pic>
+          <p:nvPicPr>
+            <p:cNvPr id="9" name="Picture 8" descr="Image result for docker logo png"/>
+            <p:cNvPicPr>
+              <a:picLocks noChangeAspect="1" noChangeArrowheads="1"/>
+            </p:cNvPicPr>
+            <p:nvPr/>
+          </p:nvPicPr>
+          <p:blipFill>
+            <a:blip r:embed="rId2" cstate="print">
+              <a:extLst>
+                <a:ext uri="{28A0092B-C50C-407E-A947-70E740481C1C}">
+                  <a14:useLocalDpi xmlns:a14="http://schemas.microsoft.com/office/drawing/2010/main" val="0"/>
+                </a:ext>
+              </a:extLst>
+            </a:blip>
+            <a:srcRect/>
+            <a:stretch>
+              <a:fillRect/>
+            </a:stretch>
+          </p:blipFill>
+          <p:spPr bwMode="auto">
+            <a:xfrm>
+              <a:off x="5545369" y="1775301"/>
+              <a:ext cx="472825" cy="118014"/>
+            </a:xfrm>
+            <a:prstGeom prst="rect">
+              <a:avLst/>
+            </a:prstGeom>
+            <a:noFill/>
+            <a:extLst>
+              <a:ext uri="{909E8E84-426E-40DD-AFC4-6F175D3DCCD1}">
+                <a14:hiddenFill xmlns:a14="http://schemas.microsoft.com/office/drawing/2010/main">
+                  <a:solidFill>
+                    <a:srgbClr val="FFFFFF"/>
+                  </a:solidFill>
+                </a14:hiddenFill>
+              </a:ext>
+            </a:extLst>
+          </p:spPr>
+        </p:pic>
+        <p:pic>
+          <p:nvPicPr>
+            <p:cNvPr id="10" name="Picture 12" descr="Image result for aws ecs logo png"/>
+            <p:cNvPicPr>
+              <a:picLocks noChangeAspect="1" noChangeArrowheads="1"/>
+            </p:cNvPicPr>
+            <p:nvPr/>
+          </p:nvPicPr>
+          <p:blipFill rotWithShape="1">
+            <a:blip r:embed="rId3" cstate="print">
+              <a:extLst>
+                <a:ext uri="{28A0092B-C50C-407E-A947-70E740481C1C}">
+                  <a14:useLocalDpi xmlns:a14="http://schemas.microsoft.com/office/drawing/2010/main" val="0"/>
+                </a:ext>
+              </a:extLst>
+            </a:blip>
+            <a:srcRect b="49102"/>
+            <a:stretch/>
+          </p:blipFill>
+          <p:spPr bwMode="auto">
+            <a:xfrm>
+              <a:off x="5246003" y="1734876"/>
+              <a:ext cx="236459" cy="191352"/>
+            </a:xfrm>
+            <a:prstGeom prst="rect">
+              <a:avLst/>
+            </a:prstGeom>
+            <a:noFill/>
+            <a:extLst>
+              <a:ext uri="{909E8E84-426E-40DD-AFC4-6F175D3DCCD1}">
+                <a14:hiddenFill xmlns:a14="http://schemas.microsoft.com/office/drawing/2010/main">
+                  <a:solidFill>
+                    <a:srgbClr val="FFFFFF"/>
+                  </a:solidFill>
+                </a14:hiddenFill>
+              </a:ext>
+            </a:extLst>
+          </p:spPr>
+        </p:pic>
+        <p:sp>
+          <p:nvSpPr>
+            <p:cNvPr id="11" name="Rectangle 10"/>
+            <p:cNvSpPr/>
+            <p:nvPr/>
+          </p:nvSpPr>
+          <p:spPr>
+            <a:xfrm>
+              <a:off x="5161017" y="1506992"/>
+              <a:ext cx="1085006" cy="891993"/>
+            </a:xfrm>
+            <a:prstGeom prst="rect">
+              <a:avLst/>
+            </a:prstGeom>
+            <a:noFill/>
+            <a:ln w="57150" cap="flat" cmpd="sng" algn="ctr">
+              <a:solidFill>
+                <a:schemeClr val="accent1"/>
+              </a:solidFill>
+              <a:prstDash val="solid"/>
+            </a:ln>
+            <a:effectLst/>
+          </p:spPr>
+          <p:style>
+            <a:lnRef idx="2">
+              <a:scrgbClr r="0" g="0" b="0"/>
+            </a:lnRef>
+            <a:fillRef idx="1">
+              <a:scrgbClr r="0" g="0" b="0"/>
+            </a:fillRef>
+            <a:effectRef idx="0">
+              <a:scrgbClr r="0" g="0" b="0"/>
+            </a:effectRef>
+            <a:fontRef idx="minor">
+              <a:schemeClr val="lt1"/>
+            </a:fontRef>
+          </p:style>
+          <p:txBody>
+            <a:bodyPr spcFirstLastPara="0" vert="horz" wrap="square" lIns="6350" tIns="6350" rIns="6350" bIns="6350" numCol="1" spcCol="1270" rtlCol="0" anchor="ctr" anchorCtr="0">
+              <a:noAutofit/>
+            </a:bodyPr>
+            <a:lstStyle/>
+            <a:p>
+              <a:pPr algn="ctr" defTabSz="444500">
+                <a:lnSpc>
+                  <a:spcPct val="90000"/>
+                </a:lnSpc>
+                <a:spcBef>
+                  <a:spcPct val="0"/>
+                </a:spcBef>
+                <a:spcAft>
+                  <a:spcPct val="35000"/>
+                </a:spcAft>
+              </a:pPr>
+              <a:endParaRPr lang="en-GB" sz="1000" kern="1200">
+                <a:solidFill>
+                  <a:srgbClr val="34342B"/>
+                </a:solidFill>
+                <a:latin typeface="Vodafone Rg" pitchFamily="34" charset="0"/>
+                <a:ea typeface="+mn-ea"/>
+                <a:cs typeface="+mn-cs"/>
+              </a:endParaRPr>
+            </a:p>
+          </p:txBody>
+        </p:sp>
+      </p:grpSp>
+      <p:grpSp>
+        <p:nvGrpSpPr>
+          <p:cNvPr id="12" name="Group 11"/>
+          <p:cNvGrpSpPr/>
+          <p:nvPr/>
+        </p:nvGrpSpPr>
+        <p:grpSpPr>
+          <a:xfrm>
+            <a:off x="5919933" y="2765722"/>
+            <a:ext cx="1334747" cy="848556"/>
+            <a:chOff x="3907621" y="1091854"/>
+            <a:chExt cx="1126033" cy="848556"/>
+          </a:xfrm>
+        </p:grpSpPr>
+        <p:sp>
+          <p:nvSpPr>
+            <p:cNvPr id="13" name="Rounded Rectangle 20"/>
+            <p:cNvSpPr/>
+            <p:nvPr/>
+          </p:nvSpPr>
+          <p:spPr>
+            <a:xfrm>
+              <a:off x="3907621" y="1091854"/>
+              <a:ext cx="1126033" cy="848556"/>
+            </a:xfrm>
+            <a:prstGeom prst="roundRect">
+              <a:avLst>
+                <a:gd name="adj" fmla="val 0"/>
+              </a:avLst>
+            </a:prstGeom>
+            <a:solidFill>
+              <a:schemeClr val="bg1">
+                <a:lumMod val="65000"/>
+                <a:alpha val="50000"/>
+              </a:schemeClr>
+            </a:solidFill>
+            <a:ln>
+              <a:noFill/>
+            </a:ln>
+          </p:spPr>
+          <p:style>
+            <a:lnRef idx="0">
+              <a:scrgbClr r="0" g="0" b="0"/>
+            </a:lnRef>
+            <a:fillRef idx="0">
+              <a:scrgbClr r="0" g="0" b="0"/>
+            </a:fillRef>
+            <a:effectRef idx="0">
+              <a:scrgbClr r="0" g="0" b="0"/>
+            </a:effectRef>
+            <a:fontRef idx="minor">
+              <a:schemeClr val="lt1"/>
+            </a:fontRef>
+          </p:style>
+          <p:txBody>
+            <a:bodyPr vert="horz" wrap="square" lIns="72000" tIns="36000" rIns="72000" bIns="72000" rtlCol="0" anchor="t" anchorCtr="0">
+              <a:noAutofit/>
+            </a:bodyPr>
+            <a:lstStyle/>
+            <a:p>
+              <a:pPr algn="ctr">
+                <a:spcAft>
+                  <a:spcPts val="600"/>
+                </a:spcAft>
+                <a:buClr>
+                  <a:srgbClr val="E60000"/>
+                </a:buClr>
+              </a:pPr>
+              <a:r>
+                <a:rPr lang="en-GB" sz="1000" b="1">
+                  <a:solidFill>
+                    <a:schemeClr val="tx1"/>
+                  </a:solidFill>
+                  <a:cs typeface="Arial" panose="020B0604020202020204" pitchFamily="34" charset="0"/>
+                </a:rPr>
+                <a:t>Containers</a:t>
+              </a:r>
+            </a:p>
+            <a:p>
+              <a:pPr algn="ctr">
+                <a:spcAft>
+                  <a:spcPts val="600"/>
+                </a:spcAft>
+                <a:buClr>
+                  <a:srgbClr val="E60000"/>
+                </a:buClr>
+              </a:pPr>
+              <a:endParaRPr lang="en-GB" sz="100" b="1">
+                <a:solidFill>
+                  <a:schemeClr val="tx1"/>
+                </a:solidFill>
+                <a:cs typeface="Arial" panose="020B0604020202020204" pitchFamily="34" charset="0"/>
+              </a:endParaRPr>
+            </a:p>
+            <a:p>
+              <a:pPr algn="ctr">
+                <a:spcAft>
+                  <a:spcPts val="600"/>
+                </a:spcAft>
+                <a:buClr>
+                  <a:srgbClr val="E60000"/>
+                </a:buClr>
+              </a:pPr>
+              <a:r>
+                <a:rPr lang="en-GB" sz="1000" b="1">
+                  <a:solidFill>
+                    <a:srgbClr val="7F7F7F"/>
+                  </a:solidFill>
+                  <a:cs typeface="Arial" panose="020B0604020202020204" pitchFamily="34" charset="0"/>
+                </a:rPr>
+                <a:t>______________</a:t>
+              </a:r>
+            </a:p>
+            <a:p>
+              <a:pPr algn="ctr">
+                <a:spcAft>
+                  <a:spcPts val="600"/>
+                </a:spcAft>
+                <a:buClr>
+                  <a:srgbClr val="E60000"/>
+                </a:buClr>
+              </a:pPr>
+              <a:r>
+                <a:rPr lang="en-GB" sz="800" b="1">
+                  <a:solidFill>
+                    <a:schemeClr val="tx1"/>
+                  </a:solidFill>
+                  <a:cs typeface="Arial" panose="020B0604020202020204" pitchFamily="34" charset="0"/>
+                </a:rPr>
+                <a:t>Container Runtime + Networking</a:t>
+              </a:r>
+            </a:p>
+            <a:p>
+              <a:pPr algn="ctr">
+                <a:spcAft>
+                  <a:spcPts val="600"/>
+                </a:spcAft>
+                <a:buClr>
+                  <a:srgbClr val="E60000"/>
+                </a:buClr>
+              </a:pPr>
+              <a:endParaRPr lang="en-GB" sz="1000" b="1">
+                <a:solidFill>
+                  <a:schemeClr val="tx1"/>
+                </a:solidFill>
+                <a:cs typeface="Arial" panose="020B0604020202020204" pitchFamily="34" charset="0"/>
+              </a:endParaRPr>
+            </a:p>
+          </p:txBody>
+        </p:sp>
+        <p:pic>
+          <p:nvPicPr>
+            <p:cNvPr id="14" name="Picture 8" descr="Image result for docker logo png"/>
+            <p:cNvPicPr>
+              <a:picLocks noChangeAspect="1" noChangeArrowheads="1"/>
+            </p:cNvPicPr>
+            <p:nvPr/>
+          </p:nvPicPr>
+          <p:blipFill>
+            <a:blip r:embed="rId4" cstate="print">
+              <a:extLst>
+                <a:ext uri="{28A0092B-C50C-407E-A947-70E740481C1C}">
+                  <a14:useLocalDpi xmlns:a14="http://schemas.microsoft.com/office/drawing/2010/main" val="0"/>
+                </a:ext>
+              </a:extLst>
+            </a:blip>
+            <a:srcRect/>
+            <a:stretch>
+              <a:fillRect/>
+            </a:stretch>
+          </p:blipFill>
+          <p:spPr bwMode="auto">
+            <a:xfrm>
+              <a:off x="4308612" y="1346413"/>
+              <a:ext cx="472825" cy="123811"/>
+            </a:xfrm>
+            <a:prstGeom prst="rect">
+              <a:avLst/>
+            </a:prstGeom>
+            <a:noFill/>
+            <a:extLst>
+              <a:ext uri="{909E8E84-426E-40DD-AFC4-6F175D3DCCD1}">
+                <a14:hiddenFill xmlns:a14="http://schemas.microsoft.com/office/drawing/2010/main">
+                  <a:solidFill>
+                    <a:srgbClr val="FFFFFF"/>
+                  </a:solidFill>
+                </a14:hiddenFill>
+              </a:ext>
+            </a:extLst>
+          </p:spPr>
+        </p:pic>
+        <p:pic>
+          <p:nvPicPr>
+            <p:cNvPr id="15" name="Picture 12" descr="Image result for aws ecs logo png"/>
+            <p:cNvPicPr>
+              <a:picLocks noChangeAspect="1" noChangeArrowheads="1"/>
+            </p:cNvPicPr>
+            <p:nvPr/>
+          </p:nvPicPr>
+          <p:blipFill rotWithShape="1">
+            <a:blip r:embed="rId3" cstate="print">
+              <a:extLst>
+                <a:ext uri="{28A0092B-C50C-407E-A947-70E740481C1C}">
+                  <a14:useLocalDpi xmlns:a14="http://schemas.microsoft.com/office/drawing/2010/main" val="0"/>
+                </a:ext>
+              </a:extLst>
+            </a:blip>
+            <a:srcRect b="49102"/>
+            <a:stretch/>
+          </p:blipFill>
+          <p:spPr bwMode="auto">
+            <a:xfrm>
+              <a:off x="4009246" y="1304002"/>
+              <a:ext cx="236459" cy="200752"/>
+            </a:xfrm>
+            <a:prstGeom prst="rect">
+              <a:avLst/>
+            </a:prstGeom>
+            <a:noFill/>
+            <a:extLst>
+              <a:ext uri="{909E8E84-426E-40DD-AFC4-6F175D3DCCD1}">
+                <a14:hiddenFill xmlns:a14="http://schemas.microsoft.com/office/drawing/2010/main">
+                  <a:solidFill>
+                    <a:srgbClr val="FFFFFF"/>
+                  </a:solidFill>
+                </a14:hiddenFill>
+              </a:ext>
+            </a:extLst>
+          </p:spPr>
+        </p:pic>
+      </p:grpSp>
+      <p:sp>
+        <p:nvSpPr>
+          <p:cNvPr id="16" name="Rounded Rectangle 20"/>
+          <p:cNvSpPr/>
+          <p:nvPr/>
+        </p:nvSpPr>
+        <p:spPr>
+          <a:xfrm>
+            <a:off x="4421049" y="4177703"/>
+            <a:ext cx="4288836" cy="375826"/>
+          </a:xfrm>
+          <a:prstGeom prst="roundRect">
+            <a:avLst>
+              <a:gd name="adj" fmla="val 0"/>
+            </a:avLst>
+          </a:prstGeom>
+          <a:solidFill>
+            <a:schemeClr val="accent4">
+              <a:alpha val="50000"/>
+            </a:schemeClr>
+          </a:solidFill>
+          <a:ln>
+            <a:noFill/>
+          </a:ln>
+        </p:spPr>
+        <p:style>
+          <a:lnRef idx="0">
+            <a:scrgbClr r="0" g="0" b="0"/>
+          </a:lnRef>
+          <a:fillRef idx="0">
+            <a:scrgbClr r="0" g="0" b="0"/>
+          </a:fillRef>
+          <a:effectRef idx="0">
+            <a:scrgbClr r="0" g="0" b="0"/>
+          </a:effectRef>
+          <a:fontRef idx="minor">
+            <a:schemeClr val="lt1"/>
+          </a:fontRef>
+        </p:style>
+        <p:txBody>
+          <a:bodyPr vert="horz" wrap="square" lIns="72000" tIns="72000" rIns="72000" bIns="72000" rtlCol="0" anchor="ctr" anchorCtr="0">
+            <a:noAutofit/>
+          </a:bodyPr>
+          <a:lstStyle/>
+          <a:p>
+            <a:pPr algn="ctr">
+              <a:spcAft>
+                <a:spcPts val="600"/>
+              </a:spcAft>
+              <a:buClr>
+                <a:srgbClr val="E60000"/>
+              </a:buClr>
+            </a:pPr>
+            <a:r>
+              <a:rPr lang="en-GB" sz="1000" b="1">
+                <a:solidFill>
+                  <a:schemeClr val="tx1"/>
+                </a:solidFill>
+                <a:cs typeface="Arial" panose="020B0604020202020204" pitchFamily="34" charset="0"/>
+              </a:rPr>
+              <a:t>Hypervisor (KVM, </a:t>
+            </a:r>
+            <a:r>
+              <a:rPr lang="en-GB" sz="1000" b="1" err="1">
+                <a:solidFill>
+                  <a:schemeClr val="tx1"/>
+                </a:solidFill>
+                <a:cs typeface="Arial" panose="020B0604020202020204" pitchFamily="34" charset="0"/>
+              </a:rPr>
+              <a:t>ESXi</a:t>
+            </a:r>
+            <a:r>
+              <a:rPr lang="en-GB" sz="1000" b="1">
+                <a:solidFill>
+                  <a:schemeClr val="tx1"/>
+                </a:solidFill>
+                <a:cs typeface="Arial" panose="020B0604020202020204" pitchFamily="34" charset="0"/>
+              </a:rPr>
+              <a:t>)</a:t>
+            </a:r>
+          </a:p>
+        </p:txBody>
+      </p:sp>
+      <p:sp>
+        <p:nvSpPr>
+          <p:cNvPr id="17" name="Rounded Rectangle 16"/>
+          <p:cNvSpPr/>
+          <p:nvPr/>
+        </p:nvSpPr>
+        <p:spPr bwMode="auto">
+          <a:xfrm>
+            <a:off x="5919437" y="3688983"/>
+            <a:ext cx="1335245" cy="415405"/>
+          </a:xfrm>
+          <a:prstGeom prst="roundRect">
+            <a:avLst>
+              <a:gd name="adj" fmla="val 0"/>
+            </a:avLst>
+          </a:prstGeom>
+          <a:solidFill>
+            <a:srgbClr val="7F7F7F"/>
+          </a:solidFill>
+          <a:ln w="9525" cap="flat" cmpd="sng" algn="ctr">
+            <a:noFill/>
+            <a:prstDash val="solid"/>
+            <a:round/>
+            <a:headEnd type="none" w="med" len="med"/>
+            <a:tailEnd type="none" w="med" len="med"/>
+          </a:ln>
+          <a:effectLst/>
+        </p:spPr>
+        <p:txBody>
+          <a:bodyPr vert="horz" wrap="square" lIns="68580" tIns="34290" rIns="68580" bIns="34290" numCol="1" rtlCol="0" anchor="ctr" anchorCtr="0" compatLnSpc="1">
+            <a:prstTxWarp prst="textNoShape">
+              <a:avLst/>
+            </a:prstTxWarp>
+          </a:bodyPr>
+          <a:lstStyle/>
+          <a:p>
+            <a:pPr algn="ctr" defTabSz="685783" eaLnBrk="0" fontAlgn="base" hangingPunct="0">
+              <a:spcBef>
+                <a:spcPct val="0"/>
+              </a:spcBef>
+              <a:spcAft>
+                <a:spcPct val="0"/>
+              </a:spcAft>
+              <a:defRPr/>
+            </a:pPr>
+            <a:r>
+              <a:rPr lang="en-GB" sz="1400" kern="0">
+                <a:solidFill>
+                  <a:srgbClr val="FFFFFF"/>
+                </a:solidFill>
+                <a:latin typeface="Arial" charset="0"/>
+              </a:rPr>
+              <a:t>VM</a:t>
+            </a:r>
+            <a:endParaRPr lang="en-US" sz="1400" kern="0">
+              <a:solidFill>
+                <a:srgbClr val="FFFFFF"/>
+              </a:solidFill>
+              <a:latin typeface="Arial" charset="0"/>
+            </a:endParaRPr>
+          </a:p>
+        </p:txBody>
+      </p:sp>
+      <p:sp>
+        <p:nvSpPr>
+          <p:cNvPr id="18" name="Rounded Rectangle 17"/>
+          <p:cNvSpPr/>
+          <p:nvPr/>
+        </p:nvSpPr>
+        <p:spPr bwMode="auto">
+          <a:xfrm>
+            <a:off x="4415662" y="3684162"/>
+            <a:ext cx="1371602" cy="420226"/>
+          </a:xfrm>
+          <a:prstGeom prst="roundRect">
+            <a:avLst>
+              <a:gd name="adj" fmla="val 0"/>
+            </a:avLst>
+          </a:prstGeom>
+          <a:solidFill>
+            <a:srgbClr val="7F7F7F"/>
+          </a:solidFill>
+          <a:ln w="9525" cap="flat" cmpd="sng" algn="ctr">
+            <a:noFill/>
+            <a:prstDash val="solid"/>
+            <a:round/>
+            <a:headEnd type="none" w="med" len="med"/>
+            <a:tailEnd type="none" w="med" len="med"/>
+          </a:ln>
+          <a:effectLst/>
+        </p:spPr>
+        <p:txBody>
+          <a:bodyPr vert="horz" wrap="square" lIns="68580" tIns="34290" rIns="68580" bIns="34290" numCol="1" rtlCol="0" anchor="ctr" anchorCtr="0" compatLnSpc="1">
+            <a:prstTxWarp prst="textNoShape">
+              <a:avLst/>
+            </a:prstTxWarp>
+          </a:bodyPr>
+          <a:lstStyle/>
+          <a:p>
+            <a:pPr algn="ctr" defTabSz="685783" eaLnBrk="0" fontAlgn="base" hangingPunct="0">
+              <a:spcBef>
+                <a:spcPct val="0"/>
+              </a:spcBef>
+              <a:spcAft>
+                <a:spcPct val="0"/>
+              </a:spcAft>
+            </a:pPr>
+            <a:r>
+              <a:rPr lang="en-GB" sz="1400" kern="0">
+                <a:solidFill>
+                  <a:srgbClr val="FFFFFF"/>
+                </a:solidFill>
+                <a:latin typeface="Arial" charset="0"/>
+              </a:rPr>
+              <a:t>VM</a:t>
+            </a:r>
+            <a:endParaRPr lang="en-US" sz="1400" kern="0">
+              <a:solidFill>
+                <a:srgbClr val="FFFFFF"/>
+              </a:solidFill>
+              <a:latin typeface="Arial" charset="0"/>
+            </a:endParaRPr>
+          </a:p>
+        </p:txBody>
+      </p:sp>
+      <p:sp>
+        <p:nvSpPr>
+          <p:cNvPr id="19" name="Rectangle 18"/>
+          <p:cNvSpPr/>
+          <p:nvPr/>
+        </p:nvSpPr>
+        <p:spPr>
+          <a:xfrm>
+            <a:off x="4421049" y="4177702"/>
+            <a:ext cx="4288836" cy="386116"/>
+          </a:xfrm>
+          <a:prstGeom prst="rect">
+            <a:avLst/>
+          </a:prstGeom>
+          <a:noFill/>
+          <a:ln w="57150" cap="flat" cmpd="sng" algn="ctr">
+            <a:solidFill>
+              <a:schemeClr val="accent1"/>
+            </a:solidFill>
+            <a:prstDash val="solid"/>
+          </a:ln>
+          <a:effectLst/>
+        </p:spPr>
+        <p:style>
+          <a:lnRef idx="2">
+            <a:scrgbClr r="0" g="0" b="0"/>
+          </a:lnRef>
+          <a:fillRef idx="1">
+            <a:scrgbClr r="0" g="0" b="0"/>
+          </a:fillRef>
+          <a:effectRef idx="0">
+            <a:scrgbClr r="0" g="0" b="0"/>
+          </a:effectRef>
+          <a:fontRef idx="minor">
+            <a:schemeClr val="lt1"/>
+          </a:fontRef>
+        </p:style>
+        <p:txBody>
+          <a:bodyPr spcFirstLastPara="0" vert="horz" wrap="square" lIns="6350" tIns="6350" rIns="6350" bIns="6350" numCol="1" spcCol="1270" rtlCol="0" anchor="ctr" anchorCtr="0">
+            <a:noAutofit/>
+          </a:bodyPr>
+          <a:lstStyle/>
+          <a:p>
+            <a:pPr algn="ctr" defTabSz="444500">
+              <a:lnSpc>
+                <a:spcPct val="90000"/>
+              </a:lnSpc>
+              <a:spcBef>
+                <a:spcPct val="0"/>
+              </a:spcBef>
+              <a:spcAft>
+                <a:spcPct val="35000"/>
+              </a:spcAft>
+            </a:pPr>
+            <a:endParaRPr lang="en-GB" sz="1000" kern="1200">
+              <a:solidFill>
+                <a:srgbClr val="34342B"/>
+              </a:solidFill>
+              <a:latin typeface="Vodafone Rg" pitchFamily="34" charset="0"/>
+              <a:ea typeface="+mn-ea"/>
+              <a:cs typeface="+mn-cs"/>
+            </a:endParaRPr>
+          </a:p>
+        </p:txBody>
+      </p:sp>
+      <p:pic>
+        <p:nvPicPr>
+          <p:cNvPr id="20" name="Picture 2" descr="Image result for ESXI VMWare logo"/>
+          <p:cNvPicPr>
+            <a:picLocks noChangeAspect="1" noChangeArrowheads="1"/>
+          </p:cNvPicPr>
+          <p:nvPr/>
+        </p:nvPicPr>
+        <p:blipFill>
+          <a:blip r:embed="rId5" cstate="print">
+            <a:extLst>
+              <a:ext uri="{28A0092B-C50C-407E-A947-70E740481C1C}">
+                <a14:useLocalDpi xmlns:a14="http://schemas.microsoft.com/office/drawing/2010/main" val="0"/>
+              </a:ext>
+            </a:extLst>
+          </a:blip>
+          <a:srcRect/>
+          <a:stretch>
+            <a:fillRect/>
+          </a:stretch>
+        </p:blipFill>
+        <p:spPr bwMode="auto">
+          <a:xfrm>
+            <a:off x="7862053" y="4219249"/>
+            <a:ext cx="808788" cy="319533"/>
+          </a:xfrm>
+          <a:prstGeom prst="rect">
+            <a:avLst/>
+          </a:prstGeom>
+          <a:noFill/>
+          <a:extLst>
+            <a:ext uri="{909E8E84-426E-40DD-AFC4-6F175D3DCCD1}">
+              <a14:hiddenFill xmlns:a14="http://schemas.microsoft.com/office/drawing/2010/main">
+                <a:solidFill>
+                  <a:srgbClr val="FFFFFF"/>
+                </a:solidFill>
+              </a14:hiddenFill>
+            </a:ext>
+          </a:extLst>
+        </p:spPr>
+      </p:pic>
+      <p:pic>
+        <p:nvPicPr>
+          <p:cNvPr id="21" name="Picture 2" descr="Image result for KVM logo png"/>
+          <p:cNvPicPr>
+            <a:picLocks noChangeAspect="1" noChangeArrowheads="1"/>
+          </p:cNvPicPr>
+          <p:nvPr/>
+        </p:nvPicPr>
+        <p:blipFill>
+          <a:blip r:embed="rId6" cstate="print">
+            <a:extLst>
+              <a:ext uri="{28A0092B-C50C-407E-A947-70E740481C1C}">
+                <a14:useLocalDpi xmlns:a14="http://schemas.microsoft.com/office/drawing/2010/main" val="0"/>
+              </a:ext>
+            </a:extLst>
+          </a:blip>
+          <a:srcRect/>
+          <a:stretch>
+            <a:fillRect/>
+          </a:stretch>
+        </p:blipFill>
+        <p:spPr bwMode="auto">
+          <a:xfrm>
+            <a:off x="4831857" y="4418730"/>
+            <a:ext cx="443940" cy="111077"/>
+          </a:xfrm>
+          <a:prstGeom prst="rect">
+            <a:avLst/>
+          </a:prstGeom>
+          <a:noFill/>
+          <a:extLst>
+            <a:ext uri="{909E8E84-426E-40DD-AFC4-6F175D3DCCD1}">
+              <a14:hiddenFill xmlns:a14="http://schemas.microsoft.com/office/drawing/2010/main">
+                <a:solidFill>
+                  <a:srgbClr val="FFFFFF"/>
+                </a:solidFill>
+              </a14:hiddenFill>
+            </a:ext>
+          </a:extLst>
+        </p:spPr>
+      </p:pic>
+      <p:pic>
+        <p:nvPicPr>
+          <p:cNvPr id="22" name="Picture 14" descr="Image result for openstack logo png"/>
+          <p:cNvPicPr>
+            <a:picLocks noChangeAspect="1" noChangeArrowheads="1"/>
+          </p:cNvPicPr>
+          <p:nvPr/>
+        </p:nvPicPr>
+        <p:blipFill>
+          <a:blip r:embed="rId7" cstate="print">
+            <a:extLst>
+              <a:ext uri="{28A0092B-C50C-407E-A947-70E740481C1C}">
+                <a14:useLocalDpi xmlns:a14="http://schemas.microsoft.com/office/drawing/2010/main" val="0"/>
+              </a:ext>
+            </a:extLst>
+          </a:blip>
+          <a:srcRect/>
+          <a:stretch>
+            <a:fillRect/>
+          </a:stretch>
+        </p:blipFill>
+        <p:spPr bwMode="auto">
+          <a:xfrm>
+            <a:off x="4803204" y="4212317"/>
+            <a:ext cx="535783" cy="204399"/>
+          </a:xfrm>
+          <a:prstGeom prst="rect">
+            <a:avLst/>
+          </a:prstGeom>
+          <a:noFill/>
+          <a:extLst>
+            <a:ext uri="{909E8E84-426E-40DD-AFC4-6F175D3DCCD1}">
+              <a14:hiddenFill xmlns:a14="http://schemas.microsoft.com/office/drawing/2010/main">
+                <a:solidFill>
+                  <a:srgbClr val="FFFFFF"/>
+                </a:solidFill>
+              </a14:hiddenFill>
+            </a:ext>
+          </a:extLst>
+        </p:spPr>
+      </p:pic>
+      <p:sp>
+        <p:nvSpPr>
+          <p:cNvPr id="23" name="Rounded Rectangle 20"/>
+          <p:cNvSpPr/>
+          <p:nvPr/>
+        </p:nvSpPr>
+        <p:spPr>
+          <a:xfrm>
+            <a:off x="4414423" y="4672239"/>
+            <a:ext cx="2064797" cy="375826"/>
+          </a:xfrm>
+          <a:prstGeom prst="roundRect">
+            <a:avLst>
+              <a:gd name="adj" fmla="val 0"/>
+            </a:avLst>
+          </a:prstGeom>
+          <a:solidFill>
+            <a:schemeClr val="accent4">
+              <a:alpha val="50000"/>
+            </a:schemeClr>
+          </a:solidFill>
+          <a:ln>
+            <a:noFill/>
+          </a:ln>
+        </p:spPr>
+        <p:style>
+          <a:lnRef idx="0">
+            <a:scrgbClr r="0" g="0" b="0"/>
+          </a:lnRef>
+          <a:fillRef idx="0">
+            <a:scrgbClr r="0" g="0" b="0"/>
+          </a:fillRef>
+          <a:effectRef idx="0">
+            <a:scrgbClr r="0" g="0" b="0"/>
+          </a:effectRef>
+          <a:fontRef idx="minor">
+            <a:schemeClr val="lt1"/>
+          </a:fontRef>
+        </p:style>
+        <p:txBody>
+          <a:bodyPr vert="horz" wrap="square" lIns="72000" tIns="72000" rIns="72000" bIns="72000" rtlCol="0" anchor="ctr" anchorCtr="0">
+            <a:noAutofit/>
+          </a:bodyPr>
+          <a:lstStyle/>
+          <a:p>
+            <a:pPr algn="ctr">
+              <a:buClr>
+                <a:srgbClr val="E60000"/>
+              </a:buClr>
+            </a:pPr>
+            <a:r>
+              <a:rPr lang="en-GB" sz="1000" b="1">
+                <a:solidFill>
+                  <a:schemeClr val="tx1"/>
+                </a:solidFill>
+                <a:cs typeface="Arial" panose="020B0604020202020204" pitchFamily="34" charset="0"/>
+              </a:rPr>
+              <a:t>Virtual</a:t>
+            </a:r>
+          </a:p>
+          <a:p>
+            <a:pPr algn="ctr">
+              <a:buClr>
+                <a:srgbClr val="E60000"/>
+              </a:buClr>
+            </a:pPr>
+            <a:r>
+              <a:rPr lang="en-GB" sz="1000" b="1">
+                <a:solidFill>
+                  <a:schemeClr val="tx1"/>
+                </a:solidFill>
+                <a:cs typeface="Arial" panose="020B0604020202020204" pitchFamily="34" charset="0"/>
+              </a:rPr>
+              <a:t>Network</a:t>
+            </a:r>
+          </a:p>
+        </p:txBody>
+      </p:sp>
+      <p:sp>
+        <p:nvSpPr>
+          <p:cNvPr id="24" name="Rectangle 23"/>
+          <p:cNvSpPr/>
+          <p:nvPr/>
+        </p:nvSpPr>
+        <p:spPr>
+          <a:xfrm>
+            <a:off x="4414424" y="4668348"/>
+            <a:ext cx="2064796" cy="386116"/>
+          </a:xfrm>
+          <a:prstGeom prst="rect">
+            <a:avLst/>
+          </a:prstGeom>
+          <a:noFill/>
+          <a:ln w="57150" cap="flat" cmpd="sng" algn="ctr">
+            <a:solidFill>
+              <a:schemeClr val="accent1"/>
+            </a:solidFill>
+            <a:prstDash val="solid"/>
+          </a:ln>
+          <a:effectLst/>
+        </p:spPr>
+        <p:style>
+          <a:lnRef idx="2">
+            <a:scrgbClr r="0" g="0" b="0"/>
+          </a:lnRef>
+          <a:fillRef idx="1">
+            <a:scrgbClr r="0" g="0" b="0"/>
+          </a:fillRef>
+          <a:effectRef idx="0">
+            <a:scrgbClr r="0" g="0" b="0"/>
+          </a:effectRef>
+          <a:fontRef idx="minor">
+            <a:schemeClr val="lt1"/>
+          </a:fontRef>
+        </p:style>
+        <p:txBody>
+          <a:bodyPr spcFirstLastPara="0" vert="horz" wrap="square" lIns="6350" tIns="6350" rIns="6350" bIns="6350" numCol="1" spcCol="1270" rtlCol="0" anchor="ctr" anchorCtr="0">
+            <a:noAutofit/>
+          </a:bodyPr>
+          <a:lstStyle/>
+          <a:p>
+            <a:pPr algn="ctr" defTabSz="444500">
+              <a:lnSpc>
+                <a:spcPct val="90000"/>
+              </a:lnSpc>
+              <a:spcBef>
+                <a:spcPct val="0"/>
+              </a:spcBef>
+              <a:spcAft>
+                <a:spcPct val="35000"/>
+              </a:spcAft>
+            </a:pPr>
+            <a:endParaRPr lang="en-GB" sz="1000" kern="1200">
+              <a:solidFill>
+                <a:srgbClr val="34342B"/>
+              </a:solidFill>
+              <a:latin typeface="Vodafone Rg" pitchFamily="34" charset="0"/>
+              <a:ea typeface="+mn-ea"/>
+              <a:cs typeface="+mn-cs"/>
+            </a:endParaRPr>
+          </a:p>
+        </p:txBody>
+      </p:sp>
+      <p:pic>
+        <p:nvPicPr>
+          <p:cNvPr id="25" name="Picture 14" descr="Image result for openstack logo png"/>
+          <p:cNvPicPr>
+            <a:picLocks noChangeAspect="1" noChangeArrowheads="1"/>
+          </p:cNvPicPr>
+          <p:nvPr/>
+        </p:nvPicPr>
+        <p:blipFill>
+          <a:blip r:embed="rId7" cstate="print">
+            <a:extLst>
+              <a:ext uri="{28A0092B-C50C-407E-A947-70E740481C1C}">
+                <a14:useLocalDpi xmlns:a14="http://schemas.microsoft.com/office/drawing/2010/main" val="0"/>
+              </a:ext>
+            </a:extLst>
+          </a:blip>
+          <a:srcRect/>
+          <a:stretch>
+            <a:fillRect/>
+          </a:stretch>
+        </p:blipFill>
+        <p:spPr bwMode="auto">
+          <a:xfrm>
+            <a:off x="4526599" y="4707655"/>
+            <a:ext cx="535783" cy="204399"/>
+          </a:xfrm>
+          <a:prstGeom prst="rect">
+            <a:avLst/>
+          </a:prstGeom>
+          <a:noFill/>
+          <a:extLst>
+            <a:ext uri="{909E8E84-426E-40DD-AFC4-6F175D3DCCD1}">
+              <a14:hiddenFill xmlns:a14="http://schemas.microsoft.com/office/drawing/2010/main">
+                <a:solidFill>
+                  <a:srgbClr val="FFFFFF"/>
+                </a:solidFill>
+              </a14:hiddenFill>
+            </a:ext>
+          </a:extLst>
+        </p:spPr>
+      </p:pic>
+      <p:sp>
+        <p:nvSpPr>
+          <p:cNvPr id="26" name="TextBox 25"/>
+          <p:cNvSpPr txBox="1"/>
+          <p:nvPr/>
+        </p:nvSpPr>
+        <p:spPr>
+          <a:xfrm>
+            <a:off x="4541352" y="4894745"/>
+            <a:ext cx="621267" cy="188736"/>
+          </a:xfrm>
+          <a:prstGeom prst="rect">
+            <a:avLst/>
+          </a:prstGeom>
+        </p:spPr>
+        <p:txBody>
+          <a:bodyPr wrap="square" lIns="0" tIns="0" rIns="0" bIns="0" rtlCol="0">
+            <a:noAutofit/>
+          </a:bodyPr>
+          <a:lstStyle/>
+          <a:p>
+            <a:pPr marL="0" indent="0">
+              <a:buFont typeface="Arial" pitchFamily="34" charset="0"/>
+              <a:buNone/>
+            </a:pPr>
+            <a:r>
+              <a:rPr lang="en-GB" sz="1000">
+                <a:latin typeface="Vodafone Rg" pitchFamily="34" charset="0"/>
+              </a:rPr>
+              <a:t>Neutron</a:t>
+            </a:r>
+          </a:p>
+        </p:txBody>
+      </p:sp>
+      <p:sp>
+        <p:nvSpPr>
+          <p:cNvPr id="27" name="TextBox 26"/>
+          <p:cNvSpPr txBox="1"/>
+          <p:nvPr/>
+        </p:nvSpPr>
+        <p:spPr>
+          <a:xfrm>
+            <a:off x="6075370" y="4825606"/>
+            <a:ext cx="360382" cy="188736"/>
+          </a:xfrm>
+          <a:prstGeom prst="rect">
+            <a:avLst/>
+          </a:prstGeom>
+        </p:spPr>
+        <p:txBody>
+          <a:bodyPr wrap="square" lIns="0" tIns="0" rIns="0" bIns="0" rtlCol="0">
+            <a:noAutofit/>
+          </a:bodyPr>
+          <a:lstStyle/>
+          <a:p>
+            <a:pPr marL="0" indent="0">
+              <a:buFont typeface="Arial" pitchFamily="34" charset="0"/>
+              <a:buNone/>
+            </a:pPr>
+            <a:r>
+              <a:rPr lang="en-GB" sz="1000">
+                <a:latin typeface="Vodafone Rg" pitchFamily="34" charset="0"/>
+              </a:rPr>
+              <a:t>NSX</a:t>
+            </a:r>
+          </a:p>
+        </p:txBody>
+      </p:sp>
+      <p:sp>
+        <p:nvSpPr>
+          <p:cNvPr id="28" name="Rounded Rectangle 20"/>
+          <p:cNvSpPr/>
+          <p:nvPr/>
+        </p:nvSpPr>
+        <p:spPr>
+          <a:xfrm>
+            <a:off x="6648269" y="4668349"/>
+            <a:ext cx="2064797" cy="375826"/>
+          </a:xfrm>
+          <a:prstGeom prst="roundRect">
+            <a:avLst>
+              <a:gd name="adj" fmla="val 0"/>
+            </a:avLst>
+          </a:prstGeom>
+          <a:solidFill>
+            <a:schemeClr val="accent4">
+              <a:alpha val="50000"/>
+            </a:schemeClr>
+          </a:solidFill>
+          <a:ln>
+            <a:noFill/>
+          </a:ln>
+        </p:spPr>
+        <p:style>
+          <a:lnRef idx="0">
+            <a:scrgbClr r="0" g="0" b="0"/>
+          </a:lnRef>
+          <a:fillRef idx="0">
+            <a:scrgbClr r="0" g="0" b="0"/>
+          </a:fillRef>
+          <a:effectRef idx="0">
+            <a:scrgbClr r="0" g="0" b="0"/>
+          </a:effectRef>
+          <a:fontRef idx="minor">
+            <a:schemeClr val="lt1"/>
+          </a:fontRef>
+        </p:style>
+        <p:txBody>
+          <a:bodyPr vert="horz" wrap="square" lIns="72000" tIns="72000" rIns="72000" bIns="72000" rtlCol="0" anchor="ctr" anchorCtr="0">
+            <a:noAutofit/>
+          </a:bodyPr>
+          <a:lstStyle/>
+          <a:p>
+            <a:pPr algn="ctr">
+              <a:buClr>
+                <a:srgbClr val="E60000"/>
+              </a:buClr>
+            </a:pPr>
+            <a:r>
+              <a:rPr lang="en-GB" sz="1000" b="1">
+                <a:solidFill>
+                  <a:schemeClr val="tx1"/>
+                </a:solidFill>
+                <a:cs typeface="Arial" panose="020B0604020202020204" pitchFamily="34" charset="0"/>
+              </a:rPr>
+              <a:t>Virtual</a:t>
+            </a:r>
+          </a:p>
+          <a:p>
+            <a:pPr algn="ctr">
+              <a:buClr>
+                <a:srgbClr val="E60000"/>
+              </a:buClr>
+            </a:pPr>
+            <a:r>
+              <a:rPr lang="en-GB" sz="1000" b="1">
+                <a:solidFill>
+                  <a:schemeClr val="tx1"/>
+                </a:solidFill>
+                <a:cs typeface="Arial" panose="020B0604020202020204" pitchFamily="34" charset="0"/>
+              </a:rPr>
+              <a:t>Network</a:t>
+            </a:r>
+          </a:p>
+        </p:txBody>
+      </p:sp>
+      <p:sp>
+        <p:nvSpPr>
+          <p:cNvPr id="29" name="Rectangle 28"/>
+          <p:cNvSpPr/>
+          <p:nvPr/>
+        </p:nvSpPr>
+        <p:spPr>
+          <a:xfrm>
+            <a:off x="6648270" y="4668348"/>
+            <a:ext cx="2064796" cy="386116"/>
+          </a:xfrm>
+          <a:prstGeom prst="rect">
+            <a:avLst/>
+          </a:prstGeom>
+          <a:noFill/>
+          <a:ln w="57150" cap="flat" cmpd="sng" algn="ctr">
+            <a:solidFill>
+              <a:schemeClr val="accent1"/>
+            </a:solidFill>
+            <a:prstDash val="solid"/>
+          </a:ln>
+          <a:effectLst/>
+        </p:spPr>
+        <p:style>
+          <a:lnRef idx="2">
+            <a:scrgbClr r="0" g="0" b="0"/>
+          </a:lnRef>
+          <a:fillRef idx="1">
+            <a:scrgbClr r="0" g="0" b="0"/>
+          </a:fillRef>
+          <a:effectRef idx="0">
+            <a:scrgbClr r="0" g="0" b="0"/>
+          </a:effectRef>
+          <a:fontRef idx="minor">
+            <a:schemeClr val="lt1"/>
+          </a:fontRef>
+        </p:style>
+        <p:txBody>
+          <a:bodyPr spcFirstLastPara="0" vert="horz" wrap="square" lIns="6350" tIns="6350" rIns="6350" bIns="6350" numCol="1" spcCol="1270" rtlCol="0" anchor="ctr" anchorCtr="0">
+            <a:noAutofit/>
+          </a:bodyPr>
+          <a:lstStyle/>
+          <a:p>
+            <a:pPr algn="ctr" defTabSz="444500">
+              <a:lnSpc>
+                <a:spcPct val="90000"/>
+              </a:lnSpc>
+              <a:spcBef>
+                <a:spcPct val="0"/>
+              </a:spcBef>
+              <a:spcAft>
+                <a:spcPct val="35000"/>
+              </a:spcAft>
+            </a:pPr>
+            <a:endParaRPr lang="en-GB" sz="1000" kern="1200">
+              <a:solidFill>
+                <a:srgbClr val="34342B"/>
+              </a:solidFill>
+              <a:latin typeface="Vodafone Rg" pitchFamily="34" charset="0"/>
+              <a:ea typeface="+mn-ea"/>
+              <a:cs typeface="+mn-cs"/>
+            </a:endParaRPr>
+          </a:p>
+        </p:txBody>
+      </p:sp>
+      <p:grpSp>
+        <p:nvGrpSpPr>
+          <p:cNvPr id="30" name="Group 29"/>
+          <p:cNvGrpSpPr/>
+          <p:nvPr/>
+        </p:nvGrpSpPr>
+        <p:grpSpPr>
+          <a:xfrm>
+            <a:off x="5826721" y="4742986"/>
+            <a:ext cx="529078" cy="226551"/>
+            <a:chOff x="2396603" y="2632554"/>
+            <a:chExt cx="454348" cy="224089"/>
+          </a:xfrm>
+        </p:grpSpPr>
+        <p:pic>
+          <p:nvPicPr>
+            <p:cNvPr id="31" name="Picture 30"/>
+            <p:cNvPicPr>
+              <a:picLocks noChangeAspect="1"/>
+            </p:cNvPicPr>
+            <p:nvPr/>
+          </p:nvPicPr>
+          <p:blipFill rotWithShape="1">
+            <a:blip r:embed="rId8" cstate="print">
+              <a:extLst>
+                <a:ext uri="{28A0092B-C50C-407E-A947-70E740481C1C}">
+                  <a14:useLocalDpi xmlns:a14="http://schemas.microsoft.com/office/drawing/2010/main" val="0"/>
+                </a:ext>
+              </a:extLst>
+            </a:blip>
+            <a:srcRect t="46424"/>
+            <a:stretch/>
+          </p:blipFill>
+          <p:spPr>
+            <a:xfrm>
+              <a:off x="2396603" y="2632554"/>
+              <a:ext cx="454348" cy="92128"/>
+            </a:xfrm>
+            <a:prstGeom prst="rect">
+              <a:avLst/>
+            </a:prstGeom>
+          </p:spPr>
+        </p:pic>
+        <p:pic>
+          <p:nvPicPr>
+            <p:cNvPr id="32" name="Picture 31" descr="Image result for vmware esxi png">
+              <a:hlinkClick r:id="rId9"/>
+            </p:cNvPr>
+            <p:cNvPicPr>
+              <a:picLocks noChangeAspect="1" noChangeArrowheads="1"/>
+            </p:cNvPicPr>
+            <p:nvPr/>
+          </p:nvPicPr>
+          <p:blipFill>
+            <a:blip r:embed="rId10" cstate="print">
+              <a:extLst>
+                <a:ext uri="{28A0092B-C50C-407E-A947-70E740481C1C}">
+                  <a14:useLocalDpi xmlns:a14="http://schemas.microsoft.com/office/drawing/2010/main" val="0"/>
+                </a:ext>
+              </a:extLst>
+            </a:blip>
+            <a:srcRect/>
+            <a:stretch>
+              <a:fillRect/>
+            </a:stretch>
+          </p:blipFill>
+          <p:spPr bwMode="auto">
+            <a:xfrm>
+              <a:off x="2456884" y="2717710"/>
+              <a:ext cx="149889" cy="138933"/>
+            </a:xfrm>
+            <a:prstGeom prst="rect">
+              <a:avLst/>
+            </a:prstGeom>
+            <a:noFill/>
+            <a:extLst>
+              <a:ext uri="{909E8E84-426E-40DD-AFC4-6F175D3DCCD1}">
+                <a14:hiddenFill xmlns:a14="http://schemas.microsoft.com/office/drawing/2010/main">
+                  <a:solidFill>
+                    <a:srgbClr val="FFFFFF"/>
+                  </a:solidFill>
+                </a14:hiddenFill>
+              </a:ext>
+            </a:extLst>
+          </p:spPr>
+        </p:pic>
+      </p:grpSp>
+      <p:grpSp>
+        <p:nvGrpSpPr>
+          <p:cNvPr id="33" name="Group 32"/>
+          <p:cNvGrpSpPr/>
+          <p:nvPr/>
+        </p:nvGrpSpPr>
+        <p:grpSpPr>
+          <a:xfrm>
+            <a:off x="8232986" y="4723275"/>
+            <a:ext cx="371465" cy="296168"/>
+            <a:chOff x="2917951" y="3827608"/>
+            <a:chExt cx="715901" cy="401493"/>
+          </a:xfrm>
+        </p:grpSpPr>
+        <p:pic>
+          <p:nvPicPr>
+            <p:cNvPr id="34" name="Picture 33" descr="https://www.sdxcentral.com/wp-content/uploads/2015/07/nuage_v_colour_RGB_med-300x202.png"/>
+            <p:cNvPicPr>
+              <a:picLocks noChangeAspect="1" noChangeArrowheads="1"/>
+            </p:cNvPicPr>
+            <p:nvPr/>
+          </p:nvPicPr>
+          <p:blipFill rotWithShape="1">
+            <a:blip r:embed="rId11" cstate="print">
+              <a:extLst>
+                <a:ext uri="{28A0092B-C50C-407E-A947-70E740481C1C}">
+                  <a14:useLocalDpi xmlns:a14="http://schemas.microsoft.com/office/drawing/2010/main" val="0"/>
+                </a:ext>
+              </a:extLst>
+            </a:blip>
+            <a:srcRect l="8887" t="11115" r="9358" b="23530"/>
+            <a:stretch/>
+          </p:blipFill>
+          <p:spPr bwMode="auto">
+            <a:xfrm>
+              <a:off x="2967037" y="3960019"/>
+              <a:ext cx="638175" cy="269082"/>
+            </a:xfrm>
+            <a:prstGeom prst="rect">
+              <a:avLst/>
+            </a:prstGeom>
+            <a:noFill/>
+            <a:extLst>
+              <a:ext uri="{909E8E84-426E-40DD-AFC4-6F175D3DCCD1}">
+                <a14:hiddenFill xmlns:a14="http://schemas.microsoft.com/office/drawing/2010/main">
+                  <a:solidFill>
+                    <a:srgbClr val="FFFFFF"/>
+                  </a:solidFill>
+                </a14:hiddenFill>
+              </a:ext>
+            </a:extLst>
+          </p:spPr>
+        </p:pic>
+        <p:pic>
+          <p:nvPicPr>
+            <p:cNvPr id="35" name="Picture 34" descr="Image result for nokia png">
+              <a:hlinkClick r:id="rId12"/>
+            </p:cNvPr>
+            <p:cNvPicPr>
+              <a:picLocks noChangeAspect="1" noChangeArrowheads="1"/>
+            </p:cNvPicPr>
+            <p:nvPr/>
+          </p:nvPicPr>
+          <p:blipFill rotWithShape="1">
+            <a:blip r:embed="rId13" cstate="print">
+              <a:extLst>
+                <a:ext uri="{28A0092B-C50C-407E-A947-70E740481C1C}">
+                  <a14:useLocalDpi xmlns:a14="http://schemas.microsoft.com/office/drawing/2010/main" val="0"/>
+                </a:ext>
+              </a:extLst>
+            </a:blip>
+            <a:srcRect t="36273" b="37119"/>
+            <a:stretch/>
+          </p:blipFill>
+          <p:spPr bwMode="auto">
+            <a:xfrm>
+              <a:off x="2917951" y="3827608"/>
+              <a:ext cx="715901" cy="132507"/>
+            </a:xfrm>
+            <a:prstGeom prst="rect">
+              <a:avLst/>
+            </a:prstGeom>
+            <a:noFill/>
+            <a:extLst>
+              <a:ext uri="{909E8E84-426E-40DD-AFC4-6F175D3DCCD1}">
+                <a14:hiddenFill xmlns:a14="http://schemas.microsoft.com/office/drawing/2010/main">
+                  <a:solidFill>
+                    <a:srgbClr val="FFFFFF"/>
+                  </a:solidFill>
+                </a14:hiddenFill>
+              </a:ext>
+            </a:extLst>
+          </p:spPr>
+        </p:pic>
+      </p:grpSp>
+      <p:grpSp>
+        <p:nvGrpSpPr>
+          <p:cNvPr id="36" name="Group 35"/>
+          <p:cNvGrpSpPr/>
+          <p:nvPr/>
+        </p:nvGrpSpPr>
+        <p:grpSpPr>
+          <a:xfrm>
+            <a:off x="6758247" y="4733997"/>
+            <a:ext cx="496432" cy="263898"/>
+            <a:chOff x="5367166" y="1514822"/>
+            <a:chExt cx="418805" cy="263898"/>
+          </a:xfrm>
+        </p:grpSpPr>
+        <p:pic>
+          <p:nvPicPr>
+            <p:cNvPr id="37" name="Picture 36" descr="http://www.channelbiz.co.uk/wp-content/uploads/2013/01/juniper-networks-blue-png.png"/>
+            <p:cNvPicPr>
+              <a:picLocks noChangeAspect="1" noChangeArrowheads="1"/>
+            </p:cNvPicPr>
+            <p:nvPr/>
+          </p:nvPicPr>
+          <p:blipFill rotWithShape="1">
+            <a:blip r:embed="rId14" cstate="print">
+              <a:extLst>
+                <a:ext uri="{28A0092B-C50C-407E-A947-70E740481C1C}">
+                  <a14:useLocalDpi xmlns:a14="http://schemas.microsoft.com/office/drawing/2010/main" val="0"/>
+                </a:ext>
+              </a:extLst>
+            </a:blip>
+            <a:srcRect l="4854" t="5220" r="4624" b="11701"/>
+            <a:stretch/>
+          </p:blipFill>
+          <p:spPr bwMode="auto">
+            <a:xfrm>
+              <a:off x="5367166" y="1514822"/>
+              <a:ext cx="418805" cy="157052"/>
+            </a:xfrm>
+            <a:prstGeom prst="rect">
+              <a:avLst/>
+            </a:prstGeom>
+            <a:noFill/>
+            <a:extLst>
+              <a:ext uri="{909E8E84-426E-40DD-AFC4-6F175D3DCCD1}">
+                <a14:hiddenFill xmlns:a14="http://schemas.microsoft.com/office/drawing/2010/main">
+                  <a:solidFill>
+                    <a:srgbClr val="FFFFFF"/>
+                  </a:solidFill>
+                </a14:hiddenFill>
+              </a:ext>
+            </a:extLst>
+          </p:spPr>
+        </p:pic>
+        <p:sp>
+          <p:nvSpPr>
+            <p:cNvPr id="38" name="TextBox 159"/>
+            <p:cNvSpPr txBox="1"/>
+            <p:nvPr/>
+          </p:nvSpPr>
+          <p:spPr>
+            <a:xfrm>
+              <a:off x="5388091" y="1657709"/>
+              <a:ext cx="304895" cy="121011"/>
+            </a:xfrm>
+            <a:prstGeom prst="rect">
+              <a:avLst/>
+            </a:prstGeom>
+          </p:spPr>
+          <p:txBody>
+            <a:bodyPr wrap="square" lIns="0" tIns="0" rIns="0" bIns="0" rtlCol="0">
+              <a:noAutofit/>
+            </a:bodyPr>
+            <a:lstStyle>
+              <a:defPPr>
+                <a:defRPr lang="en-US"/>
+              </a:defPPr>
+              <a:lvl1pPr marL="0" algn="l" defTabSz="914400" rtl="0" eaLnBrk="1" latinLnBrk="0" hangingPunct="1">
+                <a:defRPr sz="1800" kern="1200">
+                  <a:solidFill>
+                    <a:schemeClr val="tx1"/>
+                  </a:solidFill>
+                  <a:latin typeface="+mn-lt"/>
+                  <a:ea typeface="+mn-ea"/>
+                  <a:cs typeface="+mn-cs"/>
+                </a:defRPr>
+              </a:lvl1pPr>
+              <a:lvl2pPr marL="457200" algn="l" defTabSz="914400" rtl="0" eaLnBrk="1" latinLnBrk="0" hangingPunct="1">
+                <a:defRPr sz="1800" kern="1200">
+                  <a:solidFill>
+                    <a:schemeClr val="tx1"/>
+                  </a:solidFill>
+                  <a:latin typeface="+mn-lt"/>
+                  <a:ea typeface="+mn-ea"/>
+                  <a:cs typeface="+mn-cs"/>
+                </a:defRPr>
+              </a:lvl2pPr>
+              <a:lvl3pPr marL="914400" algn="l" defTabSz="914400" rtl="0" eaLnBrk="1" latinLnBrk="0" hangingPunct="1">
+                <a:defRPr sz="1800" kern="1200">
+                  <a:solidFill>
+                    <a:schemeClr val="tx1"/>
+                  </a:solidFill>
+                  <a:latin typeface="+mn-lt"/>
+                  <a:ea typeface="+mn-ea"/>
+                  <a:cs typeface="+mn-cs"/>
+                </a:defRPr>
+              </a:lvl3pPr>
+              <a:lvl4pPr marL="1371600" algn="l" defTabSz="914400" rtl="0" eaLnBrk="1" latinLnBrk="0" hangingPunct="1">
+                <a:defRPr sz="1800" kern="1200">
+                  <a:solidFill>
+                    <a:schemeClr val="tx1"/>
+                  </a:solidFill>
+                  <a:latin typeface="+mn-lt"/>
+                  <a:ea typeface="+mn-ea"/>
+                  <a:cs typeface="+mn-cs"/>
+                </a:defRPr>
+              </a:lvl4pPr>
+              <a:lvl5pPr marL="1828800" algn="l" defTabSz="914400" rtl="0" eaLnBrk="1" latinLnBrk="0" hangingPunct="1">
+                <a:defRPr sz="1800" kern="1200">
+                  <a:solidFill>
+                    <a:schemeClr val="tx1"/>
+                  </a:solidFill>
+                  <a:latin typeface="+mn-lt"/>
+                  <a:ea typeface="+mn-ea"/>
+                  <a:cs typeface="+mn-cs"/>
+                </a:defRPr>
+              </a:lvl5pPr>
+              <a:lvl6pPr marL="2286000" algn="l" defTabSz="914400" rtl="0" eaLnBrk="1" latinLnBrk="0" hangingPunct="1">
+                <a:defRPr sz="1800" kern="1200">
+                  <a:solidFill>
+                    <a:schemeClr val="tx1"/>
+                  </a:solidFill>
+                  <a:latin typeface="+mn-lt"/>
+                  <a:ea typeface="+mn-ea"/>
+                  <a:cs typeface="+mn-cs"/>
+                </a:defRPr>
+              </a:lvl6pPr>
+              <a:lvl7pPr marL="2743200" algn="l" defTabSz="914400" rtl="0" eaLnBrk="1" latinLnBrk="0" hangingPunct="1">
+                <a:defRPr sz="1800" kern="1200">
+                  <a:solidFill>
+                    <a:schemeClr val="tx1"/>
+                  </a:solidFill>
+                  <a:latin typeface="+mn-lt"/>
+                  <a:ea typeface="+mn-ea"/>
+                  <a:cs typeface="+mn-cs"/>
+                </a:defRPr>
+              </a:lvl7pPr>
+              <a:lvl8pPr marL="3200400" algn="l" defTabSz="914400" rtl="0" eaLnBrk="1" latinLnBrk="0" hangingPunct="1">
+                <a:defRPr sz="1800" kern="1200">
+                  <a:solidFill>
+                    <a:schemeClr val="tx1"/>
+                  </a:solidFill>
+                  <a:latin typeface="+mn-lt"/>
+                  <a:ea typeface="+mn-ea"/>
+                  <a:cs typeface="+mn-cs"/>
+                </a:defRPr>
+              </a:lvl8pPr>
+              <a:lvl9pPr marL="3657600" algn="l" defTabSz="914400" rtl="0" eaLnBrk="1" latinLnBrk="0" hangingPunct="1">
+                <a:defRPr sz="1800" kern="1200">
+                  <a:solidFill>
+                    <a:schemeClr val="tx1"/>
+                  </a:solidFill>
+                  <a:latin typeface="+mn-lt"/>
+                  <a:ea typeface="+mn-ea"/>
+                  <a:cs typeface="+mn-cs"/>
+                </a:defRPr>
+              </a:lvl9pPr>
+            </a:lstStyle>
+            <a:p>
+              <a:pPr marL="0" marR="0" lvl="0" indent="0" algn="l" defTabSz="914400" rtl="0" eaLnBrk="1" fontAlgn="auto" latinLnBrk="0" hangingPunct="1">
+                <a:lnSpc>
+                  <a:spcPct val="100000"/>
+                </a:lnSpc>
+                <a:spcBef>
+                  <a:spcPts val="0"/>
+                </a:spcBef>
+                <a:spcAft>
+                  <a:spcPts val="0"/>
+                </a:spcAft>
+                <a:buClrTx/>
+                <a:buSzTx/>
+                <a:buFontTx/>
+                <a:buNone/>
+                <a:tabLst/>
+                <a:defRPr/>
+              </a:pPr>
+              <a:r>
+                <a:rPr kumimoji="0" lang="en-GB" sz="600" b="0" i="0" u="none" strike="noStrike" kern="1200" cap="none" spc="0" normalizeH="0" baseline="0" noProof="0">
+                  <a:ln>
+                    <a:noFill/>
+                  </a:ln>
+                  <a:solidFill>
+                    <a:srgbClr val="5383AB"/>
+                  </a:solidFill>
+                  <a:effectLst/>
+                  <a:uLnTx/>
+                  <a:uFillTx/>
+                  <a:latin typeface="Vodafone Rg" pitchFamily="34" charset="0"/>
+                  <a:ea typeface="+mn-ea"/>
+                  <a:cs typeface="+mn-cs"/>
+                </a:rPr>
+                <a:t>Contrail</a:t>
+              </a:r>
+            </a:p>
+          </p:txBody>
+        </p:sp>
+      </p:grpSp>
+    </p:spTree>
+    <p:extLst>
+      <p:ext uri="{BB962C8B-B14F-4D97-AF65-F5344CB8AC3E}">
+        <p14:creationId xmlns:p14="http://schemas.microsoft.com/office/powerpoint/2010/main" val="872086625"/>
+      </p:ext>
+    </p:extLst>
+  </p:cSld>
+  <p:clrMapOvr>
+    <a:masterClrMapping/>
+  </p:clrMapOvr>
+  <p:timing>
+    <p:tnLst>
+      <p:par>
+        <p:cTn id="1" dur="indefinite" restart="never" nodeType="tmRoot"/>
+      </p:par>
+    </p:tnLst>
+  </p:timing>
+</p:sld>
+</file>
+
+<file path=ppt/slides/slide16.xml><?xml version="1.0" encoding="utf-8"?>
+<p:sld xmlns:a="http://schemas.openxmlformats.org/drawingml/2006/main" xmlns:r="http://schemas.openxmlformats.org/officeDocument/2006/relationships" xmlns:p="http://schemas.openxmlformats.org/presentationml/2006/main">
+  <p:cSld>
+    <p:spTree>
+      <p:nvGrpSpPr>
+        <p:cNvPr id="1" name=""/>
+        <p:cNvGrpSpPr/>
+        <p:nvPr/>
+      </p:nvGrpSpPr>
+      <p:grpSpPr>
+        <a:xfrm>
+          <a:off x="0" y="0"/>
+          <a:ext cx="0" cy="0"/>
+          <a:chOff x="0" y="0"/>
+          <a:chExt cx="0" cy="0"/>
+        </a:xfrm>
+      </p:grpSpPr>
+      <p:sp>
+        <p:nvSpPr>
+          <p:cNvPr id="19" name="Title 1"/>
+          <p:cNvSpPr>
+            <a:spLocks noGrp="1"/>
+          </p:cNvSpPr>
+          <p:nvPr>
+            <p:ph type="title"/>
+          </p:nvPr>
+        </p:nvSpPr>
+        <p:spPr>
+          <a:xfrm>
+            <a:off x="467810" y="260953"/>
+            <a:ext cx="10515600" cy="676597"/>
+          </a:xfrm>
+        </p:spPr>
+        <p:txBody>
+          <a:bodyPr>
+            <a:normAutofit fontScale="90000"/>
+          </a:bodyPr>
+          <a:lstStyle/>
+          <a:p>
+            <a:r>
+              <a:rPr lang="en-GB" dirty="0" smtClean="0"/>
+              <a:t>Software Terminologies</a:t>
+            </a:r>
+            <a:endParaRPr lang="en-GB" dirty="0"/>
+          </a:p>
+        </p:txBody>
+      </p:sp>
+      <p:grpSp>
+        <p:nvGrpSpPr>
+          <p:cNvPr id="65" name="Group 64"/>
+          <p:cNvGrpSpPr/>
+          <p:nvPr/>
+        </p:nvGrpSpPr>
+        <p:grpSpPr>
+          <a:xfrm>
+            <a:off x="2884441" y="1572114"/>
+            <a:ext cx="7164802" cy="3913535"/>
+            <a:chOff x="2869229" y="1636029"/>
+            <a:chExt cx="7164802" cy="3913535"/>
+          </a:xfrm>
+        </p:grpSpPr>
+        <p:sp>
+          <p:nvSpPr>
+            <p:cNvPr id="64" name="Rectangle 63"/>
+            <p:cNvSpPr/>
+            <p:nvPr/>
+          </p:nvSpPr>
+          <p:spPr>
+            <a:xfrm>
+              <a:off x="3308728" y="1636029"/>
+              <a:ext cx="6708075" cy="1118993"/>
+            </a:xfrm>
+            <a:prstGeom prst="rect">
+              <a:avLst/>
+            </a:prstGeom>
+            <a:solidFill>
+              <a:schemeClr val="accent6">
+                <a:lumMod val="75000"/>
+                <a:alpha val="50000"/>
+              </a:schemeClr>
+            </a:solidFill>
+            <a:ln>
+              <a:noFill/>
+            </a:ln>
+          </p:spPr>
+          <p:style>
+            <a:lnRef idx="0">
+              <a:scrgbClr r="0" g="0" b="0"/>
+            </a:lnRef>
+            <a:fillRef idx="0">
+              <a:scrgbClr r="0" g="0" b="0"/>
+            </a:fillRef>
+            <a:effectRef idx="0">
+              <a:scrgbClr r="0" g="0" b="0"/>
+            </a:effectRef>
+            <a:fontRef idx="minor">
+              <a:schemeClr val="lt1"/>
+            </a:fontRef>
+          </p:style>
+          <p:txBody>
+            <a:bodyPr rtlCol="0" anchor="ctr"/>
+            <a:lstStyle/>
+            <a:p>
+              <a:pPr algn="ctr"/>
+              <a:endParaRPr lang="en-GB"/>
+            </a:p>
+          </p:txBody>
+        </p:sp>
+        <p:sp>
+          <p:nvSpPr>
+            <p:cNvPr id="45" name="Rectangle 44"/>
+            <p:cNvSpPr/>
+            <p:nvPr/>
+          </p:nvSpPr>
+          <p:spPr>
+            <a:xfrm>
+              <a:off x="3325956" y="2756243"/>
+              <a:ext cx="6708075" cy="1572474"/>
+            </a:xfrm>
+            <a:prstGeom prst="rect">
+              <a:avLst/>
+            </a:prstGeom>
+            <a:solidFill>
+              <a:schemeClr val="accent6">
+                <a:lumMod val="60000"/>
+                <a:lumOff val="40000"/>
+                <a:alpha val="50000"/>
+              </a:schemeClr>
+            </a:solidFill>
+            <a:ln>
+              <a:noFill/>
+            </a:ln>
+          </p:spPr>
+          <p:style>
+            <a:lnRef idx="0">
+              <a:scrgbClr r="0" g="0" b="0"/>
+            </a:lnRef>
+            <a:fillRef idx="0">
+              <a:scrgbClr r="0" g="0" b="0"/>
+            </a:fillRef>
+            <a:effectRef idx="0">
+              <a:scrgbClr r="0" g="0" b="0"/>
+            </a:effectRef>
+            <a:fontRef idx="minor">
+              <a:schemeClr val="lt1"/>
+            </a:fontRef>
+          </p:style>
+          <p:txBody>
+            <a:bodyPr rtlCol="0" anchor="ctr"/>
+            <a:lstStyle/>
+            <a:p>
+              <a:pPr algn="ctr"/>
+              <a:endParaRPr lang="en-GB"/>
+            </a:p>
+          </p:txBody>
+        </p:sp>
+        <p:sp>
+          <p:nvSpPr>
+            <p:cNvPr id="21" name="Rectangle 20"/>
+            <p:cNvSpPr/>
+            <p:nvPr/>
+          </p:nvSpPr>
+          <p:spPr>
+            <a:xfrm>
+              <a:off x="3310429" y="4328718"/>
+              <a:ext cx="6723602" cy="1209676"/>
+            </a:xfrm>
+            <a:prstGeom prst="rect">
+              <a:avLst/>
+            </a:prstGeom>
+            <a:solidFill>
+              <a:schemeClr val="accent6">
+                <a:lumMod val="60000"/>
+                <a:lumOff val="40000"/>
+              </a:schemeClr>
+            </a:solidFill>
+            <a:ln>
+              <a:noFill/>
+            </a:ln>
+          </p:spPr>
+          <p:style>
+            <a:lnRef idx="2">
+              <a:schemeClr val="accent1">
+                <a:shade val="50000"/>
+              </a:schemeClr>
+            </a:lnRef>
+            <a:fillRef idx="1">
+              <a:schemeClr val="accent1"/>
+            </a:fillRef>
+            <a:effectRef idx="0">
+              <a:schemeClr val="accent1"/>
+            </a:effectRef>
+            <a:fontRef idx="minor">
+              <a:schemeClr val="lt1"/>
+            </a:fontRef>
+          </p:style>
+          <p:txBody>
+            <a:bodyPr rtlCol="0" anchor="ctr"/>
+            <a:lstStyle/>
+            <a:p>
+              <a:pPr algn="ctr"/>
+              <a:endParaRPr lang="en-GB"/>
+            </a:p>
+          </p:txBody>
+        </p:sp>
+        <p:sp>
+          <p:nvSpPr>
+            <p:cNvPr id="3" name="Rounded Rectangle 2"/>
+            <p:cNvSpPr/>
+            <p:nvPr/>
+          </p:nvSpPr>
+          <p:spPr>
+            <a:xfrm>
+              <a:off x="3676331" y="2919835"/>
+              <a:ext cx="704850" cy="306847"/>
+            </a:xfrm>
+            <a:prstGeom prst="roundRect">
+              <a:avLst/>
+            </a:prstGeom>
+            <a:solidFill>
+              <a:srgbClr val="D4E8C6"/>
+            </a:solidFill>
+            <a:ln>
+              <a:solidFill>
+                <a:schemeClr val="tx1"/>
+              </a:solidFill>
+            </a:ln>
+          </p:spPr>
+          <p:style>
+            <a:lnRef idx="2">
+              <a:schemeClr val="accent1">
+                <a:shade val="50000"/>
+              </a:schemeClr>
+            </a:lnRef>
+            <a:fillRef idx="1">
+              <a:schemeClr val="accent1"/>
+            </a:fillRef>
+            <a:effectRef idx="0">
+              <a:schemeClr val="accent1"/>
+            </a:effectRef>
+            <a:fontRef idx="minor">
+              <a:schemeClr val="lt1"/>
+            </a:fontRef>
+          </p:style>
+          <p:txBody>
+            <a:bodyPr rtlCol="0" anchor="ctr"/>
+            <a:lstStyle/>
+            <a:p>
+              <a:pPr algn="ctr"/>
+              <a:r>
+                <a:rPr lang="en-GB" sz="1600" dirty="0" err="1" smtClean="0">
+                  <a:solidFill>
+                    <a:schemeClr val="tx1"/>
+                  </a:solidFill>
+                </a:rPr>
+                <a:t>vApp</a:t>
+              </a:r>
+              <a:endParaRPr lang="en-GB" sz="1600" dirty="0">
+                <a:solidFill>
+                  <a:schemeClr val="tx1"/>
+                </a:solidFill>
+              </a:endParaRPr>
+            </a:p>
+          </p:txBody>
+        </p:sp>
+        <p:sp>
+          <p:nvSpPr>
+            <p:cNvPr id="39" name="Rounded Rectangle 38"/>
+            <p:cNvSpPr/>
+            <p:nvPr/>
+          </p:nvSpPr>
+          <p:spPr>
+            <a:xfrm>
+              <a:off x="4503879" y="2919835"/>
+              <a:ext cx="704850" cy="314336"/>
+            </a:xfrm>
+            <a:prstGeom prst="roundRect">
+              <a:avLst/>
+            </a:prstGeom>
+            <a:solidFill>
+              <a:srgbClr val="D4E8C6"/>
+            </a:solidFill>
+            <a:ln>
+              <a:solidFill>
+                <a:schemeClr val="tx1"/>
+              </a:solidFill>
+            </a:ln>
+          </p:spPr>
+          <p:style>
+            <a:lnRef idx="2">
+              <a:schemeClr val="accent1">
+                <a:shade val="50000"/>
+              </a:schemeClr>
+            </a:lnRef>
+            <a:fillRef idx="1">
+              <a:schemeClr val="accent1"/>
+            </a:fillRef>
+            <a:effectRef idx="0">
+              <a:schemeClr val="accent1"/>
+            </a:effectRef>
+            <a:fontRef idx="minor">
+              <a:schemeClr val="lt1"/>
+            </a:fontRef>
+          </p:style>
+          <p:txBody>
+            <a:bodyPr rtlCol="0" anchor="ctr"/>
+            <a:lstStyle/>
+            <a:p>
+              <a:pPr algn="ctr"/>
+              <a:r>
+                <a:rPr lang="en-GB" sz="1600" dirty="0" smtClean="0">
+                  <a:solidFill>
+                    <a:schemeClr val="tx1"/>
+                  </a:solidFill>
+                </a:rPr>
+                <a:t>VNF</a:t>
+              </a:r>
+              <a:endParaRPr lang="en-GB" sz="1600" dirty="0">
+                <a:solidFill>
+                  <a:schemeClr val="tx1"/>
+                </a:solidFill>
+              </a:endParaRPr>
+            </a:p>
+          </p:txBody>
+        </p:sp>
+        <p:sp>
+          <p:nvSpPr>
+            <p:cNvPr id="44" name="Rounded Rectangle 43"/>
+            <p:cNvSpPr/>
+            <p:nvPr/>
+          </p:nvSpPr>
+          <p:spPr>
+            <a:xfrm>
+              <a:off x="7949198" y="2919835"/>
+              <a:ext cx="704850" cy="314336"/>
+            </a:xfrm>
+            <a:prstGeom prst="roundRect">
+              <a:avLst/>
+            </a:prstGeom>
+            <a:solidFill>
+              <a:srgbClr val="D4E8C6"/>
+            </a:solidFill>
+            <a:ln>
+              <a:solidFill>
+                <a:schemeClr val="tx1"/>
+              </a:solidFill>
+            </a:ln>
+          </p:spPr>
+          <p:style>
+            <a:lnRef idx="2">
+              <a:schemeClr val="accent1">
+                <a:shade val="50000"/>
+              </a:schemeClr>
+            </a:lnRef>
+            <a:fillRef idx="1">
+              <a:schemeClr val="accent1"/>
+            </a:fillRef>
+            <a:effectRef idx="0">
+              <a:schemeClr val="accent1"/>
+            </a:effectRef>
+            <a:fontRef idx="minor">
+              <a:schemeClr val="lt1"/>
+            </a:fontRef>
+          </p:style>
+          <p:txBody>
+            <a:bodyPr rtlCol="0" anchor="ctr"/>
+            <a:lstStyle/>
+            <a:p>
+              <a:pPr algn="ctr"/>
+              <a:r>
+                <a:rPr lang="en-GB" dirty="0">
+                  <a:solidFill>
+                    <a:schemeClr val="tx1"/>
+                  </a:solidFill>
+                </a:rPr>
+                <a:t>C</a:t>
+              </a:r>
+              <a:r>
+                <a:rPr lang="en-GB" dirty="0" smtClean="0">
+                  <a:solidFill>
+                    <a:schemeClr val="tx1"/>
+                  </a:solidFill>
+                </a:rPr>
+                <a:t>NF</a:t>
+              </a:r>
+              <a:endParaRPr lang="en-GB" dirty="0">
+                <a:solidFill>
+                  <a:schemeClr val="tx1"/>
+                </a:solidFill>
+              </a:endParaRPr>
+            </a:p>
+          </p:txBody>
+        </p:sp>
+        <p:sp>
+          <p:nvSpPr>
+            <p:cNvPr id="46" name="Rounded Rectangle 45"/>
+            <p:cNvSpPr/>
+            <p:nvPr/>
+          </p:nvSpPr>
+          <p:spPr>
+            <a:xfrm>
+              <a:off x="5466185" y="3490218"/>
+              <a:ext cx="858735" cy="485651"/>
+            </a:xfrm>
+            <a:prstGeom prst="roundRect">
+              <a:avLst/>
+            </a:prstGeom>
+            <a:solidFill>
+              <a:srgbClr val="D4E8C6"/>
+            </a:solidFill>
+            <a:ln>
+              <a:solidFill>
+                <a:schemeClr val="tx1"/>
+              </a:solidFill>
+            </a:ln>
+          </p:spPr>
+          <p:style>
+            <a:lnRef idx="2">
+              <a:schemeClr val="accent1">
+                <a:shade val="50000"/>
+              </a:schemeClr>
+            </a:lnRef>
+            <a:fillRef idx="1">
+              <a:schemeClr val="accent1"/>
+            </a:fillRef>
+            <a:effectRef idx="0">
+              <a:schemeClr val="accent1"/>
+            </a:effectRef>
+            <a:fontRef idx="minor">
+              <a:schemeClr val="lt1"/>
+            </a:fontRef>
+          </p:style>
+          <p:txBody>
+            <a:bodyPr rtlCol="0" anchor="ctr"/>
+            <a:lstStyle/>
+            <a:p>
+              <a:pPr algn="ctr"/>
+              <a:r>
+                <a:rPr lang="en-GB" dirty="0" smtClean="0">
+                  <a:solidFill>
+                    <a:schemeClr val="tx1"/>
+                  </a:solidFill>
+                </a:rPr>
+                <a:t>VM</a:t>
+              </a:r>
+              <a:endParaRPr lang="en-GB" dirty="0">
+                <a:solidFill>
+                  <a:schemeClr val="tx1"/>
+                </a:solidFill>
+              </a:endParaRPr>
+            </a:p>
+          </p:txBody>
+        </p:sp>
+        <p:cxnSp>
+          <p:nvCxnSpPr>
+            <p:cNvPr id="47" name="Straight Connector 46"/>
+            <p:cNvCxnSpPr>
+              <a:stCxn id="29" idx="2"/>
+            </p:cNvCxnSpPr>
+            <p:nvPr/>
+          </p:nvCxnSpPr>
+          <p:spPr>
+            <a:xfrm>
+              <a:off x="3425475" y="4328718"/>
+              <a:ext cx="6601939" cy="0"/>
+            </a:xfrm>
+            <a:prstGeom prst="line">
+              <a:avLst/>
+            </a:prstGeom>
+            <a:ln w="28575">
+              <a:solidFill>
+                <a:schemeClr val="tx1"/>
+              </a:solidFill>
+            </a:ln>
+          </p:spPr>
+          <p:style>
+            <a:lnRef idx="1">
+              <a:schemeClr val="accent1"/>
+            </a:lnRef>
+            <a:fillRef idx="0">
+              <a:schemeClr val="accent1"/>
+            </a:fillRef>
+            <a:effectRef idx="0">
+              <a:schemeClr val="accent1"/>
+            </a:effectRef>
+            <a:fontRef idx="minor">
+              <a:schemeClr val="tx1"/>
+            </a:fontRef>
+          </p:style>
+        </p:cxnSp>
+        <p:sp>
+          <p:nvSpPr>
+            <p:cNvPr id="48" name="Rounded Rectangle 47"/>
+            <p:cNvSpPr/>
+            <p:nvPr/>
+          </p:nvSpPr>
+          <p:spPr>
+            <a:xfrm>
+              <a:off x="3914282" y="4621820"/>
+              <a:ext cx="1533524" cy="348699"/>
+            </a:xfrm>
+            <a:prstGeom prst="roundRect">
+              <a:avLst/>
+            </a:prstGeom>
+            <a:solidFill>
+              <a:srgbClr val="A9D18E"/>
+            </a:solidFill>
+            <a:ln>
+              <a:solidFill>
+                <a:schemeClr val="tx1"/>
+              </a:solidFill>
+            </a:ln>
+          </p:spPr>
+          <p:style>
+            <a:lnRef idx="2">
+              <a:schemeClr val="accent1">
+                <a:shade val="50000"/>
+              </a:schemeClr>
+            </a:lnRef>
+            <a:fillRef idx="1">
+              <a:schemeClr val="accent1"/>
+            </a:fillRef>
+            <a:effectRef idx="0">
+              <a:schemeClr val="accent1"/>
+            </a:effectRef>
+            <a:fontRef idx="minor">
+              <a:schemeClr val="lt1"/>
+            </a:fontRef>
+          </p:style>
+          <p:txBody>
+            <a:bodyPr rtlCol="0" anchor="ctr"/>
+            <a:lstStyle/>
+            <a:p>
+              <a:pPr algn="ctr"/>
+              <a:r>
+                <a:rPr lang="en-GB" sz="1600" dirty="0" smtClean="0">
+                  <a:solidFill>
+                    <a:schemeClr val="tx1"/>
+                  </a:solidFill>
+                </a:rPr>
+                <a:t>Hypervisor</a:t>
+              </a:r>
+              <a:endParaRPr lang="en-GB" sz="1600" dirty="0">
+                <a:solidFill>
+                  <a:schemeClr val="tx1"/>
+                </a:solidFill>
+              </a:endParaRPr>
+            </a:p>
+          </p:txBody>
+        </p:sp>
+        <p:cxnSp>
+          <p:nvCxnSpPr>
+            <p:cNvPr id="50" name="Straight Connector 49"/>
+            <p:cNvCxnSpPr/>
+            <p:nvPr/>
+          </p:nvCxnSpPr>
+          <p:spPr>
+            <a:xfrm>
+              <a:off x="3425475" y="2766193"/>
+              <a:ext cx="6601939" cy="0"/>
+            </a:xfrm>
+            <a:prstGeom prst="line">
+              <a:avLst/>
+            </a:prstGeom>
+            <a:ln w="28575">
+              <a:solidFill>
+                <a:schemeClr val="tx1"/>
+              </a:solidFill>
+            </a:ln>
+          </p:spPr>
+          <p:style>
+            <a:lnRef idx="1">
+              <a:schemeClr val="accent1"/>
+            </a:lnRef>
+            <a:fillRef idx="0">
+              <a:schemeClr val="accent1"/>
+            </a:fillRef>
+            <a:effectRef idx="0">
+              <a:schemeClr val="accent1"/>
+            </a:effectRef>
+            <a:fontRef idx="minor">
+              <a:schemeClr val="tx1"/>
+            </a:fontRef>
+          </p:style>
+        </p:cxnSp>
+        <p:sp>
+          <p:nvSpPr>
+            <p:cNvPr id="61" name="Right Brace 60"/>
+            <p:cNvSpPr/>
+            <p:nvPr/>
+          </p:nvSpPr>
+          <p:spPr>
+            <a:xfrm flipH="1">
+              <a:off x="3212318" y="4328719"/>
+              <a:ext cx="204248" cy="1209675"/>
+            </a:xfrm>
+            <a:prstGeom prst="rightBrace">
+              <a:avLst/>
+            </a:prstGeom>
+            <a:ln w="28575">
+              <a:solidFill>
+                <a:schemeClr val="tx1"/>
+              </a:solidFill>
+            </a:ln>
+          </p:spPr>
+          <p:style>
+            <a:lnRef idx="1">
+              <a:schemeClr val="accent1"/>
+            </a:lnRef>
+            <a:fillRef idx="0">
+              <a:schemeClr val="accent1"/>
+            </a:fillRef>
+            <a:effectRef idx="0">
+              <a:schemeClr val="accent1"/>
+            </a:effectRef>
+            <a:fontRef idx="minor">
+              <a:schemeClr val="tx1"/>
+            </a:fontRef>
+          </p:style>
+          <p:txBody>
+            <a:bodyPr rtlCol="0" anchor="ctr"/>
+            <a:lstStyle/>
+            <a:p>
+              <a:pPr algn="ctr"/>
+              <a:endParaRPr lang="en-GB" dirty="0"/>
+            </a:p>
+          </p:txBody>
+        </p:sp>
+        <p:sp>
+          <p:nvSpPr>
+            <p:cNvPr id="62" name="TextBox 61"/>
+            <p:cNvSpPr txBox="1"/>
+            <p:nvPr/>
+          </p:nvSpPr>
+          <p:spPr>
+            <a:xfrm rot="16200000">
+              <a:off x="2380707" y="4655493"/>
+              <a:ext cx="1254044" cy="276999"/>
+            </a:xfrm>
+            <a:prstGeom prst="rect">
+              <a:avLst/>
+            </a:prstGeom>
+            <a:noFill/>
+          </p:spPr>
+          <p:txBody>
+            <a:bodyPr wrap="square" rtlCol="0">
+              <a:spAutoFit/>
+            </a:bodyPr>
+            <a:lstStyle/>
+            <a:p>
+              <a:r>
+                <a:rPr lang="en-GB" sz="1200" b="1" dirty="0" smtClean="0"/>
+                <a:t>NFVI SW Layer</a:t>
+              </a:r>
+              <a:endParaRPr lang="en-GB" sz="1200" b="1" dirty="0"/>
+            </a:p>
+          </p:txBody>
+        </p:sp>
+        <p:sp>
+          <p:nvSpPr>
+            <p:cNvPr id="25" name="Rounded Rectangle 24"/>
+            <p:cNvSpPr/>
+            <p:nvPr/>
+          </p:nvSpPr>
+          <p:spPr>
+            <a:xfrm>
+              <a:off x="5792319" y="2251873"/>
+              <a:ext cx="1760220" cy="352510"/>
+            </a:xfrm>
+            <a:prstGeom prst="roundRect">
+              <a:avLst/>
+            </a:prstGeom>
+            <a:solidFill>
+              <a:srgbClr val="A9C09A"/>
+            </a:solidFill>
+            <a:ln>
+              <a:solidFill>
+                <a:schemeClr val="tx1"/>
+              </a:solidFill>
+            </a:ln>
+          </p:spPr>
+          <p:style>
+            <a:lnRef idx="2">
+              <a:schemeClr val="accent1">
+                <a:shade val="50000"/>
+              </a:schemeClr>
+            </a:lnRef>
+            <a:fillRef idx="1">
+              <a:schemeClr val="accent1"/>
+            </a:fillRef>
+            <a:effectRef idx="0">
+              <a:schemeClr val="accent1"/>
+            </a:effectRef>
+            <a:fontRef idx="minor">
+              <a:schemeClr val="lt1"/>
+            </a:fontRef>
+          </p:style>
+          <p:txBody>
+            <a:bodyPr rtlCol="0" anchor="ctr"/>
+            <a:lstStyle/>
+            <a:p>
+              <a:pPr algn="ctr"/>
+              <a:r>
+                <a:rPr lang="en-GB" sz="1600" dirty="0" smtClean="0">
+                  <a:solidFill>
+                    <a:schemeClr val="tx1"/>
+                  </a:solidFill>
+                </a:rPr>
+                <a:t>Network Function</a:t>
+              </a:r>
+              <a:endParaRPr lang="en-GB" sz="1600" dirty="0">
+                <a:solidFill>
+                  <a:schemeClr val="tx1"/>
+                </a:solidFill>
+              </a:endParaRPr>
+            </a:p>
+          </p:txBody>
+        </p:sp>
+        <p:sp>
+          <p:nvSpPr>
+            <p:cNvPr id="26" name="Rounded Rectangle 25"/>
+            <p:cNvSpPr/>
+            <p:nvPr/>
+          </p:nvSpPr>
+          <p:spPr>
+            <a:xfrm>
+              <a:off x="5792319" y="1796744"/>
+              <a:ext cx="1760220" cy="348286"/>
+            </a:xfrm>
+            <a:prstGeom prst="roundRect">
+              <a:avLst/>
+            </a:prstGeom>
+            <a:solidFill>
+              <a:srgbClr val="A9C09A"/>
+            </a:solidFill>
+            <a:ln>
+              <a:solidFill>
+                <a:schemeClr val="tx1"/>
+              </a:solidFill>
+            </a:ln>
+          </p:spPr>
+          <p:style>
+            <a:lnRef idx="2">
+              <a:schemeClr val="accent1">
+                <a:shade val="50000"/>
+              </a:schemeClr>
+            </a:lnRef>
+            <a:fillRef idx="1">
+              <a:schemeClr val="accent1"/>
+            </a:fillRef>
+            <a:effectRef idx="0">
+              <a:schemeClr val="accent1"/>
+            </a:effectRef>
+            <a:fontRef idx="minor">
+              <a:schemeClr val="lt1"/>
+            </a:fontRef>
+          </p:style>
+          <p:txBody>
+            <a:bodyPr rtlCol="0" anchor="ctr"/>
+            <a:lstStyle/>
+            <a:p>
+              <a:pPr algn="ctr"/>
+              <a:r>
+                <a:rPr lang="en-GB" sz="1600" dirty="0" smtClean="0">
+                  <a:solidFill>
+                    <a:schemeClr val="tx1"/>
+                  </a:solidFill>
+                </a:rPr>
+                <a:t>Network Service</a:t>
+              </a:r>
+              <a:endParaRPr lang="en-GB" sz="1600" dirty="0">
+                <a:solidFill>
+                  <a:schemeClr val="tx1"/>
+                </a:solidFill>
+              </a:endParaRPr>
+            </a:p>
+          </p:txBody>
+        </p:sp>
+        <p:sp>
+          <p:nvSpPr>
+            <p:cNvPr id="27" name="Right Brace 26"/>
+            <p:cNvSpPr/>
+            <p:nvPr/>
+          </p:nvSpPr>
+          <p:spPr>
+            <a:xfrm flipH="1">
+              <a:off x="3209503" y="1636515"/>
+              <a:ext cx="213158" cy="1129678"/>
+            </a:xfrm>
+            <a:prstGeom prst="rightBrace">
+              <a:avLst/>
+            </a:prstGeom>
+            <a:ln w="28575">
+              <a:solidFill>
+                <a:schemeClr val="tx1"/>
+              </a:solidFill>
+            </a:ln>
+          </p:spPr>
+          <p:style>
+            <a:lnRef idx="1">
+              <a:schemeClr val="accent1"/>
+            </a:lnRef>
+            <a:fillRef idx="0">
+              <a:schemeClr val="accent1"/>
+            </a:fillRef>
+            <a:effectRef idx="0">
+              <a:schemeClr val="accent1"/>
+            </a:effectRef>
+            <a:fontRef idx="minor">
+              <a:schemeClr val="tx1"/>
+            </a:fontRef>
+          </p:style>
+          <p:txBody>
+            <a:bodyPr rtlCol="0" anchor="ctr"/>
+            <a:lstStyle/>
+            <a:p>
+              <a:pPr algn="ctr"/>
+              <a:endParaRPr lang="en-GB" dirty="0"/>
+            </a:p>
+          </p:txBody>
+        </p:sp>
+        <p:sp>
+          <p:nvSpPr>
+            <p:cNvPr id="28" name="TextBox 27"/>
+            <p:cNvSpPr txBox="1"/>
+            <p:nvPr/>
+          </p:nvSpPr>
+          <p:spPr>
+            <a:xfrm rot="16200000">
+              <a:off x="2471444" y="2038025"/>
+              <a:ext cx="1079053" cy="276999"/>
+            </a:xfrm>
+            <a:prstGeom prst="rect">
+              <a:avLst/>
+            </a:prstGeom>
+            <a:noFill/>
+          </p:spPr>
+          <p:txBody>
+            <a:bodyPr wrap="square" rtlCol="0">
+              <a:spAutoFit/>
+            </a:bodyPr>
+            <a:lstStyle/>
+            <a:p>
+              <a:r>
+                <a:rPr lang="en-GB" sz="1200" b="1" dirty="0" smtClean="0"/>
+                <a:t>Service Layer</a:t>
+              </a:r>
+              <a:endParaRPr lang="en-GB" sz="1200" b="1" dirty="0"/>
+            </a:p>
+          </p:txBody>
+        </p:sp>
+        <p:sp>
+          <p:nvSpPr>
+            <p:cNvPr id="29" name="Right Brace 28"/>
+            <p:cNvSpPr/>
+            <p:nvPr/>
+          </p:nvSpPr>
+          <p:spPr>
+            <a:xfrm flipH="1">
+              <a:off x="3214651" y="2766193"/>
+              <a:ext cx="210824" cy="1562525"/>
+            </a:xfrm>
+            <a:prstGeom prst="rightBrace">
+              <a:avLst/>
+            </a:prstGeom>
+            <a:ln w="28575">
+              <a:solidFill>
+                <a:schemeClr val="tx1"/>
+              </a:solidFill>
+            </a:ln>
+          </p:spPr>
+          <p:style>
+            <a:lnRef idx="1">
+              <a:schemeClr val="accent1"/>
+            </a:lnRef>
+            <a:fillRef idx="0">
+              <a:schemeClr val="accent1"/>
+            </a:fillRef>
+            <a:effectRef idx="0">
+              <a:schemeClr val="accent1"/>
+            </a:effectRef>
+            <a:fontRef idx="minor">
+              <a:schemeClr val="tx1"/>
+            </a:fontRef>
+          </p:style>
+          <p:txBody>
+            <a:bodyPr rtlCol="0" anchor="ctr"/>
+            <a:lstStyle/>
+            <a:p>
+              <a:pPr algn="ctr"/>
+              <a:endParaRPr lang="en-GB" dirty="0"/>
+            </a:p>
+          </p:txBody>
+        </p:sp>
+        <p:sp>
+          <p:nvSpPr>
+            <p:cNvPr id="30" name="TextBox 29"/>
+            <p:cNvSpPr txBox="1"/>
+            <p:nvPr/>
+          </p:nvSpPr>
+          <p:spPr>
+            <a:xfrm rot="16200000">
+              <a:off x="2357139" y="3416503"/>
+              <a:ext cx="1306097" cy="276999"/>
+            </a:xfrm>
+            <a:prstGeom prst="rect">
+              <a:avLst/>
+            </a:prstGeom>
+            <a:noFill/>
+          </p:spPr>
+          <p:txBody>
+            <a:bodyPr wrap="square" rtlCol="0">
+              <a:spAutoFit/>
+            </a:bodyPr>
+            <a:lstStyle/>
+            <a:p>
+              <a:r>
+                <a:rPr lang="en-GB" sz="1200" b="1" dirty="0" smtClean="0"/>
+                <a:t>Application Layer</a:t>
+              </a:r>
+              <a:endParaRPr lang="en-GB" sz="1200" b="1" dirty="0"/>
+            </a:p>
+          </p:txBody>
+        </p:sp>
+        <p:sp>
+          <p:nvSpPr>
+            <p:cNvPr id="31" name="Rounded Rectangle 30"/>
+            <p:cNvSpPr/>
+            <p:nvPr/>
+          </p:nvSpPr>
+          <p:spPr>
+            <a:xfrm>
+              <a:off x="7692023" y="3490218"/>
+              <a:ext cx="1219200" cy="485651"/>
+            </a:xfrm>
+            <a:prstGeom prst="roundRect">
+              <a:avLst/>
+            </a:prstGeom>
+            <a:solidFill>
+              <a:srgbClr val="D4E8C6"/>
+            </a:solidFill>
+            <a:ln>
+              <a:solidFill>
+                <a:schemeClr val="tx1"/>
+              </a:solidFill>
+            </a:ln>
+          </p:spPr>
+          <p:style>
+            <a:lnRef idx="2">
+              <a:schemeClr val="accent1">
+                <a:shade val="50000"/>
+              </a:schemeClr>
+            </a:lnRef>
+            <a:fillRef idx="1">
+              <a:schemeClr val="accent1"/>
+            </a:fillRef>
+            <a:effectRef idx="0">
+              <a:schemeClr val="accent1"/>
+            </a:effectRef>
+            <a:fontRef idx="minor">
+              <a:schemeClr val="lt1"/>
+            </a:fontRef>
+          </p:style>
+          <p:txBody>
+            <a:bodyPr rtlCol="0" anchor="ctr"/>
+            <a:lstStyle/>
+            <a:p>
+              <a:pPr algn="ctr"/>
+              <a:r>
+                <a:rPr lang="en-GB" dirty="0" smtClean="0">
+                  <a:solidFill>
+                    <a:schemeClr val="tx1"/>
+                  </a:solidFill>
+                </a:rPr>
+                <a:t>Container</a:t>
+              </a:r>
+              <a:endParaRPr lang="en-GB" dirty="0">
+                <a:solidFill>
+                  <a:schemeClr val="tx1"/>
+                </a:solidFill>
+              </a:endParaRPr>
+            </a:p>
+          </p:txBody>
+        </p:sp>
+        <p:cxnSp>
+          <p:nvCxnSpPr>
+            <p:cNvPr id="32" name="Straight Connector 31"/>
+            <p:cNvCxnSpPr>
+              <a:stCxn id="61" idx="2"/>
+            </p:cNvCxnSpPr>
+            <p:nvPr/>
+          </p:nvCxnSpPr>
+          <p:spPr>
+            <a:xfrm>
+              <a:off x="3416566" y="5538394"/>
+              <a:ext cx="6610848" cy="0"/>
+            </a:xfrm>
+            <a:prstGeom prst="line">
+              <a:avLst/>
+            </a:prstGeom>
+            <a:ln w="28575">
+              <a:solidFill>
+                <a:schemeClr val="tx1"/>
+              </a:solidFill>
+            </a:ln>
+          </p:spPr>
+          <p:style>
+            <a:lnRef idx="1">
+              <a:schemeClr val="accent1"/>
+            </a:lnRef>
+            <a:fillRef idx="0">
+              <a:schemeClr val="accent1"/>
+            </a:fillRef>
+            <a:effectRef idx="0">
+              <a:schemeClr val="accent1"/>
+            </a:effectRef>
+            <a:fontRef idx="minor">
+              <a:schemeClr val="tx1"/>
+            </a:fontRef>
+          </p:style>
+        </p:cxnSp>
+        <p:cxnSp>
+          <p:nvCxnSpPr>
+            <p:cNvPr id="16" name="Straight Connector 15"/>
+            <p:cNvCxnSpPr/>
+            <p:nvPr/>
+          </p:nvCxnSpPr>
+          <p:spPr>
+            <a:xfrm flipH="1">
+              <a:off x="6662766" y="2795732"/>
+              <a:ext cx="1" cy="1540657"/>
+            </a:xfrm>
+            <a:prstGeom prst="line">
+              <a:avLst/>
+            </a:prstGeom>
+            <a:ln w="28575">
+              <a:solidFill>
+                <a:schemeClr val="tx1"/>
+              </a:solidFill>
+              <a:prstDash val="dash"/>
+            </a:ln>
+          </p:spPr>
+          <p:style>
+            <a:lnRef idx="1">
+              <a:schemeClr val="accent1"/>
+            </a:lnRef>
+            <a:fillRef idx="0">
+              <a:schemeClr val="accent1"/>
+            </a:fillRef>
+            <a:effectRef idx="0">
+              <a:schemeClr val="accent1"/>
+            </a:effectRef>
+            <a:fontRef idx="minor">
+              <a:schemeClr val="tx1"/>
+            </a:fontRef>
+          </p:style>
+        </p:cxnSp>
+        <p:cxnSp>
+          <p:nvCxnSpPr>
+            <p:cNvPr id="53" name="Straight Connector 52"/>
+            <p:cNvCxnSpPr/>
+            <p:nvPr/>
+          </p:nvCxnSpPr>
+          <p:spPr>
+            <a:xfrm>
+              <a:off x="10027414" y="1636515"/>
+              <a:ext cx="0" cy="3901879"/>
+            </a:xfrm>
+            <a:prstGeom prst="line">
+              <a:avLst/>
+            </a:prstGeom>
+            <a:ln w="28575">
+              <a:solidFill>
+                <a:schemeClr val="tx1"/>
+              </a:solidFill>
+            </a:ln>
+          </p:spPr>
+          <p:style>
+            <a:lnRef idx="1">
+              <a:schemeClr val="accent1"/>
+            </a:lnRef>
+            <a:fillRef idx="0">
+              <a:schemeClr val="accent1"/>
+            </a:fillRef>
+            <a:effectRef idx="0">
+              <a:schemeClr val="accent1"/>
+            </a:effectRef>
+            <a:fontRef idx="minor">
+              <a:schemeClr val="tx1"/>
+            </a:fontRef>
+          </p:style>
+        </p:cxnSp>
+        <p:cxnSp>
+          <p:nvCxnSpPr>
+            <p:cNvPr id="54" name="Straight Connector 53"/>
+            <p:cNvCxnSpPr/>
+            <p:nvPr/>
+          </p:nvCxnSpPr>
+          <p:spPr>
+            <a:xfrm>
+              <a:off x="3416566" y="1636999"/>
+              <a:ext cx="6610848" cy="0"/>
+            </a:xfrm>
+            <a:prstGeom prst="line">
+              <a:avLst/>
+            </a:prstGeom>
+            <a:ln w="28575">
+              <a:solidFill>
+                <a:schemeClr val="tx1"/>
+              </a:solidFill>
+            </a:ln>
+          </p:spPr>
+          <p:style>
+            <a:lnRef idx="1">
+              <a:schemeClr val="accent1"/>
+            </a:lnRef>
+            <a:fillRef idx="0">
+              <a:schemeClr val="accent1"/>
+            </a:fillRef>
+            <a:effectRef idx="0">
+              <a:schemeClr val="accent1"/>
+            </a:effectRef>
+            <a:fontRef idx="minor">
+              <a:schemeClr val="tx1"/>
+            </a:fontRef>
+          </p:style>
+        </p:cxnSp>
+        <p:sp>
+          <p:nvSpPr>
+            <p:cNvPr id="56" name="Rounded Rectangle 55"/>
+            <p:cNvSpPr/>
+            <p:nvPr/>
+          </p:nvSpPr>
+          <p:spPr>
+            <a:xfrm>
+              <a:off x="5318817" y="2919835"/>
+              <a:ext cx="1006103" cy="314336"/>
+            </a:xfrm>
+            <a:prstGeom prst="roundRect">
+              <a:avLst/>
+            </a:prstGeom>
+            <a:solidFill>
+              <a:srgbClr val="D4E8C6"/>
+            </a:solidFill>
+            <a:ln>
+              <a:solidFill>
+                <a:schemeClr val="tx1"/>
+              </a:solidFill>
+            </a:ln>
+          </p:spPr>
+          <p:style>
+            <a:lnRef idx="2">
+              <a:schemeClr val="accent1">
+                <a:shade val="50000"/>
+              </a:schemeClr>
+            </a:lnRef>
+            <a:fillRef idx="1">
+              <a:schemeClr val="accent1"/>
+            </a:fillRef>
+            <a:effectRef idx="0">
+              <a:schemeClr val="accent1"/>
+            </a:effectRef>
+            <a:fontRef idx="minor">
+              <a:schemeClr val="lt1"/>
+            </a:fontRef>
+          </p:style>
+          <p:txBody>
+            <a:bodyPr rtlCol="0" anchor="ctr"/>
+            <a:lstStyle/>
+            <a:p>
+              <a:pPr algn="ctr"/>
+              <a:r>
+                <a:rPr lang="en-GB" sz="1600" dirty="0" smtClean="0">
+                  <a:solidFill>
+                    <a:schemeClr val="tx1"/>
+                  </a:solidFill>
+                </a:rPr>
+                <a:t>workload</a:t>
+              </a:r>
+              <a:endParaRPr lang="en-GB" sz="1600" dirty="0">
+                <a:solidFill>
+                  <a:schemeClr val="tx1"/>
+                </a:solidFill>
+              </a:endParaRPr>
+            </a:p>
+          </p:txBody>
+        </p:sp>
+        <p:sp>
+          <p:nvSpPr>
+            <p:cNvPr id="34" name="Rounded Rectangle 33"/>
+            <p:cNvSpPr/>
+            <p:nvPr/>
+          </p:nvSpPr>
+          <p:spPr>
+            <a:xfrm>
+              <a:off x="5604164" y="4387688"/>
+              <a:ext cx="2145747" cy="426682"/>
+            </a:xfrm>
+            <a:prstGeom prst="roundRect">
+              <a:avLst/>
+            </a:prstGeom>
+            <a:solidFill>
+              <a:srgbClr val="A9D18E"/>
+            </a:solidFill>
+            <a:ln>
+              <a:solidFill>
+                <a:schemeClr val="tx1"/>
+              </a:solidFill>
+            </a:ln>
+          </p:spPr>
+          <p:style>
+            <a:lnRef idx="2">
+              <a:schemeClr val="accent1">
+                <a:shade val="50000"/>
+              </a:schemeClr>
+            </a:lnRef>
+            <a:fillRef idx="1">
+              <a:schemeClr val="accent1"/>
+            </a:fillRef>
+            <a:effectRef idx="0">
+              <a:schemeClr val="accent1"/>
+            </a:effectRef>
+            <a:fontRef idx="minor">
+              <a:schemeClr val="lt1"/>
+            </a:fontRef>
+          </p:style>
+          <p:txBody>
+            <a:bodyPr rtlCol="0" anchor="ctr"/>
+            <a:lstStyle/>
+            <a:p>
+              <a:pPr algn="ctr"/>
+              <a:r>
+                <a:rPr lang="en-GB" sz="1100" dirty="0" smtClean="0">
+                  <a:solidFill>
+                    <a:schemeClr val="tx1"/>
+                  </a:solidFill>
+                </a:rPr>
+                <a:t>Compute | Networks | Storage</a:t>
+              </a:r>
+            </a:p>
+            <a:p>
+              <a:pPr algn="ctr"/>
+              <a:r>
+                <a:rPr lang="en-GB" sz="1600" dirty="0" smtClean="0">
+                  <a:solidFill>
+                    <a:schemeClr val="tx1"/>
+                  </a:solidFill>
+                </a:rPr>
+                <a:t>Virtual Resources</a:t>
+              </a:r>
+              <a:endParaRPr lang="en-GB" sz="1600" dirty="0">
+                <a:solidFill>
+                  <a:schemeClr val="tx1"/>
+                </a:solidFill>
+              </a:endParaRPr>
+            </a:p>
+          </p:txBody>
+        </p:sp>
+        <p:sp>
+          <p:nvSpPr>
+            <p:cNvPr id="36" name="Rounded Rectangle 35"/>
+            <p:cNvSpPr/>
+            <p:nvPr/>
+          </p:nvSpPr>
+          <p:spPr>
+            <a:xfrm>
+              <a:off x="7906269" y="4621820"/>
+              <a:ext cx="1786784" cy="348699"/>
+            </a:xfrm>
+            <a:prstGeom prst="roundRect">
+              <a:avLst/>
+            </a:prstGeom>
+            <a:solidFill>
+              <a:srgbClr val="A9D18E"/>
+            </a:solidFill>
+            <a:ln>
+              <a:solidFill>
+                <a:schemeClr val="tx1"/>
+              </a:solidFill>
+            </a:ln>
+          </p:spPr>
+          <p:style>
+            <a:lnRef idx="2">
+              <a:schemeClr val="accent1">
+                <a:shade val="50000"/>
+              </a:schemeClr>
+            </a:lnRef>
+            <a:fillRef idx="1">
+              <a:schemeClr val="accent1"/>
+            </a:fillRef>
+            <a:effectRef idx="0">
+              <a:schemeClr val="accent1"/>
+            </a:effectRef>
+            <a:fontRef idx="minor">
+              <a:schemeClr val="lt1"/>
+            </a:fontRef>
+          </p:style>
+          <p:txBody>
+            <a:bodyPr rtlCol="0" anchor="ctr"/>
+            <a:lstStyle/>
+            <a:p>
+              <a:pPr algn="ctr"/>
+              <a:r>
+                <a:rPr lang="en-GB" sz="1600" dirty="0" smtClean="0">
+                  <a:solidFill>
+                    <a:schemeClr val="tx1"/>
+                  </a:solidFill>
+                </a:rPr>
+                <a:t>Container Engine</a:t>
+              </a:r>
+              <a:endParaRPr lang="en-GB" sz="1600" dirty="0">
+                <a:solidFill>
+                  <a:schemeClr val="tx1"/>
+                </a:solidFill>
+              </a:endParaRPr>
+            </a:p>
+          </p:txBody>
+        </p:sp>
+        <p:grpSp>
+          <p:nvGrpSpPr>
+            <p:cNvPr id="15" name="Group 14"/>
+            <p:cNvGrpSpPr/>
+            <p:nvPr/>
+          </p:nvGrpSpPr>
+          <p:grpSpPr>
+            <a:xfrm>
+              <a:off x="7744522" y="5156028"/>
+              <a:ext cx="2249992" cy="361330"/>
+              <a:chOff x="4558987" y="5907297"/>
+              <a:chExt cx="2249992" cy="361330"/>
+            </a:xfrm>
+          </p:grpSpPr>
+          <p:sp>
+            <p:nvSpPr>
+              <p:cNvPr id="13" name="Rounded Rectangle 12"/>
+              <p:cNvSpPr/>
+              <p:nvPr/>
+            </p:nvSpPr>
+            <p:spPr>
+              <a:xfrm>
+                <a:off x="4558987" y="5907297"/>
+                <a:ext cx="2249992" cy="346755"/>
+              </a:xfrm>
+              <a:prstGeom prst="roundRect">
+                <a:avLst/>
+              </a:prstGeom>
+              <a:solidFill>
+                <a:srgbClr val="939393"/>
+              </a:solidFill>
+              <a:ln>
+                <a:noFill/>
+              </a:ln>
+            </p:spPr>
+            <p:style>
+              <a:lnRef idx="2">
+                <a:schemeClr val="accent1">
+                  <a:shade val="50000"/>
+                </a:schemeClr>
+              </a:lnRef>
+              <a:fillRef idx="1">
+                <a:schemeClr val="accent1"/>
+              </a:fillRef>
+              <a:effectRef idx="0">
+                <a:schemeClr val="accent1"/>
+              </a:effectRef>
+              <a:fontRef idx="minor">
+                <a:schemeClr val="lt1"/>
+              </a:fontRef>
+            </p:style>
+            <p:txBody>
+              <a:bodyPr rtlCol="0" anchor="ctr"/>
+              <a:lstStyle/>
+              <a:p>
+                <a:pPr algn="ctr"/>
+                <a:endParaRPr lang="en-GB"/>
+              </a:p>
+            </p:txBody>
+          </p:sp>
+          <p:pic>
+            <p:nvPicPr>
+              <p:cNvPr id="12" name="Picture 11"/>
+              <p:cNvPicPr>
+                <a:picLocks noChangeAspect="1"/>
+              </p:cNvPicPr>
+              <p:nvPr/>
+            </p:nvPicPr>
+            <p:blipFill>
+              <a:blip r:embed="rId3" cstate="print">
+                <a:extLst>
+                  <a:ext uri="{28A0092B-C50C-407E-A947-70E740481C1C}">
+                    <a14:useLocalDpi xmlns:a14="http://schemas.microsoft.com/office/drawing/2010/main" val="0"/>
+                  </a:ext>
+                </a:extLst>
+              </a:blip>
+              <a:stretch>
+                <a:fillRect/>
+              </a:stretch>
+            </p:blipFill>
+            <p:spPr>
+              <a:xfrm>
+                <a:off x="4629175" y="5976794"/>
+                <a:ext cx="275255" cy="275255"/>
+              </a:xfrm>
+              <a:prstGeom prst="rect">
+                <a:avLst/>
+              </a:prstGeom>
+            </p:spPr>
+          </p:pic>
+          <p:sp>
+            <p:nvSpPr>
+              <p:cNvPr id="14" name="Rectangle 13"/>
+              <p:cNvSpPr/>
+              <p:nvPr/>
+            </p:nvSpPr>
+            <p:spPr>
+              <a:xfrm>
+                <a:off x="4929280" y="5960850"/>
+                <a:ext cx="1845697" cy="307777"/>
+              </a:xfrm>
+              <a:prstGeom prst="rect">
+                <a:avLst/>
+              </a:prstGeom>
+            </p:spPr>
+            <p:txBody>
+              <a:bodyPr wrap="none">
+                <a:spAutoFit/>
+              </a:bodyPr>
+              <a:lstStyle/>
+              <a:p>
+                <a:pPr algn="ctr"/>
+                <a:r>
+                  <a:rPr lang="en-GB" sz="1400" dirty="0"/>
+                  <a:t>NFVI SW Configuration</a:t>
+                </a:r>
+              </a:p>
+            </p:txBody>
+          </p:sp>
+        </p:grpSp>
+        <p:grpSp>
+          <p:nvGrpSpPr>
+            <p:cNvPr id="20" name="Group 19"/>
+            <p:cNvGrpSpPr/>
+            <p:nvPr/>
+          </p:nvGrpSpPr>
+          <p:grpSpPr>
+            <a:xfrm>
+              <a:off x="3182967" y="5111685"/>
+              <a:ext cx="1860498" cy="437879"/>
+              <a:chOff x="1229066" y="5715000"/>
+              <a:chExt cx="1860498" cy="437879"/>
+            </a:xfrm>
+          </p:grpSpPr>
+          <p:pic>
+            <p:nvPicPr>
+              <p:cNvPr id="17" name="Picture 16"/>
+              <p:cNvPicPr>
+                <a:picLocks noChangeAspect="1"/>
+              </p:cNvPicPr>
+              <p:nvPr/>
+            </p:nvPicPr>
+            <p:blipFill rotWithShape="1">
+              <a:blip r:embed="rId4" cstate="print">
+                <a:extLst>
+                  <a:ext uri="{28A0092B-C50C-407E-A947-70E740481C1C}">
+                    <a14:useLocalDpi xmlns:a14="http://schemas.microsoft.com/office/drawing/2010/main" val="0"/>
+                  </a:ext>
+                </a:extLst>
+              </a:blip>
+              <a:srcRect t="30354" b="31218"/>
+              <a:stretch/>
+            </p:blipFill>
+            <p:spPr>
+              <a:xfrm>
+                <a:off x="1229066" y="5715000"/>
+                <a:ext cx="1860498" cy="437879"/>
+              </a:xfrm>
+              <a:prstGeom prst="rect">
+                <a:avLst/>
+              </a:prstGeom>
+            </p:spPr>
+          </p:pic>
+          <p:sp>
+            <p:nvSpPr>
+              <p:cNvPr id="18" name="Rectangle 17"/>
+              <p:cNvSpPr/>
+              <p:nvPr/>
+            </p:nvSpPr>
+            <p:spPr>
+              <a:xfrm>
+                <a:off x="1308657" y="5795439"/>
+                <a:ext cx="1582813" cy="276999"/>
+              </a:xfrm>
+              <a:prstGeom prst="rect">
+                <a:avLst/>
+              </a:prstGeom>
+            </p:spPr>
+            <p:txBody>
+              <a:bodyPr wrap="square">
+                <a:spAutoFit/>
+              </a:bodyPr>
+              <a:lstStyle/>
+              <a:p>
+                <a:pPr algn="ctr"/>
+                <a:r>
+                  <a:rPr lang="en-GB" sz="1200" dirty="0">
+                    <a:solidFill>
+                      <a:schemeClr val="bg1"/>
+                    </a:solidFill>
+                  </a:rPr>
+                  <a:t>NFVI SW Profile</a:t>
+                </a:r>
+              </a:p>
+            </p:txBody>
+          </p:sp>
+        </p:grpSp>
+        <p:grpSp>
+          <p:nvGrpSpPr>
+            <p:cNvPr id="60" name="Group 59"/>
+            <p:cNvGrpSpPr/>
+            <p:nvPr/>
+          </p:nvGrpSpPr>
+          <p:grpSpPr>
+            <a:xfrm>
+              <a:off x="3671860" y="3350148"/>
+              <a:ext cx="1669747" cy="816823"/>
+              <a:chOff x="381971" y="4621820"/>
+              <a:chExt cx="1669747" cy="816823"/>
+            </a:xfrm>
+          </p:grpSpPr>
+          <p:grpSp>
+            <p:nvGrpSpPr>
+              <p:cNvPr id="59" name="Group 58"/>
+              <p:cNvGrpSpPr/>
+              <p:nvPr/>
+            </p:nvGrpSpPr>
+            <p:grpSpPr>
+              <a:xfrm>
+                <a:off x="381971" y="4640497"/>
+                <a:ext cx="1667564" cy="798146"/>
+                <a:chOff x="381971" y="4640497"/>
+                <a:chExt cx="1667564" cy="798146"/>
+              </a:xfrm>
+            </p:grpSpPr>
+            <p:sp>
+              <p:nvSpPr>
+                <p:cNvPr id="42" name="Rounded Rectangle 41"/>
+                <p:cNvSpPr/>
+                <p:nvPr/>
+              </p:nvSpPr>
+              <p:spPr>
+                <a:xfrm>
+                  <a:off x="381971" y="4640497"/>
+                  <a:ext cx="1667564" cy="798146"/>
+                </a:xfrm>
+                <a:prstGeom prst="roundRect">
+                  <a:avLst/>
+                </a:prstGeom>
+              </p:spPr>
+              <p:style>
+                <a:lnRef idx="2">
+                  <a:schemeClr val="accent1">
+                    <a:shade val="50000"/>
+                  </a:schemeClr>
+                </a:lnRef>
+                <a:fillRef idx="1">
+                  <a:schemeClr val="accent1"/>
+                </a:fillRef>
+                <a:effectRef idx="0">
+                  <a:schemeClr val="accent1"/>
+                </a:effectRef>
+                <a:fontRef idx="minor">
+                  <a:schemeClr val="lt1"/>
+                </a:fontRef>
+              </p:style>
+              <p:txBody>
+                <a:bodyPr rtlCol="0" anchor="ctr"/>
+                <a:lstStyle/>
+                <a:p>
+                  <a:pPr algn="ctr"/>
+                  <a:endParaRPr lang="en-GB"/>
+                </a:p>
+              </p:txBody>
+            </p:sp>
+            <p:pic>
+              <p:nvPicPr>
+                <p:cNvPr id="38" name="Picture 37"/>
+                <p:cNvPicPr>
+                  <a:picLocks noChangeAspect="1"/>
+                </p:cNvPicPr>
+                <p:nvPr/>
+              </p:nvPicPr>
+              <p:blipFill>
+                <a:blip r:embed="rId5" cstate="print">
+                  <a:extLst>
+                    <a:ext uri="{28A0092B-C50C-407E-A947-70E740481C1C}">
+                      <a14:useLocalDpi xmlns:a14="http://schemas.microsoft.com/office/drawing/2010/main" val="0"/>
+                    </a:ext>
+                  </a:extLst>
+                </a:blip>
+                <a:stretch>
+                  <a:fillRect/>
+                </a:stretch>
+              </p:blipFill>
+              <p:spPr>
+                <a:xfrm>
+                  <a:off x="436743" y="4743549"/>
+                  <a:ext cx="587977" cy="587977"/>
+                </a:xfrm>
+                <a:prstGeom prst="rect">
+                  <a:avLst/>
+                </a:prstGeom>
+              </p:spPr>
+            </p:pic>
+          </p:grpSp>
+          <p:sp>
+            <p:nvSpPr>
+              <p:cNvPr id="57" name="Rectangle 56"/>
+              <p:cNvSpPr/>
+              <p:nvPr/>
+            </p:nvSpPr>
+            <p:spPr>
+              <a:xfrm>
+                <a:off x="878474" y="4621820"/>
+                <a:ext cx="1173244" cy="784830"/>
+              </a:xfrm>
+              <a:prstGeom prst="rect">
+                <a:avLst/>
+              </a:prstGeom>
+            </p:spPr>
+            <p:txBody>
+              <a:bodyPr wrap="square">
+                <a:spAutoFit/>
+              </a:bodyPr>
+              <a:lstStyle/>
+              <a:p>
+                <a:pPr algn="ctr"/>
+                <a:r>
+                  <a:rPr lang="en-GB" sz="1200" b="1" dirty="0"/>
+                  <a:t>VM Instances </a:t>
+                </a:r>
+                <a:endParaRPr lang="en-GB" sz="1200" b="1" dirty="0" smtClean="0"/>
+              </a:p>
+              <a:p>
+                <a:pPr algn="ctr"/>
+                <a:r>
+                  <a:rPr lang="en-GB" sz="1200" b="1" dirty="0" smtClean="0"/>
+                  <a:t>Catalogue</a:t>
+                </a:r>
+                <a:endParaRPr lang="en-GB" sz="1200" b="1" dirty="0"/>
+              </a:p>
+              <a:p>
+                <a:pPr algn="ctr"/>
+                <a:r>
+                  <a:rPr lang="en-GB" sz="1050" dirty="0"/>
+                  <a:t>Instance Type </a:t>
+                </a:r>
+                <a:endParaRPr lang="en-GB" sz="1050" dirty="0" smtClean="0"/>
+              </a:p>
+              <a:p>
+                <a:pPr algn="ctr"/>
+                <a:r>
+                  <a:rPr lang="en-GB" sz="1050" dirty="0" smtClean="0"/>
+                  <a:t>Compute </a:t>
+                </a:r>
+                <a:r>
+                  <a:rPr lang="en-GB" sz="1050" dirty="0"/>
+                  <a:t>flavour</a:t>
+                </a:r>
+              </a:p>
+            </p:txBody>
+          </p:sp>
+        </p:grpSp>
+      </p:grpSp>
+    </p:spTree>
+    <p:extLst>
+      <p:ext uri="{BB962C8B-B14F-4D97-AF65-F5344CB8AC3E}">
+        <p14:creationId xmlns:p14="http://schemas.microsoft.com/office/powerpoint/2010/main" val="3446380371"/>
+      </p:ext>
+    </p:extLst>
+  </p:cSld>
+  <p:clrMapOvr>
+    <a:masterClrMapping/>
+  </p:clrMapOvr>
+  <p:timing>
+    <p:tnLst>
+      <p:par>
+        <p:cTn id="1" dur="indefinite" restart="never" nodeType="tmRoot"/>
+      </p:par>
+    </p:tnLst>
+  </p:timing>
+</p:sld>
+</file>
+
+<file path=ppt/slides/slide17.xml><?xml version="1.0" encoding="utf-8"?>
+<p:sld xmlns:a="http://schemas.openxmlformats.org/drawingml/2006/main" xmlns:r="http://schemas.openxmlformats.org/officeDocument/2006/relationships" xmlns:p="http://schemas.openxmlformats.org/presentationml/2006/main">
+  <p:cSld>
+    <p:spTree>
+      <p:nvGrpSpPr>
+        <p:cNvPr id="1" name=""/>
+        <p:cNvGrpSpPr/>
+        <p:nvPr/>
+      </p:nvGrpSpPr>
+      <p:grpSpPr>
+        <a:xfrm>
+          <a:off x="0" y="0"/>
+          <a:ext cx="0" cy="0"/>
+          <a:chOff x="0" y="0"/>
+          <a:chExt cx="0" cy="0"/>
+        </a:xfrm>
+      </p:grpSpPr>
+      <p:sp>
+        <p:nvSpPr>
+          <p:cNvPr id="19" name="Title 1"/>
+          <p:cNvSpPr>
+            <a:spLocks noGrp="1"/>
+          </p:cNvSpPr>
+          <p:nvPr>
+            <p:ph type="title"/>
+          </p:nvPr>
+        </p:nvSpPr>
+        <p:spPr>
+          <a:xfrm>
+            <a:off x="467810" y="260953"/>
+            <a:ext cx="10515600" cy="676597"/>
+          </a:xfrm>
+        </p:spPr>
+        <p:txBody>
+          <a:bodyPr>
+            <a:normAutofit fontScale="90000"/>
+          </a:bodyPr>
+          <a:lstStyle/>
+          <a:p>
+            <a:r>
+              <a:rPr lang="en-GB" dirty="0" smtClean="0"/>
+              <a:t>Hardware Layers Terminologies</a:t>
+            </a:r>
+            <a:endParaRPr lang="en-GB" dirty="0"/>
+          </a:p>
+        </p:txBody>
+      </p:sp>
+      <p:sp>
+        <p:nvSpPr>
+          <p:cNvPr id="21" name="Rectangle 20"/>
+          <p:cNvSpPr/>
+          <p:nvPr/>
+        </p:nvSpPr>
+        <p:spPr>
+          <a:xfrm>
+            <a:off x="3325641" y="3940953"/>
+            <a:ext cx="5469109" cy="1533526"/>
+          </a:xfrm>
+          <a:prstGeom prst="rect">
+            <a:avLst/>
+          </a:prstGeom>
+          <a:solidFill>
+            <a:schemeClr val="accent4">
+              <a:lumMod val="40000"/>
+              <a:lumOff val="60000"/>
+            </a:schemeClr>
+          </a:solidFill>
+          <a:ln>
+            <a:noFill/>
+          </a:ln>
+        </p:spPr>
+        <p:style>
+          <a:lnRef idx="2">
+            <a:schemeClr val="accent1">
+              <a:shade val="50000"/>
+            </a:schemeClr>
+          </a:lnRef>
+          <a:fillRef idx="1">
+            <a:schemeClr val="accent1"/>
+          </a:fillRef>
+          <a:effectRef idx="0">
+            <a:schemeClr val="accent1"/>
+          </a:effectRef>
+          <a:fontRef idx="minor">
+            <a:schemeClr val="lt1"/>
+          </a:fontRef>
+        </p:style>
+        <p:txBody>
+          <a:bodyPr rtlCol="0" anchor="ctr"/>
+          <a:lstStyle/>
+          <a:p>
+            <a:pPr algn="ctr"/>
+            <a:endParaRPr lang="en-GB"/>
+          </a:p>
+        </p:txBody>
+      </p:sp>
+      <p:cxnSp>
+        <p:nvCxnSpPr>
+          <p:cNvPr id="47" name="Straight Connector 46"/>
+          <p:cNvCxnSpPr/>
+          <p:nvPr/>
+        </p:nvCxnSpPr>
+        <p:spPr>
+          <a:xfrm>
+            <a:off x="3423520" y="3940953"/>
+            <a:ext cx="5368156" cy="0"/>
+          </a:xfrm>
+          <a:prstGeom prst="line">
+            <a:avLst/>
+          </a:prstGeom>
+          <a:ln w="28575">
+            <a:solidFill>
+              <a:schemeClr val="tx1"/>
+            </a:solidFill>
+          </a:ln>
+        </p:spPr>
+        <p:style>
+          <a:lnRef idx="1">
+            <a:schemeClr val="accent1"/>
+          </a:lnRef>
+          <a:fillRef idx="0">
+            <a:schemeClr val="accent1"/>
+          </a:fillRef>
+          <a:effectRef idx="0">
+            <a:schemeClr val="accent1"/>
+          </a:effectRef>
+          <a:fontRef idx="minor">
+            <a:schemeClr val="tx1"/>
+          </a:fontRef>
+        </p:style>
+      </p:cxnSp>
+      <p:sp>
+        <p:nvSpPr>
+          <p:cNvPr id="61" name="Right Brace 60"/>
+          <p:cNvSpPr/>
+          <p:nvPr/>
+        </p:nvSpPr>
+        <p:spPr>
+          <a:xfrm flipH="1">
+            <a:off x="3227530" y="3940952"/>
+            <a:ext cx="204248" cy="1533527"/>
+          </a:xfrm>
+          <a:prstGeom prst="rightBrace">
+            <a:avLst/>
+          </a:prstGeom>
+          <a:ln w="28575">
+            <a:solidFill>
+              <a:schemeClr val="tx1"/>
+            </a:solidFill>
+          </a:ln>
+        </p:spPr>
+        <p:style>
+          <a:lnRef idx="1">
+            <a:schemeClr val="accent1"/>
+          </a:lnRef>
+          <a:fillRef idx="0">
+            <a:schemeClr val="accent1"/>
+          </a:fillRef>
+          <a:effectRef idx="0">
+            <a:schemeClr val="accent1"/>
+          </a:effectRef>
+          <a:fontRef idx="minor">
+            <a:schemeClr val="tx1"/>
+          </a:fontRef>
+        </p:style>
+        <p:txBody>
+          <a:bodyPr rtlCol="0" anchor="ctr"/>
+          <a:lstStyle/>
+          <a:p>
+            <a:pPr algn="ctr"/>
+            <a:endParaRPr lang="en-GB" dirty="0"/>
+          </a:p>
+        </p:txBody>
+      </p:sp>
+      <p:sp>
+        <p:nvSpPr>
+          <p:cNvPr id="62" name="TextBox 61"/>
+          <p:cNvSpPr txBox="1"/>
+          <p:nvPr/>
+        </p:nvSpPr>
+        <p:spPr>
+          <a:xfrm rot="16200000">
+            <a:off x="2434126" y="4569215"/>
+            <a:ext cx="1188641" cy="276999"/>
+          </a:xfrm>
+          <a:prstGeom prst="rect">
+            <a:avLst/>
+          </a:prstGeom>
+          <a:noFill/>
+        </p:spPr>
+        <p:txBody>
+          <a:bodyPr wrap="square" rtlCol="0">
+            <a:spAutoFit/>
+          </a:bodyPr>
+          <a:lstStyle/>
+          <a:p>
+            <a:pPr algn="ctr"/>
+            <a:r>
+              <a:rPr lang="en-GB" sz="1200" b="1" smtClean="0"/>
+              <a:t>NFVI HW Layer</a:t>
+            </a:r>
+            <a:endParaRPr lang="en-GB" sz="1200" b="1" dirty="0"/>
+          </a:p>
+        </p:txBody>
+      </p:sp>
+      <p:cxnSp>
+        <p:nvCxnSpPr>
+          <p:cNvPr id="32" name="Straight Connector 31"/>
+          <p:cNvCxnSpPr>
+            <a:stCxn id="61" idx="2"/>
+          </p:cNvCxnSpPr>
+          <p:nvPr/>
+        </p:nvCxnSpPr>
+        <p:spPr>
+          <a:xfrm>
+            <a:off x="3431778" y="5474479"/>
+            <a:ext cx="5359898" cy="0"/>
+          </a:xfrm>
+          <a:prstGeom prst="line">
+            <a:avLst/>
+          </a:prstGeom>
+          <a:ln w="28575">
+            <a:solidFill>
+              <a:schemeClr val="tx1"/>
+            </a:solidFill>
+          </a:ln>
+        </p:spPr>
+        <p:style>
+          <a:lnRef idx="1">
+            <a:schemeClr val="accent1"/>
+          </a:lnRef>
+          <a:fillRef idx="0">
+            <a:schemeClr val="accent1"/>
+          </a:fillRef>
+          <a:effectRef idx="0">
+            <a:schemeClr val="accent1"/>
+          </a:effectRef>
+          <a:fontRef idx="minor">
+            <a:schemeClr val="tx1"/>
+          </a:fontRef>
+        </p:style>
+      </p:cxnSp>
+      <p:cxnSp>
+        <p:nvCxnSpPr>
+          <p:cNvPr id="53" name="Straight Connector 52"/>
+          <p:cNvCxnSpPr/>
+          <p:nvPr/>
+        </p:nvCxnSpPr>
+        <p:spPr>
+          <a:xfrm>
+            <a:off x="8791676" y="3940952"/>
+            <a:ext cx="0" cy="1533527"/>
+          </a:xfrm>
+          <a:prstGeom prst="line">
+            <a:avLst/>
+          </a:prstGeom>
+          <a:ln w="28575">
+            <a:solidFill>
+              <a:schemeClr val="tx1"/>
+            </a:solidFill>
+          </a:ln>
+        </p:spPr>
+        <p:style>
+          <a:lnRef idx="1">
+            <a:schemeClr val="accent1"/>
+          </a:lnRef>
+          <a:fillRef idx="0">
+            <a:schemeClr val="accent1"/>
+          </a:fillRef>
+          <a:effectRef idx="0">
+            <a:schemeClr val="accent1"/>
+          </a:effectRef>
+          <a:fontRef idx="minor">
+            <a:schemeClr val="tx1"/>
+          </a:fontRef>
+        </p:style>
+      </p:cxnSp>
+      <p:sp>
+        <p:nvSpPr>
+          <p:cNvPr id="34" name="Rounded Rectangle 33"/>
+          <p:cNvSpPr/>
+          <p:nvPr/>
+        </p:nvSpPr>
+        <p:spPr>
+          <a:xfrm>
+            <a:off x="6284062" y="3995138"/>
+            <a:ext cx="2269856" cy="426682"/>
+          </a:xfrm>
+          <a:prstGeom prst="roundRect">
+            <a:avLst/>
+          </a:prstGeom>
+          <a:solidFill>
+            <a:srgbClr val="FFE699"/>
+          </a:solidFill>
+          <a:ln>
+            <a:solidFill>
+              <a:schemeClr val="tx1"/>
+            </a:solidFill>
+          </a:ln>
+        </p:spPr>
+        <p:style>
+          <a:lnRef idx="2">
+            <a:schemeClr val="accent1">
+              <a:shade val="50000"/>
+            </a:schemeClr>
+          </a:lnRef>
+          <a:fillRef idx="1">
+            <a:schemeClr val="accent1"/>
+          </a:fillRef>
+          <a:effectRef idx="0">
+            <a:schemeClr val="accent1"/>
+          </a:effectRef>
+          <a:fontRef idx="minor">
+            <a:schemeClr val="lt1"/>
+          </a:fontRef>
+        </p:style>
+        <p:txBody>
+          <a:bodyPr rtlCol="0" anchor="ctr"/>
+          <a:lstStyle/>
+          <a:p>
+            <a:pPr algn="ctr"/>
+            <a:r>
+              <a:rPr lang="en-GB" sz="1100" dirty="0" smtClean="0">
+                <a:solidFill>
+                  <a:schemeClr val="tx1"/>
+                </a:solidFill>
+              </a:rPr>
+              <a:t>Compute | Networks | Storage</a:t>
+            </a:r>
+          </a:p>
+          <a:p>
+            <a:pPr algn="ctr"/>
+            <a:r>
+              <a:rPr lang="en-GB" sz="1600" dirty="0" smtClean="0">
+                <a:solidFill>
+                  <a:schemeClr val="tx1"/>
+                </a:solidFill>
+              </a:rPr>
+              <a:t>Hardware Resources</a:t>
+            </a:r>
+            <a:endParaRPr lang="en-GB" sz="1600" dirty="0">
+              <a:solidFill>
+                <a:schemeClr val="tx1"/>
+              </a:solidFill>
+            </a:endParaRPr>
+          </a:p>
+        </p:txBody>
+      </p:sp>
+      <p:grpSp>
+        <p:nvGrpSpPr>
+          <p:cNvPr id="15" name="Group 14"/>
+          <p:cNvGrpSpPr/>
+          <p:nvPr/>
+        </p:nvGrpSpPr>
+        <p:grpSpPr>
+          <a:xfrm>
+            <a:off x="3353324" y="5101002"/>
+            <a:ext cx="2249992" cy="346755"/>
+            <a:chOff x="4558987" y="5907297"/>
+            <a:chExt cx="2249992" cy="346755"/>
+          </a:xfrm>
+        </p:grpSpPr>
+        <p:sp>
+          <p:nvSpPr>
+            <p:cNvPr id="13" name="Rounded Rectangle 12"/>
+            <p:cNvSpPr/>
+            <p:nvPr/>
+          </p:nvSpPr>
+          <p:spPr>
+            <a:xfrm>
+              <a:off x="4558987" y="5907297"/>
+              <a:ext cx="2249992" cy="346755"/>
+            </a:xfrm>
+            <a:prstGeom prst="roundRect">
+              <a:avLst/>
+            </a:prstGeom>
+            <a:solidFill>
+              <a:srgbClr val="939393"/>
+            </a:solidFill>
+            <a:ln>
+              <a:noFill/>
+            </a:ln>
+          </p:spPr>
+          <p:style>
+            <a:lnRef idx="2">
+              <a:schemeClr val="accent1">
+                <a:shade val="50000"/>
+              </a:schemeClr>
+            </a:lnRef>
+            <a:fillRef idx="1">
+              <a:schemeClr val="accent1"/>
+            </a:fillRef>
+            <a:effectRef idx="0">
+              <a:schemeClr val="accent1"/>
+            </a:effectRef>
+            <a:fontRef idx="minor">
+              <a:schemeClr val="lt1"/>
+            </a:fontRef>
+          </p:style>
+          <p:txBody>
+            <a:bodyPr rtlCol="0" anchor="ctr"/>
+            <a:lstStyle/>
+            <a:p>
+              <a:pPr algn="ctr"/>
+              <a:endParaRPr lang="en-GB"/>
+            </a:p>
+          </p:txBody>
+        </p:sp>
+        <p:pic>
+          <p:nvPicPr>
+            <p:cNvPr id="12" name="Picture 11"/>
+            <p:cNvPicPr>
+              <a:picLocks noChangeAspect="1"/>
+            </p:cNvPicPr>
+            <p:nvPr/>
+          </p:nvPicPr>
+          <p:blipFill>
+            <a:blip r:embed="rId3" cstate="print">
+              <a:extLst>
+                <a:ext uri="{28A0092B-C50C-407E-A947-70E740481C1C}">
+                  <a14:useLocalDpi xmlns:a14="http://schemas.microsoft.com/office/drawing/2010/main" val="0"/>
+                </a:ext>
+              </a:extLst>
+            </a:blip>
+            <a:stretch>
+              <a:fillRect/>
+            </a:stretch>
+          </p:blipFill>
+          <p:spPr>
+            <a:xfrm>
+              <a:off x="4629175" y="5947454"/>
+              <a:ext cx="275255" cy="275255"/>
+            </a:xfrm>
+            <a:prstGeom prst="rect">
+              <a:avLst/>
+            </a:prstGeom>
+          </p:spPr>
+        </p:pic>
+        <p:sp>
+          <p:nvSpPr>
+            <p:cNvPr id="14" name="Rectangle 13"/>
+            <p:cNvSpPr/>
+            <p:nvPr/>
+          </p:nvSpPr>
+          <p:spPr>
+            <a:xfrm>
+              <a:off x="4913378" y="5931510"/>
+              <a:ext cx="1877502" cy="307777"/>
+            </a:xfrm>
+            <a:prstGeom prst="rect">
+              <a:avLst/>
+            </a:prstGeom>
+          </p:spPr>
+          <p:txBody>
+            <a:bodyPr wrap="none">
+              <a:spAutoFit/>
+            </a:bodyPr>
+            <a:lstStyle/>
+            <a:p>
+              <a:pPr algn="ctr"/>
+              <a:r>
+                <a:rPr lang="en-GB" sz="1400" dirty="0"/>
+                <a:t>NFVI </a:t>
+              </a:r>
+              <a:r>
+                <a:rPr lang="en-GB" sz="1400" dirty="0" smtClean="0"/>
+                <a:t>HW </a:t>
+              </a:r>
+              <a:r>
+                <a:rPr lang="en-GB" sz="1400" dirty="0"/>
+                <a:t>Configuration</a:t>
+              </a:r>
+            </a:p>
+          </p:txBody>
+        </p:sp>
+      </p:grpSp>
+      <p:grpSp>
+        <p:nvGrpSpPr>
+          <p:cNvPr id="20" name="Group 19"/>
+          <p:cNvGrpSpPr/>
+          <p:nvPr/>
+        </p:nvGrpSpPr>
+        <p:grpSpPr>
+          <a:xfrm>
+            <a:off x="3198179" y="3959380"/>
+            <a:ext cx="1860498" cy="437879"/>
+            <a:chOff x="1229066" y="5715000"/>
+            <a:chExt cx="1860498" cy="437879"/>
+          </a:xfrm>
+        </p:grpSpPr>
+        <p:pic>
+          <p:nvPicPr>
+            <p:cNvPr id="17" name="Picture 16"/>
+            <p:cNvPicPr>
+              <a:picLocks noChangeAspect="1"/>
+            </p:cNvPicPr>
+            <p:nvPr/>
+          </p:nvPicPr>
+          <p:blipFill rotWithShape="1">
+            <a:blip r:embed="rId4" cstate="print">
+              <a:extLst>
+                <a:ext uri="{28A0092B-C50C-407E-A947-70E740481C1C}">
+                  <a14:useLocalDpi xmlns:a14="http://schemas.microsoft.com/office/drawing/2010/main" val="0"/>
+                </a:ext>
+              </a:extLst>
+            </a:blip>
+            <a:srcRect t="30354" b="31218"/>
+            <a:stretch/>
+          </p:blipFill>
+          <p:spPr>
+            <a:xfrm>
+              <a:off x="1229066" y="5715000"/>
+              <a:ext cx="1860498" cy="437879"/>
+            </a:xfrm>
+            <a:prstGeom prst="rect">
+              <a:avLst/>
+            </a:prstGeom>
+          </p:spPr>
+        </p:pic>
+        <p:sp>
+          <p:nvSpPr>
+            <p:cNvPr id="18" name="Rectangle 17"/>
+            <p:cNvSpPr/>
+            <p:nvPr/>
+          </p:nvSpPr>
+          <p:spPr>
+            <a:xfrm>
+              <a:off x="1308657" y="5795439"/>
+              <a:ext cx="1582813" cy="276999"/>
+            </a:xfrm>
+            <a:prstGeom prst="rect">
+              <a:avLst/>
+            </a:prstGeom>
+          </p:spPr>
+          <p:txBody>
+            <a:bodyPr wrap="square">
+              <a:spAutoFit/>
+            </a:bodyPr>
+            <a:lstStyle/>
+            <a:p>
+              <a:pPr algn="ctr"/>
+              <a:r>
+                <a:rPr lang="en-GB" sz="1200" dirty="0">
+                  <a:solidFill>
+                    <a:schemeClr val="bg1"/>
+                  </a:solidFill>
+                </a:rPr>
+                <a:t>NFVI </a:t>
+              </a:r>
+              <a:r>
+                <a:rPr lang="en-GB" sz="1200" dirty="0" smtClean="0">
+                  <a:solidFill>
+                    <a:schemeClr val="bg1"/>
+                  </a:solidFill>
+                </a:rPr>
+                <a:t>HW </a:t>
+              </a:r>
+              <a:r>
+                <a:rPr lang="en-GB" sz="1200" dirty="0">
+                  <a:solidFill>
+                    <a:schemeClr val="bg1"/>
+                  </a:solidFill>
+                </a:rPr>
+                <a:t>Profile</a:t>
+              </a:r>
+            </a:p>
+          </p:txBody>
+        </p:sp>
+      </p:grpSp>
+      <p:pic>
+        <p:nvPicPr>
+          <p:cNvPr id="7" name="Picture 6"/>
+          <p:cNvPicPr>
+            <a:picLocks noChangeAspect="1"/>
+          </p:cNvPicPr>
+          <p:nvPr/>
+        </p:nvPicPr>
+        <p:blipFill rotWithShape="1">
+          <a:blip r:embed="rId5" cstate="print">
+            <a:extLst>
+              <a:ext uri="{28A0092B-C50C-407E-A947-70E740481C1C}">
+                <a14:useLocalDpi xmlns:a14="http://schemas.microsoft.com/office/drawing/2010/main" val="0"/>
+              </a:ext>
+            </a:extLst>
+          </a:blip>
+          <a:srcRect l="31336" t="10894" r="31336" b="13116"/>
+          <a:stretch/>
+        </p:blipFill>
+        <p:spPr>
+          <a:xfrm>
+            <a:off x="6344762" y="4517447"/>
+            <a:ext cx="299604" cy="609907"/>
+          </a:xfrm>
+          <a:prstGeom prst="rect">
+            <a:avLst/>
+          </a:prstGeom>
+        </p:spPr>
+      </p:pic>
+      <p:sp>
+        <p:nvSpPr>
+          <p:cNvPr id="8" name="TextBox 7"/>
+          <p:cNvSpPr txBox="1"/>
+          <p:nvPr/>
+        </p:nvSpPr>
+        <p:spPr>
+          <a:xfrm>
+            <a:off x="6191013" y="5160526"/>
+            <a:ext cx="595035" cy="215444"/>
+          </a:xfrm>
+          <a:prstGeom prst="rect">
+            <a:avLst/>
+          </a:prstGeom>
+          <a:noFill/>
+        </p:spPr>
+        <p:txBody>
+          <a:bodyPr wrap="none" rtlCol="0">
+            <a:spAutoFit/>
+          </a:bodyPr>
+          <a:lstStyle/>
+          <a:p>
+            <a:pPr algn="ctr"/>
+            <a:r>
+              <a:rPr lang="en-GB" sz="800" b="1" dirty="0" smtClean="0"/>
+              <a:t>Compute</a:t>
+            </a:r>
+            <a:endParaRPr lang="en-GB" sz="800" b="1" dirty="0"/>
+          </a:p>
+        </p:txBody>
+      </p:sp>
+      <p:sp>
+        <p:nvSpPr>
+          <p:cNvPr id="55" name="TextBox 54"/>
+          <p:cNvSpPr txBox="1"/>
+          <p:nvPr/>
+        </p:nvSpPr>
+        <p:spPr>
+          <a:xfrm>
+            <a:off x="8010297" y="5160526"/>
+            <a:ext cx="510076" cy="215444"/>
+          </a:xfrm>
+          <a:prstGeom prst="rect">
+            <a:avLst/>
+          </a:prstGeom>
+          <a:noFill/>
+        </p:spPr>
+        <p:txBody>
+          <a:bodyPr wrap="none" rtlCol="0">
+            <a:spAutoFit/>
+          </a:bodyPr>
+          <a:lstStyle/>
+          <a:p>
+            <a:pPr algn="ctr"/>
+            <a:r>
+              <a:rPr lang="en-GB" sz="800" b="1" dirty="0" smtClean="0"/>
+              <a:t>Storage</a:t>
+            </a:r>
+            <a:endParaRPr lang="en-GB" sz="800" b="1" dirty="0"/>
+          </a:p>
+        </p:txBody>
+      </p:sp>
+      <p:pic>
+        <p:nvPicPr>
+          <p:cNvPr id="22" name="Picture 21"/>
+          <p:cNvPicPr>
+            <a:picLocks noChangeAspect="1"/>
+          </p:cNvPicPr>
+          <p:nvPr/>
+        </p:nvPicPr>
+        <p:blipFill>
+          <a:blip r:embed="rId6" cstate="print">
+            <a:extLst>
+              <a:ext uri="{28A0092B-C50C-407E-A947-70E740481C1C}">
+                <a14:useLocalDpi xmlns:a14="http://schemas.microsoft.com/office/drawing/2010/main" val="0"/>
+              </a:ext>
+            </a:extLst>
+          </a:blip>
+          <a:stretch>
+            <a:fillRect/>
+          </a:stretch>
+        </p:blipFill>
+        <p:spPr>
+          <a:xfrm>
+            <a:off x="8015098" y="4565288"/>
+            <a:ext cx="452568" cy="500300"/>
+          </a:xfrm>
+          <a:prstGeom prst="rect">
+            <a:avLst/>
+          </a:prstGeom>
+        </p:spPr>
+      </p:pic>
+      <p:pic>
+        <p:nvPicPr>
+          <p:cNvPr id="23" name="Picture 22"/>
+          <p:cNvPicPr>
+            <a:picLocks noChangeAspect="1"/>
+          </p:cNvPicPr>
+          <p:nvPr/>
+        </p:nvPicPr>
+        <p:blipFill rotWithShape="1">
+          <a:blip r:embed="rId7" cstate="print">
+            <a:extLst>
+              <a:ext uri="{28A0092B-C50C-407E-A947-70E740481C1C}">
+                <a14:useLocalDpi xmlns:a14="http://schemas.microsoft.com/office/drawing/2010/main" val="0"/>
+              </a:ext>
+            </a:extLst>
+          </a:blip>
+          <a:srcRect l="19333" r="26500"/>
+          <a:stretch/>
+        </p:blipFill>
+        <p:spPr>
+          <a:xfrm>
+            <a:off x="7077462" y="4491095"/>
+            <a:ext cx="644719" cy="648687"/>
+          </a:xfrm>
+          <a:prstGeom prst="rect">
+            <a:avLst/>
+          </a:prstGeom>
+        </p:spPr>
+      </p:pic>
+      <p:sp>
+        <p:nvSpPr>
+          <p:cNvPr id="58" name="TextBox 57"/>
+          <p:cNvSpPr txBox="1"/>
+          <p:nvPr/>
+        </p:nvSpPr>
+        <p:spPr>
+          <a:xfrm>
+            <a:off x="7116151" y="5163408"/>
+            <a:ext cx="556563" cy="215444"/>
+          </a:xfrm>
+          <a:prstGeom prst="rect">
+            <a:avLst/>
+          </a:prstGeom>
+          <a:noFill/>
+        </p:spPr>
+        <p:txBody>
+          <a:bodyPr wrap="none" rtlCol="0">
+            <a:spAutoFit/>
+          </a:bodyPr>
+          <a:lstStyle/>
+          <a:p>
+            <a:pPr algn="ctr"/>
+            <a:r>
+              <a:rPr lang="en-GB" sz="800" b="1" dirty="0" smtClean="0"/>
+              <a:t>Network</a:t>
+            </a:r>
+            <a:endParaRPr lang="en-GB" sz="800" b="1" dirty="0"/>
+          </a:p>
+        </p:txBody>
+      </p:sp>
+      <p:grpSp>
+        <p:nvGrpSpPr>
+          <p:cNvPr id="40" name="Group 39"/>
+          <p:cNvGrpSpPr/>
+          <p:nvPr/>
+        </p:nvGrpSpPr>
+        <p:grpSpPr>
+          <a:xfrm>
+            <a:off x="9115686" y="4285838"/>
+            <a:ext cx="1149674" cy="1188641"/>
+            <a:chOff x="9196327" y="3940952"/>
+            <a:chExt cx="1149674" cy="1188641"/>
+          </a:xfrm>
+        </p:grpSpPr>
+        <p:sp>
+          <p:nvSpPr>
+            <p:cNvPr id="35" name="Rounded Rectangle 34"/>
+            <p:cNvSpPr/>
+            <p:nvPr/>
+          </p:nvSpPr>
+          <p:spPr>
+            <a:xfrm>
+              <a:off x="9199804" y="3940952"/>
+              <a:ext cx="1090246" cy="1188641"/>
+            </a:xfrm>
+            <a:prstGeom prst="roundRect">
+              <a:avLst/>
+            </a:prstGeom>
+            <a:solidFill>
+              <a:schemeClr val="tx1"/>
+            </a:solidFill>
+            <a:ln w="28575">
+              <a:solidFill>
+                <a:schemeClr val="tx1"/>
+              </a:solidFill>
+            </a:ln>
+          </p:spPr>
+          <p:style>
+            <a:lnRef idx="2">
+              <a:schemeClr val="accent1">
+                <a:shade val="50000"/>
+              </a:schemeClr>
+            </a:lnRef>
+            <a:fillRef idx="1">
+              <a:schemeClr val="accent1"/>
+            </a:fillRef>
+            <a:effectRef idx="0">
+              <a:schemeClr val="accent1"/>
+            </a:effectRef>
+            <a:fontRef idx="minor">
+              <a:schemeClr val="lt1"/>
+            </a:fontRef>
+          </p:style>
+          <p:txBody>
+            <a:bodyPr rtlCol="0" anchor="ctr"/>
+            <a:lstStyle/>
+            <a:p>
+              <a:pPr algn="ctr"/>
+              <a:endParaRPr lang="en-GB"/>
+            </a:p>
+          </p:txBody>
+        </p:sp>
+        <p:sp>
+          <p:nvSpPr>
+            <p:cNvPr id="37" name="TextBox 36"/>
+            <p:cNvSpPr txBox="1"/>
+            <p:nvPr/>
+          </p:nvSpPr>
+          <p:spPr>
+            <a:xfrm>
+              <a:off x="9196327" y="4288289"/>
+              <a:ext cx="1149674" cy="553998"/>
+            </a:xfrm>
+            <a:prstGeom prst="rect">
+              <a:avLst/>
+            </a:prstGeom>
+            <a:noFill/>
+          </p:spPr>
+          <p:txBody>
+            <a:bodyPr wrap="none" rtlCol="0">
+              <a:spAutoFit/>
+            </a:bodyPr>
+            <a:lstStyle/>
+            <a:p>
+              <a:pPr algn="ctr"/>
+              <a:r>
+                <a:rPr lang="en-GB" sz="1000" dirty="0" smtClean="0">
+                  <a:solidFill>
+                    <a:schemeClr val="bg1"/>
+                  </a:solidFill>
+                </a:rPr>
+                <a:t>Physical </a:t>
+              </a:r>
+            </a:p>
+            <a:p>
+              <a:pPr algn="ctr"/>
+              <a:r>
+                <a:rPr lang="en-GB" sz="1000" dirty="0" smtClean="0">
+                  <a:solidFill>
+                    <a:schemeClr val="bg1"/>
+                  </a:solidFill>
+                </a:rPr>
+                <a:t>Network Function </a:t>
+              </a:r>
+            </a:p>
+            <a:p>
+              <a:pPr algn="ctr"/>
+              <a:r>
+                <a:rPr lang="en-GB" sz="1000" dirty="0" smtClean="0">
+                  <a:solidFill>
+                    <a:schemeClr val="bg1"/>
+                  </a:solidFill>
+                </a:rPr>
+                <a:t>(</a:t>
+              </a:r>
+              <a:r>
+                <a:rPr lang="en-GB" sz="1000" b="1" dirty="0" smtClean="0">
+                  <a:solidFill>
+                    <a:schemeClr val="bg1"/>
+                  </a:solidFill>
+                </a:rPr>
+                <a:t>PNF</a:t>
+              </a:r>
+              <a:r>
+                <a:rPr lang="en-GB" sz="1000" dirty="0" smtClean="0">
+                  <a:solidFill>
+                    <a:schemeClr val="bg1"/>
+                  </a:solidFill>
+                </a:rPr>
+                <a:t>)</a:t>
+              </a:r>
+              <a:endParaRPr lang="en-GB" sz="1000" dirty="0">
+                <a:solidFill>
+                  <a:schemeClr val="bg1"/>
+                </a:solidFill>
+              </a:endParaRPr>
+            </a:p>
+          </p:txBody>
+        </p:sp>
+      </p:grpSp>
+    </p:spTree>
+    <p:extLst>
+      <p:ext uri="{BB962C8B-B14F-4D97-AF65-F5344CB8AC3E}">
+        <p14:creationId xmlns:p14="http://schemas.microsoft.com/office/powerpoint/2010/main" val="3245011206"/>
+      </p:ext>
+    </p:extLst>
+  </p:cSld>
+  <p:clrMapOvr>
+    <a:masterClrMapping/>
+  </p:clrMapOvr>
+  <p:timing>
+    <p:tnLst>
+      <p:par>
+        <p:cTn id="1" dur="indefinite" restart="never" nodeType="tmRoot"/>
+      </p:par>
+    </p:tnLst>
+  </p:timing>
+</p:sld>
+</file>
+
+<file path=ppt/slides/slide18.xml><?xml version="1.0" encoding="utf-8"?>
 <p:sld xmlns:a="http://schemas.openxmlformats.org/drawingml/2006/main" xmlns:r="http://schemas.openxmlformats.org/officeDocument/2006/relationships" xmlns:p="http://schemas.openxmlformats.org/presentationml/2006/main">
   <p:cSld>
     <p:spTree>

--- a/artifacts/CNTT_Artifact.pptx
+++ b/artifacts/CNTT_Artifact.pptx
@@ -215,7 +215,7 @@
           <a:p>
             <a:fld id="{F300692A-B8F2-48F6-B218-A4958D7E8758}" type="datetimeFigureOut">
               <a:rPr lang="en-US" smtClean="0"/>
-              <a:t>7/5/2019</a:t>
+              <a:t>7/13/19</a:t>
             </a:fld>
             <a:endParaRPr lang="en-US"/>
           </a:p>
@@ -925,7 +925,7 @@
           <a:p>
             <a:fld id="{2B25DCB4-1894-45C1-AC80-BB1CC7AB7AF3}" type="datetimeFigureOut">
               <a:rPr lang="en-GB" smtClean="0"/>
-              <a:t>05/07/2019</a:t>
+              <a:t>13/07/2019</a:t>
             </a:fld>
             <a:endParaRPr lang="en-GB"/>
           </a:p>
@@ -1361,7 +1361,7 @@
           <a:p>
             <a:fld id="{2B25DCB4-1894-45C1-AC80-BB1CC7AB7AF3}" type="datetimeFigureOut">
               <a:rPr lang="en-GB" smtClean="0"/>
-              <a:t>05/07/2019</a:t>
+              <a:t>13/07/2019</a:t>
             </a:fld>
             <a:endParaRPr lang="en-GB"/>
           </a:p>
@@ -1611,7 +1611,7 @@
           <a:p>
             <a:fld id="{2B25DCB4-1894-45C1-AC80-BB1CC7AB7AF3}" type="datetimeFigureOut">
               <a:rPr lang="en-GB" smtClean="0"/>
-              <a:t>05/07/2019</a:t>
+              <a:t>13/07/2019</a:t>
             </a:fld>
             <a:endParaRPr lang="en-GB"/>
           </a:p>
@@ -1919,7 +1919,7 @@
           <a:p>
             <a:fld id="{2B25DCB4-1894-45C1-AC80-BB1CC7AB7AF3}" type="datetimeFigureOut">
               <a:rPr lang="en-GB" smtClean="0"/>
-              <a:t>05/07/2019</a:t>
+              <a:t>13/07/2019</a:t>
             </a:fld>
             <a:endParaRPr lang="en-GB"/>
           </a:p>
@@ -2237,7 +2237,7 @@
           <a:p>
             <a:fld id="{2B25DCB4-1894-45C1-AC80-BB1CC7AB7AF3}" type="datetimeFigureOut">
               <a:rPr lang="en-GB" smtClean="0"/>
-              <a:t>05/07/2019</a:t>
+              <a:t>13/07/2019</a:t>
             </a:fld>
             <a:endParaRPr lang="en-GB"/>
           </a:p>
@@ -2539,7 +2539,7 @@
           <a:p>
             <a:fld id="{2B25DCB4-1894-45C1-AC80-BB1CC7AB7AF3}" type="datetimeFigureOut">
               <a:rPr lang="en-GB" smtClean="0"/>
-              <a:t>05/07/2019</a:t>
+              <a:t>13/07/2019</a:t>
             </a:fld>
             <a:endParaRPr lang="en-GB"/>
           </a:p>
@@ -2906,7 +2906,7 @@
           <a:p>
             <a:fld id="{2B25DCB4-1894-45C1-AC80-BB1CC7AB7AF3}" type="datetimeFigureOut">
               <a:rPr lang="en-GB" smtClean="0"/>
-              <a:t>05/07/2019</a:t>
+              <a:t>13/07/2019</a:t>
             </a:fld>
             <a:endParaRPr lang="en-GB"/>
           </a:p>
@@ -3080,7 +3080,7 @@
           <a:p>
             <a:fld id="{2B25DCB4-1894-45C1-AC80-BB1CC7AB7AF3}" type="datetimeFigureOut">
               <a:rPr lang="en-GB" smtClean="0"/>
-              <a:t>05/07/2019</a:t>
+              <a:t>13/07/2019</a:t>
             </a:fld>
             <a:endParaRPr lang="en-GB"/>
           </a:p>
@@ -3260,7 +3260,7 @@
           <a:p>
             <a:fld id="{2B25DCB4-1894-45C1-AC80-BB1CC7AB7AF3}" type="datetimeFigureOut">
               <a:rPr lang="en-GB" smtClean="0"/>
-              <a:t>05/07/2019</a:t>
+              <a:t>13/07/2019</a:t>
             </a:fld>
             <a:endParaRPr lang="en-GB"/>
           </a:p>
@@ -3452,7 +3452,7 @@
           <a:p>
             <a:fld id="{432668E7-1494-4367-8917-840B541A68C2}" type="datetimeFigureOut">
               <a:rPr lang="en-GB" smtClean="0"/>
-              <a:t>05/07/2019</a:t>
+              <a:t>13/07/2019</a:t>
             </a:fld>
             <a:endParaRPr lang="en-GB"/>
           </a:p>
@@ -3622,7 +3622,7 @@
           <a:p>
             <a:fld id="{432668E7-1494-4367-8917-840B541A68C2}" type="datetimeFigureOut">
               <a:rPr lang="en-GB" smtClean="0"/>
-              <a:t>05/07/2019</a:t>
+              <a:t>13/07/2019</a:t>
             </a:fld>
             <a:endParaRPr lang="en-GB"/>
           </a:p>
@@ -3792,7 +3792,7 @@
           <a:p>
             <a:fld id="{2B25DCB4-1894-45C1-AC80-BB1CC7AB7AF3}" type="datetimeFigureOut">
               <a:rPr lang="en-GB" smtClean="0"/>
-              <a:t>05/07/2019</a:t>
+              <a:t>13/07/2019</a:t>
             </a:fld>
             <a:endParaRPr lang="en-GB"/>
           </a:p>
@@ -4038,7 +4038,7 @@
           <a:p>
             <a:fld id="{432668E7-1494-4367-8917-840B541A68C2}" type="datetimeFigureOut">
               <a:rPr lang="en-GB" smtClean="0"/>
-              <a:t>05/07/2019</a:t>
+              <a:t>13/07/2019</a:t>
             </a:fld>
             <a:endParaRPr lang="en-GB"/>
           </a:p>
@@ -4270,7 +4270,7 @@
           <a:p>
             <a:fld id="{432668E7-1494-4367-8917-840B541A68C2}" type="datetimeFigureOut">
               <a:rPr lang="en-GB" smtClean="0"/>
-              <a:t>05/07/2019</a:t>
+              <a:t>13/07/2019</a:t>
             </a:fld>
             <a:endParaRPr lang="en-GB"/>
           </a:p>
@@ -4637,7 +4637,7 @@
           <a:p>
             <a:fld id="{432668E7-1494-4367-8917-840B541A68C2}" type="datetimeFigureOut">
               <a:rPr lang="en-GB" smtClean="0"/>
-              <a:t>05/07/2019</a:t>
+              <a:t>13/07/2019</a:t>
             </a:fld>
             <a:endParaRPr lang="en-GB"/>
           </a:p>
@@ -4755,7 +4755,7 @@
           <a:p>
             <a:fld id="{432668E7-1494-4367-8917-840B541A68C2}" type="datetimeFigureOut">
               <a:rPr lang="en-GB" smtClean="0"/>
-              <a:t>05/07/2019</a:t>
+              <a:t>13/07/2019</a:t>
             </a:fld>
             <a:endParaRPr lang="en-GB"/>
           </a:p>
@@ -4850,7 +4850,7 @@
           <a:p>
             <a:fld id="{432668E7-1494-4367-8917-840B541A68C2}" type="datetimeFigureOut">
               <a:rPr lang="en-GB" smtClean="0"/>
-              <a:t>05/07/2019</a:t>
+              <a:t>13/07/2019</a:t>
             </a:fld>
             <a:endParaRPr lang="en-GB"/>
           </a:p>
@@ -5127,7 +5127,7 @@
           <a:p>
             <a:fld id="{432668E7-1494-4367-8917-840B541A68C2}" type="datetimeFigureOut">
               <a:rPr lang="en-GB" smtClean="0"/>
-              <a:t>05/07/2019</a:t>
+              <a:t>13/07/2019</a:t>
             </a:fld>
             <a:endParaRPr lang="en-GB"/>
           </a:p>
@@ -5380,7 +5380,7 @@
           <a:p>
             <a:fld id="{432668E7-1494-4367-8917-840B541A68C2}" type="datetimeFigureOut">
               <a:rPr lang="en-GB" smtClean="0"/>
-              <a:t>05/07/2019</a:t>
+              <a:t>13/07/2019</a:t>
             </a:fld>
             <a:endParaRPr lang="en-GB"/>
           </a:p>
@@ -5550,7 +5550,7 @@
           <a:p>
             <a:fld id="{432668E7-1494-4367-8917-840B541A68C2}" type="datetimeFigureOut">
               <a:rPr lang="en-GB" smtClean="0"/>
-              <a:t>05/07/2019</a:t>
+              <a:t>13/07/2019</a:t>
             </a:fld>
             <a:endParaRPr lang="en-GB"/>
           </a:p>
@@ -5730,7 +5730,7 @@
           <a:p>
             <a:fld id="{432668E7-1494-4367-8917-840B541A68C2}" type="datetimeFigureOut">
               <a:rPr lang="en-GB" smtClean="0"/>
-              <a:t>05/07/2019</a:t>
+              <a:t>13/07/2019</a:t>
             </a:fld>
             <a:endParaRPr lang="en-GB"/>
           </a:p>
@@ -5853,7 +5853,7 @@
           <a:p>
             <a:fld id="{AD47607F-D0CB-4AC6-9566-046428C59115}" type="datetime3">
               <a:rPr lang="en-US" smtClean="0"/>
-              <a:t>5 July 2019</a:t>
+              <a:t>13 July 2019</a:t>
             </a:fld>
             <a:endParaRPr lang="en-GB" dirty="0"/>
           </a:p>
@@ -5973,7 +5973,7 @@
   <p:clrMapOvr>
     <a:masterClrMapping/>
   </p:clrMapOvr>
-  <p:extLst mod="1">
+  <p:extLst>
     <p:ext uri="{DCECCB84-F9BA-43D5-87BE-67443E8EF086}">
       <p15:sldGuideLst xmlns:p15="http://schemas.microsoft.com/office/powerpoint/2012/main">
         <p15:guide id="1" pos="4277">
@@ -6176,7 +6176,7 @@
           <a:p>
             <a:fld id="{2B25DCB4-1894-45C1-AC80-BB1CC7AB7AF3}" type="datetimeFigureOut">
               <a:rPr lang="en-GB" smtClean="0"/>
-              <a:t>05/07/2019</a:t>
+              <a:t>13/07/2019</a:t>
             </a:fld>
             <a:endParaRPr lang="en-GB"/>
           </a:p>
@@ -6679,7 +6679,7 @@
           <a:p>
             <a:fld id="{2B25DCB4-1894-45C1-AC80-BB1CC7AB7AF3}" type="datetimeFigureOut">
               <a:rPr lang="en-GB" smtClean="0"/>
-              <a:t>05/07/2019</a:t>
+              <a:t>13/07/2019</a:t>
             </a:fld>
             <a:endParaRPr lang="en-GB"/>
           </a:p>
@@ -7061,7 +7061,7 @@
           <a:p>
             <a:fld id="{2B25DCB4-1894-45C1-AC80-BB1CC7AB7AF3}" type="datetimeFigureOut">
               <a:rPr lang="en-GB" smtClean="0"/>
-              <a:t>05/07/2019</a:t>
+              <a:t>13/07/2019</a:t>
             </a:fld>
             <a:endParaRPr lang="en-GB"/>
           </a:p>
@@ -7179,7 +7179,7 @@
           <a:p>
             <a:fld id="{2B25DCB4-1894-45C1-AC80-BB1CC7AB7AF3}" type="datetimeFigureOut">
               <a:rPr lang="en-GB" smtClean="0"/>
-              <a:t>05/07/2019</a:t>
+              <a:t>13/07/2019</a:t>
             </a:fld>
             <a:endParaRPr lang="en-GB"/>
           </a:p>
@@ -7274,7 +7274,7 @@
           <a:p>
             <a:fld id="{2B25DCB4-1894-45C1-AC80-BB1CC7AB7AF3}" type="datetimeFigureOut">
               <a:rPr lang="en-GB" smtClean="0"/>
-              <a:t>05/07/2019</a:t>
+              <a:t>13/07/2019</a:t>
             </a:fld>
             <a:endParaRPr lang="en-GB"/>
           </a:p>
@@ -7529,7 +7529,7 @@
           <a:p>
             <a:fld id="{2B25DCB4-1894-45C1-AC80-BB1CC7AB7AF3}" type="datetimeFigureOut">
               <a:rPr lang="en-GB" smtClean="0"/>
-              <a:t>05/07/2019</a:t>
+              <a:t>13/07/2019</a:t>
             </a:fld>
             <a:endParaRPr lang="en-GB"/>
           </a:p>
@@ -7812,7 +7812,7 @@
           <a:p>
             <a:fld id="{2B25DCB4-1894-45C1-AC80-BB1CC7AB7AF3}" type="datetimeFigureOut">
               <a:rPr lang="en-GB" smtClean="0"/>
-              <a:t>05/07/2019</a:t>
+              <a:t>13/07/2019</a:t>
             </a:fld>
             <a:endParaRPr lang="en-GB"/>
           </a:p>
@@ -8218,7 +8218,7 @@
           <a:p>
             <a:fld id="{2B25DCB4-1894-45C1-AC80-BB1CC7AB7AF3}" type="datetimeFigureOut">
               <a:rPr lang="en-GB" smtClean="0"/>
-              <a:t>05/07/2019</a:t>
+              <a:t>13/07/2019</a:t>
             </a:fld>
             <a:endParaRPr lang="en-GB"/>
           </a:p>
@@ -8930,7 +8930,7 @@
           <a:p>
             <a:fld id="{432668E7-1494-4367-8917-840B541A68C2}" type="datetimeFigureOut">
               <a:rPr lang="en-GB" smtClean="0"/>
-              <a:t>05/07/2019</a:t>
+              <a:t>13/07/2019</a:t>
             </a:fld>
             <a:endParaRPr lang="en-GB"/>
           </a:p>
@@ -9439,7 +9439,7 @@
           <a:lstStyle/>
           <a:p>
             <a:r>
-              <a:rPr lang="en-GB" dirty="0" err="1" smtClean="0"/>
+              <a:rPr lang="en-GB" dirty="0" err="1"/>
               <a:t>Artifacts</a:t>
             </a:r>
             <a:endParaRPr lang="en-GB" dirty="0"/>
@@ -9456,13 +9456,6 @@
   <p:clrMapOvr>
     <a:masterClrMapping/>
   </p:clrMapOvr>
-  <p:timing>
-    <p:tnLst>
-      <p:par>
-        <p:cTn id="1" dur="indefinite" restart="never" nodeType="tmRoot"/>
-      </p:par>
-    </p:tnLst>
-  </p:timing>
 </p:sld>
 </file>
 
@@ -9530,7 +9523,7 @@
               <a:tabLst/>
               <a:defRPr/>
             </a:pPr>
-            <a:endParaRPr kumimoji="0" lang="en-GB" sz="1000" b="0" i="0" u="none" strike="noStrike" kern="0" cap="none" spc="0" normalizeH="0" baseline="0" noProof="0" dirty="0" smtClean="0">
+            <a:endParaRPr kumimoji="0" lang="en-GB" sz="1000" b="0" i="0" u="none" strike="noStrike" kern="0" cap="none" spc="0" normalizeH="0" baseline="0" noProof="0" dirty="0">
               <a:ln>
                 <a:noFill/>
               </a:ln>
@@ -9594,7 +9587,7 @@
               <a:tabLst/>
               <a:defRPr/>
             </a:pPr>
-            <a:endParaRPr kumimoji="0" lang="en-GB" sz="1000" b="0" i="0" u="none" strike="noStrike" kern="0" cap="none" spc="0" normalizeH="0" baseline="0" noProof="0" dirty="0" smtClean="0">
+            <a:endParaRPr kumimoji="0" lang="en-GB" sz="1000" b="0" i="0" u="none" strike="noStrike" kern="0" cap="none" spc="0" normalizeH="0" baseline="0" noProof="0" dirty="0">
               <a:ln>
                 <a:noFill/>
               </a:ln>
@@ -9658,7 +9651,7 @@
               <a:tabLst/>
               <a:defRPr/>
             </a:pPr>
-            <a:endParaRPr kumimoji="0" lang="en-GB" sz="1000" b="0" i="0" u="none" strike="noStrike" kern="0" cap="none" spc="0" normalizeH="0" baseline="0" noProof="0" dirty="0" smtClean="0">
+            <a:endParaRPr kumimoji="0" lang="en-GB" sz="1000" b="0" i="0" u="none" strike="noStrike" kern="0" cap="none" spc="0" normalizeH="0" baseline="0" noProof="0" dirty="0">
               <a:ln>
                 <a:noFill/>
               </a:ln>
@@ -9722,7 +9715,7 @@
               <a:tabLst/>
               <a:defRPr/>
             </a:pPr>
-            <a:endParaRPr kumimoji="0" lang="en-GB" sz="1000" b="0" i="0" u="none" strike="noStrike" kern="0" cap="none" spc="0" normalizeH="0" baseline="0" noProof="0" dirty="0" smtClean="0">
+            <a:endParaRPr kumimoji="0" lang="en-GB" sz="1000" b="0" i="0" u="none" strike="noStrike" kern="0" cap="none" spc="0" normalizeH="0" baseline="0" noProof="0" dirty="0">
               <a:ln>
                 <a:noFill/>
               </a:ln>
@@ -9785,7 +9778,7 @@
               <a:defRPr/>
             </a:pPr>
             <a:r>
-              <a:rPr kumimoji="0" lang="en-GB" sz="1000" b="0" i="0" u="none" strike="noStrike" kern="0" cap="none" spc="0" normalizeH="0" baseline="0" noProof="0" dirty="0" smtClean="0">
+              <a:rPr kumimoji="0" lang="en-GB" sz="1000" b="0" i="0" u="none" strike="noStrike" kern="0" cap="none" spc="0" normalizeH="0" baseline="0" noProof="0" dirty="0">
                 <a:ln>
                   <a:noFill/>
                 </a:ln>
@@ -9850,7 +9843,7 @@
               <a:defRPr/>
             </a:pPr>
             <a:r>
-              <a:rPr kumimoji="0" lang="en-GB" sz="1400" b="0" i="0" u="none" strike="noStrike" kern="0" cap="none" spc="0" normalizeH="0" baseline="0" noProof="0" dirty="0" smtClean="0">
+              <a:rPr kumimoji="0" lang="en-GB" sz="1400" b="0" i="0" u="none" strike="noStrike" kern="0" cap="none" spc="0" normalizeH="0" baseline="0" noProof="0" dirty="0">
                 <a:ln>
                   <a:noFill/>
                 </a:ln>
@@ -10296,7 +10289,7 @@
               <a:defRPr/>
             </a:pPr>
             <a:r>
-              <a:rPr kumimoji="0" lang="en-GB" sz="600" b="0" i="0" u="none" strike="noStrike" kern="0" cap="none" spc="0" normalizeH="0" baseline="0" noProof="0" dirty="0" err="1" smtClean="0">
+              <a:rPr kumimoji="0" lang="en-GB" sz="600" b="0" i="0" u="none" strike="noStrike" kern="0" cap="none" spc="0" normalizeH="0" baseline="0" noProof="0" dirty="0" err="1">
                 <a:ln>
                   <a:noFill/>
                 </a:ln>
@@ -10312,7 +10305,7 @@
               </a:rPr>
               <a:t>vPort</a:t>
             </a:r>
-            <a:endParaRPr kumimoji="0" lang="en-GB" sz="600" b="0" i="0" u="none" strike="noStrike" kern="0" cap="none" spc="0" normalizeH="0" baseline="0" noProof="0" dirty="0" smtClean="0">
+            <a:endParaRPr kumimoji="0" lang="en-GB" sz="600" b="0" i="0" u="none" strike="noStrike" kern="0" cap="none" spc="0" normalizeH="0" baseline="0" noProof="0" dirty="0">
               <a:ln>
                 <a:noFill/>
               </a:ln>
@@ -10384,7 +10377,7 @@
               <a:buNone/>
             </a:pPr>
             <a:r>
-              <a:rPr lang="en-GB" dirty="0" smtClean="0">
+              <a:rPr lang="en-GB" dirty="0">
                 <a:solidFill>
                   <a:srgbClr val="000000"/>
                 </a:solidFill>
@@ -10446,7 +10439,7 @@
               <a:defRPr/>
             </a:pPr>
             <a:r>
-              <a:rPr kumimoji="0" lang="en-GB" sz="600" b="0" i="0" u="none" strike="noStrike" kern="0" cap="none" spc="0" normalizeH="0" baseline="0" noProof="0" dirty="0" err="1" smtClean="0">
+              <a:rPr kumimoji="0" lang="en-GB" sz="600" b="0" i="0" u="none" strike="noStrike" kern="0" cap="none" spc="0" normalizeH="0" baseline="0" noProof="0" dirty="0" err="1">
                 <a:ln>
                   <a:noFill/>
                 </a:ln>
@@ -10462,7 +10455,7 @@
               </a:rPr>
               <a:t>vPort</a:t>
             </a:r>
-            <a:endParaRPr kumimoji="0" lang="en-GB" sz="600" b="0" i="0" u="none" strike="noStrike" kern="0" cap="none" spc="0" normalizeH="0" baseline="0" noProof="0" dirty="0" smtClean="0">
+            <a:endParaRPr kumimoji="0" lang="en-GB" sz="600" b="0" i="0" u="none" strike="noStrike" kern="0" cap="none" spc="0" normalizeH="0" baseline="0" noProof="0" dirty="0">
               <a:ln>
                 <a:noFill/>
               </a:ln>
@@ -10559,7 +10552,7 @@
               <a:defRPr/>
             </a:pPr>
             <a:r>
-              <a:rPr kumimoji="0" lang="en-GB" sz="600" b="0" i="0" u="none" strike="noStrike" kern="0" cap="none" spc="0" normalizeH="0" baseline="0" noProof="0" dirty="0" err="1" smtClean="0">
+              <a:rPr kumimoji="0" lang="en-GB" sz="600" b="0" i="0" u="none" strike="noStrike" kern="0" cap="none" spc="0" normalizeH="0" baseline="0" noProof="0" dirty="0" err="1">
                 <a:ln>
                   <a:noFill/>
                 </a:ln>
@@ -10575,7 +10568,7 @@
               </a:rPr>
               <a:t>vPort</a:t>
             </a:r>
-            <a:endParaRPr kumimoji="0" lang="en-GB" sz="600" b="0" i="0" u="none" strike="noStrike" kern="0" cap="none" spc="0" normalizeH="0" baseline="0" noProof="0" dirty="0" smtClean="0">
+            <a:endParaRPr kumimoji="0" lang="en-GB" sz="600" b="0" i="0" u="none" strike="noStrike" kern="0" cap="none" spc="0" normalizeH="0" baseline="0" noProof="0" dirty="0">
               <a:ln>
                 <a:noFill/>
               </a:ln>
@@ -10647,7 +10640,7 @@
               <a:buNone/>
             </a:pPr>
             <a:r>
-              <a:rPr lang="en-GB" dirty="0" smtClean="0">
+              <a:rPr lang="en-GB" dirty="0">
                 <a:solidFill>
                   <a:srgbClr val="000000"/>
                 </a:solidFill>
@@ -10709,7 +10702,7 @@
               <a:defRPr/>
             </a:pPr>
             <a:r>
-              <a:rPr kumimoji="0" lang="en-GB" sz="600" b="0" i="0" u="none" strike="noStrike" kern="0" cap="none" spc="0" normalizeH="0" baseline="0" noProof="0" dirty="0" err="1" smtClean="0">
+              <a:rPr kumimoji="0" lang="en-GB" sz="600" b="0" i="0" u="none" strike="noStrike" kern="0" cap="none" spc="0" normalizeH="0" baseline="0" noProof="0" dirty="0" err="1">
                 <a:ln>
                   <a:noFill/>
                 </a:ln>
@@ -10725,7 +10718,7 @@
               </a:rPr>
               <a:t>vPort</a:t>
             </a:r>
-            <a:endParaRPr kumimoji="0" lang="en-GB" sz="600" b="0" i="0" u="none" strike="noStrike" kern="0" cap="none" spc="0" normalizeH="0" baseline="0" noProof="0" dirty="0" smtClean="0">
+            <a:endParaRPr kumimoji="0" lang="en-GB" sz="600" b="0" i="0" u="none" strike="noStrike" kern="0" cap="none" spc="0" normalizeH="0" baseline="0" noProof="0" dirty="0">
               <a:ln>
                 <a:noFill/>
               </a:ln>
@@ -10822,7 +10815,7 @@
               <a:defRPr/>
             </a:pPr>
             <a:r>
-              <a:rPr kumimoji="0" lang="en-GB" sz="600" b="0" i="0" u="none" strike="noStrike" kern="0" cap="none" spc="0" normalizeH="0" baseline="0" noProof="0" dirty="0" err="1" smtClean="0">
+              <a:rPr kumimoji="0" lang="en-GB" sz="600" b="0" i="0" u="none" strike="noStrike" kern="0" cap="none" spc="0" normalizeH="0" baseline="0" noProof="0" dirty="0" err="1">
                 <a:ln>
                   <a:noFill/>
                 </a:ln>
@@ -10838,7 +10831,7 @@
               </a:rPr>
               <a:t>vPort</a:t>
             </a:r>
-            <a:endParaRPr kumimoji="0" lang="en-GB" sz="600" b="0" i="0" u="none" strike="noStrike" kern="0" cap="none" spc="0" normalizeH="0" baseline="0" noProof="0" dirty="0" smtClean="0">
+            <a:endParaRPr kumimoji="0" lang="en-GB" sz="600" b="0" i="0" u="none" strike="noStrike" kern="0" cap="none" spc="0" normalizeH="0" baseline="0" noProof="0" dirty="0">
               <a:ln>
                 <a:noFill/>
               </a:ln>
@@ -10910,7 +10903,7 @@
               <a:buNone/>
             </a:pPr>
             <a:r>
-              <a:rPr lang="en-GB" dirty="0" smtClean="0">
+              <a:rPr lang="en-GB" dirty="0">
                 <a:solidFill>
                   <a:srgbClr val="000000"/>
                 </a:solidFill>
@@ -10972,7 +10965,7 @@
               <a:defRPr/>
             </a:pPr>
             <a:r>
-              <a:rPr kumimoji="0" lang="en-GB" sz="600" b="0" i="0" u="none" strike="noStrike" kern="0" cap="none" spc="0" normalizeH="0" baseline="0" noProof="0" dirty="0" err="1" smtClean="0">
+              <a:rPr kumimoji="0" lang="en-GB" sz="600" b="0" i="0" u="none" strike="noStrike" kern="0" cap="none" spc="0" normalizeH="0" baseline="0" noProof="0" dirty="0" err="1">
                 <a:ln>
                   <a:noFill/>
                 </a:ln>
@@ -10988,7 +10981,7 @@
               </a:rPr>
               <a:t>vPort</a:t>
             </a:r>
-            <a:endParaRPr kumimoji="0" lang="en-GB" sz="600" b="0" i="0" u="none" strike="noStrike" kern="0" cap="none" spc="0" normalizeH="0" baseline="0" noProof="0" dirty="0" smtClean="0">
+            <a:endParaRPr kumimoji="0" lang="en-GB" sz="600" b="0" i="0" u="none" strike="noStrike" kern="0" cap="none" spc="0" normalizeH="0" baseline="0" noProof="0" dirty="0">
               <a:ln>
                 <a:noFill/>
               </a:ln>
@@ -11060,7 +11053,7 @@
               <a:defRPr/>
             </a:pPr>
             <a:r>
-              <a:rPr kumimoji="0" lang="en-GB" sz="1200" b="1" i="0" u="none" strike="noStrike" kern="0" cap="none" spc="0" normalizeH="0" baseline="0" noProof="0" dirty="0" err="1" smtClean="0">
+              <a:rPr kumimoji="0" lang="en-GB" sz="1200" b="1" i="0" u="none" strike="noStrike" kern="0" cap="none" spc="0" normalizeH="0" baseline="0" noProof="0" dirty="0" err="1">
                 <a:ln>
                   <a:noFill/>
                 </a:ln>
@@ -11077,7 +11070,7 @@
               <a:t>vNIC</a:t>
             </a:r>
             <a:r>
-              <a:rPr kumimoji="0" lang="en-GB" sz="1200" b="1" i="0" u="none" strike="noStrike" kern="0" cap="none" spc="0" normalizeH="0" baseline="0" noProof="0" dirty="0" smtClean="0">
+              <a:rPr kumimoji="0" lang="en-GB" sz="1200" b="1" i="0" u="none" strike="noStrike" kern="0" cap="none" spc="0" normalizeH="0" baseline="0" noProof="0" dirty="0">
                 <a:ln>
                   <a:noFill/>
                 </a:ln>
@@ -11113,7 +11106,7 @@
               <a:defRPr/>
             </a:pPr>
             <a:r>
-              <a:rPr kumimoji="0" lang="en-GB" sz="1200" b="0" i="0" u="none" strike="noStrike" kern="0" cap="none" spc="0" normalizeH="0" baseline="0" noProof="0" dirty="0" smtClean="0">
+              <a:rPr kumimoji="0" lang="en-GB" sz="1200" b="0" i="0" u="none" strike="noStrike" kern="0" cap="none" spc="0" normalizeH="0" baseline="0" noProof="0" dirty="0">
                 <a:ln>
                   <a:noFill/>
                 </a:ln>
@@ -11130,7 +11123,7 @@
               <a:t>e.g. </a:t>
             </a:r>
             <a:r>
-              <a:rPr kumimoji="0" lang="en-GB" sz="1200" b="0" i="0" u="none" strike="noStrike" kern="0" cap="none" spc="0" normalizeH="0" baseline="0" noProof="0" dirty="0" err="1" smtClean="0">
+              <a:rPr kumimoji="0" lang="en-GB" sz="1200" b="0" i="0" u="none" strike="noStrike" kern="0" cap="none" spc="0" normalizeH="0" baseline="0" noProof="0" dirty="0" err="1">
                 <a:ln>
                   <a:noFill/>
                 </a:ln>
@@ -11146,7 +11139,7 @@
               </a:rPr>
               <a:t>virt-io</a:t>
             </a:r>
-            <a:endParaRPr kumimoji="0" lang="en-US" sz="1200" b="0" i="0" u="none" strike="noStrike" kern="0" cap="none" spc="0" normalizeH="0" baseline="0" noProof="0" dirty="0" smtClean="0">
+            <a:endParaRPr kumimoji="0" lang="en-US" sz="1200" b="0" i="0" u="none" strike="noStrike" kern="0" cap="none" spc="0" normalizeH="0" baseline="0" noProof="0" dirty="0">
               <a:ln>
                 <a:noFill/>
               </a:ln>
@@ -11219,7 +11212,7 @@
               <a:buNone/>
             </a:pPr>
             <a:r>
-              <a:rPr lang="en-GB" sz="1100" dirty="0" smtClean="0">
+              <a:rPr lang="en-GB" sz="1100" dirty="0">
                 <a:solidFill>
                   <a:srgbClr val="000000"/>
                 </a:solidFill>
@@ -11277,7 +11270,7 @@
               <a:defRPr/>
             </a:pPr>
             <a:r>
-              <a:rPr kumimoji="0" lang="en-GB" sz="1000" b="0" i="0" u="none" strike="noStrike" kern="0" cap="none" spc="0" normalizeH="0" baseline="0" noProof="0" dirty="0" smtClean="0">
+              <a:rPr kumimoji="0" lang="en-GB" sz="1000" b="0" i="0" u="none" strike="noStrike" kern="0" cap="none" spc="0" normalizeH="0" baseline="0" noProof="0" dirty="0">
                 <a:ln>
                   <a:noFill/>
                 </a:ln>
@@ -11322,7 +11315,7 @@
               <a:buNone/>
             </a:pPr>
             <a:r>
-              <a:rPr lang="en-GB" sz="1100" dirty="0" smtClean="0">
+              <a:rPr lang="en-GB" sz="1100" dirty="0">
                 <a:solidFill>
                   <a:srgbClr val="000000"/>
                 </a:solidFill>
@@ -11412,7 +11405,7 @@
               <a:defRPr/>
             </a:pPr>
             <a:r>
-              <a:rPr kumimoji="0" lang="en-GB" sz="1400" b="0" i="0" u="none" strike="noStrike" kern="0" cap="none" spc="0" normalizeH="0" baseline="0" noProof="0" dirty="0" smtClean="0">
+              <a:rPr kumimoji="0" lang="en-GB" sz="1400" b="0" i="0" u="none" strike="noStrike" kern="0" cap="none" spc="0" normalizeH="0" baseline="0" noProof="0" dirty="0">
                 <a:ln>
                   <a:noFill/>
                 </a:ln>
@@ -11477,7 +11470,7 @@
               <a:defRPr/>
             </a:pPr>
             <a:r>
-              <a:rPr kumimoji="0" lang="en-GB" sz="1400" b="0" i="0" u="none" strike="noStrike" kern="0" cap="none" spc="0" normalizeH="0" baseline="0" noProof="0" dirty="0" smtClean="0">
+              <a:rPr kumimoji="0" lang="en-GB" sz="1400" b="0" i="0" u="none" strike="noStrike" kern="0" cap="none" spc="0" normalizeH="0" baseline="0" noProof="0" dirty="0">
                 <a:ln>
                   <a:noFill/>
                 </a:ln>
@@ -11544,7 +11537,7 @@
               <a:defRPr/>
             </a:pPr>
             <a:r>
-              <a:rPr kumimoji="0" lang="en-GB" sz="1000" b="0" i="0" u="none" strike="noStrike" kern="0" cap="none" spc="0" normalizeH="0" baseline="0" noProof="0" dirty="0" smtClean="0">
+              <a:rPr kumimoji="0" lang="en-GB" sz="1000" b="0" i="0" u="none" strike="noStrike" kern="0" cap="none" spc="0" normalizeH="0" baseline="0" noProof="0" dirty="0">
                 <a:ln>
                   <a:noFill/>
                 </a:ln>
@@ -11609,7 +11602,7 @@
               <a:defRPr/>
             </a:pPr>
             <a:r>
-              <a:rPr kumimoji="0" lang="en-GB" sz="900" b="0" i="0" u="none" strike="noStrike" kern="0" cap="none" spc="0" normalizeH="0" baseline="0" noProof="0" dirty="0" smtClean="0">
+              <a:rPr kumimoji="0" lang="en-GB" sz="900" b="0" i="0" u="none" strike="noStrike" kern="0" cap="none" spc="0" normalizeH="0" baseline="0" noProof="0" dirty="0">
                 <a:ln>
                   <a:noFill/>
                 </a:ln>
@@ -11712,7 +11705,7 @@
               <a:defRPr/>
             </a:pPr>
             <a:r>
-              <a:rPr kumimoji="0" lang="en-GB" sz="1200" b="1" i="0" u="none" strike="noStrike" kern="0" cap="none" spc="0" normalizeH="0" baseline="0" noProof="0" dirty="0" smtClean="0">
+              <a:rPr kumimoji="0" lang="en-GB" sz="1200" b="1" i="0" u="none" strike="noStrike" kern="0" cap="none" spc="0" normalizeH="0" baseline="0" noProof="0" dirty="0">
                 <a:ln>
                   <a:noFill/>
                 </a:ln>
@@ -11729,7 +11722,7 @@
               <a:t>HW </a:t>
             </a:r>
             <a:r>
-              <a:rPr kumimoji="0" lang="en-GB" sz="1200" b="1" i="0" u="none" strike="noStrike" kern="0" cap="none" spc="0" normalizeH="0" baseline="0" noProof="0" dirty="0" err="1" smtClean="0">
+              <a:rPr kumimoji="0" lang="en-GB" sz="1200" b="1" i="0" u="none" strike="noStrike" kern="0" cap="none" spc="0" normalizeH="0" baseline="0" noProof="0" dirty="0" err="1">
                 <a:ln>
                   <a:noFill/>
                 </a:ln>
@@ -11746,7 +11739,7 @@
               <a:t>Acc</a:t>
             </a:r>
             <a:r>
-              <a:rPr kumimoji="0" lang="en-GB" sz="1200" b="1" i="0" u="none" strike="noStrike" kern="0" cap="none" spc="0" normalizeH="0" baseline="0" noProof="0" dirty="0" smtClean="0">
+              <a:rPr kumimoji="0" lang="en-GB" sz="1200" b="1" i="0" u="none" strike="noStrike" kern="0" cap="none" spc="0" normalizeH="0" baseline="0" noProof="0" dirty="0">
                 <a:ln>
                   <a:noFill/>
                 </a:ln>
@@ -11933,11 +11926,11 @@
           </a:lstStyle>
           <a:p>
             <a:r>
-              <a:rPr lang="en-GB" sz="2667" b="0" dirty="0" smtClean="0"/>
+              <a:rPr lang="en-GB" sz="2667" b="0" dirty="0"/>
               <a:t>CNTT</a:t>
             </a:r>
             <a:r>
-              <a:rPr lang="en-US" sz="2667" b="0" dirty="0" smtClean="0"/>
+              <a:rPr lang="en-US" sz="2667" b="0" dirty="0"/>
               <a:t> </a:t>
             </a:r>
             <a:r>
@@ -11948,20 +11941,10 @@
                   </a:schemeClr>
                 </a:solidFill>
               </a:rPr>
-              <a:t>| </a:t>
+              <a:t>| CI SW </a:t>
             </a:r>
             <a:r>
-              <a:rPr lang="en-GB" sz="2667" b="0" dirty="0" smtClean="0">
-                <a:solidFill>
-                  <a:schemeClr val="bg1">
-                    <a:lumMod val="50000"/>
-                  </a:schemeClr>
-                </a:solidFill>
-              </a:rPr>
-              <a:t>CI SW </a:t>
-            </a:r>
-            <a:r>
-              <a:rPr lang="en-GB" sz="2667" b="0" dirty="0" err="1" smtClean="0">
+              <a:rPr lang="en-GB" sz="2667" b="0" dirty="0" err="1">
                 <a:solidFill>
                   <a:schemeClr val="bg1">
                     <a:lumMod val="50000"/>
@@ -11971,7 +11954,7 @@
               <a:t>Config</a:t>
             </a:r>
             <a:r>
-              <a:rPr lang="en-GB" sz="2667" b="0" dirty="0" smtClean="0">
+              <a:rPr lang="en-GB" sz="2667" b="0" dirty="0">
                 <a:solidFill>
                   <a:schemeClr val="bg1">
                     <a:lumMod val="50000"/>
@@ -11980,13 +11963,6 @@
               </a:rPr>
               <a:t>. </a:t>
             </a:r>
-            <a:endParaRPr lang="en-GB" sz="2667" b="0" dirty="0">
-              <a:solidFill>
-                <a:schemeClr val="bg1">
-                  <a:lumMod val="50000"/>
-                </a:schemeClr>
-              </a:solidFill>
-            </a:endParaRPr>
           </a:p>
         </p:txBody>
       </p:sp>
@@ -12082,7 +12058,7 @@
                 <a:defRPr/>
               </a:pPr>
               <a:r>
-                <a:rPr kumimoji="0" lang="en-GB" sz="1200" b="1" i="0" u="none" strike="noStrike" kern="0" cap="none" spc="0" normalizeH="0" baseline="0" noProof="0" dirty="0" smtClean="0">
+                <a:rPr kumimoji="0" lang="en-GB" sz="1200" b="1" i="0" u="none" strike="noStrike" kern="0" cap="none" spc="0" normalizeH="0" baseline="0" noProof="0" dirty="0">
                   <a:ln>
                     <a:noFill/>
                   </a:ln>
@@ -12176,7 +12152,7 @@
                 <a:defRPr/>
               </a:pPr>
               <a:r>
-                <a:rPr kumimoji="0" lang="en-GB" sz="1200" b="0" i="0" u="none" strike="noStrike" kern="0" cap="none" spc="0" normalizeH="0" baseline="0" noProof="0" dirty="0" smtClean="0">
+                <a:rPr kumimoji="0" lang="en-GB" sz="1200" b="0" i="0" u="none" strike="noStrike" kern="0" cap="none" spc="0" normalizeH="0" baseline="0" noProof="0" dirty="0">
                   <a:ln>
                     <a:noFill/>
                   </a:ln>
@@ -12254,7 +12230,7 @@
                   <a:defRPr/>
                 </a:pPr>
                 <a:r>
-                  <a:rPr kumimoji="0" lang="en-GB" sz="1200" b="0" i="0" u="none" strike="noStrike" kern="0" cap="none" spc="0" normalizeH="0" baseline="0" noProof="0" dirty="0" smtClean="0">
+                  <a:rPr kumimoji="0" lang="en-GB" sz="1200" b="0" i="0" u="none" strike="noStrike" kern="0" cap="none" spc="0" normalizeH="0" baseline="0" noProof="0" dirty="0">
                     <a:ln>
                       <a:noFill/>
                     </a:ln>
@@ -12318,7 +12294,7 @@
                   <a:defRPr/>
                 </a:pPr>
                 <a:r>
-                  <a:rPr kumimoji="0" lang="en-GB" sz="1200" b="0" i="0" u="none" strike="noStrike" kern="0" cap="none" spc="0" normalizeH="0" baseline="0" noProof="0" dirty="0" smtClean="0">
+                  <a:rPr kumimoji="0" lang="en-GB" sz="1200" b="0" i="0" u="none" strike="noStrike" kern="0" cap="none" spc="0" normalizeH="0" baseline="0" noProof="0" dirty="0">
                     <a:ln>
                       <a:noFill/>
                     </a:ln>
@@ -12401,7 +12377,7 @@
                 <a:defRPr/>
               </a:pPr>
               <a:r>
-                <a:rPr kumimoji="0" lang="en-GB" sz="1400" b="1" i="0" u="none" strike="noStrike" kern="0" cap="none" spc="0" normalizeH="0" baseline="0" noProof="0" dirty="0" smtClean="0">
+                <a:rPr kumimoji="0" lang="en-GB" sz="1400" b="1" i="0" u="none" strike="noStrike" kern="0" cap="none" spc="0" normalizeH="0" baseline="0" noProof="0" dirty="0">
                   <a:ln>
                     <a:noFill/>
                   </a:ln>
@@ -12509,7 +12485,7 @@
                   <a:defRPr/>
                 </a:pPr>
                 <a:r>
-                  <a:rPr kumimoji="0" lang="en-GB" sz="1200" b="0" i="0" u="none" strike="noStrike" kern="0" cap="none" spc="0" normalizeH="0" baseline="0" noProof="0" dirty="0" smtClean="0">
+                  <a:rPr kumimoji="0" lang="en-GB" sz="1200" b="0" i="0" u="none" strike="noStrike" kern="0" cap="none" spc="0" normalizeH="0" baseline="0" noProof="0" dirty="0">
                     <a:ln>
                       <a:noFill/>
                     </a:ln>
@@ -12573,7 +12549,7 @@
                   <a:defRPr/>
                 </a:pPr>
                 <a:r>
-                  <a:rPr kumimoji="0" lang="en-GB" sz="1200" b="0" i="0" u="none" strike="noStrike" kern="0" cap="none" spc="0" normalizeH="0" baseline="0" noProof="0" dirty="0" smtClean="0">
+                  <a:rPr kumimoji="0" lang="en-GB" sz="1200" b="0" i="0" u="none" strike="noStrike" kern="0" cap="none" spc="0" normalizeH="0" baseline="0" noProof="0" dirty="0">
                     <a:ln>
                       <a:noFill/>
                     </a:ln>
@@ -12638,7 +12614,7 @@
                 <a:defRPr/>
               </a:pPr>
               <a:r>
-                <a:rPr kumimoji="0" lang="en-GB" sz="1200" b="0" i="0" u="none" strike="noStrike" kern="0" cap="none" spc="0" normalizeH="0" baseline="0" noProof="0" dirty="0" smtClean="0">
+                <a:rPr kumimoji="0" lang="en-GB" sz="1200" b="0" i="0" u="none" strike="noStrike" kern="0" cap="none" spc="0" normalizeH="0" baseline="0" noProof="0" dirty="0">
                   <a:ln>
                     <a:noFill/>
                   </a:ln>
@@ -12702,7 +12678,7 @@
                 <a:defRPr/>
               </a:pPr>
               <a:r>
-                <a:rPr kumimoji="0" lang="en-GB" sz="1200" b="0" i="0" u="none" strike="noStrike" kern="0" cap="none" spc="0" normalizeH="0" baseline="0" noProof="0" dirty="0" smtClean="0">
+                <a:rPr kumimoji="0" lang="en-GB" sz="1200" b="0" i="0" u="none" strike="noStrike" kern="0" cap="none" spc="0" normalizeH="0" baseline="0" noProof="0" dirty="0">
                   <a:ln>
                     <a:noFill/>
                   </a:ln>
@@ -12766,7 +12742,7 @@
                 <a:defRPr/>
               </a:pPr>
               <a:r>
-                <a:rPr kumimoji="0" lang="en-GB" sz="1200" b="0" i="0" u="none" strike="noStrike" kern="0" cap="none" spc="0" normalizeH="0" baseline="0" noProof="0" dirty="0" smtClean="0">
+                <a:rPr kumimoji="0" lang="en-GB" sz="1200" b="0" i="0" u="none" strike="noStrike" kern="0" cap="none" spc="0" normalizeH="0" baseline="0" noProof="0" dirty="0">
                   <a:ln>
                     <a:noFill/>
                   </a:ln>
@@ -12848,7 +12824,7 @@
                 <a:defRPr/>
               </a:pPr>
               <a:r>
-                <a:rPr kumimoji="0" lang="en-GB" sz="1400" b="1" i="0" u="none" strike="noStrike" kern="0" cap="none" spc="0" normalizeH="0" baseline="0" noProof="0" dirty="0" smtClean="0">
+                <a:rPr kumimoji="0" lang="en-GB" sz="1400" b="1" i="0" u="none" strike="noStrike" kern="0" cap="none" spc="0" normalizeH="0" baseline="0" noProof="0" dirty="0">
                   <a:ln>
                     <a:noFill/>
                   </a:ln>
@@ -12956,7 +12932,7 @@
                   <a:defRPr/>
                 </a:pPr>
                 <a:r>
-                  <a:rPr kumimoji="0" lang="en-GB" sz="1200" b="0" i="0" u="none" strike="noStrike" kern="0" cap="none" spc="0" normalizeH="0" baseline="0" noProof="0" dirty="0" smtClean="0">
+                  <a:rPr kumimoji="0" lang="en-GB" sz="1200" b="0" i="0" u="none" strike="noStrike" kern="0" cap="none" spc="0" normalizeH="0" baseline="0" noProof="0" dirty="0">
                     <a:ln>
                       <a:noFill/>
                     </a:ln>
@@ -13020,7 +12996,7 @@
                   <a:defRPr/>
                 </a:pPr>
                 <a:r>
-                  <a:rPr kumimoji="0" lang="en-GB" sz="1200" b="0" i="0" u="none" strike="noStrike" kern="0" cap="none" spc="0" normalizeH="0" baseline="0" noProof="0" dirty="0" err="1" smtClean="0">
+                  <a:rPr kumimoji="0" lang="en-GB" sz="1200" b="0" i="0" u="none" strike="noStrike" kern="0" cap="none" spc="0" normalizeH="0" baseline="0" noProof="0" dirty="0" err="1">
                     <a:ln>
                       <a:noFill/>
                     </a:ln>
@@ -13037,7 +13013,7 @@
                   <a:t>NVMe</a:t>
                 </a:r>
                 <a:r>
-                  <a:rPr kumimoji="0" lang="en-GB" sz="1200" b="0" i="0" u="none" strike="noStrike" kern="0" cap="none" spc="0" normalizeH="0" baseline="0" noProof="0" dirty="0" smtClean="0">
+                  <a:rPr kumimoji="0" lang="en-GB" sz="1200" b="0" i="0" u="none" strike="noStrike" kern="0" cap="none" spc="0" normalizeH="0" baseline="0" noProof="0" dirty="0">
                     <a:ln>
                       <a:noFill/>
                     </a:ln>
@@ -13102,7 +13078,7 @@
                 <a:defRPr/>
               </a:pPr>
               <a:r>
-                <a:rPr kumimoji="0" lang="en-GB" sz="1200" b="0" i="0" u="none" strike="noStrike" kern="0" cap="none" spc="0" normalizeH="0" baseline="0" noProof="0" dirty="0" smtClean="0">
+                <a:rPr kumimoji="0" lang="en-GB" sz="1200" b="0" i="0" u="none" strike="noStrike" kern="0" cap="none" spc="0" normalizeH="0" baseline="0" noProof="0" dirty="0">
                   <a:ln>
                     <a:noFill/>
                   </a:ln>
@@ -13166,7 +13142,7 @@
                 <a:defRPr/>
               </a:pPr>
               <a:r>
-                <a:rPr kumimoji="0" lang="en-GB" sz="1200" b="0" i="0" u="none" strike="noStrike" kern="0" cap="none" spc="0" normalizeH="0" baseline="0" noProof="0" dirty="0" smtClean="0">
+                <a:rPr kumimoji="0" lang="en-GB" sz="1200" b="0" i="0" u="none" strike="noStrike" kern="0" cap="none" spc="0" normalizeH="0" baseline="0" noProof="0" dirty="0">
                   <a:ln>
                     <a:noFill/>
                   </a:ln>
@@ -13230,7 +13206,7 @@
                 <a:defRPr/>
               </a:pPr>
               <a:r>
-                <a:rPr kumimoji="0" lang="en-GB" sz="1200" b="0" i="0" u="none" strike="noStrike" kern="0" cap="none" spc="0" normalizeH="0" baseline="0" noProof="0" dirty="0" smtClean="0">
+                <a:rPr kumimoji="0" lang="en-GB" sz="1200" b="0" i="0" u="none" strike="noStrike" kern="0" cap="none" spc="0" normalizeH="0" baseline="0" noProof="0" dirty="0">
                   <a:ln>
                     <a:noFill/>
                   </a:ln>
@@ -13312,7 +13288,7 @@
                 <a:defRPr/>
               </a:pPr>
               <a:r>
-                <a:rPr kumimoji="0" lang="en-GB" sz="1400" b="1" i="0" u="none" strike="noStrike" kern="0" cap="none" spc="0" normalizeH="0" baseline="0" noProof="0" dirty="0" smtClean="0">
+                <a:rPr kumimoji="0" lang="en-GB" sz="1400" b="1" i="0" u="none" strike="noStrike" kern="0" cap="none" spc="0" normalizeH="0" baseline="0" noProof="0" dirty="0">
                   <a:ln>
                     <a:noFill/>
                   </a:ln>
@@ -13406,7 +13382,7 @@
                 <a:defRPr/>
               </a:pPr>
               <a:r>
-                <a:rPr kumimoji="0" lang="en-GB" sz="1200" b="0" i="0" u="none" strike="noStrike" kern="0" cap="none" spc="0" normalizeH="0" baseline="0" noProof="0" dirty="0" smtClean="0">
+                <a:rPr kumimoji="0" lang="en-GB" sz="1200" b="0" i="0" u="none" strike="noStrike" kern="0" cap="none" spc="0" normalizeH="0" baseline="0" noProof="0" dirty="0">
                   <a:ln>
                     <a:noFill/>
                   </a:ln>
@@ -13484,7 +13460,7 @@
                   <a:defRPr/>
                 </a:pPr>
                 <a:r>
-                  <a:rPr kumimoji="0" lang="en-GB" sz="1200" b="0" i="0" u="none" strike="noStrike" kern="0" cap="none" spc="0" normalizeH="0" baseline="0" noProof="0" dirty="0" smtClean="0">
+                  <a:rPr kumimoji="0" lang="en-GB" sz="1200" b="0" i="0" u="none" strike="noStrike" kern="0" cap="none" spc="0" normalizeH="0" baseline="0" noProof="0" dirty="0">
                     <a:ln>
                       <a:noFill/>
                     </a:ln>
@@ -13548,7 +13524,7 @@
                   <a:defRPr/>
                 </a:pPr>
                 <a:r>
-                  <a:rPr kumimoji="0" lang="en-GB" sz="1200" b="0" i="0" u="none" strike="noStrike" kern="0" cap="none" spc="0" normalizeH="0" baseline="0" noProof="0" dirty="0" smtClean="0">
+                  <a:rPr kumimoji="0" lang="en-GB" sz="1200" b="0" i="0" u="none" strike="noStrike" kern="0" cap="none" spc="0" normalizeH="0" baseline="0" noProof="0" dirty="0">
                     <a:ln>
                       <a:noFill/>
                     </a:ln>
@@ -13565,7 +13541,7 @@
                   <a:t>2 x 10 </a:t>
                 </a:r>
                 <a:r>
-                  <a:rPr kumimoji="0" lang="en-GB" sz="1200" b="0" i="0" u="none" strike="noStrike" kern="0" cap="none" spc="0" normalizeH="0" baseline="0" noProof="0" dirty="0" err="1" smtClean="0">
+                  <a:rPr kumimoji="0" lang="en-GB" sz="1200" b="0" i="0" u="none" strike="noStrike" kern="0" cap="none" spc="0" normalizeH="0" baseline="0" noProof="0" dirty="0" err="1">
                     <a:ln>
                       <a:noFill/>
                     </a:ln>
@@ -13581,7 +13557,7 @@
                   </a:rPr>
                   <a:t>GbE</a:t>
                 </a:r>
-                <a:endParaRPr kumimoji="0" lang="en-GB" sz="1200" b="0" i="0" u="none" strike="noStrike" kern="0" cap="none" spc="0" normalizeH="0" baseline="0" noProof="0" dirty="0" smtClean="0">
+                <a:endParaRPr kumimoji="0" lang="en-GB" sz="1200" b="0" i="0" u="none" strike="noStrike" kern="0" cap="none" spc="0" normalizeH="0" baseline="0" noProof="0" dirty="0">
                   <a:ln>
                     <a:noFill/>
                   </a:ln>
@@ -13658,7 +13634,7 @@
                   <a:defRPr/>
                 </a:pPr>
                 <a:r>
-                  <a:rPr kumimoji="0" lang="en-GB" sz="1200" b="0" i="0" u="none" strike="noStrike" kern="0" cap="none" spc="0" normalizeH="0" baseline="0" noProof="0" dirty="0" smtClean="0">
+                  <a:rPr kumimoji="0" lang="en-GB" sz="1200" b="0" i="0" u="none" strike="noStrike" kern="0" cap="none" spc="0" normalizeH="0" baseline="0" noProof="0" dirty="0">
                     <a:ln>
                       <a:noFill/>
                     </a:ln>
@@ -13722,7 +13698,7 @@
                   <a:defRPr/>
                 </a:pPr>
                 <a:r>
-                  <a:rPr kumimoji="0" lang="en-GB" sz="1200" b="0" i="0" u="none" strike="noStrike" kern="0" cap="none" spc="0" normalizeH="0" baseline="0" noProof="0" dirty="0" smtClean="0">
+                  <a:rPr kumimoji="0" lang="en-GB" sz="1200" b="0" i="0" u="none" strike="noStrike" kern="0" cap="none" spc="0" normalizeH="0" baseline="0" noProof="0" dirty="0">
                     <a:ln>
                       <a:noFill/>
                     </a:ln>
@@ -13805,7 +13781,7 @@
                 <a:defRPr/>
               </a:pPr>
               <a:r>
-                <a:rPr kumimoji="0" lang="en-GB" sz="1400" b="1" i="0" u="none" strike="noStrike" kern="0" cap="none" spc="0" normalizeH="0" baseline="0" noProof="0" dirty="0" smtClean="0">
+                <a:rPr kumimoji="0" lang="en-GB" sz="1400" b="1" i="0" u="none" strike="noStrike" kern="0" cap="none" spc="0" normalizeH="0" baseline="0" noProof="0" dirty="0">
                   <a:ln>
                     <a:noFill/>
                   </a:ln>
@@ -13899,7 +13875,7 @@
                 <a:defRPr/>
               </a:pPr>
               <a:r>
-                <a:rPr kumimoji="0" lang="en-GB" sz="1200" b="0" i="0" u="none" strike="noStrike" kern="0" cap="none" spc="0" normalizeH="0" baseline="0" noProof="0" dirty="0" smtClean="0">
+                <a:rPr kumimoji="0" lang="en-GB" sz="1200" b="0" i="0" u="none" strike="noStrike" kern="0" cap="none" spc="0" normalizeH="0" baseline="0" noProof="0" dirty="0">
                   <a:ln>
                     <a:noFill/>
                   </a:ln>
@@ -13963,7 +13939,7 @@
                 <a:defRPr/>
               </a:pPr>
               <a:r>
-                <a:rPr kumimoji="0" lang="en-GB" sz="1200" b="0" i="0" u="none" strike="noStrike" kern="0" cap="none" spc="0" normalizeH="0" baseline="0" noProof="0" dirty="0" err="1" smtClean="0">
+                <a:rPr kumimoji="0" lang="en-GB" sz="1200" b="0" i="0" u="none" strike="noStrike" kern="0" cap="none" spc="0" normalizeH="0" baseline="0" noProof="0" dirty="0" err="1">
                   <a:ln>
                     <a:noFill/>
                   </a:ln>
@@ -13980,7 +13956,7 @@
                 <a:t>SmartNIC</a:t>
               </a:r>
               <a:r>
-                <a:rPr kumimoji="0" lang="en-GB" sz="1200" b="0" i="0" u="none" strike="noStrike" kern="0" cap="none" spc="0" normalizeH="0" baseline="0" noProof="0" dirty="0" smtClean="0">
+                <a:rPr kumimoji="0" lang="en-GB" sz="1200" b="0" i="0" u="none" strike="noStrike" kern="0" cap="none" spc="0" normalizeH="0" baseline="0" noProof="0" dirty="0">
                   <a:ln>
                     <a:noFill/>
                   </a:ln>
@@ -14058,7 +14034,7 @@
                   <a:defRPr/>
                 </a:pPr>
                 <a:r>
-                  <a:rPr kumimoji="0" lang="en-GB" sz="1200" b="0" i="0" u="none" strike="noStrike" kern="0" cap="none" spc="0" normalizeH="0" baseline="0" noProof="0" dirty="0" smtClean="0">
+                  <a:rPr kumimoji="0" lang="en-GB" sz="1200" b="0" i="0" u="none" strike="noStrike" kern="0" cap="none" spc="0" normalizeH="0" baseline="0" noProof="0" dirty="0">
                     <a:ln>
                       <a:noFill/>
                     </a:ln>
@@ -14122,7 +14098,7 @@
                   <a:defRPr/>
                 </a:pPr>
                 <a:r>
-                  <a:rPr kumimoji="0" lang="en-GB" sz="1200" b="0" i="0" u="none" strike="noStrike" kern="0" cap="none" spc="0" normalizeH="0" baseline="0" noProof="0" dirty="0" smtClean="0">
+                  <a:rPr kumimoji="0" lang="en-GB" sz="1200" b="0" i="0" u="none" strike="noStrike" kern="0" cap="none" spc="0" normalizeH="0" baseline="0" noProof="0" dirty="0">
                     <a:ln>
                       <a:noFill/>
                     </a:ln>
@@ -14201,7 +14177,7 @@
                   <a:defRPr/>
                 </a:pPr>
                 <a:r>
-                  <a:rPr kumimoji="0" lang="en-GB" sz="1200" b="0" i="0" u="none" strike="noStrike" kern="0" cap="none" spc="0" normalizeH="0" baseline="0" noProof="0" dirty="0" smtClean="0">
+                  <a:rPr kumimoji="0" lang="en-GB" sz="1200" b="0" i="0" u="none" strike="noStrike" kern="0" cap="none" spc="0" normalizeH="0" baseline="0" noProof="0" dirty="0">
                     <a:ln>
                       <a:noFill/>
                     </a:ln>
@@ -14265,7 +14241,7 @@
                   <a:defRPr/>
                 </a:pPr>
                 <a:r>
-                  <a:rPr kumimoji="0" lang="en-GB" sz="1200" b="0" i="0" u="none" strike="noStrike" kern="0" cap="none" spc="0" normalizeH="0" baseline="0" noProof="0" dirty="0" smtClean="0">
+                  <a:rPr kumimoji="0" lang="en-GB" sz="1200" b="0" i="0" u="none" strike="noStrike" kern="0" cap="none" spc="0" normalizeH="0" baseline="0" noProof="0" dirty="0">
                     <a:ln>
                       <a:noFill/>
                     </a:ln>
@@ -14348,7 +14324,7 @@
                 <a:defRPr/>
               </a:pPr>
               <a:r>
-                <a:rPr kumimoji="0" lang="en-GB" sz="1400" b="1" i="0" u="none" strike="noStrike" kern="0" cap="none" spc="0" normalizeH="0" baseline="0" noProof="0" dirty="0" smtClean="0">
+                <a:rPr kumimoji="0" lang="en-GB" sz="1400" b="1" i="0" u="none" strike="noStrike" kern="0" cap="none" spc="0" normalizeH="0" baseline="0" noProof="0" dirty="0">
                   <a:ln>
                     <a:noFill/>
                   </a:ln>
@@ -14442,7 +14418,7 @@
                 <a:defRPr/>
               </a:pPr>
               <a:r>
-                <a:rPr kumimoji="0" lang="en-GB" sz="1200" b="0" i="0" u="none" strike="noStrike" kern="0" cap="none" spc="0" normalizeH="0" baseline="0" noProof="0" dirty="0" smtClean="0">
+                <a:rPr kumimoji="0" lang="en-GB" sz="1200" b="0" i="0" u="none" strike="noStrike" kern="0" cap="none" spc="0" normalizeH="0" baseline="0" noProof="0" dirty="0">
                   <a:ln>
                     <a:noFill/>
                   </a:ln>
@@ -14506,7 +14482,7 @@
                 <a:defRPr/>
               </a:pPr>
               <a:r>
-                <a:rPr kumimoji="0" lang="en-GB" sz="1200" b="0" i="0" u="none" strike="noStrike" kern="0" cap="none" spc="0" normalizeH="0" baseline="0" noProof="0" dirty="0" smtClean="0">
+                <a:rPr kumimoji="0" lang="en-GB" sz="1200" b="0" i="0" u="none" strike="noStrike" kern="0" cap="none" spc="0" normalizeH="0" baseline="0" noProof="0" dirty="0">
                   <a:ln>
                     <a:noFill/>
                   </a:ln>
@@ -14584,7 +14560,7 @@
                   <a:defRPr/>
                 </a:pPr>
                 <a:r>
-                  <a:rPr kumimoji="0" lang="en-GB" sz="1200" b="0" i="0" u="none" strike="noStrike" kern="0" cap="none" spc="0" normalizeH="0" baseline="0" noProof="0" dirty="0" smtClean="0">
+                  <a:rPr kumimoji="0" lang="en-GB" sz="1200" b="0" i="0" u="none" strike="noStrike" kern="0" cap="none" spc="0" normalizeH="0" baseline="0" noProof="0" dirty="0">
                     <a:ln>
                       <a:noFill/>
                     </a:ln>
@@ -14648,7 +14624,7 @@
                   <a:defRPr/>
                 </a:pPr>
                 <a:r>
-                  <a:rPr kumimoji="0" lang="en-GB" sz="1200" b="0" i="0" u="none" strike="noStrike" kern="0" cap="none" spc="0" normalizeH="0" baseline="0" noProof="0" dirty="0" smtClean="0">
+                  <a:rPr kumimoji="0" lang="en-GB" sz="1200" b="0" i="0" u="none" strike="noStrike" kern="0" cap="none" spc="0" normalizeH="0" baseline="0" noProof="0" dirty="0">
                     <a:ln>
                       <a:noFill/>
                     </a:ln>
@@ -14727,7 +14703,7 @@
                   <a:defRPr/>
                 </a:pPr>
                 <a:r>
-                  <a:rPr kumimoji="0" lang="en-GB" sz="1200" b="0" i="0" u="none" strike="noStrike" kern="0" cap="none" spc="0" normalizeH="0" baseline="0" noProof="0" dirty="0" smtClean="0">
+                  <a:rPr kumimoji="0" lang="en-GB" sz="1200" b="0" i="0" u="none" strike="noStrike" kern="0" cap="none" spc="0" normalizeH="0" baseline="0" noProof="0" dirty="0">
                     <a:ln>
                       <a:noFill/>
                     </a:ln>
@@ -14791,7 +14767,7 @@
                   <a:defRPr/>
                 </a:pPr>
                 <a:r>
-                  <a:rPr kumimoji="0" lang="en-GB" sz="1200" b="0" i="0" u="none" strike="noStrike" kern="0" cap="none" spc="0" normalizeH="0" baseline="0" noProof="0" dirty="0" smtClean="0">
+                  <a:rPr kumimoji="0" lang="en-GB" sz="1200" b="0" i="0" u="none" strike="noStrike" kern="0" cap="none" spc="0" normalizeH="0" baseline="0" noProof="0" dirty="0">
                     <a:ln>
                       <a:noFill/>
                     </a:ln>
@@ -14848,11 +14824,11 @@
           </a:lstStyle>
           <a:p>
             <a:r>
-              <a:rPr lang="en-GB" sz="2667" b="0" dirty="0" smtClean="0"/>
+              <a:rPr lang="en-GB" sz="2667" b="0" dirty="0"/>
               <a:t>CNTT</a:t>
             </a:r>
             <a:r>
-              <a:rPr lang="en-US" sz="2667" b="0" dirty="0" smtClean="0"/>
+              <a:rPr lang="en-US" sz="2667" b="0" dirty="0"/>
               <a:t> </a:t>
             </a:r>
             <a:r>
@@ -14863,20 +14839,10 @@
                   </a:schemeClr>
                 </a:solidFill>
               </a:rPr>
-              <a:t>| </a:t>
+              <a:t>| HW/SW </a:t>
             </a:r>
             <a:r>
-              <a:rPr lang="en-GB" sz="2667" b="0" dirty="0" smtClean="0">
-                <a:solidFill>
-                  <a:schemeClr val="bg1">
-                    <a:lumMod val="50000"/>
-                  </a:schemeClr>
-                </a:solidFill>
-              </a:rPr>
-              <a:t>HW/SW </a:t>
-            </a:r>
-            <a:r>
-              <a:rPr lang="en-GB" sz="2667" b="0" dirty="0" err="1" smtClean="0">
+              <a:rPr lang="en-GB" sz="2667" b="0" dirty="0" err="1">
                 <a:solidFill>
                   <a:schemeClr val="bg1">
                     <a:lumMod val="50000"/>
@@ -14886,7 +14852,7 @@
               <a:t>Config</a:t>
             </a:r>
             <a:r>
-              <a:rPr lang="en-GB" sz="2667" b="0" dirty="0" smtClean="0">
+              <a:rPr lang="en-GB" sz="2667" b="0" dirty="0">
                 <a:solidFill>
                   <a:schemeClr val="bg1">
                     <a:lumMod val="50000"/>
@@ -14895,13 +14861,6 @@
               </a:rPr>
               <a:t>. </a:t>
             </a:r>
-            <a:endParaRPr lang="en-GB" sz="2667" b="0" dirty="0">
-              <a:solidFill>
-                <a:schemeClr val="bg1">
-                  <a:lumMod val="50000"/>
-                </a:schemeClr>
-              </a:solidFill>
-            </a:endParaRPr>
           </a:p>
         </p:txBody>
       </p:sp>
@@ -15011,7 +14970,7 @@
               <a:tabLst/>
               <a:defRPr/>
             </a:pPr>
-            <a:endParaRPr kumimoji="0" lang="en-GB" sz="1800" b="0" i="0" u="none" strike="noStrike" kern="0" cap="none" spc="0" normalizeH="0" baseline="0" noProof="0" smtClean="0">
+            <a:endParaRPr kumimoji="0" lang="en-GB" sz="1800" b="0" i="0" u="none" strike="noStrike" kern="0" cap="none" spc="0" normalizeH="0" baseline="0" noProof="0">
               <a:ln>
                 <a:noFill/>
               </a:ln>
@@ -15082,7 +15041,7 @@
               <a:defRPr/>
             </a:pPr>
             <a:r>
-              <a:rPr kumimoji="0" lang="en-GB" sz="1200" b="0" i="0" u="none" strike="noStrike" kern="0" cap="none" spc="0" normalizeH="0" baseline="0" noProof="0" dirty="0" smtClean="0">
+              <a:rPr kumimoji="0" lang="en-GB" sz="1200" b="0" i="0" u="none" strike="noStrike" kern="0" cap="none" spc="0" normalizeH="0" baseline="0" noProof="0" dirty="0">
                 <a:ln>
                   <a:noFill/>
                 </a:ln>
@@ -15155,7 +15114,7 @@
               <a:defRPr/>
             </a:pPr>
             <a:r>
-              <a:rPr kumimoji="0" lang="en-GB" sz="1200" b="0" i="0" u="none" strike="noStrike" kern="0" cap="none" spc="0" normalizeH="0" baseline="0" noProof="0" dirty="0" smtClean="0">
+              <a:rPr kumimoji="0" lang="en-GB" sz="1200" b="0" i="0" u="none" strike="noStrike" kern="0" cap="none" spc="0" normalizeH="0" baseline="0" noProof="0" dirty="0">
                 <a:ln>
                   <a:noFill/>
                 </a:ln>
@@ -15225,7 +15184,7 @@
               <a:tabLst/>
               <a:defRPr/>
             </a:pPr>
-            <a:endParaRPr kumimoji="0" lang="en-GB" sz="1200" b="0" i="0" u="none" strike="noStrike" kern="0" cap="none" spc="0" normalizeH="0" baseline="0" noProof="0" dirty="0" smtClean="0">
+            <a:endParaRPr kumimoji="0" lang="en-GB" sz="1200" b="0" i="0" u="none" strike="noStrike" kern="0" cap="none" spc="0" normalizeH="0" baseline="0" noProof="0" dirty="0">
               <a:ln>
                 <a:noFill/>
               </a:ln>
@@ -15293,7 +15252,7 @@
               <a:tabLst/>
               <a:defRPr/>
             </a:pPr>
-            <a:endParaRPr kumimoji="0" lang="en-GB" sz="1200" b="0" i="0" u="none" strike="noStrike" kern="0" cap="none" spc="0" normalizeH="0" baseline="0" noProof="0" dirty="0" smtClean="0">
+            <a:endParaRPr kumimoji="0" lang="en-GB" sz="1200" b="0" i="0" u="none" strike="noStrike" kern="0" cap="none" spc="0" normalizeH="0" baseline="0" noProof="0" dirty="0">
               <a:ln>
                 <a:noFill/>
               </a:ln>
@@ -15361,7 +15320,7 @@
               <a:tabLst/>
               <a:defRPr/>
             </a:pPr>
-            <a:endParaRPr kumimoji="0" lang="en-GB" sz="1200" b="0" i="0" u="none" strike="noStrike" kern="0" cap="none" spc="0" normalizeH="0" baseline="0" noProof="0" dirty="0" smtClean="0">
+            <a:endParaRPr kumimoji="0" lang="en-GB" sz="1200" b="0" i="0" u="none" strike="noStrike" kern="0" cap="none" spc="0" normalizeH="0" baseline="0" noProof="0" dirty="0">
               <a:ln>
                 <a:noFill/>
               </a:ln>
@@ -15429,7 +15388,7 @@
               <a:tabLst/>
               <a:defRPr/>
             </a:pPr>
-            <a:endParaRPr kumimoji="0" lang="en-GB" sz="1200" b="0" i="0" u="none" strike="noStrike" kern="0" cap="none" spc="0" normalizeH="0" baseline="0" noProof="0" dirty="0" smtClean="0">
+            <a:endParaRPr kumimoji="0" lang="en-GB" sz="1200" b="0" i="0" u="none" strike="noStrike" kern="0" cap="none" spc="0" normalizeH="0" baseline="0" noProof="0" dirty="0">
               <a:ln>
                 <a:noFill/>
               </a:ln>
@@ -15497,7 +15456,7 @@
               <a:tabLst/>
               <a:defRPr/>
             </a:pPr>
-            <a:endParaRPr kumimoji="0" lang="en-GB" sz="1200" b="0" i="0" u="none" strike="noStrike" kern="0" cap="none" spc="0" normalizeH="0" baseline="0" noProof="0" dirty="0" smtClean="0">
+            <a:endParaRPr kumimoji="0" lang="en-GB" sz="1200" b="0" i="0" u="none" strike="noStrike" kern="0" cap="none" spc="0" normalizeH="0" baseline="0" noProof="0" dirty="0">
               <a:ln>
                 <a:noFill/>
               </a:ln>
@@ -15563,7 +15522,7 @@
               <a:defRPr/>
             </a:pPr>
             <a:r>
-              <a:rPr kumimoji="0" lang="en-GB" sz="1400" b="0" i="0" u="none" strike="noStrike" kern="0" cap="none" spc="0" normalizeH="0" baseline="0" noProof="0" dirty="0" smtClean="0">
+              <a:rPr kumimoji="0" lang="en-GB" sz="1400" b="0" i="0" u="none" strike="noStrike" kern="0" cap="none" spc="0" normalizeH="0" baseline="0" noProof="0" dirty="0">
                 <a:ln>
                   <a:noFill/>
                 </a:ln>
@@ -15631,7 +15590,7 @@
               <a:defRPr/>
             </a:pPr>
             <a:r>
-              <a:rPr kumimoji="0" lang="en-GB" sz="1400" b="0" i="0" u="none" strike="noStrike" kern="0" cap="none" spc="0" normalizeH="0" baseline="0" noProof="0" dirty="0" smtClean="0">
+              <a:rPr kumimoji="0" lang="en-GB" sz="1400" b="0" i="0" u="none" strike="noStrike" kern="0" cap="none" spc="0" normalizeH="0" baseline="0" noProof="0" dirty="0">
                 <a:ln>
                   <a:noFill/>
                 </a:ln>
@@ -15710,7 +15669,7 @@
               <a:tabLst/>
               <a:defRPr/>
             </a:pPr>
-            <a:endParaRPr kumimoji="0" lang="en-GB" sz="1800" b="0" i="0" u="none" strike="noStrike" kern="0" cap="none" spc="0" normalizeH="0" baseline="0" noProof="0" smtClean="0">
+            <a:endParaRPr kumimoji="0" lang="en-GB" sz="1800" b="0" i="0" u="none" strike="noStrike" kern="0" cap="none" spc="0" normalizeH="0" baseline="0" noProof="0">
               <a:ln>
                 <a:noFill/>
               </a:ln>
@@ -15918,7 +15877,7 @@
               <a:tabLst/>
               <a:defRPr/>
             </a:pPr>
-            <a:endParaRPr kumimoji="0" lang="en-GB" sz="1800" b="0" i="0" u="none" strike="noStrike" kern="0" cap="none" spc="0" normalizeH="0" baseline="0" noProof="0" smtClean="0">
+            <a:endParaRPr kumimoji="0" lang="en-GB" sz="1800" b="0" i="0" u="none" strike="noStrike" kern="0" cap="none" spc="0" normalizeH="0" baseline="0" noProof="0">
               <a:ln>
                 <a:noFill/>
               </a:ln>
@@ -15971,11 +15930,11 @@
           </a:lstStyle>
           <a:p>
             <a:r>
-              <a:rPr lang="en-GB" sz="2667" b="0" dirty="0" smtClean="0"/>
+              <a:rPr lang="en-GB" sz="2667" b="0" dirty="0"/>
               <a:t>CNTT</a:t>
             </a:r>
             <a:r>
-              <a:rPr lang="en-US" sz="2667" b="0" dirty="0" smtClean="0"/>
+              <a:rPr lang="en-US" sz="2667" b="0" dirty="0"/>
               <a:t> </a:t>
             </a:r>
             <a:r>
@@ -15986,20 +15945,10 @@
                   </a:schemeClr>
                 </a:solidFill>
               </a:rPr>
-              <a:t>| </a:t>
+              <a:t>| Basic HW </a:t>
             </a:r>
             <a:r>
-              <a:rPr lang="en-GB" sz="2667" b="0" dirty="0" smtClean="0">
-                <a:solidFill>
-                  <a:schemeClr val="bg1">
-                    <a:lumMod val="50000"/>
-                  </a:schemeClr>
-                </a:solidFill>
-              </a:rPr>
-              <a:t>Basic HW </a:t>
-            </a:r>
-            <a:r>
-              <a:rPr lang="en-GB" sz="2667" b="0" dirty="0" err="1" smtClean="0">
+              <a:rPr lang="en-GB" sz="2667" b="0" dirty="0" err="1">
                 <a:solidFill>
                   <a:schemeClr val="bg1">
                     <a:lumMod val="50000"/>
@@ -16009,7 +15958,7 @@
               <a:t>Config</a:t>
             </a:r>
             <a:r>
-              <a:rPr lang="en-GB" sz="2667" b="0" dirty="0" smtClean="0">
+              <a:rPr lang="en-GB" sz="2667" b="0" dirty="0">
                 <a:solidFill>
                   <a:schemeClr val="bg1">
                     <a:lumMod val="50000"/>
@@ -16018,13 +15967,6 @@
               </a:rPr>
               <a:t>. </a:t>
             </a:r>
-            <a:endParaRPr lang="en-GB" sz="2667" b="0" dirty="0">
-              <a:solidFill>
-                <a:schemeClr val="bg1">
-                  <a:lumMod val="50000"/>
-                </a:schemeClr>
-              </a:solidFill>
-            </a:endParaRPr>
           </a:p>
         </p:txBody>
       </p:sp>
@@ -16104,7 +16046,7 @@
               <a:tabLst/>
               <a:defRPr/>
             </a:pPr>
-            <a:endParaRPr kumimoji="0" lang="en-GB" sz="1800" b="0" i="0" u="none" strike="noStrike" kern="0" cap="none" spc="0" normalizeH="0" baseline="0" noProof="0" smtClean="0">
+            <a:endParaRPr kumimoji="0" lang="en-GB" sz="1800" b="0" i="0" u="none" strike="noStrike" kern="0" cap="none" spc="0" normalizeH="0" baseline="0" noProof="0">
               <a:ln>
                 <a:noFill/>
               </a:ln>
@@ -16175,7 +16117,7 @@
               <a:defRPr/>
             </a:pPr>
             <a:r>
-              <a:rPr kumimoji="0" lang="en-GB" sz="1200" b="0" i="0" u="none" strike="noStrike" kern="0" cap="none" spc="0" normalizeH="0" baseline="0" noProof="0" dirty="0" smtClean="0">
+              <a:rPr kumimoji="0" lang="en-GB" sz="1200" b="0" i="0" u="none" strike="noStrike" kern="0" cap="none" spc="0" normalizeH="0" baseline="0" noProof="0" dirty="0">
                 <a:ln>
                   <a:noFill/>
                 </a:ln>
@@ -16248,7 +16190,7 @@
               <a:defRPr/>
             </a:pPr>
             <a:r>
-              <a:rPr kumimoji="0" lang="en-GB" sz="1200" b="0" i="0" u="none" strike="noStrike" kern="0" cap="none" spc="0" normalizeH="0" baseline="0" noProof="0" dirty="0" smtClean="0">
+              <a:rPr kumimoji="0" lang="en-GB" sz="1200" b="0" i="0" u="none" strike="noStrike" kern="0" cap="none" spc="0" normalizeH="0" baseline="0" noProof="0" dirty="0">
                 <a:ln>
                   <a:noFill/>
                 </a:ln>
@@ -16318,7 +16260,7 @@
               <a:tabLst/>
               <a:defRPr/>
             </a:pPr>
-            <a:endParaRPr kumimoji="0" lang="en-GB" sz="1200" b="0" i="0" u="none" strike="noStrike" kern="0" cap="none" spc="0" normalizeH="0" baseline="0" noProof="0" dirty="0" smtClean="0">
+            <a:endParaRPr kumimoji="0" lang="en-GB" sz="1200" b="0" i="0" u="none" strike="noStrike" kern="0" cap="none" spc="0" normalizeH="0" baseline="0" noProof="0" dirty="0">
               <a:ln>
                 <a:noFill/>
               </a:ln>
@@ -16386,7 +16328,7 @@
               <a:tabLst/>
               <a:defRPr/>
             </a:pPr>
-            <a:endParaRPr kumimoji="0" lang="en-GB" sz="1200" b="0" i="0" u="none" strike="noStrike" kern="0" cap="none" spc="0" normalizeH="0" baseline="0" noProof="0" dirty="0" smtClean="0">
+            <a:endParaRPr kumimoji="0" lang="en-GB" sz="1200" b="0" i="0" u="none" strike="noStrike" kern="0" cap="none" spc="0" normalizeH="0" baseline="0" noProof="0" dirty="0">
               <a:ln>
                 <a:noFill/>
               </a:ln>
@@ -16454,7 +16396,7 @@
               <a:tabLst/>
               <a:defRPr/>
             </a:pPr>
-            <a:endParaRPr kumimoji="0" lang="en-GB" sz="1200" b="0" i="0" u="none" strike="noStrike" kern="0" cap="none" spc="0" normalizeH="0" baseline="0" noProof="0" dirty="0" smtClean="0">
+            <a:endParaRPr kumimoji="0" lang="en-GB" sz="1200" b="0" i="0" u="none" strike="noStrike" kern="0" cap="none" spc="0" normalizeH="0" baseline="0" noProof="0" dirty="0">
               <a:ln>
                 <a:noFill/>
               </a:ln>
@@ -16522,7 +16464,7 @@
               <a:tabLst/>
               <a:defRPr/>
             </a:pPr>
-            <a:endParaRPr kumimoji="0" lang="en-GB" sz="1200" b="0" i="0" u="none" strike="noStrike" kern="0" cap="none" spc="0" normalizeH="0" baseline="0" noProof="0" dirty="0" smtClean="0">
+            <a:endParaRPr kumimoji="0" lang="en-GB" sz="1200" b="0" i="0" u="none" strike="noStrike" kern="0" cap="none" spc="0" normalizeH="0" baseline="0" noProof="0" dirty="0">
               <a:ln>
                 <a:noFill/>
               </a:ln>
@@ -16590,7 +16532,7 @@
               <a:tabLst/>
               <a:defRPr/>
             </a:pPr>
-            <a:endParaRPr kumimoji="0" lang="en-GB" sz="1200" b="0" i="0" u="none" strike="noStrike" kern="0" cap="none" spc="0" normalizeH="0" baseline="0" noProof="0" dirty="0" smtClean="0">
+            <a:endParaRPr kumimoji="0" lang="en-GB" sz="1200" b="0" i="0" u="none" strike="noStrike" kern="0" cap="none" spc="0" normalizeH="0" baseline="0" noProof="0" dirty="0">
               <a:ln>
                 <a:noFill/>
               </a:ln>
@@ -16656,7 +16598,7 @@
               <a:defRPr/>
             </a:pPr>
             <a:r>
-              <a:rPr kumimoji="0" lang="en-GB" sz="1400" b="0" i="0" u="none" strike="noStrike" kern="0" cap="none" spc="0" normalizeH="0" baseline="0" noProof="0" dirty="0" smtClean="0">
+              <a:rPr kumimoji="0" lang="en-GB" sz="1400" b="0" i="0" u="none" strike="noStrike" kern="0" cap="none" spc="0" normalizeH="0" baseline="0" noProof="0" dirty="0">
                 <a:ln>
                   <a:noFill/>
                 </a:ln>
@@ -16724,7 +16666,7 @@
               <a:defRPr/>
             </a:pPr>
             <a:r>
-              <a:rPr kumimoji="0" lang="en-GB" sz="1400" b="0" i="0" u="none" strike="noStrike" kern="0" cap="none" spc="0" normalizeH="0" baseline="0" noProof="0" dirty="0" smtClean="0">
+              <a:rPr kumimoji="0" lang="en-GB" sz="1400" b="0" i="0" u="none" strike="noStrike" kern="0" cap="none" spc="0" normalizeH="0" baseline="0" noProof="0" dirty="0">
                 <a:ln>
                   <a:noFill/>
                 </a:ln>
@@ -16902,7 +16844,7 @@
                 <a:tabLst/>
                 <a:defRPr/>
               </a:pPr>
-              <a:endParaRPr kumimoji="0" lang="en-GB" sz="1800" b="0" i="0" u="none" strike="noStrike" kern="0" cap="none" spc="0" normalizeH="0" baseline="0" noProof="0" smtClean="0">
+              <a:endParaRPr kumimoji="0" lang="en-GB" sz="1800" b="0" i="0" u="none" strike="noStrike" kern="0" cap="none" spc="0" normalizeH="0" baseline="0" noProof="0">
                 <a:ln>
                   <a:noFill/>
                 </a:ln>
@@ -17009,7 +16951,7 @@
                 <a:tabLst/>
                 <a:defRPr/>
               </a:pPr>
-              <a:endParaRPr kumimoji="0" lang="en-GB" sz="1800" b="0" i="0" u="none" strike="noStrike" kern="0" cap="none" spc="0" normalizeH="0" baseline="0" noProof="0" smtClean="0">
+              <a:endParaRPr kumimoji="0" lang="en-GB" sz="1800" b="0" i="0" u="none" strike="noStrike" kern="0" cap="none" spc="0" normalizeH="0" baseline="0" noProof="0">
                 <a:ln>
                   <a:noFill/>
                 </a:ln>
@@ -17073,7 +17015,7 @@
                 <a:defRPr/>
               </a:pPr>
               <a:r>
-                <a:rPr kumimoji="0" lang="en-GB" sz="600" b="0" i="0" u="none" strike="noStrike" kern="0" cap="none" spc="0" normalizeH="0" baseline="0" noProof="0" dirty="0" smtClean="0">
+                <a:rPr kumimoji="0" lang="en-GB" sz="600" b="0" i="0" u="none" strike="noStrike" kern="0" cap="none" spc="0" normalizeH="0" baseline="0" noProof="0" dirty="0">
                   <a:ln>
                     <a:noFill/>
                   </a:ln>
@@ -17151,7 +17093,7 @@
                 <a:tabLst/>
                 <a:defRPr/>
               </a:pPr>
-              <a:endParaRPr kumimoji="0" lang="en-GB" sz="1800" b="0" i="0" u="none" strike="noStrike" kern="0" cap="none" spc="0" normalizeH="0" baseline="0" noProof="0" smtClean="0">
+              <a:endParaRPr kumimoji="0" lang="en-GB" sz="1800" b="0" i="0" u="none" strike="noStrike" kern="0" cap="none" spc="0" normalizeH="0" baseline="0" noProof="0">
                 <a:ln>
                   <a:noFill/>
                 </a:ln>
@@ -17258,7 +17200,7 @@
                 <a:tabLst/>
                 <a:defRPr/>
               </a:pPr>
-              <a:endParaRPr kumimoji="0" lang="en-GB" sz="1800" b="0" i="0" u="none" strike="noStrike" kern="0" cap="none" spc="0" normalizeH="0" baseline="0" noProof="0" smtClean="0">
+              <a:endParaRPr kumimoji="0" lang="en-GB" sz="1800" b="0" i="0" u="none" strike="noStrike" kern="0" cap="none" spc="0" normalizeH="0" baseline="0" noProof="0">
                 <a:ln>
                   <a:noFill/>
                 </a:ln>
@@ -17322,7 +17264,7 @@
                 <a:defRPr/>
               </a:pPr>
               <a:r>
-                <a:rPr kumimoji="0" lang="en-GB" sz="600" b="0" i="0" u="none" strike="noStrike" kern="0" cap="none" spc="0" normalizeH="0" baseline="0" noProof="0" dirty="0" smtClean="0">
+                <a:rPr kumimoji="0" lang="en-GB" sz="600" b="0" i="0" u="none" strike="noStrike" kern="0" cap="none" spc="0" normalizeH="0" baseline="0" noProof="0" dirty="0">
                   <a:ln>
                     <a:noFill/>
                   </a:ln>
@@ -17389,7 +17331,7 @@
               <a:defRPr/>
             </a:pPr>
             <a:r>
-              <a:rPr kumimoji="0" lang="en-GB" sz="800" b="0" i="0" u="none" strike="noStrike" kern="0" cap="none" spc="0" normalizeH="0" baseline="0" noProof="0" dirty="0" smtClean="0">
+              <a:rPr kumimoji="0" lang="en-GB" sz="800" b="0" i="0" u="none" strike="noStrike" kern="0" cap="none" spc="0" normalizeH="0" baseline="0" noProof="0" dirty="0">
                 <a:ln>
                   <a:noFill/>
                 </a:ln>
@@ -17424,7 +17366,7 @@
               <a:tabLst/>
               <a:defRPr/>
             </a:pPr>
-            <a:endParaRPr kumimoji="0" lang="en-GB" sz="800" b="0" i="0" u="none" strike="noStrike" kern="0" cap="none" spc="0" normalizeH="0" baseline="0" noProof="0" dirty="0" smtClean="0">
+            <a:endParaRPr kumimoji="0" lang="en-GB" sz="800" b="0" i="0" u="none" strike="noStrike" kern="0" cap="none" spc="0" normalizeH="0" baseline="0" noProof="0" dirty="0">
               <a:ln>
                 <a:noFill/>
               </a:ln>
@@ -17458,7 +17400,7 @@
               <a:defRPr/>
             </a:pPr>
             <a:r>
-              <a:rPr kumimoji="0" lang="en-GB" sz="1050" b="0" i="0" u="none" strike="noStrike" kern="0" cap="none" spc="0" normalizeH="0" baseline="0" noProof="0" dirty="0" smtClean="0">
+              <a:rPr kumimoji="0" lang="en-GB" sz="1050" b="0" i="0" u="none" strike="noStrike" kern="0" cap="none" spc="0" normalizeH="0" baseline="0" noProof="0" dirty="0">
                 <a:ln>
                   <a:noFill/>
                 </a:ln>
@@ -17513,11 +17455,11 @@
           </a:lstStyle>
           <a:p>
             <a:r>
-              <a:rPr lang="en-GB" sz="2667" b="0" dirty="0" smtClean="0"/>
+              <a:rPr lang="en-GB" sz="2667" b="0" dirty="0"/>
               <a:t>CNTT</a:t>
             </a:r>
             <a:r>
-              <a:rPr lang="en-US" sz="2667" b="0" dirty="0" smtClean="0"/>
+              <a:rPr lang="en-US" sz="2667" b="0" dirty="0"/>
               <a:t> </a:t>
             </a:r>
             <a:r>
@@ -17528,20 +17470,10 @@
                   </a:schemeClr>
                 </a:solidFill>
               </a:rPr>
-              <a:t>| </a:t>
+              <a:t>| NI HW </a:t>
             </a:r>
             <a:r>
-              <a:rPr lang="en-GB" sz="2667" b="0" dirty="0" smtClean="0">
-                <a:solidFill>
-                  <a:schemeClr val="bg1">
-                    <a:lumMod val="50000"/>
-                  </a:schemeClr>
-                </a:solidFill>
-              </a:rPr>
-              <a:t>NI HW </a:t>
-            </a:r>
-            <a:r>
-              <a:rPr lang="en-GB" sz="2667" b="0" dirty="0" err="1" smtClean="0">
+              <a:rPr lang="en-GB" sz="2667" b="0" dirty="0" err="1">
                 <a:solidFill>
                   <a:schemeClr val="bg1">
                     <a:lumMod val="50000"/>
@@ -17551,7 +17483,7 @@
               <a:t>Config</a:t>
             </a:r>
             <a:r>
-              <a:rPr lang="en-GB" sz="2667" b="0" dirty="0" smtClean="0">
+              <a:rPr lang="en-GB" sz="2667" b="0" dirty="0">
                 <a:solidFill>
                   <a:schemeClr val="bg1">
                     <a:lumMod val="50000"/>
@@ -17560,13 +17492,6 @@
               </a:rPr>
               <a:t>. </a:t>
             </a:r>
-            <a:endParaRPr lang="en-GB" sz="2667" b="0" dirty="0">
-              <a:solidFill>
-                <a:schemeClr val="bg1">
-                  <a:lumMod val="50000"/>
-                </a:schemeClr>
-              </a:solidFill>
-            </a:endParaRPr>
           </a:p>
         </p:txBody>
       </p:sp>
@@ -17676,7 +17601,7 @@
               <a:tabLst/>
               <a:defRPr/>
             </a:pPr>
-            <a:endParaRPr kumimoji="0" lang="en-GB" sz="1800" b="0" i="0" u="none" strike="noStrike" kern="0" cap="none" spc="0" normalizeH="0" baseline="0" noProof="0" smtClean="0">
+            <a:endParaRPr kumimoji="0" lang="en-GB" sz="1800" b="0" i="0" u="none" strike="noStrike" kern="0" cap="none" spc="0" normalizeH="0" baseline="0" noProof="0">
               <a:ln>
                 <a:noFill/>
               </a:ln>
@@ -17747,7 +17672,7 @@
               <a:defRPr/>
             </a:pPr>
             <a:r>
-              <a:rPr kumimoji="0" lang="en-GB" sz="1200" b="0" i="0" u="none" strike="noStrike" kern="0" cap="none" spc="0" normalizeH="0" baseline="0" noProof="0" dirty="0" smtClean="0">
+              <a:rPr kumimoji="0" lang="en-GB" sz="1200" b="0" i="0" u="none" strike="noStrike" kern="0" cap="none" spc="0" normalizeH="0" baseline="0" noProof="0" dirty="0">
                 <a:ln>
                   <a:noFill/>
                 </a:ln>
@@ -17820,7 +17745,7 @@
               <a:defRPr/>
             </a:pPr>
             <a:r>
-              <a:rPr kumimoji="0" lang="en-GB" sz="1200" b="0" i="0" u="none" strike="noStrike" kern="0" cap="none" spc="0" normalizeH="0" baseline="0" noProof="0" dirty="0" smtClean="0">
+              <a:rPr kumimoji="0" lang="en-GB" sz="1200" b="0" i="0" u="none" strike="noStrike" kern="0" cap="none" spc="0" normalizeH="0" baseline="0" noProof="0" dirty="0">
                 <a:ln>
                   <a:noFill/>
                 </a:ln>
@@ -17890,7 +17815,7 @@
               <a:tabLst/>
               <a:defRPr/>
             </a:pPr>
-            <a:endParaRPr kumimoji="0" lang="en-GB" sz="1200" b="0" i="0" u="none" strike="noStrike" kern="0" cap="none" spc="0" normalizeH="0" baseline="0" noProof="0" dirty="0" smtClean="0">
+            <a:endParaRPr kumimoji="0" lang="en-GB" sz="1200" b="0" i="0" u="none" strike="noStrike" kern="0" cap="none" spc="0" normalizeH="0" baseline="0" noProof="0" dirty="0">
               <a:ln>
                 <a:noFill/>
               </a:ln>
@@ -17958,7 +17883,7 @@
               <a:tabLst/>
               <a:defRPr/>
             </a:pPr>
-            <a:endParaRPr kumimoji="0" lang="en-GB" sz="1200" b="0" i="0" u="none" strike="noStrike" kern="0" cap="none" spc="0" normalizeH="0" baseline="0" noProof="0" dirty="0" smtClean="0">
+            <a:endParaRPr kumimoji="0" lang="en-GB" sz="1200" b="0" i="0" u="none" strike="noStrike" kern="0" cap="none" spc="0" normalizeH="0" baseline="0" noProof="0" dirty="0">
               <a:ln>
                 <a:noFill/>
               </a:ln>
@@ -18026,7 +17951,7 @@
               <a:tabLst/>
               <a:defRPr/>
             </a:pPr>
-            <a:endParaRPr kumimoji="0" lang="en-GB" sz="1200" b="0" i="0" u="none" strike="noStrike" kern="0" cap="none" spc="0" normalizeH="0" baseline="0" noProof="0" dirty="0" smtClean="0">
+            <a:endParaRPr kumimoji="0" lang="en-GB" sz="1200" b="0" i="0" u="none" strike="noStrike" kern="0" cap="none" spc="0" normalizeH="0" baseline="0" noProof="0" dirty="0">
               <a:ln>
                 <a:noFill/>
               </a:ln>
@@ -18094,7 +18019,7 @@
               <a:tabLst/>
               <a:defRPr/>
             </a:pPr>
-            <a:endParaRPr kumimoji="0" lang="en-GB" sz="1200" b="0" i="0" u="none" strike="noStrike" kern="0" cap="none" spc="0" normalizeH="0" baseline="0" noProof="0" dirty="0" smtClean="0">
+            <a:endParaRPr kumimoji="0" lang="en-GB" sz="1200" b="0" i="0" u="none" strike="noStrike" kern="0" cap="none" spc="0" normalizeH="0" baseline="0" noProof="0" dirty="0">
               <a:ln>
                 <a:noFill/>
               </a:ln>
@@ -18162,7 +18087,7 @@
               <a:tabLst/>
               <a:defRPr/>
             </a:pPr>
-            <a:endParaRPr kumimoji="0" lang="en-GB" sz="1200" b="0" i="0" u="none" strike="noStrike" kern="0" cap="none" spc="0" normalizeH="0" baseline="0" noProof="0" dirty="0" smtClean="0">
+            <a:endParaRPr kumimoji="0" lang="en-GB" sz="1200" b="0" i="0" u="none" strike="noStrike" kern="0" cap="none" spc="0" normalizeH="0" baseline="0" noProof="0" dirty="0">
               <a:ln>
                 <a:noFill/>
               </a:ln>
@@ -18228,7 +18153,7 @@
               <a:defRPr/>
             </a:pPr>
             <a:r>
-              <a:rPr kumimoji="0" lang="en-GB" sz="1400" b="0" i="0" u="none" strike="noStrike" kern="0" cap="none" spc="0" normalizeH="0" baseline="0" noProof="0" dirty="0" smtClean="0">
+              <a:rPr kumimoji="0" lang="en-GB" sz="1400" b="0" i="0" u="none" strike="noStrike" kern="0" cap="none" spc="0" normalizeH="0" baseline="0" noProof="0" dirty="0">
                 <a:ln>
                   <a:noFill/>
                 </a:ln>
@@ -18296,7 +18221,7 @@
               <a:defRPr/>
             </a:pPr>
             <a:r>
-              <a:rPr kumimoji="0" lang="en-GB" sz="1400" b="0" i="0" u="none" strike="noStrike" kern="0" cap="none" spc="0" normalizeH="0" baseline="0" noProof="0" dirty="0" smtClean="0">
+              <a:rPr kumimoji="0" lang="en-GB" sz="1400" b="0" i="0" u="none" strike="noStrike" kern="0" cap="none" spc="0" normalizeH="0" baseline="0" noProof="0" dirty="0">
                 <a:ln>
                   <a:noFill/>
                 </a:ln>
@@ -18375,7 +18300,7 @@
               <a:tabLst/>
               <a:defRPr/>
             </a:pPr>
-            <a:endParaRPr kumimoji="0" lang="en-GB" sz="1800" b="0" i="0" u="none" strike="noStrike" kern="0" cap="none" spc="0" normalizeH="0" baseline="0" noProof="0" smtClean="0">
+            <a:endParaRPr kumimoji="0" lang="en-GB" sz="1800" b="0" i="0" u="none" strike="noStrike" kern="0" cap="none" spc="0" normalizeH="0" baseline="0" noProof="0">
               <a:ln>
                 <a:noFill/>
               </a:ln>
@@ -18583,7 +18508,7 @@
               <a:tabLst/>
               <a:defRPr/>
             </a:pPr>
-            <a:endParaRPr kumimoji="0" lang="en-GB" sz="1800" b="0" i="0" u="none" strike="noStrike" kern="0" cap="none" spc="0" normalizeH="0" baseline="0" noProof="0" smtClean="0">
+            <a:endParaRPr kumimoji="0" lang="en-GB" sz="1800" b="0" i="0" u="none" strike="noStrike" kern="0" cap="none" spc="0" normalizeH="0" baseline="0" noProof="0">
               <a:ln>
                 <a:noFill/>
               </a:ln>
@@ -18647,7 +18572,7 @@
               <a:defRPr/>
             </a:pPr>
             <a:r>
-              <a:rPr kumimoji="0" lang="en-GB" sz="800" b="0" i="0" u="none" strike="noStrike" kern="0" cap="none" spc="0" normalizeH="0" baseline="0" noProof="0" dirty="0" smtClean="0">
+              <a:rPr kumimoji="0" lang="en-GB" sz="800" b="0" i="0" u="none" strike="noStrike" kern="0" cap="none" spc="0" normalizeH="0" baseline="0" noProof="0" dirty="0">
                 <a:ln>
                   <a:noFill/>
                 </a:ln>
@@ -18682,7 +18607,7 @@
               <a:tabLst/>
               <a:defRPr/>
             </a:pPr>
-            <a:endParaRPr kumimoji="0" lang="en-GB" sz="800" b="0" i="0" u="none" strike="noStrike" kern="0" cap="none" spc="0" normalizeH="0" baseline="0" noProof="0" dirty="0" smtClean="0">
+            <a:endParaRPr kumimoji="0" lang="en-GB" sz="800" b="0" i="0" u="none" strike="noStrike" kern="0" cap="none" spc="0" normalizeH="0" baseline="0" noProof="0" dirty="0">
               <a:ln>
                 <a:noFill/>
               </a:ln>
@@ -18716,7 +18641,7 @@
               <a:defRPr/>
             </a:pPr>
             <a:r>
-              <a:rPr kumimoji="0" lang="en-GB" sz="1050" b="0" i="0" u="none" strike="noStrike" kern="0" cap="none" spc="0" normalizeH="0" baseline="0" noProof="0" dirty="0" smtClean="0">
+              <a:rPr kumimoji="0" lang="en-GB" sz="1050" b="0" i="0" u="none" strike="noStrike" kern="0" cap="none" spc="0" normalizeH="0" baseline="0" noProof="0" dirty="0">
                 <a:ln>
                   <a:noFill/>
                 </a:ln>
@@ -18771,11 +18696,11 @@
           </a:lstStyle>
           <a:p>
             <a:r>
-              <a:rPr lang="en-GB" sz="2667" b="0" dirty="0" smtClean="0"/>
+              <a:rPr lang="en-GB" sz="2667" b="0" dirty="0"/>
               <a:t>CNTT</a:t>
             </a:r>
             <a:r>
-              <a:rPr lang="en-US" sz="2667" b="0" dirty="0" smtClean="0"/>
+              <a:rPr lang="en-US" sz="2667" b="0" dirty="0"/>
               <a:t> </a:t>
             </a:r>
             <a:r>
@@ -18786,20 +18711,10 @@
                   </a:schemeClr>
                 </a:solidFill>
               </a:rPr>
-              <a:t>| </a:t>
+              <a:t>| CI HW </a:t>
             </a:r>
             <a:r>
-              <a:rPr lang="en-GB" sz="2667" b="0" dirty="0" smtClean="0">
-                <a:solidFill>
-                  <a:schemeClr val="bg1">
-                    <a:lumMod val="50000"/>
-                  </a:schemeClr>
-                </a:solidFill>
-              </a:rPr>
-              <a:t>CI HW </a:t>
-            </a:r>
-            <a:r>
-              <a:rPr lang="en-GB" sz="2667" b="0" dirty="0" err="1" smtClean="0">
+              <a:rPr lang="en-GB" sz="2667" b="0" dirty="0" err="1">
                 <a:solidFill>
                   <a:schemeClr val="bg1">
                     <a:lumMod val="50000"/>
@@ -18809,7 +18724,7 @@
               <a:t>Config</a:t>
             </a:r>
             <a:r>
-              <a:rPr lang="en-GB" sz="2667" b="0" dirty="0" smtClean="0">
+              <a:rPr lang="en-GB" sz="2667" b="0" dirty="0">
                 <a:solidFill>
                   <a:schemeClr val="bg1">
                     <a:lumMod val="50000"/>
@@ -18818,13 +18733,6 @@
               </a:rPr>
               <a:t>. </a:t>
             </a:r>
-            <a:endParaRPr lang="en-GB" sz="2667" b="0" dirty="0">
-              <a:solidFill>
-                <a:schemeClr val="bg1">
-                  <a:lumMod val="50000"/>
-                </a:schemeClr>
-              </a:solidFill>
-            </a:endParaRPr>
           </a:p>
         </p:txBody>
       </p:sp>
@@ -18881,10 +18789,9 @@
           <a:lstStyle/>
           <a:p>
             <a:r>
-              <a:rPr lang="en-GB" dirty="0" smtClean="0"/>
+              <a:rPr lang="en-GB" dirty="0"/>
               <a:t>Diagram based on Terminology</a:t>
             </a:r>
-            <a:endParaRPr lang="en-GB" dirty="0"/>
           </a:p>
         </p:txBody>
       </p:sp>
@@ -20802,13 +20709,6 @@
   <p:clrMapOvr>
     <a:masterClrMapping/>
   </p:clrMapOvr>
-  <p:timing>
-    <p:tnLst>
-      <p:par>
-        <p:cTn id="1" dur="indefinite" restart="never" nodeType="tmRoot"/>
-      </p:par>
-    </p:tnLst>
-  </p:timing>
 </p:sld>
 </file>
 
@@ -20852,10 +20752,9 @@
           <a:lstStyle/>
           <a:p>
             <a:r>
-              <a:rPr lang="en-GB" dirty="0" smtClean="0"/>
+              <a:rPr lang="en-GB" dirty="0"/>
               <a:t>Software Terminologies</a:t>
             </a:r>
-            <a:endParaRPr lang="en-GB" dirty="0"/>
           </a:p>
         </p:txBody>
       </p:sp>
@@ -21062,7 +20961,7 @@
             <a:p>
               <a:pPr algn="ctr"/>
               <a:r>
-                <a:rPr lang="en-GB" sz="1600" dirty="0" err="1" smtClean="0">
+                <a:rPr lang="en-GB" sz="1600" dirty="0" err="1">
                   <a:solidFill>
                     <a:schemeClr val="tx1"/>
                   </a:solidFill>
@@ -21122,18 +21021,13 @@
             <a:p>
               <a:pPr algn="ctr"/>
               <a:r>
-                <a:rPr lang="en-GB" sz="1600" dirty="0" smtClean="0">
+                <a:rPr lang="en-GB" sz="1600" dirty="0">
                   <a:solidFill>
                     <a:schemeClr val="tx1"/>
                   </a:solidFill>
                 </a:rPr>
                 <a:t>VNF</a:t>
               </a:r>
-              <a:endParaRPr lang="en-GB" sz="1600" dirty="0">
-                <a:solidFill>
-                  <a:schemeClr val="tx1"/>
-                </a:solidFill>
-              </a:endParaRPr>
             </a:p>
           </p:txBody>
         </p:sp>
@@ -21187,21 +21081,8 @@
                     <a:schemeClr val="tx1"/>
                   </a:solidFill>
                 </a:rPr>
-                <a:t>C</a:t>
+                <a:t>CNF</a:t>
               </a:r>
-              <a:r>
-                <a:rPr lang="en-GB" dirty="0" smtClean="0">
-                  <a:solidFill>
-                    <a:schemeClr val="tx1"/>
-                  </a:solidFill>
-                </a:rPr>
-                <a:t>NF</a:t>
-              </a:r>
-              <a:endParaRPr lang="en-GB" dirty="0">
-                <a:solidFill>
-                  <a:schemeClr val="tx1"/>
-                </a:solidFill>
-              </a:endParaRPr>
             </a:p>
           </p:txBody>
         </p:sp>
@@ -21250,18 +21131,13 @@
             <a:p>
               <a:pPr algn="ctr"/>
               <a:r>
-                <a:rPr lang="en-GB" dirty="0" smtClean="0">
+                <a:rPr lang="en-GB" dirty="0">
                   <a:solidFill>
                     <a:schemeClr val="tx1"/>
                   </a:solidFill>
                 </a:rPr>
                 <a:t>VM</a:t>
               </a:r>
-              <a:endParaRPr lang="en-GB" dirty="0">
-                <a:solidFill>
-                  <a:schemeClr val="tx1"/>
-                </a:solidFill>
-              </a:endParaRPr>
             </a:p>
           </p:txBody>
         </p:sp>
@@ -21347,18 +21223,13 @@
             <a:p>
               <a:pPr algn="ctr"/>
               <a:r>
-                <a:rPr lang="en-GB" sz="1600" dirty="0" smtClean="0">
+                <a:rPr lang="en-GB" sz="1600" dirty="0">
                   <a:solidFill>
                     <a:schemeClr val="tx1"/>
                   </a:solidFill>
                 </a:rPr>
                 <a:t>Hypervisor</a:t>
               </a:r>
-              <a:endParaRPr lang="en-GB" sz="1600" dirty="0">
-                <a:solidFill>
-                  <a:schemeClr val="tx1"/>
-                </a:solidFill>
-              </a:endParaRPr>
             </a:p>
           </p:txBody>
         </p:sp>
@@ -21463,10 +21334,9 @@
             <a:lstStyle/>
             <a:p>
               <a:r>
-                <a:rPr lang="en-GB" sz="1200" b="1" dirty="0" smtClean="0"/>
+                <a:rPr lang="en-GB" sz="1200" b="1" dirty="0"/>
                 <a:t>NFVI SW Layer</a:t>
               </a:r>
-              <a:endParaRPr lang="en-GB" sz="1200" b="1" dirty="0"/>
             </a:p>
           </p:txBody>
         </p:sp>
@@ -21515,18 +21385,13 @@
             <a:p>
               <a:pPr algn="ctr"/>
               <a:r>
-                <a:rPr lang="en-GB" sz="1600" dirty="0" smtClean="0">
+                <a:rPr lang="en-GB" sz="1600" dirty="0">
                   <a:solidFill>
                     <a:schemeClr val="tx1"/>
                   </a:solidFill>
                 </a:rPr>
                 <a:t>Network Function</a:t>
               </a:r>
-              <a:endParaRPr lang="en-GB" sz="1600" dirty="0">
-                <a:solidFill>
-                  <a:schemeClr val="tx1"/>
-                </a:solidFill>
-              </a:endParaRPr>
             </a:p>
           </p:txBody>
         </p:sp>
@@ -21575,18 +21440,13 @@
             <a:p>
               <a:pPr algn="ctr"/>
               <a:r>
-                <a:rPr lang="en-GB" sz="1600" dirty="0" smtClean="0">
+                <a:rPr lang="en-GB" sz="1600" dirty="0">
                   <a:solidFill>
                     <a:schemeClr val="tx1"/>
                   </a:solidFill>
                 </a:rPr>
                 <a:t>Network Service</a:t>
               </a:r>
-              <a:endParaRPr lang="en-GB" sz="1600" dirty="0">
-                <a:solidFill>
-                  <a:schemeClr val="tx1"/>
-                </a:solidFill>
-              </a:endParaRPr>
             </a:p>
           </p:txBody>
         </p:sp>
@@ -21656,10 +21516,9 @@
             <a:lstStyle/>
             <a:p>
               <a:r>
-                <a:rPr lang="en-GB" sz="1200" b="1" dirty="0" smtClean="0"/>
+                <a:rPr lang="en-GB" sz="1200" b="1" dirty="0"/>
                 <a:t>Service Layer</a:t>
               </a:r>
-              <a:endParaRPr lang="en-GB" sz="1200" b="1" dirty="0"/>
             </a:p>
           </p:txBody>
         </p:sp>
@@ -21729,10 +21588,9 @@
             <a:lstStyle/>
             <a:p>
               <a:r>
-                <a:rPr lang="en-GB" sz="1200" b="1" dirty="0" smtClean="0"/>
+                <a:rPr lang="en-GB" sz="1200" b="1" dirty="0"/>
                 <a:t>Application Layer</a:t>
               </a:r>
-              <a:endParaRPr lang="en-GB" sz="1200" b="1" dirty="0"/>
             </a:p>
           </p:txBody>
         </p:sp>
@@ -21781,18 +21639,13 @@
             <a:p>
               <a:pPr algn="ctr"/>
               <a:r>
-                <a:rPr lang="en-GB" dirty="0" smtClean="0">
+                <a:rPr lang="en-GB" dirty="0">
                   <a:solidFill>
                     <a:schemeClr val="tx1"/>
                   </a:solidFill>
                 </a:rPr>
                 <a:t>Container</a:t>
               </a:r>
-              <a:endParaRPr lang="en-GB" dirty="0">
-                <a:solidFill>
-                  <a:schemeClr val="tx1"/>
-                </a:solidFill>
-              </a:endParaRPr>
             </a:p>
           </p:txBody>
         </p:sp>
@@ -21984,18 +21837,13 @@
             <a:p>
               <a:pPr algn="ctr"/>
               <a:r>
-                <a:rPr lang="en-GB" sz="1600" dirty="0" smtClean="0">
+                <a:rPr lang="en-GB" sz="1600" dirty="0">
                   <a:solidFill>
                     <a:schemeClr val="tx1"/>
                   </a:solidFill>
                 </a:rPr>
                 <a:t>workload</a:t>
               </a:r>
-              <a:endParaRPr lang="en-GB" sz="1600" dirty="0">
-                <a:solidFill>
-                  <a:schemeClr val="tx1"/>
-                </a:solidFill>
-              </a:endParaRPr>
             </a:p>
           </p:txBody>
         </p:sp>
@@ -22044,7 +21892,7 @@
             <a:p>
               <a:pPr algn="ctr"/>
               <a:r>
-                <a:rPr lang="en-GB" sz="1100" dirty="0" smtClean="0">
+                <a:rPr lang="en-GB" sz="1100" dirty="0">
                   <a:solidFill>
                     <a:schemeClr val="tx1"/>
                   </a:solidFill>
@@ -22055,18 +21903,13 @@
             <a:p>
               <a:pPr algn="ctr"/>
               <a:r>
-                <a:rPr lang="en-GB" sz="1600" dirty="0" smtClean="0">
+                <a:rPr lang="en-GB" sz="1600" dirty="0">
                   <a:solidFill>
                     <a:schemeClr val="tx1"/>
                   </a:solidFill>
                 </a:rPr>
                 <a:t>Virtual Resources</a:t>
               </a:r>
-              <a:endParaRPr lang="en-GB" sz="1600" dirty="0">
-                <a:solidFill>
-                  <a:schemeClr val="tx1"/>
-                </a:solidFill>
-              </a:endParaRPr>
             </a:p>
           </p:txBody>
         </p:sp>
@@ -22115,18 +21958,13 @@
             <a:p>
               <a:pPr algn="ctr"/>
               <a:r>
-                <a:rPr lang="en-GB" sz="1600" dirty="0" smtClean="0">
+                <a:rPr lang="en-GB" sz="1600" dirty="0">
                   <a:solidFill>
                     <a:schemeClr val="tx1"/>
                   </a:solidFill>
                 </a:rPr>
                 <a:t>Container Engine</a:t>
               </a:r>
-              <a:endParaRPr lang="en-GB" sz="1600" dirty="0">
-                <a:solidFill>
-                  <a:schemeClr val="tx1"/>
-                </a:solidFill>
-              </a:endParaRPr>
             </a:p>
           </p:txBody>
         </p:sp>
@@ -22452,15 +22290,13 @@
                   <a:rPr lang="en-GB" sz="1200" b="1" dirty="0"/>
                   <a:t>VM Instances </a:t>
                 </a:r>
-                <a:endParaRPr lang="en-GB" sz="1200" b="1" dirty="0" smtClean="0"/>
               </a:p>
               <a:p>
                 <a:pPr algn="ctr"/>
                 <a:r>
-                  <a:rPr lang="en-GB" sz="1200" b="1" dirty="0" smtClean="0"/>
+                  <a:rPr lang="en-GB" sz="1200" b="1" dirty="0"/>
                   <a:t>Catalogue</a:t>
                 </a:r>
-                <a:endParaRPr lang="en-GB" sz="1200" b="1" dirty="0"/>
               </a:p>
               <a:p>
                 <a:pPr algn="ctr"/>
@@ -22468,17 +22304,12 @@
                   <a:rPr lang="en-GB" sz="1050" dirty="0"/>
                   <a:t>Instance Type </a:t>
                 </a:r>
-                <a:endParaRPr lang="en-GB" sz="1050" dirty="0" smtClean="0"/>
               </a:p>
               <a:p>
                 <a:pPr algn="ctr"/>
                 <a:r>
-                  <a:rPr lang="en-GB" sz="1050" dirty="0" smtClean="0"/>
-                  <a:t>Compute </a:t>
-                </a:r>
-                <a:r>
                   <a:rPr lang="en-GB" sz="1050" dirty="0"/>
-                  <a:t>flavour</a:t>
+                  <a:t>Compute flavour</a:t>
                 </a:r>
               </a:p>
             </p:txBody>
@@ -22495,13 +22326,6 @@
   <p:clrMapOvr>
     <a:masterClrMapping/>
   </p:clrMapOvr>
-  <p:timing>
-    <p:tnLst>
-      <p:par>
-        <p:cTn id="1" dur="indefinite" restart="never" nodeType="tmRoot"/>
-      </p:par>
-    </p:tnLst>
-  </p:timing>
 </p:sld>
 </file>
 
@@ -22545,10 +22369,9 @@
           <a:lstStyle/>
           <a:p>
             <a:r>
-              <a:rPr lang="en-GB" dirty="0" smtClean="0"/>
+              <a:rPr lang="en-GB" dirty="0"/>
               <a:t>Hardware Layers Terminologies</a:t>
             </a:r>
-            <a:endParaRPr lang="en-GB" dirty="0"/>
           </a:p>
         </p:txBody>
       </p:sp>
@@ -22703,7 +22526,7 @@
           <a:p>
             <a:pPr algn="ctr"/>
             <a:r>
-              <a:rPr lang="en-GB" sz="1200" b="1" smtClean="0"/>
+              <a:rPr lang="en-GB" sz="1200" b="1"/>
               <a:t>NFVI HW Layer</a:t>
             </a:r>
             <a:endParaRPr lang="en-GB" sz="1200" b="1" dirty="0"/>
@@ -22827,7 +22650,7 @@
           <a:p>
             <a:pPr algn="ctr"/>
             <a:r>
-              <a:rPr lang="en-GB" sz="1100" dirty="0" smtClean="0">
+              <a:rPr lang="en-GB" sz="1100" dirty="0">
                 <a:solidFill>
                   <a:schemeClr val="tx1"/>
                 </a:solidFill>
@@ -22838,18 +22661,13 @@
           <a:p>
             <a:pPr algn="ctr"/>
             <a:r>
-              <a:rPr lang="en-GB" sz="1600" dirty="0" smtClean="0">
+              <a:rPr lang="en-GB" sz="1600" dirty="0">
                 <a:solidFill>
                   <a:schemeClr val="tx1"/>
                 </a:solidFill>
               </a:rPr>
               <a:t>Hardware Resources</a:t>
             </a:r>
-            <a:endParaRPr lang="en-GB" sz="1600" dirty="0">
-              <a:solidFill>
-                <a:schemeClr val="tx1"/>
-              </a:solidFill>
-            </a:endParaRPr>
           </a:p>
         </p:txBody>
       </p:sp>
@@ -22967,15 +22785,7 @@
               <a:pPr algn="ctr"/>
               <a:r>
                 <a:rPr lang="en-GB" sz="1400" dirty="0"/>
-                <a:t>NFVI </a:t>
-              </a:r>
-              <a:r>
-                <a:rPr lang="en-GB" sz="1400" dirty="0" smtClean="0"/>
-                <a:t>HW </a:t>
-              </a:r>
-              <a:r>
-                <a:rPr lang="en-GB" sz="1400" dirty="0"/>
-                <a:t>Configuration</a:t>
+                <a:t>NFVI HW Configuration</a:t>
               </a:r>
             </a:p>
           </p:txBody>
@@ -23052,23 +22862,7 @@
                     <a:schemeClr val="bg1"/>
                   </a:solidFill>
                 </a:rPr>
-                <a:t>NFVI </a:t>
-              </a:r>
-              <a:r>
-                <a:rPr lang="en-GB" sz="1200" dirty="0" smtClean="0">
-                  <a:solidFill>
-                    <a:schemeClr val="bg1"/>
-                  </a:solidFill>
-                </a:rPr>
-                <a:t>HW </a:t>
-              </a:r>
-              <a:r>
-                <a:rPr lang="en-GB" sz="1200" dirty="0">
-                  <a:solidFill>
-                    <a:schemeClr val="bg1"/>
-                  </a:solidFill>
-                </a:rPr>
-                <a:t>Profile</a:t>
+                <a:t>NFVI HW Profile</a:t>
               </a:r>
             </a:p>
           </p:txBody>
@@ -23127,10 +22921,9 @@
           <a:p>
             <a:pPr algn="ctr"/>
             <a:r>
-              <a:rPr lang="en-GB" sz="800" b="1" dirty="0" smtClean="0"/>
+              <a:rPr lang="en-GB" sz="800" b="1" dirty="0"/>
               <a:t>Compute</a:t>
             </a:r>
-            <a:endParaRPr lang="en-GB" sz="800" b="1" dirty="0"/>
           </a:p>
         </p:txBody>
       </p:sp>
@@ -23158,10 +22951,9 @@
           <a:p>
             <a:pPr algn="ctr"/>
             <a:r>
-              <a:rPr lang="en-GB" sz="800" b="1" dirty="0" smtClean="0"/>
+              <a:rPr lang="en-GB" sz="800" b="1" dirty="0"/>
               <a:t>Storage</a:t>
             </a:r>
-            <a:endParaRPr lang="en-GB" sz="800" b="1" dirty="0"/>
           </a:p>
         </p:txBody>
       </p:sp>
@@ -23248,10 +23040,9 @@
           <a:p>
             <a:pPr algn="ctr"/>
             <a:r>
-              <a:rPr lang="en-GB" sz="800" b="1" dirty="0" smtClean="0"/>
+              <a:rPr lang="en-GB" sz="800" b="1" dirty="0"/>
               <a:t>Network</a:t>
             </a:r>
-            <a:endParaRPr lang="en-GB" sz="800" b="1" dirty="0"/>
           </a:p>
         </p:txBody>
       </p:sp>
@@ -23341,7 +23132,7 @@
             <a:p>
               <a:pPr algn="ctr"/>
               <a:r>
-                <a:rPr lang="en-GB" sz="1000" dirty="0" smtClean="0">
+                <a:rPr lang="en-GB" sz="1000" dirty="0">
                   <a:solidFill>
                     <a:schemeClr val="bg1"/>
                   </a:solidFill>
@@ -23352,7 +23143,7 @@
             <a:p>
               <a:pPr algn="ctr"/>
               <a:r>
-                <a:rPr lang="en-GB" sz="1000" dirty="0" smtClean="0">
+                <a:rPr lang="en-GB" sz="1000" dirty="0">
                   <a:solidFill>
                     <a:schemeClr val="bg1"/>
                   </a:solidFill>
@@ -23363,7 +23154,7 @@
             <a:p>
               <a:pPr algn="ctr"/>
               <a:r>
-                <a:rPr lang="en-GB" sz="1000" dirty="0" smtClean="0">
+                <a:rPr lang="en-GB" sz="1000" dirty="0">
                   <a:solidFill>
                     <a:schemeClr val="bg1"/>
                   </a:solidFill>
@@ -23371,7 +23162,7 @@
                 <a:t>(</a:t>
               </a:r>
               <a:r>
-                <a:rPr lang="en-GB" sz="1000" b="1" dirty="0" smtClean="0">
+                <a:rPr lang="en-GB" sz="1000" b="1" dirty="0">
                   <a:solidFill>
                     <a:schemeClr val="bg1"/>
                   </a:solidFill>
@@ -23379,18 +23170,13 @@
                 <a:t>PNF</a:t>
               </a:r>
               <a:r>
-                <a:rPr lang="en-GB" sz="1000" dirty="0" smtClean="0">
+                <a:rPr lang="en-GB" sz="1000" dirty="0">
                   <a:solidFill>
                     <a:schemeClr val="bg1"/>
                   </a:solidFill>
                 </a:rPr>
                 <a:t>)</a:t>
               </a:r>
-              <a:endParaRPr lang="en-GB" sz="1000" dirty="0">
-                <a:solidFill>
-                  <a:schemeClr val="bg1"/>
-                </a:solidFill>
-              </a:endParaRPr>
             </a:p>
           </p:txBody>
         </p:sp>
@@ -23405,13 +23191,6 @@
   <p:clrMapOvr>
     <a:masterClrMapping/>
   </p:clrMapOvr>
-  <p:timing>
-    <p:tnLst>
-      <p:par>
-        <p:cTn id="1" dur="indefinite" restart="never" nodeType="tmRoot"/>
-      </p:par>
-    </p:tnLst>
-  </p:timing>
 </p:sld>
 </file>
 
@@ -23483,13 +23262,6 @@
   <p:clrMapOvr>
     <a:masterClrMapping/>
   </p:clrMapOvr>
-  <p:timing>
-    <p:tnLst>
-      <p:par>
-        <p:cTn id="1" dur="indefinite" restart="never" nodeType="tmRoot"/>
-      </p:par>
-    </p:tnLst>
-  </p:timing>
 </p:sld>
 </file>
 
@@ -23546,11 +23318,11 @@
           </a:lstStyle>
           <a:p>
             <a:r>
-              <a:rPr lang="en-GB" sz="2667" b="0" dirty="0" smtClean="0"/>
+              <a:rPr lang="en-GB" sz="2667" b="0" dirty="0"/>
               <a:t>Bogo-Meter</a:t>
             </a:r>
             <a:r>
-              <a:rPr lang="en-US" sz="2667" b="0" dirty="0" smtClean="0"/>
+              <a:rPr lang="en-US" sz="2667" b="0" dirty="0"/>
               <a:t> </a:t>
             </a:r>
             <a:r>
@@ -23561,25 +23333,8 @@
                   </a:schemeClr>
                 </a:solidFill>
               </a:rPr>
-              <a:t>| </a:t>
+              <a:t>| On front of each chapter. </a:t>
             </a:r>
-            <a:r>
-              <a:rPr lang="en-GB" sz="2667" b="0" dirty="0" smtClean="0">
-                <a:solidFill>
-                  <a:schemeClr val="bg1">
-                    <a:lumMod val="50000"/>
-                  </a:schemeClr>
-                </a:solidFill>
-              </a:rPr>
-              <a:t>On front of each chapter. </a:t>
-            </a:r>
-            <a:endParaRPr lang="en-GB" sz="2667" b="0" dirty="0">
-              <a:solidFill>
-                <a:schemeClr val="bg1">
-                  <a:lumMod val="50000"/>
-                </a:schemeClr>
-              </a:solidFill>
-            </a:endParaRPr>
           </a:p>
         </p:txBody>
       </p:sp>
@@ -23735,7 +23490,7 @@
             </a:lstStyle>
             <a:p>
               <a:r>
-                <a:rPr lang="en-GB" dirty="0" smtClean="0">
+                <a:rPr lang="en-GB" dirty="0">
                   <a:solidFill>
                     <a:schemeClr val="tx1"/>
                   </a:solidFill>
@@ -23743,18 +23498,13 @@
                 <a:t>   </a:t>
               </a:r>
               <a:r>
-                <a:rPr lang="en-GB" sz="2000" b="1" dirty="0" smtClean="0">
+                <a:rPr lang="en-GB" sz="2000" b="1" dirty="0">
                   <a:solidFill>
                     <a:schemeClr val="tx1"/>
                   </a:solidFill>
                 </a:rPr>
                 <a:t>Bogo-Meter rating</a:t>
               </a:r>
-              <a:endParaRPr lang="en-GB" sz="2000" b="1" dirty="0">
-                <a:solidFill>
-                  <a:schemeClr val="tx1"/>
-                </a:solidFill>
-              </a:endParaRPr>
             </a:p>
           </p:txBody>
         </p:sp>
@@ -24626,10 +24376,9 @@
               </a:lstStyle>
               <a:p>
                 <a:r>
-                  <a:rPr lang="en-GB" b="1" dirty="0" smtClean="0"/>
+                  <a:rPr lang="en-GB" b="1" dirty="0"/>
                   <a:t>Complete</a:t>
                 </a:r>
-                <a:endParaRPr lang="en-GB" b="1" dirty="0"/>
               </a:p>
             </p:txBody>
           </p:sp>
@@ -24750,10 +24499,9 @@
               </a:lstStyle>
               <a:p>
                 <a:r>
-                  <a:rPr lang="en-GB" b="1" dirty="0" smtClean="0"/>
+                  <a:rPr lang="en-GB" b="1" dirty="0"/>
                   <a:t>Dickering over the fine points</a:t>
                 </a:r>
-                <a:endParaRPr lang="en-GB" b="1" dirty="0"/>
               </a:p>
             </p:txBody>
           </p:sp>
@@ -24874,10 +24622,9 @@
               </a:lstStyle>
               <a:p>
                 <a:r>
-                  <a:rPr lang="en-GB" b="1" dirty="0" smtClean="0"/>
+                  <a:rPr lang="en-GB" b="1" dirty="0"/>
                   <a:t>Lots of SME feedback</a:t>
                 </a:r>
-                <a:endParaRPr lang="en-GB" b="1" dirty="0"/>
               </a:p>
             </p:txBody>
           </p:sp>
@@ -24998,10 +24745,9 @@
               </a:lstStyle>
               <a:p>
                 <a:r>
-                  <a:rPr lang="en-GB" b="1" dirty="0" smtClean="0"/>
+                  <a:rPr lang="en-GB" b="1" dirty="0"/>
                   <a:t>Still developing content</a:t>
                 </a:r>
-                <a:endParaRPr lang="en-GB" b="1" dirty="0"/>
               </a:p>
             </p:txBody>
           </p:sp>
@@ -25122,10 +24868,9 @@
               </a:lstStyle>
               <a:p>
                 <a:r>
-                  <a:rPr lang="en-GB" b="1" dirty="0" smtClean="0"/>
+                  <a:rPr lang="en-GB" b="1" dirty="0"/>
                   <a:t>Initial framework only</a:t>
                 </a:r>
-                <a:endParaRPr lang="en-GB" b="1" dirty="0"/>
               </a:p>
             </p:txBody>
           </p:sp>
@@ -25139,7 +24884,7 @@
         </p:nvGrpSpPr>
         <p:grpSpPr>
           <a:xfrm>
-            <a:off x="3282971" y="3371209"/>
+            <a:off x="3282971" y="3508196"/>
             <a:ext cx="592668" cy="522721"/>
             <a:chOff x="6248399" y="1185333"/>
             <a:chExt cx="592668" cy="522721"/>
@@ -25424,13 +25169,6 @@
   <p:clrMapOvr>
     <a:masterClrMapping/>
   </p:clrMapOvr>
-  <p:timing>
-    <p:tnLst>
-      <p:par>
-        <p:cTn id="1" dur="indefinite" restart="never" nodeType="tmRoot"/>
-      </p:par>
-    </p:tnLst>
-  </p:timing>
 </p:sld>
 </file>
 
@@ -25512,35 +25250,8 @@
                 <a:uFillTx/>
                 <a:latin typeface="Vodafone Rg" pitchFamily="34" charset="0"/>
               </a:rPr>
-              <a:t>Reference NFVI </a:t>
+              <a:t>Reference NFVI Hardware</a:t>
             </a:r>
-            <a:r>
-              <a:rPr kumimoji="0" lang="en-GB" sz="1400" b="1" i="0" u="none" strike="noStrike" kern="0" cap="none" spc="0" normalizeH="0" baseline="0" noProof="0" dirty="0" smtClean="0">
-                <a:ln>
-                  <a:noFill/>
-                </a:ln>
-                <a:solidFill>
-                  <a:srgbClr val="FFFFFF"/>
-                </a:solidFill>
-                <a:effectLst/>
-                <a:uLnTx/>
-                <a:uFillTx/>
-                <a:latin typeface="Vodafone Rg" pitchFamily="34" charset="0"/>
-              </a:rPr>
-              <a:t>Hardware</a:t>
-            </a:r>
-            <a:endParaRPr kumimoji="0" lang="en-GB" sz="1400" b="1" i="0" u="none" strike="noStrike" kern="0" cap="none" spc="0" normalizeH="0" baseline="0" noProof="0" dirty="0">
-              <a:ln>
-                <a:noFill/>
-              </a:ln>
-              <a:solidFill>
-                <a:srgbClr val="FFFFFF"/>
-              </a:solidFill>
-              <a:effectLst/>
-              <a:uLnTx/>
-              <a:uFillTx/>
-              <a:latin typeface="Vodafone Rg" pitchFamily="34" charset="0"/>
-            </a:endParaRPr>
           </a:p>
         </p:txBody>
       </p:sp>
@@ -25636,35 +25347,8 @@
                 <a:uFillTx/>
                 <a:latin typeface="Vodafone Rg" pitchFamily="34" charset="0"/>
               </a:rPr>
-              <a:t>Reference NFVI </a:t>
+              <a:t>Reference NFVI Software</a:t>
             </a:r>
-            <a:r>
-              <a:rPr kumimoji="0" lang="en-GB" sz="1400" b="1" i="0" u="none" strike="noStrike" kern="0" cap="none" spc="0" normalizeH="0" baseline="0" noProof="0" dirty="0" smtClean="0">
-                <a:ln>
-                  <a:noFill/>
-                </a:ln>
-                <a:solidFill>
-                  <a:srgbClr val="FFFFFF"/>
-                </a:solidFill>
-                <a:effectLst/>
-                <a:uLnTx/>
-                <a:uFillTx/>
-                <a:latin typeface="Vodafone Rg" pitchFamily="34" charset="0"/>
-              </a:rPr>
-              <a:t>Software</a:t>
-            </a:r>
-            <a:endParaRPr kumimoji="0" lang="en-GB" sz="1400" b="1" i="0" u="none" strike="noStrike" kern="0" cap="none" spc="0" normalizeH="0" baseline="0" noProof="0" dirty="0">
-              <a:ln>
-                <a:noFill/>
-              </a:ln>
-              <a:solidFill>
-                <a:srgbClr val="FFFFFF"/>
-              </a:solidFill>
-              <a:effectLst/>
-              <a:uLnTx/>
-              <a:uFillTx/>
-              <a:latin typeface="Vodafone Rg" pitchFamily="34" charset="0"/>
-            </a:endParaRPr>
           </a:p>
         </p:txBody>
       </p:sp>
@@ -25715,25 +25399,7 @@
                 </a:solidFill>
                 <a:latin typeface="Vodafone Rg" pitchFamily="34" charset="0"/>
               </a:rPr>
-              <a:t>Infrastructure </a:t>
-            </a:r>
-            <a:r>
-              <a:rPr lang="en-GB" sz="1400" b="1" kern="0" dirty="0" smtClean="0">
-                <a:solidFill>
-                  <a:srgbClr val="000000"/>
-                </a:solidFill>
-                <a:latin typeface="Vodafone Rg" pitchFamily="34" charset="0"/>
-              </a:rPr>
-              <a:t>Profiles </a:t>
-            </a:r>
-            <a:r>
-              <a:rPr lang="en-GB" sz="1400" b="1" kern="0" dirty="0">
-                <a:solidFill>
-                  <a:srgbClr val="000000"/>
-                </a:solidFill>
-                <a:latin typeface="Vodafone Rg" pitchFamily="34" charset="0"/>
-              </a:rPr>
-              <a:t>Catalogue</a:t>
+              <a:t>Infrastructure Profiles Catalogue</a:t>
             </a:r>
           </a:p>
         </p:txBody>
@@ -25780,7 +25446,7 @@
               <a:defRPr/>
             </a:pPr>
             <a:r>
-              <a:rPr lang="en-GB" sz="1400" kern="0" dirty="0" smtClean="0">
+              <a:rPr lang="en-GB" sz="1400" kern="0" dirty="0">
                 <a:solidFill>
                   <a:srgbClr val="FFFFFF"/>
                 </a:solidFill>
@@ -25789,38 +25455,14 @@
               <a:t>                               </a:t>
             </a:r>
             <a:r>
-              <a:rPr lang="en-GB" sz="1400" b="1" kern="0" dirty="0" smtClean="0">
-                <a:solidFill>
-                  <a:srgbClr val="FFFFFF"/>
-                </a:solidFill>
-                <a:latin typeface="Vodafone Rg" pitchFamily="34" charset="0"/>
-              </a:rPr>
-              <a:t>Compliance </a:t>
-            </a:r>
-            <a:r>
               <a:rPr lang="en-GB" sz="1400" b="1" kern="0" dirty="0">
                 <a:solidFill>
                   <a:srgbClr val="FFFFFF"/>
                 </a:solidFill>
                 <a:latin typeface="Vodafone Rg" pitchFamily="34" charset="0"/>
               </a:rPr>
-              <a:t>&amp; </a:t>
+              <a:t>Compliance &amp; Certification, and    Verification</a:t>
             </a:r>
-            <a:r>
-              <a:rPr lang="en-GB" sz="1400" b="1" kern="0" dirty="0" smtClean="0">
-                <a:solidFill>
-                  <a:srgbClr val="FFFFFF"/>
-                </a:solidFill>
-                <a:latin typeface="Vodafone Rg" pitchFamily="34" charset="0"/>
-              </a:rPr>
-              <a:t>Certification, and    Verification</a:t>
-            </a:r>
-            <a:endParaRPr lang="en-GB" sz="1400" b="1" kern="0" dirty="0">
-              <a:solidFill>
-                <a:srgbClr val="FFFFFF"/>
-              </a:solidFill>
-              <a:latin typeface="Vodafone Rg" pitchFamily="34" charset="0"/>
-            </a:endParaRPr>
           </a:p>
         </p:txBody>
       </p:sp>
@@ -25871,23 +25513,8 @@
                 </a:solidFill>
                 <a:latin typeface="Vodafone Rg" pitchFamily="34" charset="0"/>
               </a:rPr>
-              <a:t>NFVI </a:t>
+              <a:t>NFVI Metrics &amp; Capabilities </a:t>
             </a:r>
-            <a:r>
-              <a:rPr lang="en-GB" sz="1200" b="1" kern="0" dirty="0" smtClean="0">
-                <a:solidFill>
-                  <a:srgbClr val="FFFFFF"/>
-                </a:solidFill>
-                <a:latin typeface="Vodafone Rg" pitchFamily="34" charset="0"/>
-              </a:rPr>
-              <a:t>Metrics &amp; Capabilities </a:t>
-            </a:r>
-            <a:endParaRPr lang="en-GB" sz="1200" b="1" kern="0" dirty="0">
-              <a:solidFill>
-                <a:srgbClr val="FFFFFF"/>
-              </a:solidFill>
-              <a:latin typeface="Vodafone Rg" pitchFamily="34" charset="0"/>
-            </a:endParaRPr>
           </a:p>
         </p:txBody>
       </p:sp>
@@ -27124,7 +26751,7 @@
               <a:defRPr/>
             </a:pPr>
             <a:r>
-              <a:rPr lang="en-GB" sz="1200" b="1" kern="0" dirty="0" smtClean="0">
+              <a:rPr lang="en-GB" sz="1200" b="1" kern="0" dirty="0">
                 <a:solidFill>
                   <a:srgbClr val="262626"/>
                 </a:solidFill>
@@ -27153,16 +26780,7 @@
                 </a:solidFill>
                 <a:latin typeface="Vodafone Rg" pitchFamily="34" charset="0"/>
               </a:rPr>
-              <a:t>NFVI </a:t>
-            </a:r>
-            <a:r>
-              <a:rPr lang="en-GB" sz="1200" dirty="0" smtClean="0">
-                <a:solidFill>
-                  <a:srgbClr val="FFFFFF"/>
-                </a:solidFill>
-                <a:latin typeface="Vodafone Rg" pitchFamily="34" charset="0"/>
-              </a:rPr>
-              <a:t>Metrics &amp; capabilities</a:t>
+              <a:t>NFVI Metrics &amp; capabilities</a:t>
             </a:r>
           </a:p>
           <a:p>
@@ -27185,23 +26803,8 @@
                 </a:solidFill>
                 <a:latin typeface="Vodafone Rg" pitchFamily="34" charset="0"/>
               </a:rPr>
-              <a:t>Infrastructure Profiles </a:t>
+              <a:t>Infrastructure Profiles Catalogue</a:t>
             </a:r>
-            <a:r>
-              <a:rPr lang="en-GB" sz="1200" dirty="0" smtClean="0">
-                <a:solidFill>
-                  <a:srgbClr val="FFFFFF"/>
-                </a:solidFill>
-                <a:latin typeface="Vodafone Rg" pitchFamily="34" charset="0"/>
-              </a:rPr>
-              <a:t>Catalogue</a:t>
-            </a:r>
-            <a:endParaRPr lang="en-GB" sz="1200" dirty="0">
-              <a:solidFill>
-                <a:srgbClr val="FFFFFF"/>
-              </a:solidFill>
-              <a:latin typeface="Vodafone Rg" pitchFamily="34" charset="0"/>
-            </a:endParaRPr>
           </a:p>
         </p:txBody>
       </p:sp>
@@ -27246,7 +26849,7 @@
               <a:defRPr/>
             </a:pPr>
             <a:r>
-              <a:rPr lang="en-GB" sz="1200" b="1" kern="0" dirty="0" smtClean="0">
+              <a:rPr lang="en-GB" sz="1200" b="1" kern="0" dirty="0">
                 <a:solidFill>
                   <a:srgbClr val="262626"/>
                 </a:solidFill>
@@ -27277,7 +26880,7 @@
               </a:rPr>
               <a:t>Reference NFVI SW/HW Profiles and configurations</a:t>
             </a:r>
-            <a:endParaRPr lang="en-GB" sz="1200" b="1" kern="0" dirty="0" smtClean="0">
+            <a:endParaRPr lang="en-GB" sz="1200" b="1" kern="0" dirty="0">
               <a:solidFill>
                 <a:srgbClr val="262626"/>
               </a:solidFill>
@@ -27311,7 +26914,7 @@
               <a:defRPr/>
             </a:pPr>
             <a:r>
-              <a:rPr lang="fr-FR" sz="1400" dirty="0" smtClean="0">
+              <a:rPr lang="fr-FR" sz="1400" dirty="0">
                 <a:solidFill>
                   <a:srgbClr val="5C5C5C"/>
                 </a:solidFill>
@@ -27440,11 +27043,11 @@
           </a:lstStyle>
           <a:p>
             <a:r>
-              <a:rPr lang="en-GB" sz="2667" b="0" dirty="0" smtClean="0"/>
+              <a:rPr lang="en-GB" sz="2667" b="0" dirty="0"/>
               <a:t>CNTT</a:t>
             </a:r>
             <a:r>
-              <a:rPr lang="en-US" sz="2667" b="0" dirty="0" smtClean="0"/>
+              <a:rPr lang="en-US" sz="2667" b="0" dirty="0"/>
               <a:t> </a:t>
             </a:r>
             <a:r>
@@ -27455,25 +27058,8 @@
                   </a:schemeClr>
                 </a:solidFill>
               </a:rPr>
-              <a:t>| </a:t>
+              <a:t>| Scope. </a:t>
             </a:r>
-            <a:r>
-              <a:rPr lang="en-GB" sz="2667" b="0" dirty="0" smtClean="0">
-                <a:solidFill>
-                  <a:schemeClr val="bg1">
-                    <a:lumMod val="50000"/>
-                  </a:schemeClr>
-                </a:solidFill>
-              </a:rPr>
-              <a:t>Scope. </a:t>
-            </a:r>
-            <a:endParaRPr lang="en-GB" sz="2667" b="0" dirty="0">
-              <a:solidFill>
-                <a:schemeClr val="bg1">
-                  <a:lumMod val="50000"/>
-                </a:schemeClr>
-              </a:solidFill>
-            </a:endParaRPr>
           </a:p>
         </p:txBody>
       </p:sp>
@@ -27555,7 +27141,7 @@
               <a:defRPr/>
             </a:pPr>
             <a:r>
-              <a:rPr kumimoji="0" lang="en-GB" sz="1200" b="1" i="0" u="none" strike="noStrike" kern="0" cap="none" spc="0" normalizeH="0" baseline="0" noProof="0" dirty="0" smtClean="0">
+              <a:rPr kumimoji="0" lang="en-GB" sz="1200" b="1" i="0" u="none" strike="noStrike" kern="0" cap="none" spc="0" normalizeH="0" baseline="0" noProof="0" dirty="0">
                 <a:ln>
                   <a:noFill/>
                 </a:ln>
@@ -27571,20 +27157,6 @@
               </a:rPr>
               <a:t>Basic</a:t>
             </a:r>
-            <a:endParaRPr kumimoji="0" lang="en-GB" sz="1200" b="1" i="0" u="none" strike="noStrike" kern="0" cap="none" spc="0" normalizeH="0" baseline="0" noProof="0" dirty="0">
-              <a:ln>
-                <a:noFill/>
-              </a:ln>
-              <a:solidFill>
-                <a:srgbClr val="FFFFFF"/>
-              </a:solidFill>
-              <a:effectLst/>
-              <a:uLnTx/>
-              <a:uFillTx/>
-              <a:latin typeface="Arial"/>
-              <a:ea typeface="+mn-ea"/>
-              <a:cs typeface="+mn-cs"/>
-            </a:endParaRPr>
           </a:p>
         </p:txBody>
       </p:sp>
@@ -27633,7 +27205,7 @@
               <a:defRPr/>
             </a:pPr>
             <a:r>
-              <a:rPr kumimoji="0" lang="en-GB" sz="1200" b="0" i="0" u="none" strike="noStrike" kern="0" cap="none" spc="0" normalizeH="0" baseline="0" noProof="0" dirty="0" smtClean="0">
+              <a:rPr kumimoji="0" lang="en-GB" sz="1200" b="0" i="0" u="none" strike="noStrike" kern="0" cap="none" spc="0" normalizeH="0" baseline="0" noProof="0" dirty="0">
                 <a:ln>
                   <a:noFill/>
                 </a:ln>
@@ -27649,20 +27221,6 @@
               </a:rPr>
               <a:t>PCRF</a:t>
             </a:r>
-            <a:endParaRPr kumimoji="0" lang="en-GB" sz="1200" b="0" i="0" u="none" strike="noStrike" kern="0" cap="none" spc="0" normalizeH="0" baseline="0" noProof="0" dirty="0">
-              <a:ln>
-                <a:noFill/>
-              </a:ln>
-              <a:solidFill>
-                <a:srgbClr val="262626"/>
-              </a:solidFill>
-              <a:effectLst/>
-              <a:uLnTx/>
-              <a:uFillTx/>
-              <a:latin typeface="Arial"/>
-              <a:ea typeface="+mn-ea"/>
-              <a:cs typeface="+mn-cs"/>
-            </a:endParaRPr>
           </a:p>
         </p:txBody>
       </p:sp>
@@ -27714,7 +27272,7 @@
               <a:defRPr/>
             </a:pPr>
             <a:r>
-              <a:rPr kumimoji="0" lang="en-GB" sz="1400" b="1" i="0" u="none" strike="noStrike" kern="0" cap="none" spc="0" normalizeH="0" baseline="0" noProof="0" dirty="0" smtClean="0">
+              <a:rPr kumimoji="0" lang="en-GB" sz="1400" b="1" i="0" u="none" strike="noStrike" kern="0" cap="none" spc="0" normalizeH="0" baseline="0" noProof="0" dirty="0">
                 <a:ln>
                   <a:noFill/>
                 </a:ln>
@@ -27730,20 +27288,6 @@
               </a:rPr>
               <a:t>Network Intensive</a:t>
             </a:r>
-            <a:endParaRPr kumimoji="0" lang="en-GB" sz="1400" b="1" i="0" u="none" strike="noStrike" kern="0" cap="none" spc="0" normalizeH="0" baseline="0" noProof="0" dirty="0">
-              <a:ln>
-                <a:noFill/>
-              </a:ln>
-              <a:solidFill>
-                <a:srgbClr val="FFFFFF"/>
-              </a:solidFill>
-              <a:effectLst/>
-              <a:uLnTx/>
-              <a:uFillTx/>
-              <a:latin typeface="Arial"/>
-              <a:ea typeface="+mn-ea"/>
-              <a:cs typeface="+mn-cs"/>
-            </a:endParaRPr>
           </a:p>
         </p:txBody>
       </p:sp>
@@ -27795,7 +27339,7 @@
               <a:defRPr/>
             </a:pPr>
             <a:r>
-              <a:rPr kumimoji="0" lang="en-GB" sz="1400" b="1" i="0" u="none" strike="noStrike" kern="0" cap="none" spc="0" normalizeH="0" baseline="0" noProof="0" dirty="0" smtClean="0">
+              <a:rPr kumimoji="0" lang="en-GB" sz="1400" b="1" i="0" u="none" strike="noStrike" kern="0" cap="none" spc="0" normalizeH="0" baseline="0" noProof="0" dirty="0">
                 <a:ln>
                   <a:noFill/>
                 </a:ln>
@@ -27811,20 +27355,6 @@
               </a:rPr>
               <a:t>Compute Intensive</a:t>
             </a:r>
-            <a:endParaRPr kumimoji="0" lang="en-GB" sz="1400" b="1" i="0" u="none" strike="noStrike" kern="0" cap="none" spc="0" normalizeH="0" baseline="0" noProof="0" dirty="0">
-              <a:ln>
-                <a:noFill/>
-              </a:ln>
-              <a:solidFill>
-                <a:srgbClr val="FFFFFF"/>
-              </a:solidFill>
-              <a:effectLst/>
-              <a:uLnTx/>
-              <a:uFillTx/>
-              <a:latin typeface="Arial"/>
-              <a:ea typeface="+mn-ea"/>
-              <a:cs typeface="+mn-cs"/>
-            </a:endParaRPr>
           </a:p>
         </p:txBody>
       </p:sp>
@@ -27852,7 +27382,7 @@
           <a:p>
             <a:pPr defTabSz="914400"/>
             <a:r>
-              <a:rPr lang="en-GB" sz="900" b="1" dirty="0" smtClean="0">
+              <a:rPr lang="en-GB" sz="900" b="1" dirty="0">
                 <a:solidFill>
                   <a:srgbClr val="FFFFFF"/>
                 </a:solidFill>
@@ -27860,12 +27390,6 @@
               </a:rPr>
               <a:t>Example VNFs</a:t>
             </a:r>
-            <a:endParaRPr lang="en-GB" sz="900" b="1" dirty="0">
-              <a:solidFill>
-                <a:srgbClr val="FFFFFF"/>
-              </a:solidFill>
-              <a:latin typeface="Arial"/>
-            </a:endParaRPr>
           </a:p>
         </p:txBody>
       </p:sp>
@@ -27893,7 +27417,7 @@
           <a:p>
             <a:pPr defTabSz="914400"/>
             <a:r>
-              <a:rPr lang="en-GB" sz="900" b="1" dirty="0" smtClean="0">
+              <a:rPr lang="en-GB" sz="900" b="1" dirty="0">
                 <a:solidFill>
                   <a:srgbClr val="FFFFFF"/>
                 </a:solidFill>
@@ -27901,12 +27425,6 @@
               </a:rPr>
               <a:t>Example VNFs</a:t>
             </a:r>
-            <a:endParaRPr lang="en-GB" sz="900" b="1" dirty="0">
-              <a:solidFill>
-                <a:srgbClr val="FFFFFF"/>
-              </a:solidFill>
-              <a:latin typeface="Arial"/>
-            </a:endParaRPr>
           </a:p>
         </p:txBody>
       </p:sp>
@@ -27934,7 +27452,7 @@
           <a:p>
             <a:pPr defTabSz="914400"/>
             <a:r>
-              <a:rPr lang="en-GB" sz="900" b="1" dirty="0" smtClean="0">
+              <a:rPr lang="en-GB" sz="900" b="1" dirty="0">
                 <a:solidFill>
                   <a:srgbClr val="FFFFFF"/>
                 </a:solidFill>
@@ -27942,12 +27460,6 @@
               </a:rPr>
               <a:t>Example VNFs</a:t>
             </a:r>
-            <a:endParaRPr lang="en-GB" sz="900" b="1" dirty="0">
-              <a:solidFill>
-                <a:srgbClr val="FFFFFF"/>
-              </a:solidFill>
-              <a:latin typeface="Arial"/>
-            </a:endParaRPr>
           </a:p>
         </p:txBody>
       </p:sp>
@@ -27996,7 +27508,7 @@
               <a:defRPr/>
             </a:pPr>
             <a:r>
-              <a:rPr kumimoji="0" lang="en-GB" sz="1200" b="0" i="0" u="none" strike="noStrike" kern="0" cap="none" spc="0" normalizeH="0" baseline="0" noProof="0" dirty="0" err="1" smtClean="0">
+              <a:rPr kumimoji="0" lang="en-GB" sz="1200" b="0" i="0" u="none" strike="noStrike" kern="0" cap="none" spc="0" normalizeH="0" baseline="0" noProof="0" dirty="0" err="1">
                 <a:ln>
                   <a:noFill/>
                 </a:ln>
@@ -28074,7 +27586,7 @@
               <a:defRPr/>
             </a:pPr>
             <a:r>
-              <a:rPr kumimoji="0" lang="en-GB" sz="1200" b="0" i="0" u="none" strike="noStrike" kern="0" cap="none" spc="0" normalizeH="0" baseline="0" noProof="0" dirty="0" smtClean="0">
+              <a:rPr kumimoji="0" lang="en-GB" sz="1200" b="0" i="0" u="none" strike="noStrike" kern="0" cap="none" spc="0" normalizeH="0" baseline="0" noProof="0" dirty="0">
                 <a:ln>
                   <a:noFill/>
                 </a:ln>
@@ -28090,20 +27602,6 @@
               </a:rPr>
               <a:t>IMS</a:t>
             </a:r>
-            <a:endParaRPr kumimoji="0" lang="en-GB" sz="1200" b="0" i="0" u="none" strike="noStrike" kern="0" cap="none" spc="0" normalizeH="0" baseline="0" noProof="0" dirty="0">
-              <a:ln>
-                <a:noFill/>
-              </a:ln>
-              <a:solidFill>
-                <a:srgbClr val="262626"/>
-              </a:solidFill>
-              <a:effectLst/>
-              <a:uLnTx/>
-              <a:uFillTx/>
-              <a:latin typeface="Arial"/>
-              <a:ea typeface="+mn-ea"/>
-              <a:cs typeface="+mn-cs"/>
-            </a:endParaRPr>
           </a:p>
         </p:txBody>
       </p:sp>
@@ -28152,7 +27650,7 @@
               <a:defRPr/>
             </a:pPr>
             <a:r>
-              <a:rPr kumimoji="0" lang="en-GB" sz="1200" b="0" i="0" u="none" strike="noStrike" kern="0" cap="none" spc="0" normalizeH="0" baseline="0" noProof="0" dirty="0" smtClean="0">
+              <a:rPr kumimoji="0" lang="en-GB" sz="1200" b="0" i="0" u="none" strike="noStrike" kern="0" cap="none" spc="0" normalizeH="0" baseline="0" noProof="0" dirty="0">
                 <a:ln>
                   <a:noFill/>
                 </a:ln>
@@ -28168,20 +27666,6 @@
               </a:rPr>
               <a:t>BNG</a:t>
             </a:r>
-            <a:endParaRPr kumimoji="0" lang="en-GB" sz="1200" b="0" i="0" u="none" strike="noStrike" kern="0" cap="none" spc="0" normalizeH="0" baseline="0" noProof="0" dirty="0">
-              <a:ln>
-                <a:noFill/>
-              </a:ln>
-              <a:solidFill>
-                <a:srgbClr val="262626"/>
-              </a:solidFill>
-              <a:effectLst/>
-              <a:uLnTx/>
-              <a:uFillTx/>
-              <a:latin typeface="Arial"/>
-              <a:ea typeface="+mn-ea"/>
-              <a:cs typeface="+mn-cs"/>
-            </a:endParaRPr>
           </a:p>
         </p:txBody>
       </p:sp>
@@ -28230,7 +27714,7 @@
               <a:defRPr/>
             </a:pPr>
             <a:r>
-              <a:rPr kumimoji="0" lang="en-GB" sz="1200" b="0" i="0" u="none" strike="noStrike" kern="0" cap="none" spc="0" normalizeH="0" baseline="0" noProof="0" dirty="0" smtClean="0">
+              <a:rPr kumimoji="0" lang="en-GB" sz="1200" b="0" i="0" u="none" strike="noStrike" kern="0" cap="none" spc="0" normalizeH="0" baseline="0" noProof="0" dirty="0">
                 <a:ln>
                   <a:noFill/>
                 </a:ln>
@@ -28246,20 +27730,6 @@
               </a:rPr>
               <a:t>CPE</a:t>
             </a:r>
-            <a:endParaRPr kumimoji="0" lang="en-GB" sz="1200" b="0" i="0" u="none" strike="noStrike" kern="0" cap="none" spc="0" normalizeH="0" baseline="0" noProof="0" dirty="0">
-              <a:ln>
-                <a:noFill/>
-              </a:ln>
-              <a:solidFill>
-                <a:srgbClr val="262626"/>
-              </a:solidFill>
-              <a:effectLst/>
-              <a:uLnTx/>
-              <a:uFillTx/>
-              <a:latin typeface="Arial"/>
-              <a:ea typeface="+mn-ea"/>
-              <a:cs typeface="+mn-cs"/>
-            </a:endParaRPr>
           </a:p>
         </p:txBody>
       </p:sp>
@@ -28308,7 +27778,7 @@
               <a:defRPr/>
             </a:pPr>
             <a:r>
-              <a:rPr kumimoji="0" lang="en-GB" sz="1200" b="0" i="0" u="none" strike="noStrike" kern="0" cap="none" spc="0" normalizeH="0" baseline="0" noProof="0" dirty="0" smtClean="0">
+              <a:rPr kumimoji="0" lang="en-GB" sz="1200" b="0" i="0" u="none" strike="noStrike" kern="0" cap="none" spc="0" normalizeH="0" baseline="0" noProof="0" dirty="0">
                 <a:ln>
                   <a:noFill/>
                 </a:ln>
@@ -28324,20 +27794,6 @@
               </a:rPr>
               <a:t>CDN</a:t>
             </a:r>
-            <a:endParaRPr kumimoji="0" lang="en-GB" sz="1200" b="0" i="0" u="none" strike="noStrike" kern="0" cap="none" spc="0" normalizeH="0" baseline="0" noProof="0" dirty="0">
-              <a:ln>
-                <a:noFill/>
-              </a:ln>
-              <a:solidFill>
-                <a:srgbClr val="262626"/>
-              </a:solidFill>
-              <a:effectLst/>
-              <a:uLnTx/>
-              <a:uFillTx/>
-              <a:latin typeface="Arial"/>
-              <a:ea typeface="+mn-ea"/>
-              <a:cs typeface="+mn-cs"/>
-            </a:endParaRPr>
           </a:p>
         </p:txBody>
       </p:sp>
@@ -28386,7 +27842,7 @@
               <a:defRPr/>
             </a:pPr>
             <a:r>
-              <a:rPr kumimoji="0" lang="en-GB" sz="1200" b="0" i="0" u="none" strike="noStrike" kern="0" cap="none" spc="0" normalizeH="0" baseline="0" noProof="0" dirty="0" smtClean="0">
+              <a:rPr kumimoji="0" lang="en-GB" sz="1200" b="0" i="0" u="none" strike="noStrike" kern="0" cap="none" spc="0" normalizeH="0" baseline="0" noProof="0" dirty="0">
                 <a:ln>
                   <a:noFill/>
                 </a:ln>
@@ -28402,20 +27858,6 @@
               </a:rPr>
               <a:t>DPI</a:t>
             </a:r>
-            <a:endParaRPr kumimoji="0" lang="en-GB" sz="1200" b="0" i="0" u="none" strike="noStrike" kern="0" cap="none" spc="0" normalizeH="0" baseline="0" noProof="0" dirty="0">
-              <a:ln>
-                <a:noFill/>
-              </a:ln>
-              <a:solidFill>
-                <a:srgbClr val="262626"/>
-              </a:solidFill>
-              <a:effectLst/>
-              <a:uLnTx/>
-              <a:uFillTx/>
-              <a:latin typeface="Arial"/>
-              <a:ea typeface="+mn-ea"/>
-              <a:cs typeface="+mn-cs"/>
-            </a:endParaRPr>
           </a:p>
         </p:txBody>
       </p:sp>
@@ -28464,7 +27906,7 @@
               <a:defRPr/>
             </a:pPr>
             <a:r>
-              <a:rPr kumimoji="0" lang="en-GB" sz="1000" b="0" i="0" u="none" strike="noStrike" kern="0" cap="none" spc="0" normalizeH="0" baseline="0" noProof="0" dirty="0" smtClean="0">
+              <a:rPr kumimoji="0" lang="en-GB" sz="1000" b="0" i="0" u="none" strike="noStrike" kern="0" cap="none" spc="0" normalizeH="0" baseline="0" noProof="0" dirty="0">
                 <a:ln>
                   <a:noFill/>
                 </a:ln>
@@ -28480,20 +27922,6 @@
               </a:rPr>
               <a:t>SEC-GW</a:t>
             </a:r>
-            <a:endParaRPr kumimoji="0" lang="en-GB" sz="1000" b="0" i="0" u="none" strike="noStrike" kern="0" cap="none" spc="0" normalizeH="0" baseline="0" noProof="0" dirty="0">
-              <a:ln>
-                <a:noFill/>
-              </a:ln>
-              <a:solidFill>
-                <a:srgbClr val="262626"/>
-              </a:solidFill>
-              <a:effectLst/>
-              <a:uLnTx/>
-              <a:uFillTx/>
-              <a:latin typeface="Arial"/>
-              <a:ea typeface="+mn-ea"/>
-              <a:cs typeface="+mn-cs"/>
-            </a:endParaRPr>
           </a:p>
         </p:txBody>
       </p:sp>
@@ -28542,7 +27970,7 @@
               <a:defRPr/>
             </a:pPr>
             <a:r>
-              <a:rPr kumimoji="0" lang="en-GB" sz="1200" b="0" i="0" u="none" strike="noStrike" kern="0" cap="none" spc="0" normalizeH="0" baseline="0" noProof="0" dirty="0" smtClean="0">
+              <a:rPr kumimoji="0" lang="en-GB" sz="1200" b="0" i="0" u="none" strike="noStrike" kern="0" cap="none" spc="0" normalizeH="0" baseline="0" noProof="0" dirty="0">
                 <a:ln>
                   <a:noFill/>
                 </a:ln>
@@ -28558,20 +27986,6 @@
               </a:rPr>
               <a:t>Firewall</a:t>
             </a:r>
-            <a:endParaRPr kumimoji="0" lang="en-GB" sz="1200" b="0" i="0" u="none" strike="noStrike" kern="0" cap="none" spc="0" normalizeH="0" baseline="0" noProof="0" dirty="0">
-              <a:ln>
-                <a:noFill/>
-              </a:ln>
-              <a:solidFill>
-                <a:srgbClr val="262626"/>
-              </a:solidFill>
-              <a:effectLst/>
-              <a:uLnTx/>
-              <a:uFillTx/>
-              <a:latin typeface="Arial"/>
-              <a:ea typeface="+mn-ea"/>
-              <a:cs typeface="+mn-cs"/>
-            </a:endParaRPr>
           </a:p>
         </p:txBody>
       </p:sp>
@@ -28599,7 +28013,7 @@
           <a:p>
             <a:pPr algn="ctr" defTabSz="914400"/>
             <a:r>
-              <a:rPr lang="en-GB" sz="1000" dirty="0" smtClean="0">
+              <a:rPr lang="en-GB" sz="1000" dirty="0">
                 <a:solidFill>
                   <a:srgbClr val="262626"/>
                 </a:solidFill>
@@ -28611,7 +28025,7 @@
           <a:p>
             <a:pPr algn="ctr" defTabSz="914400"/>
             <a:r>
-              <a:rPr lang="en-GB" sz="1000" dirty="0" smtClean="0">
+              <a:rPr lang="en-GB" sz="1000" dirty="0">
                 <a:solidFill>
                   <a:srgbClr val="262626"/>
                 </a:solidFill>
@@ -28619,12 +28033,6 @@
               </a:rPr>
               <a:t>(CPU, RAM, Network, Storage)</a:t>
             </a:r>
-            <a:endParaRPr lang="en-GB" sz="1000" dirty="0">
-              <a:solidFill>
-                <a:srgbClr val="262626"/>
-              </a:solidFill>
-              <a:latin typeface="Arial"/>
-            </a:endParaRPr>
           </a:p>
         </p:txBody>
       </p:sp>
@@ -28652,7 +28060,7 @@
           <a:p>
             <a:pPr algn="ctr" defTabSz="914400"/>
             <a:r>
-              <a:rPr lang="en-GB" sz="1000" dirty="0" smtClean="0">
+              <a:rPr lang="en-GB" sz="1000" dirty="0">
                 <a:solidFill>
                   <a:srgbClr val="262626"/>
                 </a:solidFill>
@@ -28660,12 +28068,6 @@
               </a:rPr>
               <a:t>Low Throughput</a:t>
             </a:r>
-            <a:endParaRPr lang="en-GB" sz="1000" dirty="0">
-              <a:solidFill>
-                <a:srgbClr val="262626"/>
-              </a:solidFill>
-              <a:latin typeface="Arial"/>
-            </a:endParaRPr>
           </a:p>
         </p:txBody>
       </p:sp>
@@ -28693,7 +28095,7 @@
           <a:p>
             <a:pPr algn="ctr" defTabSz="914400"/>
             <a:r>
-              <a:rPr lang="en-GB" sz="1000" dirty="0" smtClean="0">
+              <a:rPr lang="en-GB" sz="1000" dirty="0">
                 <a:solidFill>
                   <a:srgbClr val="262626"/>
                 </a:solidFill>
@@ -28701,12 +28103,6 @@
               </a:rPr>
               <a:t>High Availability</a:t>
             </a:r>
-            <a:endParaRPr lang="en-GB" sz="1000" dirty="0">
-              <a:solidFill>
-                <a:srgbClr val="262626"/>
-              </a:solidFill>
-              <a:latin typeface="Arial"/>
-            </a:endParaRPr>
           </a:p>
         </p:txBody>
       </p:sp>
@@ -28734,7 +28130,7 @@
           <a:p>
             <a:pPr algn="ctr" defTabSz="914400"/>
             <a:r>
-              <a:rPr lang="en-GB" sz="1000" dirty="0" smtClean="0">
+              <a:rPr lang="en-GB" sz="1000" dirty="0">
                 <a:solidFill>
                   <a:srgbClr val="262626"/>
                 </a:solidFill>
@@ -28746,7 +28142,7 @@
           <a:p>
             <a:pPr algn="ctr" defTabSz="914400"/>
             <a:r>
-              <a:rPr lang="en-GB" sz="1000" dirty="0" smtClean="0">
+              <a:rPr lang="en-GB" sz="1000" dirty="0">
                 <a:solidFill>
                   <a:srgbClr val="262626"/>
                 </a:solidFill>
@@ -28754,12 +28150,6 @@
               </a:rPr>
               <a:t>(CPU, RAM, Network, Storage)</a:t>
             </a:r>
-            <a:endParaRPr lang="en-GB" sz="1000" dirty="0">
-              <a:solidFill>
-                <a:srgbClr val="262626"/>
-              </a:solidFill>
-              <a:latin typeface="Arial"/>
-            </a:endParaRPr>
           </a:p>
         </p:txBody>
       </p:sp>
@@ -28787,7 +28177,7 @@
           <a:p>
             <a:pPr algn="ctr" defTabSz="914400"/>
             <a:r>
-              <a:rPr lang="en-GB" sz="1000" dirty="0" smtClean="0">
+              <a:rPr lang="en-GB" sz="1000" dirty="0">
                 <a:solidFill>
                   <a:srgbClr val="262626"/>
                 </a:solidFill>
@@ -28795,12 +28185,6 @@
               </a:rPr>
               <a:t>High Throughput, Low Latency</a:t>
             </a:r>
-            <a:endParaRPr lang="en-GB" sz="1000" dirty="0">
-              <a:solidFill>
-                <a:srgbClr val="262626"/>
-              </a:solidFill>
-              <a:latin typeface="Arial"/>
-            </a:endParaRPr>
           </a:p>
         </p:txBody>
       </p:sp>
@@ -28828,7 +28212,7 @@
           <a:p>
             <a:pPr algn="ctr" defTabSz="914400"/>
             <a:r>
-              <a:rPr lang="en-GB" sz="1000" dirty="0" smtClean="0">
+              <a:rPr lang="en-GB" sz="1000" dirty="0">
                 <a:solidFill>
                   <a:srgbClr val="262626"/>
                 </a:solidFill>
@@ -28836,12 +28220,6 @@
               </a:rPr>
               <a:t>High Availability, Network Acceleration</a:t>
             </a:r>
-            <a:endParaRPr lang="en-GB" sz="1000" dirty="0">
-              <a:solidFill>
-                <a:srgbClr val="262626"/>
-              </a:solidFill>
-              <a:latin typeface="Arial"/>
-            </a:endParaRPr>
           </a:p>
         </p:txBody>
       </p:sp>
@@ -28869,7 +28247,7 @@
           <a:p>
             <a:pPr algn="ctr" defTabSz="914400"/>
             <a:r>
-              <a:rPr lang="en-GB" sz="1000" dirty="0" smtClean="0">
+              <a:rPr lang="en-GB" sz="1000" dirty="0">
                 <a:solidFill>
                   <a:srgbClr val="262626"/>
                 </a:solidFill>
@@ -28881,7 +28259,7 @@
           <a:p>
             <a:pPr algn="ctr" defTabSz="914400"/>
             <a:r>
-              <a:rPr lang="en-GB" sz="1000" dirty="0" smtClean="0">
+              <a:rPr lang="en-GB" sz="1000" dirty="0">
                 <a:solidFill>
                   <a:srgbClr val="262626"/>
                 </a:solidFill>
@@ -28889,12 +28267,6 @@
               </a:rPr>
               <a:t>(CPU, RAM, Network, Storage)</a:t>
             </a:r>
-            <a:endParaRPr lang="en-GB" sz="1000" dirty="0">
-              <a:solidFill>
-                <a:srgbClr val="262626"/>
-              </a:solidFill>
-              <a:latin typeface="Arial"/>
-            </a:endParaRPr>
           </a:p>
         </p:txBody>
       </p:sp>
@@ -28922,7 +28294,7 @@
           <a:p>
             <a:pPr algn="ctr" defTabSz="914400"/>
             <a:r>
-              <a:rPr lang="en-GB" sz="1000" dirty="0" smtClean="0">
+              <a:rPr lang="en-GB" sz="1000" dirty="0">
                 <a:solidFill>
                   <a:srgbClr val="262626"/>
                 </a:solidFill>
@@ -28930,12 +28302,6 @@
               </a:rPr>
               <a:t>High Compute/Memory, Low Latency</a:t>
             </a:r>
-            <a:endParaRPr lang="en-GB" sz="1000" dirty="0">
-              <a:solidFill>
-                <a:srgbClr val="262626"/>
-              </a:solidFill>
-              <a:latin typeface="Arial"/>
-            </a:endParaRPr>
           </a:p>
         </p:txBody>
       </p:sp>
@@ -28963,7 +28329,7 @@
           <a:p>
             <a:pPr algn="ctr" defTabSz="914400"/>
             <a:r>
-              <a:rPr lang="en-GB" sz="1000" dirty="0" smtClean="0">
+              <a:rPr lang="en-GB" sz="1000" dirty="0">
                 <a:solidFill>
                   <a:srgbClr val="262626"/>
                 </a:solidFill>
@@ -28971,12 +28337,6 @@
               </a:rPr>
               <a:t>High Availability, Hardware Acceleration</a:t>
             </a:r>
-            <a:endParaRPr lang="en-GB" sz="1000" dirty="0">
-              <a:solidFill>
-                <a:srgbClr val="262626"/>
-              </a:solidFill>
-              <a:latin typeface="Arial"/>
-            </a:endParaRPr>
           </a:p>
         </p:txBody>
       </p:sp>
@@ -29016,11 +28376,11 @@
           </a:lstStyle>
           <a:p>
             <a:r>
-              <a:rPr lang="en-GB" sz="2667" b="0" dirty="0" smtClean="0"/>
+              <a:rPr lang="en-GB" sz="2667" b="0" dirty="0"/>
               <a:t>CNTT</a:t>
             </a:r>
             <a:r>
-              <a:rPr lang="en-US" sz="2667" b="0" dirty="0" smtClean="0"/>
+              <a:rPr lang="en-US" sz="2667" b="0" dirty="0"/>
               <a:t> </a:t>
             </a:r>
             <a:r>
@@ -29031,25 +28391,8 @@
                   </a:schemeClr>
                 </a:solidFill>
               </a:rPr>
-              <a:t>| </a:t>
+              <a:t>| Profiles. </a:t>
             </a:r>
-            <a:r>
-              <a:rPr lang="en-GB" sz="2667" b="0" dirty="0" smtClean="0">
-                <a:solidFill>
-                  <a:schemeClr val="bg1">
-                    <a:lumMod val="50000"/>
-                  </a:schemeClr>
-                </a:solidFill>
-              </a:rPr>
-              <a:t>Profiles. </a:t>
-            </a:r>
-            <a:endParaRPr lang="en-GB" sz="2667" b="0" dirty="0">
-              <a:solidFill>
-                <a:schemeClr val="bg1">
-                  <a:lumMod val="50000"/>
-                </a:schemeClr>
-              </a:solidFill>
-            </a:endParaRPr>
           </a:p>
         </p:txBody>
       </p:sp>
@@ -29172,7 +28515,7 @@
               <a:defRPr/>
             </a:pPr>
             <a:r>
-              <a:rPr kumimoji="0" lang="en-GB" sz="1000" b="0" i="0" u="none" strike="noStrike" kern="0" cap="none" spc="0" normalizeH="0" baseline="0" noProof="0" dirty="0" smtClean="0">
+              <a:rPr kumimoji="0" lang="en-GB" sz="1000" b="0" i="0" u="none" strike="noStrike" kern="0" cap="none" spc="0" normalizeH="0" baseline="0" noProof="0" dirty="0">
                 <a:ln>
                   <a:noFill/>
                 </a:ln>
@@ -29254,7 +28597,7 @@
                 <a:defRPr/>
               </a:pPr>
               <a:r>
-                <a:rPr kumimoji="0" lang="en-GB" sz="1400" b="1" i="0" u="none" strike="noStrike" kern="0" cap="none" spc="0" normalizeH="0" baseline="0" noProof="0" dirty="0" smtClean="0">
+                <a:rPr kumimoji="0" lang="en-GB" sz="1400" b="1" i="0" u="none" strike="noStrike" kern="0" cap="none" spc="0" normalizeH="0" baseline="0" noProof="0" dirty="0">
                   <a:ln>
                     <a:noFill/>
                   </a:ln>
@@ -29312,7 +28655,7 @@
                 <a:defRPr/>
               </a:pPr>
               <a:r>
-                <a:rPr kumimoji="0" lang="en-GB" sz="1000" b="0" i="0" u="none" strike="noStrike" kern="0" cap="none" spc="0" normalizeH="0" baseline="0" noProof="0" dirty="0" smtClean="0">
+                <a:rPr kumimoji="0" lang="en-GB" sz="1000" b="0" i="0" u="none" strike="noStrike" kern="0" cap="none" spc="0" normalizeH="0" baseline="0" noProof="0" dirty="0">
                   <a:ln>
                     <a:noFill/>
                   </a:ln>
@@ -29368,7 +28711,7 @@
                 <a:defRPr/>
               </a:pPr>
               <a:r>
-                <a:rPr kumimoji="0" lang="en-GB" sz="1000" b="0" i="0" u="none" strike="noStrike" kern="0" cap="none" spc="0" normalizeH="0" baseline="0" noProof="0" dirty="0" smtClean="0">
+                <a:rPr kumimoji="0" lang="en-GB" sz="1000" b="0" i="0" u="none" strike="noStrike" kern="0" cap="none" spc="0" normalizeH="0" baseline="0" noProof="0" dirty="0">
                   <a:ln>
                     <a:noFill/>
                   </a:ln>
@@ -29528,7 +28871,7 @@
                   <a:defRPr/>
                 </a:pPr>
                 <a:r>
-                  <a:rPr kumimoji="0" lang="en-GB" sz="1000" b="0" i="0" u="none" strike="noStrike" kern="0" cap="none" spc="0" normalizeH="0" baseline="0" noProof="0" dirty="0" smtClean="0">
+                  <a:rPr kumimoji="0" lang="en-GB" sz="1000" b="0" i="0" u="none" strike="noStrike" kern="0" cap="none" spc="0" normalizeH="0" baseline="0" noProof="0" dirty="0">
                     <a:ln>
                       <a:noFill/>
                     </a:ln>
@@ -29584,7 +28927,7 @@
                   <a:defRPr/>
                 </a:pPr>
                 <a:r>
-                  <a:rPr kumimoji="0" lang="en-GB" sz="1000" b="0" i="0" u="none" strike="noStrike" kern="0" cap="none" spc="0" normalizeH="0" baseline="0" noProof="0" dirty="0" smtClean="0">
+                  <a:rPr kumimoji="0" lang="en-GB" sz="1000" b="0" i="0" u="none" strike="noStrike" kern="0" cap="none" spc="0" normalizeH="0" baseline="0" noProof="0" dirty="0">
                     <a:ln>
                       <a:noFill/>
                     </a:ln>
@@ -29640,7 +28983,7 @@
                   <a:defRPr/>
                 </a:pPr>
                 <a:r>
-                  <a:rPr kumimoji="0" lang="en-GB" sz="1000" b="0" i="0" u="none" strike="noStrike" kern="0" cap="none" spc="0" normalizeH="0" baseline="0" noProof="0" dirty="0" smtClean="0">
+                  <a:rPr kumimoji="0" lang="en-GB" sz="1000" b="0" i="0" u="none" strike="noStrike" kern="0" cap="none" spc="0" normalizeH="0" baseline="0" noProof="0" dirty="0">
                     <a:ln>
                       <a:noFill/>
                     </a:ln>
@@ -29778,10 +29121,9 @@
                     <a:p>
                       <a:pPr algn="ctr"/>
                       <a:r>
-                        <a:rPr lang="en-GB" sz="700" dirty="0" smtClean="0"/>
+                        <a:rPr lang="en-GB" sz="700" dirty="0"/>
                         <a:t>Metric</a:t>
                       </a:r>
-                      <a:endParaRPr lang="en-GB" sz="700" dirty="0"/>
                     </a:p>
                   </a:txBody>
                   <a:tcPr>
@@ -29898,10 +29240,9 @@
                     <a:p>
                       <a:pPr algn="ctr"/>
                       <a:r>
-                        <a:rPr lang="en-GB" sz="700" dirty="0" smtClean="0"/>
+                        <a:rPr lang="en-GB" sz="700" dirty="0"/>
                         <a:t>Value</a:t>
                       </a:r>
-                      <a:endParaRPr lang="en-GB" sz="700" dirty="0"/>
                     </a:p>
                   </a:txBody>
                   <a:tcPr>
@@ -30734,7 +30075,7 @@
                 <a:defRPr/>
               </a:pPr>
               <a:r>
-                <a:rPr kumimoji="0" lang="en-GB" sz="1400" b="1" i="0" u="none" strike="noStrike" kern="0" cap="none" spc="0" normalizeH="0" baseline="0" noProof="0" dirty="0" smtClean="0">
+                <a:rPr kumimoji="0" lang="en-GB" sz="1400" b="1" i="0" u="none" strike="noStrike" kern="0" cap="none" spc="0" normalizeH="0" baseline="0" noProof="0" dirty="0">
                   <a:ln>
                     <a:noFill/>
                   </a:ln>
@@ -30792,7 +30133,7 @@
                 <a:defRPr/>
               </a:pPr>
               <a:r>
-                <a:rPr kumimoji="0" lang="en-GB" sz="1000" b="0" i="0" u="none" strike="noStrike" kern="0" cap="none" spc="0" normalizeH="0" baseline="0" noProof="0" dirty="0" smtClean="0">
+                <a:rPr kumimoji="0" lang="en-GB" sz="1000" b="0" i="0" u="none" strike="noStrike" kern="0" cap="none" spc="0" normalizeH="0" baseline="0" noProof="0" dirty="0">
                   <a:ln>
                     <a:noFill/>
                   </a:ln>
@@ -30848,7 +30189,7 @@
                 <a:defRPr/>
               </a:pPr>
               <a:r>
-                <a:rPr kumimoji="0" lang="en-GB" sz="1000" b="0" i="0" u="none" strike="noStrike" kern="0" cap="none" spc="0" normalizeH="0" baseline="0" noProof="0" dirty="0" smtClean="0">
+                <a:rPr kumimoji="0" lang="en-GB" sz="1000" b="0" i="0" u="none" strike="noStrike" kern="0" cap="none" spc="0" normalizeH="0" baseline="0" noProof="0" dirty="0">
                   <a:ln>
                     <a:noFill/>
                   </a:ln>
@@ -31008,7 +30349,7 @@
                   <a:defRPr/>
                 </a:pPr>
                 <a:r>
-                  <a:rPr kumimoji="0" lang="en-GB" sz="1000" b="0" i="0" u="none" strike="noStrike" kern="0" cap="none" spc="0" normalizeH="0" baseline="0" noProof="0" dirty="0" smtClean="0">
+                  <a:rPr kumimoji="0" lang="en-GB" sz="1000" b="0" i="0" u="none" strike="noStrike" kern="0" cap="none" spc="0" normalizeH="0" baseline="0" noProof="0" dirty="0">
                     <a:ln>
                       <a:noFill/>
                     </a:ln>
@@ -31064,7 +30405,7 @@
                   <a:defRPr/>
                 </a:pPr>
                 <a:r>
-                  <a:rPr kumimoji="0" lang="en-GB" sz="1000" b="0" i="0" u="none" strike="noStrike" kern="0" cap="none" spc="0" normalizeH="0" baseline="0" noProof="0" dirty="0" smtClean="0">
+                  <a:rPr kumimoji="0" lang="en-GB" sz="1000" b="0" i="0" u="none" strike="noStrike" kern="0" cap="none" spc="0" normalizeH="0" baseline="0" noProof="0" dirty="0">
                     <a:ln>
                       <a:noFill/>
                     </a:ln>
@@ -31120,7 +30461,7 @@
                   <a:defRPr/>
                 </a:pPr>
                 <a:r>
-                  <a:rPr kumimoji="0" lang="en-GB" sz="1000" b="0" i="0" u="none" strike="noStrike" kern="0" cap="none" spc="0" normalizeH="0" baseline="0" noProof="0" dirty="0" smtClean="0">
+                  <a:rPr kumimoji="0" lang="en-GB" sz="1000" b="0" i="0" u="none" strike="noStrike" kern="0" cap="none" spc="0" normalizeH="0" baseline="0" noProof="0" dirty="0">
                     <a:ln>
                       <a:noFill/>
                     </a:ln>
@@ -31258,10 +30599,9 @@
                     <a:p>
                       <a:pPr algn="ctr"/>
                       <a:r>
-                        <a:rPr lang="en-GB" sz="700" dirty="0" smtClean="0"/>
+                        <a:rPr lang="en-GB" sz="700" dirty="0"/>
                         <a:t>Metric</a:t>
                       </a:r>
-                      <a:endParaRPr lang="en-GB" sz="700" dirty="0"/>
                     </a:p>
                   </a:txBody>
                   <a:tcPr>
@@ -31378,10 +30718,9 @@
                     <a:p>
                       <a:pPr algn="ctr"/>
                       <a:r>
-                        <a:rPr lang="en-GB" sz="700" dirty="0" smtClean="0"/>
+                        <a:rPr lang="en-GB" sz="700" dirty="0"/>
                         <a:t>Value</a:t>
                       </a:r>
-                      <a:endParaRPr lang="en-GB" sz="700" dirty="0"/>
                     </a:p>
                   </a:txBody>
                   <a:tcPr>
@@ -32214,7 +31553,7 @@
                 <a:defRPr/>
               </a:pPr>
               <a:r>
-                <a:rPr kumimoji="0" lang="en-GB" sz="1400" b="1" i="0" u="none" strike="noStrike" kern="0" cap="none" spc="0" normalizeH="0" baseline="0" noProof="0" dirty="0" smtClean="0">
+                <a:rPr kumimoji="0" lang="en-GB" sz="1400" b="1" i="0" u="none" strike="noStrike" kern="0" cap="none" spc="0" normalizeH="0" baseline="0" noProof="0" dirty="0">
                   <a:ln>
                     <a:noFill/>
                   </a:ln>
@@ -32272,7 +31611,7 @@
                 <a:defRPr/>
               </a:pPr>
               <a:r>
-                <a:rPr kumimoji="0" lang="en-GB" sz="1000" b="0" i="0" u="none" strike="noStrike" kern="0" cap="none" spc="0" normalizeH="0" baseline="0" noProof="0" dirty="0" smtClean="0">
+                <a:rPr kumimoji="0" lang="en-GB" sz="1000" b="0" i="0" u="none" strike="noStrike" kern="0" cap="none" spc="0" normalizeH="0" baseline="0" noProof="0" dirty="0">
                   <a:ln>
                     <a:noFill/>
                   </a:ln>
@@ -32328,7 +31667,7 @@
                 <a:defRPr/>
               </a:pPr>
               <a:r>
-                <a:rPr kumimoji="0" lang="en-GB" sz="1000" b="0" i="0" u="none" strike="noStrike" kern="0" cap="none" spc="0" normalizeH="0" baseline="0" noProof="0" dirty="0" smtClean="0">
+                <a:rPr kumimoji="0" lang="en-GB" sz="1000" b="0" i="0" u="none" strike="noStrike" kern="0" cap="none" spc="0" normalizeH="0" baseline="0" noProof="0" dirty="0">
                   <a:ln>
                     <a:noFill/>
                   </a:ln>
@@ -32488,7 +31827,7 @@
                   <a:defRPr/>
                 </a:pPr>
                 <a:r>
-                  <a:rPr kumimoji="0" lang="en-GB" sz="1000" b="0" i="0" u="none" strike="noStrike" kern="0" cap="none" spc="0" normalizeH="0" baseline="0" noProof="0" dirty="0" smtClean="0">
+                  <a:rPr kumimoji="0" lang="en-GB" sz="1000" b="0" i="0" u="none" strike="noStrike" kern="0" cap="none" spc="0" normalizeH="0" baseline="0" noProof="0" dirty="0">
                     <a:ln>
                       <a:noFill/>
                     </a:ln>
@@ -32544,7 +31883,7 @@
                   <a:defRPr/>
                 </a:pPr>
                 <a:r>
-                  <a:rPr kumimoji="0" lang="en-GB" sz="1000" b="0" i="0" u="none" strike="noStrike" kern="0" cap="none" spc="0" normalizeH="0" baseline="0" noProof="0" dirty="0" smtClean="0">
+                  <a:rPr kumimoji="0" lang="en-GB" sz="1000" b="0" i="0" u="none" strike="noStrike" kern="0" cap="none" spc="0" normalizeH="0" baseline="0" noProof="0" dirty="0">
                     <a:ln>
                       <a:noFill/>
                     </a:ln>
@@ -32600,7 +31939,7 @@
                   <a:defRPr/>
                 </a:pPr>
                 <a:r>
-                  <a:rPr kumimoji="0" lang="en-GB" sz="1000" b="0" i="0" u="none" strike="noStrike" kern="0" cap="none" spc="0" normalizeH="0" baseline="0" noProof="0" dirty="0" smtClean="0">
+                  <a:rPr kumimoji="0" lang="en-GB" sz="1000" b="0" i="0" u="none" strike="noStrike" kern="0" cap="none" spc="0" normalizeH="0" baseline="0" noProof="0" dirty="0">
                     <a:ln>
                       <a:noFill/>
                     </a:ln>
@@ -32738,10 +32077,9 @@
                     <a:p>
                       <a:pPr algn="ctr"/>
                       <a:r>
-                        <a:rPr lang="en-GB" sz="700" dirty="0" smtClean="0"/>
+                        <a:rPr lang="en-GB" sz="700" dirty="0"/>
                         <a:t>Metric</a:t>
                       </a:r>
-                      <a:endParaRPr lang="en-GB" sz="700" dirty="0"/>
                     </a:p>
                   </a:txBody>
                   <a:tcPr>
@@ -32858,10 +32196,9 @@
                     <a:p>
                       <a:pPr algn="ctr"/>
                       <a:r>
-                        <a:rPr lang="en-GB" sz="700" dirty="0" smtClean="0"/>
+                        <a:rPr lang="en-GB" sz="700" dirty="0"/>
                         <a:t>Value</a:t>
                       </a:r>
-                      <a:endParaRPr lang="en-GB" sz="700" dirty="0"/>
                     </a:p>
                   </a:txBody>
                   <a:tcPr>
@@ -33677,7 +33014,7 @@
               <a:defRPr/>
             </a:pPr>
             <a:r>
-              <a:rPr kumimoji="0" lang="en-GB" sz="1000" b="0" i="0" u="none" strike="noStrike" kern="0" cap="none" spc="0" normalizeH="0" baseline="0" noProof="0" dirty="0" smtClean="0">
+              <a:rPr kumimoji="0" lang="en-GB" sz="1000" b="0" i="0" u="none" strike="noStrike" kern="0" cap="none" spc="0" normalizeH="0" baseline="0" noProof="0" dirty="0">
                 <a:ln>
                   <a:noFill/>
                 </a:ln>
@@ -33742,7 +33079,7 @@
               <a:defRPr/>
             </a:pPr>
             <a:r>
-              <a:rPr kumimoji="0" lang="en-GB" sz="1000" b="0" i="0" u="none" strike="noStrike" kern="0" cap="none" spc="0" normalizeH="0" baseline="0" noProof="0" dirty="0" smtClean="0">
+              <a:rPr kumimoji="0" lang="en-GB" sz="1000" b="0" i="0" u="none" strike="noStrike" kern="0" cap="none" spc="0" normalizeH="0" baseline="0" noProof="0" dirty="0">
                 <a:ln>
                   <a:noFill/>
                 </a:ln>
@@ -33807,7 +33144,7 @@
               <a:defRPr/>
             </a:pPr>
             <a:r>
-              <a:rPr kumimoji="0" lang="en-GB" sz="1000" b="0" i="0" u="none" strike="noStrike" kern="0" cap="none" spc="0" normalizeH="0" baseline="0" noProof="0" dirty="0" smtClean="0">
+              <a:rPr kumimoji="0" lang="en-GB" sz="1000" b="0" i="0" u="none" strike="noStrike" kern="0" cap="none" spc="0" normalizeH="0" baseline="0" noProof="0" dirty="0">
                 <a:ln>
                   <a:noFill/>
                 </a:ln>
@@ -33916,7 +33253,7 @@
             <a:p>
               <a:pPr algn="ctr" defTabSz="914378"/>
               <a:r>
-                <a:rPr lang="en-GB" sz="900" b="1" dirty="0" smtClean="0">
+                <a:rPr lang="en-GB" sz="900" b="1" dirty="0">
                   <a:solidFill>
                     <a:srgbClr val="000000"/>
                   </a:solidFill>
@@ -33927,7 +33264,7 @@
             </a:p>
             <a:p>
               <a:pPr algn="ctr" defTabSz="914378"/>
-              <a:endParaRPr lang="en-GB" sz="900" b="1" dirty="0" smtClean="0">
+              <a:endParaRPr lang="en-GB" sz="900" b="1" dirty="0">
                 <a:solidFill>
                   <a:srgbClr val="000000"/>
                 </a:solidFill>
@@ -34039,7 +33376,7 @@
             <a:p>
               <a:pPr algn="ctr" defTabSz="914378"/>
               <a:r>
-                <a:rPr lang="en-GB" sz="900" b="1" dirty="0" smtClean="0">
+                <a:rPr lang="en-GB" sz="900" b="1" dirty="0">
                   <a:solidFill>
                     <a:srgbClr val="000000"/>
                   </a:solidFill>
@@ -34060,7 +33397,7 @@
             <a:p>
               <a:pPr algn="ctr" defTabSz="914378"/>
               <a:r>
-                <a:rPr lang="en-GB" sz="900" dirty="0" smtClean="0">
+                <a:rPr lang="en-GB" sz="900" dirty="0">
                   <a:solidFill>
                     <a:srgbClr val="000000"/>
                   </a:solidFill>
@@ -34068,12 +33405,6 @@
                 </a:rPr>
                 <a:t>B</a:t>
               </a:r>
-              <a:endParaRPr lang="en-GB" sz="900" dirty="0">
-                <a:solidFill>
-                  <a:srgbClr val="000000"/>
-                </a:solidFill>
-                <a:latin typeface="Vodafone Rg" pitchFamily="34" charset="0"/>
-              </a:endParaRPr>
             </a:p>
           </p:txBody>
         </p:sp>
@@ -34168,7 +33499,7 @@
             <a:p>
               <a:pPr algn="ctr" defTabSz="914378"/>
               <a:r>
-                <a:rPr lang="en-GB" sz="900" b="1" dirty="0" smtClean="0">
+                <a:rPr lang="en-GB" sz="900" b="1" dirty="0">
                   <a:solidFill>
                     <a:srgbClr val="000000"/>
                   </a:solidFill>
@@ -34179,7 +33510,7 @@
             </a:p>
             <a:p>
               <a:pPr algn="ctr" defTabSz="914378"/>
-              <a:endParaRPr lang="en-GB" sz="900" b="1" dirty="0" smtClean="0">
+              <a:endParaRPr lang="en-GB" sz="900" b="1" dirty="0">
                 <a:solidFill>
                   <a:srgbClr val="000000"/>
                 </a:solidFill>
@@ -34291,7 +33622,7 @@
             <a:p>
               <a:pPr algn="ctr" defTabSz="914378"/>
               <a:r>
-                <a:rPr lang="en-GB" sz="900" b="1" dirty="0" smtClean="0">
+                <a:rPr lang="en-GB" sz="900" b="1" dirty="0">
                   <a:solidFill>
                     <a:srgbClr val="000000"/>
                   </a:solidFill>
@@ -34312,7 +33643,7 @@
             <a:p>
               <a:pPr algn="ctr" defTabSz="914378"/>
               <a:r>
-                <a:rPr lang="en-GB" sz="900" dirty="0" smtClean="0">
+                <a:rPr lang="en-GB" sz="900" dirty="0">
                   <a:solidFill>
                     <a:srgbClr val="000000"/>
                   </a:solidFill>
@@ -34320,12 +33651,6 @@
                 </a:rPr>
                 <a:t>B</a:t>
               </a:r>
-              <a:endParaRPr lang="en-GB" sz="900" dirty="0">
-                <a:solidFill>
-                  <a:srgbClr val="000000"/>
-                </a:solidFill>
-                <a:latin typeface="Vodafone Rg" pitchFamily="34" charset="0"/>
-              </a:endParaRPr>
             </a:p>
           </p:txBody>
         </p:sp>
@@ -34420,7 +33745,7 @@
             <a:p>
               <a:pPr algn="ctr" defTabSz="914378"/>
               <a:r>
-                <a:rPr lang="en-GB" sz="900" b="1" dirty="0" smtClean="0">
+                <a:rPr lang="en-GB" sz="900" b="1" dirty="0">
                   <a:solidFill>
                     <a:srgbClr val="000000"/>
                   </a:solidFill>
@@ -34441,7 +33766,7 @@
             <a:p>
               <a:pPr algn="ctr" defTabSz="914378"/>
               <a:r>
-                <a:rPr lang="en-GB" sz="900" dirty="0" smtClean="0">
+                <a:rPr lang="en-GB" sz="900" dirty="0">
                   <a:solidFill>
                     <a:srgbClr val="000000"/>
                   </a:solidFill>
@@ -34449,12 +33774,6 @@
                 </a:rPr>
                 <a:t>B</a:t>
               </a:r>
-              <a:endParaRPr lang="en-GB" sz="900" dirty="0">
-                <a:solidFill>
-                  <a:srgbClr val="000000"/>
-                </a:solidFill>
-                <a:latin typeface="Vodafone Rg" pitchFamily="34" charset="0"/>
-              </a:endParaRPr>
             </a:p>
           </p:txBody>
         </p:sp>
@@ -34549,7 +33868,7 @@
             <a:p>
               <a:pPr algn="ctr" defTabSz="914378"/>
               <a:r>
-                <a:rPr lang="en-GB" sz="900" b="1" dirty="0" smtClean="0">
+                <a:rPr lang="en-GB" sz="900" b="1" dirty="0">
                   <a:solidFill>
                     <a:srgbClr val="000000"/>
                   </a:solidFill>
@@ -34570,7 +33889,7 @@
             <a:p>
               <a:pPr algn="ctr" defTabSz="914378"/>
               <a:r>
-                <a:rPr lang="en-GB" sz="900" dirty="0" smtClean="0">
+                <a:rPr lang="en-GB" sz="900" dirty="0">
                   <a:solidFill>
                     <a:srgbClr val="000000"/>
                   </a:solidFill>
@@ -34578,12 +33897,6 @@
                 </a:rPr>
                 <a:t>H</a:t>
               </a:r>
-              <a:endParaRPr lang="en-GB" sz="900" dirty="0">
-                <a:solidFill>
-                  <a:srgbClr val="000000"/>
-                </a:solidFill>
-                <a:latin typeface="Vodafone Rg" pitchFamily="34" charset="0"/>
-              </a:endParaRPr>
             </a:p>
           </p:txBody>
         </p:sp>
@@ -34678,7 +33991,7 @@
             <a:p>
               <a:pPr algn="ctr" defTabSz="914378"/>
               <a:r>
-                <a:rPr lang="en-GB" sz="900" b="1" dirty="0" smtClean="0">
+                <a:rPr lang="en-GB" sz="900" b="1" dirty="0">
                   <a:solidFill>
                     <a:srgbClr val="000000"/>
                   </a:solidFill>
@@ -34699,7 +34012,7 @@
             <a:p>
               <a:pPr algn="ctr" defTabSz="914378"/>
               <a:r>
-                <a:rPr lang="en-GB" sz="900" dirty="0" smtClean="0">
+                <a:rPr lang="en-GB" sz="900" dirty="0">
                   <a:solidFill>
                     <a:srgbClr val="000000"/>
                   </a:solidFill>
@@ -34707,12 +34020,6 @@
                 </a:rPr>
                 <a:t>N</a:t>
               </a:r>
-              <a:endParaRPr lang="en-GB" sz="900" dirty="0">
-                <a:solidFill>
-                  <a:srgbClr val="000000"/>
-                </a:solidFill>
-                <a:latin typeface="Vodafone Rg" pitchFamily="34" charset="0"/>
-              </a:endParaRPr>
             </a:p>
           </p:txBody>
         </p:sp>
@@ -34807,7 +34114,7 @@
             <a:p>
               <a:pPr algn="ctr" defTabSz="914378"/>
               <a:r>
-                <a:rPr lang="en-GB" sz="900" b="1" dirty="0" smtClean="0">
+                <a:rPr lang="en-GB" sz="900" b="1" dirty="0">
                   <a:solidFill>
                     <a:srgbClr val="000000"/>
                   </a:solidFill>
@@ -34828,7 +34135,7 @@
             <a:p>
               <a:pPr algn="ctr" defTabSz="914378"/>
               <a:r>
-                <a:rPr lang="en-GB" sz="900" dirty="0" smtClean="0">
+                <a:rPr lang="en-GB" sz="900" dirty="0">
                   <a:solidFill>
                     <a:srgbClr val="000000"/>
                   </a:solidFill>
@@ -34836,12 +34143,6 @@
                 </a:rPr>
                 <a:t>B</a:t>
               </a:r>
-              <a:endParaRPr lang="en-GB" sz="900" dirty="0">
-                <a:solidFill>
-                  <a:srgbClr val="000000"/>
-                </a:solidFill>
-                <a:latin typeface="Vodafone Rg" pitchFamily="34" charset="0"/>
-              </a:endParaRPr>
             </a:p>
           </p:txBody>
         </p:sp>
@@ -35112,7 +34413,7 @@
               <a:buNone/>
             </a:pPr>
             <a:r>
-              <a:rPr lang="en-GB" sz="1400" dirty="0" smtClean="0">
+              <a:rPr lang="en-GB" sz="1400" dirty="0">
                 <a:solidFill>
                   <a:srgbClr val="FCDF9E"/>
                 </a:solidFill>
@@ -35149,7 +34450,7 @@
               <a:buNone/>
             </a:pPr>
             <a:r>
-              <a:rPr lang="en-GB" sz="1400" dirty="0" smtClean="0">
+              <a:rPr lang="en-GB" sz="1400" dirty="0">
                 <a:solidFill>
                   <a:srgbClr val="FCDF9E"/>
                 </a:solidFill>
@@ -35186,7 +34487,7 @@
               <a:buNone/>
             </a:pPr>
             <a:r>
-              <a:rPr lang="en-GB" sz="1400" dirty="0" smtClean="0">
+              <a:rPr lang="en-GB" sz="1400" dirty="0">
                 <a:solidFill>
                   <a:srgbClr val="FCDF9E"/>
                 </a:solidFill>
@@ -35223,7 +34524,7 @@
               <a:buNone/>
             </a:pPr>
             <a:r>
-              <a:rPr lang="en-GB" sz="1400" dirty="0" smtClean="0">
+              <a:rPr lang="en-GB" sz="1400" dirty="0">
                 <a:solidFill>
                   <a:srgbClr val="FCDF9E"/>
                 </a:solidFill>
@@ -35270,11 +34571,11 @@
           </a:lstStyle>
           <a:p>
             <a:r>
-              <a:rPr lang="en-GB" sz="2667" b="0" dirty="0" smtClean="0"/>
+              <a:rPr lang="en-GB" sz="2667" b="0" dirty="0"/>
               <a:t>CNTT</a:t>
             </a:r>
             <a:r>
-              <a:rPr lang="en-US" sz="2667" b="0" dirty="0" smtClean="0"/>
+              <a:rPr lang="en-US" sz="2667" b="0" dirty="0"/>
               <a:t> </a:t>
             </a:r>
             <a:r>
@@ -35285,25 +34586,8 @@
                   </a:schemeClr>
                 </a:solidFill>
               </a:rPr>
-              <a:t>| </a:t>
+              <a:t>| VNF Construct. </a:t>
             </a:r>
-            <a:r>
-              <a:rPr lang="en-GB" sz="2667" b="0" dirty="0" smtClean="0">
-                <a:solidFill>
-                  <a:schemeClr val="bg1">
-                    <a:lumMod val="50000"/>
-                  </a:schemeClr>
-                </a:solidFill>
-              </a:rPr>
-              <a:t>VNF Construct. </a:t>
-            </a:r>
-            <a:endParaRPr lang="en-GB" sz="2667" b="0" dirty="0">
-              <a:solidFill>
-                <a:schemeClr val="bg1">
-                  <a:lumMod val="50000"/>
-                </a:schemeClr>
-              </a:solidFill>
-            </a:endParaRPr>
           </a:p>
         </p:txBody>
       </p:sp>
@@ -35948,7 +35232,7 @@
                   <a:defRPr/>
                 </a:pPr>
                 <a:r>
-                  <a:rPr kumimoji="0" lang="en-GB" sz="700" b="0" i="0" u="none" strike="noStrike" kern="0" cap="none" spc="0" normalizeH="0" baseline="0" noProof="0" dirty="0" smtClean="0">
+                  <a:rPr kumimoji="0" lang="en-GB" sz="700" b="0" i="0" u="none" strike="noStrike" kern="0" cap="none" spc="0" normalizeH="0" baseline="0" noProof="0" dirty="0">
                     <a:ln>
                       <a:noFill/>
                     </a:ln>
@@ -35962,18 +35246,6 @@
                   </a:rPr>
                   <a:t>DP</a:t>
                 </a:r>
-                <a:endParaRPr kumimoji="0" lang="en-GB" sz="700" b="0" i="0" u="none" strike="noStrike" kern="0" cap="none" spc="0" normalizeH="0" baseline="0" noProof="0" dirty="0">
-                  <a:ln>
-                    <a:noFill/>
-                  </a:ln>
-                  <a:solidFill>
-                    <a:srgbClr val="000000"/>
-                  </a:solidFill>
-                  <a:effectLst/>
-                  <a:uLnTx/>
-                  <a:uFillTx/>
-                  <a:latin typeface="Vodafone Rg" pitchFamily="34" charset="0"/>
-                </a:endParaRPr>
               </a:p>
             </p:txBody>
           </p:sp>
@@ -36118,7 +35390,7 @@
                 <a:defRPr/>
               </a:pPr>
               <a:r>
-                <a:rPr kumimoji="0" lang="en-GB" sz="800" b="0" i="0" u="none" strike="noStrike" kern="0" cap="none" spc="0" normalizeH="0" baseline="0" noProof="0" dirty="0" smtClean="0">
+                <a:rPr kumimoji="0" lang="en-GB" sz="800" b="0" i="0" u="none" strike="noStrike" kern="0" cap="none" spc="0" normalizeH="0" baseline="0" noProof="0" dirty="0">
                   <a:ln>
                     <a:noFill/>
                   </a:ln>
@@ -36185,7 +35457,7 @@
                 <a:defRPr/>
               </a:pPr>
               <a:r>
-                <a:rPr kumimoji="0" lang="en-GB" sz="800" b="1" i="0" u="none" strike="noStrike" kern="0" cap="none" spc="0" normalizeH="0" baseline="0" noProof="0" dirty="0" smtClean="0">
+                <a:rPr kumimoji="0" lang="en-GB" sz="800" b="1" i="0" u="none" strike="noStrike" kern="0" cap="none" spc="0" normalizeH="0" baseline="0" noProof="0" dirty="0">
                   <a:ln>
                     <a:noFill/>
                   </a:ln>
@@ -36201,20 +35473,6 @@
                 </a:rPr>
                 <a:t>B</a:t>
               </a:r>
-              <a:endParaRPr kumimoji="0" lang="en-GB" sz="800" b="1" i="0" u="none" strike="noStrike" kern="0" cap="none" spc="0" normalizeH="0" baseline="0" noProof="0" dirty="0">
-                <a:ln>
-                  <a:noFill/>
-                </a:ln>
-                <a:solidFill>
-                  <a:srgbClr val="FFFFFF"/>
-                </a:solidFill>
-                <a:effectLst/>
-                <a:uLnTx/>
-                <a:uFillTx/>
-                <a:latin typeface="Vodafone Rg" pitchFamily="34" charset="0"/>
-                <a:ea typeface="+mn-ea"/>
-                <a:cs typeface="+mn-cs"/>
-              </a:endParaRPr>
             </a:p>
           </p:txBody>
         </p:sp>
@@ -36302,7 +35560,7 @@
                 <a:defRPr/>
               </a:pPr>
               <a:r>
-                <a:rPr kumimoji="0" lang="en-GB" sz="800" b="0" i="0" u="none" strike="noStrike" kern="0" cap="none" spc="0" normalizeH="0" baseline="0" noProof="0" dirty="0" smtClean="0">
+                <a:rPr kumimoji="0" lang="en-GB" sz="800" b="0" i="0" u="none" strike="noStrike" kern="0" cap="none" spc="0" normalizeH="0" baseline="0" noProof="0" dirty="0">
                   <a:ln>
                     <a:noFill/>
                   </a:ln>
@@ -36488,20 +35746,6 @@
                 </a:rPr>
                 <a:t>L</a:t>
               </a:r>
-              <a:endParaRPr kumimoji="0" lang="en-GB" sz="800" b="0" i="0" u="none" strike="noStrike" kern="0" cap="none" spc="0" normalizeH="0" baseline="0" noProof="0" dirty="0" smtClean="0">
-                <a:ln>
-                  <a:noFill/>
-                </a:ln>
-                <a:solidFill>
-                  <a:srgbClr val="000000"/>
-                </a:solidFill>
-                <a:effectLst/>
-                <a:uLnTx/>
-                <a:uFillTx/>
-                <a:latin typeface="Tahoma" panose="020B0604030504040204" pitchFamily="34" charset="0"/>
-                <a:ea typeface="Tahoma" panose="020B0604030504040204" pitchFamily="34" charset="0"/>
-                <a:cs typeface="Tahoma" panose="020B0604030504040204" pitchFamily="34" charset="0"/>
-              </a:endParaRPr>
             </a:p>
           </p:txBody>
         </p:sp>
@@ -36634,7 +35878,7 @@
               <a:defRPr/>
             </a:pPr>
             <a:r>
-              <a:rPr kumimoji="0" lang="en-GB" sz="1000" b="0" i="0" u="none" strike="noStrike" kern="0" cap="none" spc="0" normalizeH="0" baseline="0" noProof="0" dirty="0" smtClean="0">
+              <a:rPr kumimoji="0" lang="en-GB" sz="1000" b="0" i="0" u="none" strike="noStrike" kern="0" cap="none" spc="0" normalizeH="0" baseline="0" noProof="0" dirty="0">
                 <a:ln>
                   <a:noFill/>
                 </a:ln>
@@ -36714,7 +35958,7 @@
               <a:defRPr/>
             </a:pPr>
             <a:r>
-              <a:rPr kumimoji="0" lang="en-GB" sz="1000" b="0" i="0" u="none" strike="noStrike" kern="0" cap="none" spc="0" normalizeH="0" baseline="0" noProof="0" dirty="0" smtClean="0">
+              <a:rPr kumimoji="0" lang="en-GB" sz="1000" b="0" i="0" u="none" strike="noStrike" kern="0" cap="none" spc="0" normalizeH="0" baseline="0" noProof="0" dirty="0">
                 <a:ln>
                   <a:noFill/>
                 </a:ln>
@@ -36769,11 +36013,11 @@
           </a:lstStyle>
           <a:p>
             <a:r>
-              <a:rPr lang="en-GB" sz="2667" b="0" dirty="0" smtClean="0"/>
+              <a:rPr lang="en-GB" sz="2667" b="0" dirty="0"/>
               <a:t>CNTT</a:t>
             </a:r>
             <a:r>
-              <a:rPr lang="en-US" sz="2667" b="0" dirty="0" smtClean="0"/>
+              <a:rPr lang="en-US" sz="2667" b="0" dirty="0"/>
               <a:t> </a:t>
             </a:r>
             <a:r>
@@ -36784,25 +36028,8 @@
                   </a:schemeClr>
                 </a:solidFill>
               </a:rPr>
-              <a:t>| </a:t>
+              <a:t>| VNF Construct. </a:t>
             </a:r>
-            <a:r>
-              <a:rPr lang="en-GB" sz="2667" b="0" dirty="0" smtClean="0">
-                <a:solidFill>
-                  <a:schemeClr val="bg1">
-                    <a:lumMod val="50000"/>
-                  </a:schemeClr>
-                </a:solidFill>
-              </a:rPr>
-              <a:t>VNF Construct. </a:t>
-            </a:r>
-            <a:endParaRPr lang="en-GB" sz="2667" b="0" dirty="0">
-              <a:solidFill>
-                <a:schemeClr val="bg1">
-                  <a:lumMod val="50000"/>
-                </a:schemeClr>
-              </a:solidFill>
-            </a:endParaRPr>
           </a:p>
         </p:txBody>
       </p:sp>
@@ -37125,27 +36352,10 @@
                   <a:ea typeface="+mn-ea"/>
                   <a:cs typeface="+mn-cs"/>
                 </a:rPr>
-                <a:t>                        </a:t>
+                <a:t>                                  </a:t>
               </a:r>
               <a:r>
-                <a:rPr kumimoji="0" lang="en-GB" sz="788" b="0" i="0" u="none" strike="noStrike" kern="0" cap="none" spc="0" normalizeH="0" baseline="0" noProof="0" dirty="0" smtClean="0">
-                  <a:ln>
-                    <a:noFill/>
-                  </a:ln>
-                  <a:solidFill>
-                    <a:srgbClr val="FFFFFF"/>
-                  </a:solidFill>
-                  <a:effectLst/>
-                  <a:uLnTx/>
-                  <a:uFillTx/>
-                  <a:latin typeface="Vodafone Rg" pitchFamily="34" charset="0"/>
-                  <a:ea typeface="+mn-ea"/>
-                  <a:cs typeface="+mn-cs"/>
-                </a:rPr>
-                <a:t>          </a:t>
-              </a:r>
-              <a:r>
-                <a:rPr kumimoji="0" lang="en-GB" sz="788" b="0" i="0" u="none" strike="noStrike" kern="0" cap="none" spc="0" normalizeH="0" baseline="0" noProof="0" dirty="0" err="1" smtClean="0">
+                <a:rPr kumimoji="0" lang="en-GB" sz="788" b="0" i="0" u="none" strike="noStrike" kern="0" cap="none" spc="0" normalizeH="0" baseline="0" noProof="0" dirty="0" err="1">
                   <a:ln>
                     <a:noFill/>
                   </a:ln>
@@ -37162,23 +36372,6 @@
                 <a:t>ipsec</a:t>
               </a:r>
               <a:r>
-                <a:rPr kumimoji="0" lang="en-GB" sz="788" b="0" i="0" u="none" strike="noStrike" kern="0" cap="none" spc="0" normalizeH="0" baseline="0" noProof="0" dirty="0" smtClean="0">
-                  <a:ln>
-                    <a:noFill/>
-                  </a:ln>
-                  <a:solidFill>
-                    <a:srgbClr val="FFFFFF"/>
-                  </a:solidFill>
-                  <a:effectLst/>
-                  <a:uLnTx/>
-                  <a:uFillTx/>
-                  <a:latin typeface="Vodafone Rg" pitchFamily="34" charset="0"/>
-                  <a:ea typeface="+mn-ea"/>
-                  <a:cs typeface="+mn-cs"/>
-                </a:rPr>
-                <a:t> </a:t>
-              </a:r>
-              <a:r>
                 <a:rPr kumimoji="0" lang="en-GB" sz="788" b="0" i="0" u="none" strike="noStrike" kern="0" cap="none" spc="0" normalizeH="0" baseline="0" noProof="0" dirty="0">
                   <a:ln>
                     <a:noFill/>
@@ -37193,7 +36386,7 @@
                   <a:ea typeface="+mn-ea"/>
                   <a:cs typeface="+mn-cs"/>
                 </a:rPr>
-                <a:t>in-line</a:t>
+                <a:t> in-line</a:t>
               </a:r>
             </a:p>
           </p:txBody>
@@ -37372,41 +36565,7 @@
                   <a:ea typeface="+mn-ea"/>
                   <a:cs typeface="+mn-cs"/>
                 </a:rPr>
-                <a:t>                             </a:t>
-              </a:r>
-              <a:r>
-                <a:rPr kumimoji="0" lang="en-GB" sz="788" b="0" i="0" u="none" strike="noStrike" kern="0" cap="none" spc="0" normalizeH="0" baseline="0" noProof="0" dirty="0" smtClean="0">
-                  <a:ln>
-                    <a:noFill/>
-                  </a:ln>
-                  <a:solidFill>
-                    <a:srgbClr val="FFFFFF"/>
-                  </a:solidFill>
-                  <a:effectLst/>
-                  <a:uLnTx/>
-                  <a:uFillTx/>
-                  <a:latin typeface="Vodafone Rg" pitchFamily="34" charset="0"/>
-                  <a:ea typeface="+mn-ea"/>
-                  <a:cs typeface="+mn-cs"/>
-                </a:rPr>
-                <a:t>     transcoding </a:t>
-              </a:r>
-              <a:r>
-                <a:rPr kumimoji="0" lang="en-GB" sz="788" b="0" i="0" u="none" strike="noStrike" kern="0" cap="none" spc="0" normalizeH="0" baseline="0" noProof="0" dirty="0">
-                  <a:ln>
-                    <a:noFill/>
-                  </a:ln>
-                  <a:solidFill>
-                    <a:srgbClr val="FFFFFF"/>
-                  </a:solidFill>
-                  <a:effectLst/>
-                  <a:uLnTx/>
-                  <a:uFillTx/>
-                  <a:latin typeface="Vodafone Rg" pitchFamily="34" charset="0"/>
-                  <a:ea typeface="+mn-ea"/>
-                  <a:cs typeface="+mn-cs"/>
-                </a:rPr>
-                <a:t>look-aside</a:t>
+                <a:t>                                  transcoding look-aside</a:t>
               </a:r>
             </a:p>
           </p:txBody>
@@ -37503,38 +36662,14 @@
               <a:defRPr/>
             </a:pPr>
             <a:r>
-              <a:rPr lang="en-GB" sz="900" b="1" dirty="0" smtClean="0">
-                <a:solidFill>
-                  <a:srgbClr val="FFFFFF"/>
-                </a:solidFill>
-                <a:latin typeface="Vodafone Rg" pitchFamily="34" charset="0"/>
-              </a:rPr>
-              <a:t>Network Acceleration</a:t>
-            </a:r>
-            <a:r>
               <a:rPr lang="en-GB" sz="900" b="1" dirty="0">
                 <a:solidFill>
                   <a:srgbClr val="FFFFFF"/>
                 </a:solidFill>
                 <a:latin typeface="Vodafone Rg" pitchFamily="34" charset="0"/>
               </a:rPr>
-              <a:t> </a:t>
+              <a:t>Network Acceleration (A extension)</a:t>
             </a:r>
-            <a:r>
-              <a:rPr lang="en-GB" sz="900" b="1" dirty="0" smtClean="0">
-                <a:solidFill>
-                  <a:srgbClr val="FFFFFF"/>
-                </a:solidFill>
-                <a:latin typeface="Vodafone Rg" pitchFamily="34" charset="0"/>
-              </a:rPr>
-              <a:t>(A extension)</a:t>
-            </a:r>
-            <a:endParaRPr lang="en-GB" sz="900" b="1" dirty="0">
-              <a:solidFill>
-                <a:srgbClr val="FFFFFF"/>
-              </a:solidFill>
-              <a:latin typeface="Vodafone Rg" pitchFamily="34" charset="0"/>
-            </a:endParaRPr>
           </a:p>
         </p:txBody>
       </p:sp>
@@ -38867,7 +38002,7 @@
               <a:defRPr/>
             </a:pPr>
             <a:r>
-              <a:rPr lang="en-GB" sz="2400" b="1" dirty="0" smtClean="0">
+              <a:rPr lang="en-GB" sz="2400" b="1" dirty="0">
                 <a:solidFill>
                   <a:srgbClr val="000000"/>
                 </a:solidFill>
@@ -39699,23 +38834,6 @@
                 <a:defRPr/>
               </a:pPr>
               <a:r>
-                <a:rPr kumimoji="0" lang="en-GB" sz="800" b="1" i="0" u="none" strike="noStrike" kern="0" cap="none" spc="0" normalizeH="0" baseline="0" noProof="0" dirty="0" smtClean="0">
-                  <a:ln>
-                    <a:noFill/>
-                  </a:ln>
-                  <a:solidFill>
-                    <a:srgbClr val="000000"/>
-                  </a:solidFill>
-                  <a:effectLst/>
-                  <a:uLnTx/>
-                  <a:uFillTx/>
-                  <a:latin typeface="Vodafone Rg" pitchFamily="34" charset="0"/>
-                  <a:ea typeface="+mn-ea"/>
-                  <a:cs typeface="+mn-cs"/>
-                </a:rPr>
-                <a:t>16GB  </a:t>
-              </a:r>
-              <a:r>
                 <a:rPr kumimoji="0" lang="en-GB" sz="800" b="1" i="0" u="none" strike="noStrike" kern="0" cap="none" spc="0" normalizeH="0" baseline="0" noProof="0" dirty="0">
                   <a:ln>
                     <a:noFill/>
@@ -39730,7 +38848,7 @@
                   <a:ea typeface="+mn-ea"/>
                   <a:cs typeface="+mn-cs"/>
                 </a:rPr>
-                <a:t>RAM</a:t>
+                <a:t>16GB  RAM</a:t>
               </a:r>
             </a:p>
           </p:txBody>
@@ -39797,27 +38915,10 @@
                   <a:ea typeface="+mn-ea"/>
                   <a:cs typeface="+mn-cs"/>
                 </a:rPr>
-                <a:t>  </a:t>
+                <a:t>  .</a:t>
               </a:r>
               <a:r>
-                <a:rPr kumimoji="0" lang="en-GB" sz="1100" b="1" i="0" u="none" strike="noStrike" kern="0" cap="none" spc="0" normalizeH="0" baseline="0" noProof="0" dirty="0" smtClean="0">
-                  <a:ln>
-                    <a:noFill/>
-                  </a:ln>
-                  <a:solidFill>
-                    <a:srgbClr val="000000"/>
-                  </a:solidFill>
-                  <a:effectLst/>
-                  <a:uLnTx/>
-                  <a:uFillTx/>
-                  <a:latin typeface="Vodafone Rg" pitchFamily="34" charset="0"/>
-                  <a:ea typeface="+mn-ea"/>
-                  <a:cs typeface="+mn-cs"/>
-                </a:rPr>
-                <a:t>.</a:t>
-              </a:r>
-              <a:r>
-                <a:rPr kumimoji="0" lang="en-GB" sz="1100" b="1" i="0" u="none" strike="noStrike" kern="0" cap="none" spc="0" normalizeH="0" baseline="0" noProof="0" dirty="0" err="1" smtClean="0">
+                <a:rPr kumimoji="0" lang="en-GB" sz="1100" b="1" i="0" u="none" strike="noStrike" kern="0" cap="none" spc="0" normalizeH="0" baseline="0" noProof="0" dirty="0" err="1">
                   <a:ln>
                     <a:noFill/>
                   </a:ln>
@@ -39914,41 +39015,7 @@
                   <a:ea typeface="+mn-ea"/>
                   <a:cs typeface="+mn-cs"/>
                 </a:rPr>
-                <a:t>8</a:t>
-              </a:r>
-              <a:r>
-                <a:rPr kumimoji="0" lang="en-GB" sz="800" b="1" i="0" u="none" strike="noStrike" kern="0" cap="none" spc="0" normalizeH="0" baseline="0" noProof="0" dirty="0" smtClean="0">
-                  <a:ln>
-                    <a:noFill/>
-                  </a:ln>
-                  <a:solidFill>
-                    <a:srgbClr val="000000"/>
-                  </a:solidFill>
-                  <a:effectLst/>
-                  <a:uLnTx/>
-                  <a:uFillTx/>
-                  <a:latin typeface="Vodafone Rg" pitchFamily="34" charset="0"/>
-                  <a:ea typeface="+mn-ea"/>
-                  <a:cs typeface="+mn-cs"/>
-                </a:rPr>
-                <a:t>     </a:t>
-              </a:r>
-              <a:r>
-                <a:rPr kumimoji="0" lang="en-GB" sz="800" b="1" i="0" u="none" strike="noStrike" kern="0" cap="none" spc="0" normalizeH="0" baseline="0" noProof="0" dirty="0">
-                  <a:ln>
-                    <a:noFill/>
-                  </a:ln>
-                  <a:solidFill>
-                    <a:srgbClr val="000000"/>
-                  </a:solidFill>
-                  <a:effectLst/>
-                  <a:uLnTx/>
-                  <a:uFillTx/>
-                  <a:latin typeface="Vodafone Rg" pitchFamily="34" charset="0"/>
-                  <a:ea typeface="+mn-ea"/>
-                  <a:cs typeface="+mn-cs"/>
-                </a:rPr>
-                <a:t>vCPU</a:t>
+                <a:t>8     vCPU</a:t>
               </a:r>
             </a:p>
           </p:txBody>
@@ -40003,23 +39070,6 @@
                 <a:defRPr/>
               </a:pPr>
               <a:r>
-                <a:rPr kumimoji="0" lang="en-GB" sz="800" b="1" i="0" u="none" strike="noStrike" kern="0" cap="none" spc="0" normalizeH="0" baseline="0" noProof="0" dirty="0" smtClean="0">
-                  <a:ln>
-                    <a:noFill/>
-                  </a:ln>
-                  <a:solidFill>
-                    <a:srgbClr val="000000"/>
-                  </a:solidFill>
-                  <a:effectLst/>
-                  <a:uLnTx/>
-                  <a:uFillTx/>
-                  <a:latin typeface="Vodafone Rg" pitchFamily="34" charset="0"/>
-                  <a:ea typeface="+mn-ea"/>
-                  <a:cs typeface="+mn-cs"/>
-                </a:rPr>
-                <a:t>16GB </a:t>
-              </a:r>
-              <a:r>
                 <a:rPr kumimoji="0" lang="en-GB" sz="800" b="1" i="0" u="none" strike="noStrike" kern="0" cap="none" spc="0" normalizeH="0" baseline="0" noProof="0" dirty="0">
                   <a:ln>
                     <a:noFill/>
@@ -40034,7 +39084,7 @@
                   <a:ea typeface="+mn-ea"/>
                   <a:cs typeface="+mn-cs"/>
                 </a:rPr>
-                <a:t>RAM</a:t>
+                <a:t>16GB RAM</a:t>
               </a:r>
             </a:p>
           </p:txBody>
@@ -40101,39 +39151,8 @@
                   <a:ea typeface="+mn-ea"/>
                   <a:cs typeface="+mn-cs"/>
                 </a:rPr>
-                <a:t>  .</a:t>
+                <a:t>  .xlarge2</a:t>
               </a:r>
-              <a:r>
-                <a:rPr kumimoji="0" lang="en-GB" sz="1100" b="1" i="0" u="none" strike="noStrike" kern="0" cap="none" spc="0" normalizeH="0" baseline="0" noProof="0" dirty="0" smtClean="0">
-                  <a:ln>
-                    <a:noFill/>
-                  </a:ln>
-                  <a:solidFill>
-                    <a:srgbClr val="000000"/>
-                  </a:solidFill>
-                  <a:effectLst/>
-                  <a:uLnTx/>
-                  <a:uFillTx/>
-                  <a:latin typeface="Vodafone Rg" pitchFamily="34" charset="0"/>
-                  <a:ea typeface="+mn-ea"/>
-                  <a:cs typeface="+mn-cs"/>
-                </a:rPr>
-                <a:t>xlarge2</a:t>
-              </a:r>
-              <a:endParaRPr kumimoji="0" lang="en-GB" sz="1100" b="1" i="0" u="none" strike="noStrike" kern="0" cap="none" spc="0" normalizeH="0" baseline="0" noProof="0" dirty="0">
-                <a:ln>
-                  <a:noFill/>
-                </a:ln>
-                <a:solidFill>
-                  <a:srgbClr val="000000"/>
-                </a:solidFill>
-                <a:effectLst/>
-                <a:uLnTx/>
-                <a:uFillTx/>
-                <a:latin typeface="Vodafone Rg" pitchFamily="34" charset="0"/>
-                <a:ea typeface="+mn-ea"/>
-                <a:cs typeface="+mn-cs"/>
-              </a:endParaRPr>
             </a:p>
           </p:txBody>
         </p:sp>
@@ -40256,23 +39275,6 @@
                 <a:defRPr/>
               </a:pPr>
               <a:r>
-                <a:rPr kumimoji="0" lang="en-GB" sz="800" b="1" i="0" u="none" strike="noStrike" kern="0" cap="none" spc="0" normalizeH="0" baseline="0" noProof="0" dirty="0" smtClean="0">
-                  <a:ln>
-                    <a:noFill/>
-                  </a:ln>
-                  <a:solidFill>
-                    <a:srgbClr val="000000"/>
-                  </a:solidFill>
-                  <a:effectLst/>
-                  <a:uLnTx/>
-                  <a:uFillTx/>
-                  <a:latin typeface="Vodafone Rg" pitchFamily="34" charset="0"/>
-                  <a:ea typeface="+mn-ea"/>
-                  <a:cs typeface="+mn-cs"/>
-                </a:rPr>
-                <a:t>32GB </a:t>
-              </a:r>
-              <a:r>
                 <a:rPr kumimoji="0" lang="en-GB" sz="800" b="1" i="0" u="none" strike="noStrike" kern="0" cap="none" spc="0" normalizeH="0" baseline="0" noProof="0" dirty="0">
                   <a:ln>
                     <a:noFill/>
@@ -40287,7 +39289,7 @@
                   <a:ea typeface="+mn-ea"/>
                   <a:cs typeface="+mn-cs"/>
                 </a:rPr>
-                <a:t>RAM</a:t>
+                <a:t>32GB RAM</a:t>
               </a:r>
             </a:p>
           </p:txBody>
@@ -40559,39 +39561,8 @@
                   <a:ea typeface="+mn-ea"/>
                   <a:cs typeface="+mn-cs"/>
                 </a:rPr>
-                <a:t>  </a:t>
+                <a:t>  .xlarge3</a:t>
               </a:r>
-              <a:r>
-                <a:rPr kumimoji="0" lang="en-GB" sz="1100" b="1" i="0" u="none" strike="noStrike" kern="0" cap="none" spc="0" normalizeH="0" baseline="0" noProof="0" dirty="0" smtClean="0">
-                  <a:ln>
-                    <a:noFill/>
-                  </a:ln>
-                  <a:solidFill>
-                    <a:srgbClr val="000000"/>
-                  </a:solidFill>
-                  <a:effectLst/>
-                  <a:uLnTx/>
-                  <a:uFillTx/>
-                  <a:latin typeface="Vodafone Rg" pitchFamily="34" charset="0"/>
-                  <a:ea typeface="+mn-ea"/>
-                  <a:cs typeface="+mn-cs"/>
-                </a:rPr>
-                <a:t>.xlarge3</a:t>
-              </a:r>
-              <a:endParaRPr kumimoji="0" lang="en-GB" sz="1100" b="1" i="0" u="none" strike="noStrike" kern="0" cap="none" spc="0" normalizeH="0" baseline="0" noProof="0" dirty="0">
-                <a:ln>
-                  <a:noFill/>
-                </a:ln>
-                <a:solidFill>
-                  <a:srgbClr val="000000"/>
-                </a:solidFill>
-                <a:effectLst/>
-                <a:uLnTx/>
-                <a:uFillTx/>
-                <a:latin typeface="Vodafone Rg" pitchFamily="34" charset="0"/>
-                <a:ea typeface="+mn-ea"/>
-                <a:cs typeface="+mn-cs"/>
-              </a:endParaRPr>
             </a:p>
           </p:txBody>
         </p:sp>
@@ -40645,23 +39616,6 @@
                 <a:defRPr/>
               </a:pPr>
               <a:r>
-                <a:rPr kumimoji="0" lang="en-GB" sz="800" b="1" i="0" u="none" strike="noStrike" kern="0" cap="none" spc="0" normalizeH="0" baseline="0" noProof="0" dirty="0" smtClean="0">
-                  <a:ln>
-                    <a:noFill/>
-                  </a:ln>
-                  <a:solidFill>
-                    <a:srgbClr val="000000"/>
-                  </a:solidFill>
-                  <a:effectLst/>
-                  <a:uLnTx/>
-                  <a:uFillTx/>
-                  <a:latin typeface="Vodafone Rg" pitchFamily="34" charset="0"/>
-                  <a:ea typeface="+mn-ea"/>
-                  <a:cs typeface="+mn-cs"/>
-                </a:rPr>
-                <a:t>8     </a:t>
-              </a:r>
-              <a:r>
                 <a:rPr kumimoji="0" lang="en-GB" sz="800" b="1" i="0" u="none" strike="noStrike" kern="0" cap="none" spc="0" normalizeH="0" baseline="0" noProof="0" dirty="0">
                   <a:ln>
                     <a:noFill/>
@@ -40676,7 +39630,7 @@
                   <a:ea typeface="+mn-ea"/>
                   <a:cs typeface="+mn-cs"/>
                 </a:rPr>
-                <a:t>vCPU</a:t>
+                <a:t>8     vCPU</a:t>
               </a:r>
             </a:p>
           </p:txBody>
@@ -40731,23 +39685,6 @@
                 <a:defRPr/>
               </a:pPr>
               <a:r>
-                <a:rPr kumimoji="0" lang="en-GB" sz="800" b="1" i="0" u="none" strike="noStrike" kern="0" cap="none" spc="0" normalizeH="0" baseline="0" noProof="0" dirty="0" smtClean="0">
-                  <a:ln>
-                    <a:noFill/>
-                  </a:ln>
-                  <a:solidFill>
-                    <a:srgbClr val="000000"/>
-                  </a:solidFill>
-                  <a:effectLst/>
-                  <a:uLnTx/>
-                  <a:uFillTx/>
-                  <a:latin typeface="Vodafone Rg" pitchFamily="34" charset="0"/>
-                  <a:ea typeface="+mn-ea"/>
-                  <a:cs typeface="+mn-cs"/>
-                </a:rPr>
-                <a:t>64GB </a:t>
-              </a:r>
-              <a:r>
                 <a:rPr kumimoji="0" lang="en-GB" sz="800" b="1" i="0" u="none" strike="noStrike" kern="0" cap="none" spc="0" normalizeH="0" baseline="0" noProof="0" dirty="0">
                   <a:ln>
                     <a:noFill/>
@@ -40762,7 +39699,7 @@
                   <a:ea typeface="+mn-ea"/>
                   <a:cs typeface="+mn-cs"/>
                 </a:rPr>
-                <a:t>RAM</a:t>
+                <a:t>64GB RAM</a:t>
               </a:r>
             </a:p>
           </p:txBody>
@@ -40900,41 +39837,7 @@
                   <a:ea typeface="+mn-ea"/>
                   <a:cs typeface="+mn-cs"/>
                 </a:rPr>
-                <a:t>4</a:t>
-              </a:r>
-              <a:r>
-                <a:rPr kumimoji="0" lang="en-GB" sz="800" b="1" i="0" u="none" strike="noStrike" kern="0" cap="none" spc="0" normalizeH="0" baseline="0" noProof="0" dirty="0" smtClean="0">
-                  <a:ln>
-                    <a:noFill/>
-                  </a:ln>
-                  <a:solidFill>
-                    <a:srgbClr val="000000"/>
-                  </a:solidFill>
-                  <a:effectLst/>
-                  <a:uLnTx/>
-                  <a:uFillTx/>
-                  <a:latin typeface="Vodafone Rg" pitchFamily="34" charset="0"/>
-                  <a:ea typeface="+mn-ea"/>
-                  <a:cs typeface="+mn-cs"/>
-                </a:rPr>
-                <a:t>0 </a:t>
-              </a:r>
-              <a:r>
-                <a:rPr kumimoji="0" lang="en-GB" sz="800" b="1" i="0" u="none" strike="noStrike" kern="0" cap="none" spc="0" normalizeH="0" baseline="0" noProof="0" dirty="0">
-                  <a:ln>
-                    <a:noFill/>
-                  </a:ln>
-                  <a:solidFill>
-                    <a:srgbClr val="000000"/>
-                  </a:solidFill>
-                  <a:effectLst/>
-                  <a:uLnTx/>
-                  <a:uFillTx/>
-                  <a:latin typeface="Vodafone Rg" pitchFamily="34" charset="0"/>
-                  <a:ea typeface="+mn-ea"/>
-                  <a:cs typeface="+mn-cs"/>
-                </a:rPr>
-                <a:t>GB Disk</a:t>
+                <a:t>40 GB Disk</a:t>
               </a:r>
             </a:p>
           </p:txBody>
@@ -41196,23 +40099,6 @@
                 <a:defRPr/>
               </a:pPr>
               <a:r>
-                <a:rPr kumimoji="0" lang="en-GB" sz="800" b="1" i="0" u="none" strike="noStrike" kern="0" cap="none" spc="0" normalizeH="0" baseline="0" noProof="0" dirty="0" smtClean="0">
-                  <a:ln>
-                    <a:noFill/>
-                  </a:ln>
-                  <a:solidFill>
-                    <a:srgbClr val="000000"/>
-                  </a:solidFill>
-                  <a:effectLst/>
-                  <a:uLnTx/>
-                  <a:uFillTx/>
-                  <a:latin typeface="Vodafone Rg" pitchFamily="34" charset="0"/>
-                  <a:ea typeface="+mn-ea"/>
-                  <a:cs typeface="+mn-cs"/>
-                </a:rPr>
-                <a:t>160 </a:t>
-              </a:r>
-              <a:r>
                 <a:rPr kumimoji="0" lang="en-GB" sz="800" b="1" i="0" u="none" strike="noStrike" kern="0" cap="none" spc="0" normalizeH="0" baseline="0" noProof="0" dirty="0">
                   <a:ln>
                     <a:noFill/>
@@ -41227,7 +40113,7 @@
                   <a:ea typeface="+mn-ea"/>
                   <a:cs typeface="+mn-cs"/>
                 </a:rPr>
-                <a:t>GB Disk</a:t>
+                <a:t>160 GB Disk</a:t>
               </a:r>
             </a:p>
           </p:txBody>
@@ -41282,23 +40168,6 @@
                 <a:defRPr/>
               </a:pPr>
               <a:r>
-                <a:rPr kumimoji="0" lang="en-GB" sz="800" b="1" i="0" u="none" strike="noStrike" kern="0" cap="none" spc="0" normalizeH="0" baseline="0" noProof="0" dirty="0" smtClean="0">
-                  <a:ln>
-                    <a:noFill/>
-                  </a:ln>
-                  <a:solidFill>
-                    <a:srgbClr val="000000"/>
-                  </a:solidFill>
-                  <a:effectLst/>
-                  <a:uLnTx/>
-                  <a:uFillTx/>
-                  <a:latin typeface="Vodafone Rg" pitchFamily="34" charset="0"/>
-                  <a:ea typeface="+mn-ea"/>
-                  <a:cs typeface="+mn-cs"/>
-                </a:rPr>
-                <a:t>160 </a:t>
-              </a:r>
-              <a:r>
                 <a:rPr kumimoji="0" lang="en-GB" sz="800" b="1" i="0" u="none" strike="noStrike" kern="0" cap="none" spc="0" normalizeH="0" baseline="0" noProof="0" dirty="0">
                   <a:ln>
                     <a:noFill/>
@@ -41313,7 +40182,7 @@
                   <a:ea typeface="+mn-ea"/>
                   <a:cs typeface="+mn-cs"/>
                 </a:rPr>
-                <a:t>GB Disk</a:t>
+                <a:t>160 GB Disk</a:t>
               </a:r>
             </a:p>
           </p:txBody>
@@ -41368,23 +40237,6 @@
                 <a:defRPr/>
               </a:pPr>
               <a:r>
-                <a:rPr kumimoji="0" lang="en-GB" sz="800" b="1" i="0" u="none" strike="noStrike" kern="0" cap="none" spc="0" normalizeH="0" baseline="0" noProof="0" dirty="0" smtClean="0">
-                  <a:ln>
-                    <a:noFill/>
-                  </a:ln>
-                  <a:solidFill>
-                    <a:srgbClr val="000000"/>
-                  </a:solidFill>
-                  <a:effectLst/>
-                  <a:uLnTx/>
-                  <a:uFillTx/>
-                  <a:latin typeface="Vodafone Rg" pitchFamily="34" charset="0"/>
-                  <a:ea typeface="+mn-ea"/>
-                  <a:cs typeface="+mn-cs"/>
-                </a:rPr>
-                <a:t>160 </a:t>
-              </a:r>
-              <a:r>
                 <a:rPr kumimoji="0" lang="en-GB" sz="800" b="1" i="0" u="none" strike="noStrike" kern="0" cap="none" spc="0" normalizeH="0" baseline="0" noProof="0" dirty="0">
                   <a:ln>
                     <a:noFill/>
@@ -41399,7 +40251,7 @@
                   <a:ea typeface="+mn-ea"/>
                   <a:cs typeface="+mn-cs"/>
                 </a:rPr>
-                <a:t>GB Disk</a:t>
+                <a:t>160 GB Disk</a:t>
               </a:r>
             </a:p>
           </p:txBody>
@@ -42374,35 +41226,8 @@
                   <a:uFillTx/>
                   <a:latin typeface="Vodafone Rg" pitchFamily="34" charset="0"/>
                 </a:rPr>
-                <a:t>(I) Interfaces </a:t>
+                <a:t>(I) Interfaces Options</a:t>
               </a:r>
-              <a:r>
-                <a:rPr kumimoji="0" lang="en-GB" sz="1100" b="1" i="0" u="none" strike="noStrike" kern="0" cap="none" spc="0" normalizeH="0" baseline="0" noProof="0" dirty="0" smtClean="0">
-                  <a:ln>
-                    <a:noFill/>
-                  </a:ln>
-                  <a:solidFill>
-                    <a:srgbClr val="000000"/>
-                  </a:solidFill>
-                  <a:effectLst/>
-                  <a:uLnTx/>
-                  <a:uFillTx/>
-                  <a:latin typeface="Vodafone Rg" pitchFamily="34" charset="0"/>
-                </a:rPr>
-                <a:t>Options</a:t>
-              </a:r>
-              <a:endParaRPr kumimoji="0" lang="en-GB" sz="1100" b="1" i="0" u="none" strike="noStrike" kern="0" cap="none" spc="0" normalizeH="0" baseline="0" noProof="0" dirty="0">
-                <a:ln>
-                  <a:noFill/>
-                </a:ln>
-                <a:solidFill>
-                  <a:srgbClr val="000000"/>
-                </a:solidFill>
-                <a:effectLst/>
-                <a:uLnTx/>
-                <a:uFillTx/>
-                <a:latin typeface="Vodafone Rg" pitchFamily="34" charset="0"/>
-              </a:endParaRPr>
             </a:p>
           </p:txBody>
         </p:sp>
@@ -42834,7 +41659,7 @@
                       <a:t>  </a:t>
                     </a:r>
                     <a:r>
-                      <a:rPr kumimoji="0" lang="en-GB" sz="800" b="1" i="0" u="none" strike="noStrike" kern="0" cap="none" spc="0" normalizeH="0" baseline="0" noProof="0" dirty="0" smtClean="0">
+                      <a:rPr kumimoji="0" lang="en-GB" sz="800" b="1" i="0" u="none" strike="noStrike" kern="0" cap="none" spc="0" normalizeH="0" baseline="0" noProof="0" dirty="0">
                         <a:ln>
                           <a:noFill/>
                         </a:ln>
@@ -42850,20 +41675,6 @@
                       </a:rPr>
                       <a:t>10</a:t>
                     </a:r>
-                    <a:endParaRPr kumimoji="0" lang="en-GB" sz="800" b="1" i="0" u="none" strike="noStrike" kern="0" cap="none" spc="0" normalizeH="0" baseline="0" noProof="0" dirty="0">
-                      <a:ln>
-                        <a:noFill/>
-                      </a:ln>
-                      <a:solidFill>
-                        <a:srgbClr val="FFFFFF"/>
-                      </a:solidFill>
-                      <a:effectLst/>
-                      <a:uLnTx/>
-                      <a:uFillTx/>
-                      <a:latin typeface="Vodafone Rg" pitchFamily="34" charset="0"/>
-                      <a:ea typeface="+mn-ea"/>
-                      <a:cs typeface="+mn-cs"/>
-                    </a:endParaRPr>
                   </a:p>
                 </p:txBody>
               </p:sp>
@@ -43176,7 +41987,7 @@
                       <a:t>  </a:t>
                     </a:r>
                     <a:r>
-                      <a:rPr kumimoji="0" lang="en-GB" sz="800" b="1" i="0" u="none" strike="noStrike" kern="0" cap="none" spc="0" normalizeH="0" baseline="0" noProof="0" dirty="0" smtClean="0">
+                      <a:rPr kumimoji="0" lang="en-GB" sz="800" b="1" i="0" u="none" strike="noStrike" kern="0" cap="none" spc="0" normalizeH="0" baseline="0" noProof="0" dirty="0">
                         <a:ln>
                           <a:noFill/>
                         </a:ln>
@@ -43192,20 +42003,6 @@
                       </a:rPr>
                       <a:t>10D</a:t>
                     </a:r>
-                    <a:endParaRPr kumimoji="0" lang="en-GB" sz="800" b="1" i="0" u="none" strike="noStrike" kern="0" cap="none" spc="0" normalizeH="0" baseline="0" noProof="0" dirty="0">
-                      <a:ln>
-                        <a:noFill/>
-                      </a:ln>
-                      <a:solidFill>
-                        <a:srgbClr val="FFFFFF"/>
-                      </a:solidFill>
-                      <a:effectLst/>
-                      <a:uLnTx/>
-                      <a:uFillTx/>
-                      <a:latin typeface="Vodafone Rg" pitchFamily="34" charset="0"/>
-                      <a:ea typeface="+mn-ea"/>
-                      <a:cs typeface="+mn-cs"/>
-                    </a:endParaRPr>
                   </a:p>
                 </p:txBody>
               </p:sp>
@@ -43518,7 +42315,7 @@
                       <a:t>  </a:t>
                     </a:r>
                     <a:r>
-                      <a:rPr kumimoji="0" lang="en-GB" sz="800" b="1" i="0" u="none" strike="noStrike" kern="0" cap="none" spc="0" normalizeH="0" baseline="0" noProof="0" dirty="0" smtClean="0">
+                      <a:rPr kumimoji="0" lang="en-GB" sz="800" b="1" i="0" u="none" strike="noStrike" kern="0" cap="none" spc="0" normalizeH="0" baseline="0" noProof="0" dirty="0">
                         <a:ln>
                           <a:noFill/>
                         </a:ln>
@@ -43534,20 +42331,6 @@
                       </a:rPr>
                       <a:t>10T</a:t>
                     </a:r>
-                    <a:endParaRPr kumimoji="0" lang="en-GB" sz="800" b="1" i="0" u="none" strike="noStrike" kern="0" cap="none" spc="0" normalizeH="0" baseline="0" noProof="0" dirty="0">
-                      <a:ln>
-                        <a:noFill/>
-                      </a:ln>
-                      <a:solidFill>
-                        <a:srgbClr val="FFFFFF"/>
-                      </a:solidFill>
-                      <a:effectLst/>
-                      <a:uLnTx/>
-                      <a:uFillTx/>
-                      <a:latin typeface="Vodafone Rg" pitchFamily="34" charset="0"/>
-                      <a:ea typeface="+mn-ea"/>
-                      <a:cs typeface="+mn-cs"/>
-                    </a:endParaRPr>
                   </a:p>
                 </p:txBody>
               </p:sp>
@@ -43913,22 +42696,7 @@
                   <a:uFillTx/>
                   <a:latin typeface="Vodafone Rg" pitchFamily="34" charset="0"/>
                 </a:rPr>
-                <a:t> (I) Interfaces </a:t>
-              </a:r>
-              <a:r>
-                <a:rPr kumimoji="0" lang="en-GB" sz="1100" b="1" i="0" u="none" strike="noStrike" kern="0" cap="none" spc="0" normalizeH="0" baseline="0" noProof="0" dirty="0" smtClean="0">
-                  <a:ln>
-                    <a:noFill/>
-                  </a:ln>
-                  <a:solidFill>
-                    <a:srgbClr val="000000"/>
-                  </a:solidFill>
-                  <a:effectLst/>
-                  <a:uLnTx/>
-                  <a:uFillTx/>
-                  <a:latin typeface="Vodafone Rg" pitchFamily="34" charset="0"/>
-                </a:rPr>
-                <a:t>Options</a:t>
+                <a:t> (I) Interfaces Options</a:t>
               </a:r>
               <a:endParaRPr kumimoji="0" lang="en-GB" sz="1200" b="1" i="0" u="none" strike="noStrike" kern="0" cap="none" spc="0" normalizeH="0" baseline="0" noProof="0" dirty="0">
                 <a:ln>
@@ -44027,7 +42795,7 @@
                 <a:t>ext</a:t>
               </a:r>
               <a:r>
-                <a:rPr kumimoji="0" lang="en-GB" sz="1100" b="0" i="0" u="none" strike="noStrike" kern="0" cap="none" spc="0" normalizeH="0" baseline="0" noProof="0" dirty="0" smtClean="0">
+                <a:rPr kumimoji="0" lang="en-GB" sz="1100" b="0" i="0" u="none" strike="noStrike" kern="0" cap="none" spc="0" normalizeH="0" baseline="0" noProof="0" dirty="0">
                   <a:ln>
                     <a:noFill/>
                   </a:ln>
@@ -44044,7 +42812,7 @@
                 <a:t>&gt; . &lt;A </a:t>
               </a:r>
               <a:r>
-                <a:rPr kumimoji="0" lang="en-GB" sz="1100" b="0" i="0" u="none" strike="noStrike" kern="0" cap="none" spc="0" normalizeH="0" baseline="0" noProof="0" dirty="0" err="1" smtClean="0">
+                <a:rPr kumimoji="0" lang="en-GB" sz="1100" b="0" i="0" u="none" strike="noStrike" kern="0" cap="none" spc="0" normalizeH="0" baseline="0" noProof="0" dirty="0" err="1">
                   <a:ln>
                     <a:noFill/>
                   </a:ln>
@@ -44061,7 +42829,7 @@
                 <a:t>ext</a:t>
               </a:r>
               <a:r>
-                <a:rPr kumimoji="0" lang="en-GB" sz="1100" b="0" i="0" u="none" strike="noStrike" kern="0" cap="none" spc="0" normalizeH="0" baseline="0" noProof="0" dirty="0" smtClean="0">
+                <a:rPr kumimoji="0" lang="en-GB" sz="1100" b="0" i="0" u="none" strike="noStrike" kern="0" cap="none" spc="0" normalizeH="0" baseline="0" noProof="0" dirty="0">
                   <a:ln>
                     <a:noFill/>
                   </a:ln>
@@ -44077,20 +42845,6 @@
                 </a:rPr>
                 <a:t>&gt;</a:t>
               </a:r>
-              <a:endParaRPr kumimoji="0" lang="en-GB" sz="1100" b="0" i="0" u="none" strike="noStrike" kern="0" cap="none" spc="0" normalizeH="0" baseline="0" noProof="0" dirty="0">
-                <a:ln>
-                  <a:noFill/>
-                </a:ln>
-                <a:solidFill>
-                  <a:srgbClr val="FFFFFF"/>
-                </a:solidFill>
-                <a:effectLst/>
-                <a:uLnTx/>
-                <a:uFillTx/>
-                <a:latin typeface="Comic Sans MS" panose="030F0702030302020204" pitchFamily="66" charset="0"/>
-                <a:ea typeface="+mn-ea"/>
-                <a:cs typeface="+mn-cs"/>
-              </a:endParaRPr>
             </a:p>
           </p:txBody>
         </p:sp>
@@ -44257,7 +43011,7 @@
                       <a:t>  </a:t>
                     </a:r>
                     <a:r>
-                      <a:rPr kumimoji="0" lang="en-GB" sz="800" b="1" i="0" u="none" strike="noStrike" kern="0" cap="none" spc="0" normalizeH="0" baseline="0" noProof="0" dirty="0" smtClean="0">
+                      <a:rPr kumimoji="0" lang="en-GB" sz="800" b="1" i="0" u="none" strike="noStrike" kern="0" cap="none" spc="0" normalizeH="0" baseline="0" noProof="0" dirty="0">
                         <a:ln>
                           <a:noFill/>
                         </a:ln>
@@ -44273,20 +43027,6 @@
                       </a:rPr>
                       <a:t>25</a:t>
                     </a:r>
-                    <a:endParaRPr kumimoji="0" lang="en-GB" sz="800" b="1" i="0" u="none" strike="noStrike" kern="0" cap="none" spc="0" normalizeH="0" baseline="0" noProof="0" dirty="0">
-                      <a:ln>
-                        <a:noFill/>
-                      </a:ln>
-                      <a:solidFill>
-                        <a:srgbClr val="FFFFFF"/>
-                      </a:solidFill>
-                      <a:effectLst/>
-                      <a:uLnTx/>
-                      <a:uFillTx/>
-                      <a:latin typeface="Vodafone Rg" pitchFamily="34" charset="0"/>
-                      <a:ea typeface="+mn-ea"/>
-                      <a:cs typeface="+mn-cs"/>
-                    </a:endParaRPr>
                   </a:p>
                 </p:txBody>
               </p:sp>
@@ -44435,7 +43175,7 @@
                       <a:t>  </a:t>
                     </a:r>
                     <a:r>
-                      <a:rPr kumimoji="0" lang="en-GB" sz="800" b="1" i="0" u="none" strike="noStrike" kern="0" cap="none" spc="0" normalizeH="0" baseline="0" noProof="0" dirty="0" smtClean="0">
+                      <a:rPr kumimoji="0" lang="en-GB" sz="800" b="1" i="0" u="none" strike="noStrike" kern="0" cap="none" spc="0" normalizeH="0" baseline="0" noProof="0" dirty="0">
                         <a:ln>
                           <a:noFill/>
                         </a:ln>
@@ -44451,20 +43191,6 @@
                       </a:rPr>
                       <a:t>40D</a:t>
                     </a:r>
-                    <a:endParaRPr kumimoji="0" lang="en-GB" sz="800" b="1" i="0" u="none" strike="noStrike" kern="0" cap="none" spc="0" normalizeH="0" baseline="0" noProof="0" dirty="0">
-                      <a:ln>
-                        <a:noFill/>
-                      </a:ln>
-                      <a:solidFill>
-                        <a:srgbClr val="FFFFFF"/>
-                      </a:solidFill>
-                      <a:effectLst/>
-                      <a:uLnTx/>
-                      <a:uFillTx/>
-                      <a:latin typeface="Vodafone Rg" pitchFamily="34" charset="0"/>
-                      <a:ea typeface="+mn-ea"/>
-                      <a:cs typeface="+mn-cs"/>
-                    </a:endParaRPr>
                   </a:p>
                 </p:txBody>
               </p:sp>
@@ -44514,23 +43240,6 @@
                       <a:defRPr/>
                     </a:pPr>
                     <a:r>
-                      <a:rPr kumimoji="0" lang="en-GB" sz="600" b="1" i="0" u="none" strike="noStrike" kern="0" cap="none" spc="0" normalizeH="0" baseline="0" noProof="0" dirty="0" smtClean="0">
-                        <a:ln>
-                          <a:noFill/>
-                        </a:ln>
-                        <a:solidFill>
-                          <a:srgbClr val="FFFFFF"/>
-                        </a:solidFill>
-                        <a:effectLst/>
-                        <a:uLnTx/>
-                        <a:uFillTx/>
-                        <a:latin typeface="Vodafone Rg" pitchFamily="34" charset="0"/>
-                        <a:ea typeface="+mn-ea"/>
-                        <a:cs typeface="+mn-cs"/>
-                      </a:rPr>
-                      <a:t>2x </a:t>
-                    </a:r>
-                    <a:r>
                       <a:rPr kumimoji="0" lang="en-GB" sz="600" b="1" i="0" u="none" strike="noStrike" kern="0" cap="none" spc="0" normalizeH="0" baseline="0" noProof="0" dirty="0">
                         <a:ln>
                           <a:noFill/>
@@ -44545,39 +43254,8 @@
                         <a:ea typeface="+mn-ea"/>
                         <a:cs typeface="+mn-cs"/>
                       </a:rPr>
-                      <a:t>4</a:t>
+                      <a:t>2x 40Gbps </a:t>
                     </a:r>
-                    <a:r>
-                      <a:rPr kumimoji="0" lang="en-GB" sz="600" b="1" i="0" u="none" strike="noStrike" kern="0" cap="none" spc="0" normalizeH="0" baseline="0" noProof="0" dirty="0" smtClean="0">
-                        <a:ln>
-                          <a:noFill/>
-                        </a:ln>
-                        <a:solidFill>
-                          <a:srgbClr val="FFFFFF"/>
-                        </a:solidFill>
-                        <a:effectLst/>
-                        <a:uLnTx/>
-                        <a:uFillTx/>
-                        <a:latin typeface="Vodafone Rg" pitchFamily="34" charset="0"/>
-                        <a:ea typeface="+mn-ea"/>
-                        <a:cs typeface="+mn-cs"/>
-                      </a:rPr>
-                      <a:t>0Gbps </a:t>
-                    </a:r>
-                    <a:endParaRPr kumimoji="0" lang="en-GB" sz="600" b="1" i="0" u="none" strike="noStrike" kern="0" cap="none" spc="0" normalizeH="0" baseline="0" noProof="0" dirty="0">
-                      <a:ln>
-                        <a:noFill/>
-                      </a:ln>
-                      <a:solidFill>
-                        <a:srgbClr val="FFFFFF"/>
-                      </a:solidFill>
-                      <a:effectLst/>
-                      <a:uLnTx/>
-                      <a:uFillTx/>
-                      <a:latin typeface="Vodafone Rg" pitchFamily="34" charset="0"/>
-                      <a:ea typeface="+mn-ea"/>
-                      <a:cs typeface="+mn-cs"/>
-                    </a:endParaRPr>
                   </a:p>
                 </p:txBody>
               </p:sp>
@@ -44661,7 +43339,7 @@
                       <a:t>  </a:t>
                     </a:r>
                     <a:r>
-                      <a:rPr kumimoji="0" lang="en-GB" sz="800" b="1" i="0" u="none" strike="noStrike" kern="0" cap="none" spc="0" normalizeH="0" baseline="0" noProof="0" dirty="0" smtClean="0">
+                      <a:rPr kumimoji="0" lang="en-GB" sz="800" b="1" i="0" u="none" strike="noStrike" kern="0" cap="none" spc="0" normalizeH="0" baseline="0" noProof="0" dirty="0">
                         <a:ln>
                           <a:noFill/>
                         </a:ln>
@@ -44677,20 +43355,6 @@
                       </a:rPr>
                       <a:t>25D</a:t>
                     </a:r>
-                    <a:endParaRPr kumimoji="0" lang="en-GB" sz="800" b="1" i="0" u="none" strike="noStrike" kern="0" cap="none" spc="0" normalizeH="0" baseline="0" noProof="0" dirty="0">
-                      <a:ln>
-                        <a:noFill/>
-                      </a:ln>
-                      <a:solidFill>
-                        <a:srgbClr val="FFFFFF"/>
-                      </a:solidFill>
-                      <a:effectLst/>
-                      <a:uLnTx/>
-                      <a:uFillTx/>
-                      <a:latin typeface="Vodafone Rg" pitchFamily="34" charset="0"/>
-                      <a:ea typeface="+mn-ea"/>
-                      <a:cs typeface="+mn-cs"/>
-                    </a:endParaRPr>
                   </a:p>
                 </p:txBody>
               </p:sp>
@@ -44839,7 +43503,7 @@
                       <a:t>  </a:t>
                     </a:r>
                     <a:r>
-                      <a:rPr kumimoji="0" lang="en-GB" sz="800" b="1" i="0" u="none" strike="noStrike" kern="0" cap="none" spc="0" normalizeH="0" baseline="0" noProof="0" dirty="0" smtClean="0">
+                      <a:rPr kumimoji="0" lang="en-GB" sz="800" b="1" i="0" u="none" strike="noStrike" kern="0" cap="none" spc="0" normalizeH="0" baseline="0" noProof="0" dirty="0">
                         <a:ln>
                           <a:noFill/>
                         </a:ln>
@@ -44855,20 +43519,6 @@
                       </a:rPr>
                       <a:t>100</a:t>
                     </a:r>
-                    <a:endParaRPr kumimoji="0" lang="en-GB" sz="800" b="1" i="0" u="none" strike="noStrike" kern="0" cap="none" spc="0" normalizeH="0" baseline="0" noProof="0" dirty="0">
-                      <a:ln>
-                        <a:noFill/>
-                      </a:ln>
-                      <a:solidFill>
-                        <a:srgbClr val="FFFFFF"/>
-                      </a:solidFill>
-                      <a:effectLst/>
-                      <a:uLnTx/>
-                      <a:uFillTx/>
-                      <a:latin typeface="Vodafone Rg" pitchFamily="34" charset="0"/>
-                      <a:ea typeface="+mn-ea"/>
-                      <a:cs typeface="+mn-cs"/>
-                    </a:endParaRPr>
                   </a:p>
                 </p:txBody>
               </p:sp>
@@ -44932,39 +43582,8 @@
                         <a:ea typeface="+mn-ea"/>
                         <a:cs typeface="+mn-cs"/>
                       </a:rPr>
-                      <a:t>1</a:t>
+                      <a:t>1x 100Gbps </a:t>
                     </a:r>
-                    <a:r>
-                      <a:rPr kumimoji="0" lang="en-GB" sz="600" b="1" i="0" u="none" strike="noStrike" kern="0" cap="none" spc="0" normalizeH="0" baseline="0" noProof="0" dirty="0" smtClean="0">
-                        <a:ln>
-                          <a:noFill/>
-                        </a:ln>
-                        <a:solidFill>
-                          <a:srgbClr val="FFFFFF"/>
-                        </a:solidFill>
-                        <a:effectLst/>
-                        <a:uLnTx/>
-                        <a:uFillTx/>
-                        <a:latin typeface="Vodafone Rg" pitchFamily="34" charset="0"/>
-                        <a:ea typeface="+mn-ea"/>
-                        <a:cs typeface="+mn-cs"/>
-                      </a:rPr>
-                      <a:t>x 100Gbps </a:t>
-                    </a:r>
-                    <a:endParaRPr kumimoji="0" lang="en-GB" sz="600" b="1" i="0" u="none" strike="noStrike" kern="0" cap="none" spc="0" normalizeH="0" baseline="0" noProof="0" dirty="0">
-                      <a:ln>
-                        <a:noFill/>
-                      </a:ln>
-                      <a:solidFill>
-                        <a:srgbClr val="FFFFFF"/>
-                      </a:solidFill>
-                      <a:effectLst/>
-                      <a:uLnTx/>
-                      <a:uFillTx/>
-                      <a:latin typeface="Vodafone Rg" pitchFamily="34" charset="0"/>
-                      <a:ea typeface="+mn-ea"/>
-                      <a:cs typeface="+mn-cs"/>
-                    </a:endParaRPr>
                   </a:p>
                 </p:txBody>
               </p:sp>
@@ -45048,7 +43667,7 @@
                       <a:t>  </a:t>
                     </a:r>
                     <a:r>
-                      <a:rPr kumimoji="0" lang="en-GB" sz="800" b="1" i="0" u="none" strike="noStrike" kern="0" cap="none" spc="0" normalizeH="0" baseline="0" noProof="0" dirty="0" smtClean="0">
+                      <a:rPr kumimoji="0" lang="en-GB" sz="800" b="1" i="0" u="none" strike="noStrike" kern="0" cap="none" spc="0" normalizeH="0" baseline="0" noProof="0" dirty="0">
                         <a:ln>
                           <a:noFill/>
                         </a:ln>
@@ -45064,20 +43683,6 @@
                       </a:rPr>
                       <a:t>40</a:t>
                     </a:r>
-                    <a:endParaRPr kumimoji="0" lang="en-GB" sz="800" b="1" i="0" u="none" strike="noStrike" kern="0" cap="none" spc="0" normalizeH="0" baseline="0" noProof="0" dirty="0">
-                      <a:ln>
-                        <a:noFill/>
-                      </a:ln>
-                      <a:solidFill>
-                        <a:srgbClr val="FFFFFF"/>
-                      </a:solidFill>
-                      <a:effectLst/>
-                      <a:uLnTx/>
-                      <a:uFillTx/>
-                      <a:latin typeface="Vodafone Rg" pitchFamily="34" charset="0"/>
-                      <a:ea typeface="+mn-ea"/>
-                      <a:cs typeface="+mn-cs"/>
-                    </a:endParaRPr>
                   </a:p>
                 </p:txBody>
               </p:sp>
@@ -45127,7 +43732,7 @@
                       <a:defRPr/>
                     </a:pPr>
                     <a:r>
-                      <a:rPr kumimoji="0" lang="en-GB" sz="600" b="1" i="0" u="none" strike="noStrike" kern="0" cap="none" spc="0" normalizeH="0" baseline="0" noProof="0" dirty="0" smtClean="0">
+                      <a:rPr kumimoji="0" lang="en-GB" sz="600" b="1" i="0" u="none" strike="noStrike" kern="0" cap="none" spc="0" normalizeH="0" baseline="0" noProof="0" dirty="0">
                         <a:ln>
                           <a:noFill/>
                         </a:ln>
@@ -45143,20 +43748,6 @@
                       </a:rPr>
                       <a:t>1x 40Gbps </a:t>
                     </a:r>
-                    <a:endParaRPr kumimoji="0" lang="en-GB" sz="600" b="1" i="0" u="none" strike="noStrike" kern="0" cap="none" spc="0" normalizeH="0" baseline="0" noProof="0" dirty="0">
-                      <a:ln>
-                        <a:noFill/>
-                      </a:ln>
-                      <a:solidFill>
-                        <a:srgbClr val="FFFFFF"/>
-                      </a:solidFill>
-                      <a:effectLst/>
-                      <a:uLnTx/>
-                      <a:uFillTx/>
-                      <a:latin typeface="Vodafone Rg" pitchFamily="34" charset="0"/>
-                      <a:ea typeface="+mn-ea"/>
-                      <a:cs typeface="+mn-cs"/>
-                    </a:endParaRPr>
                   </a:p>
                 </p:txBody>
               </p:sp>
@@ -45240,7 +43831,7 @@
                       <a:t>  </a:t>
                     </a:r>
                     <a:r>
-                      <a:rPr kumimoji="0" lang="en-GB" sz="800" b="1" i="0" u="none" strike="noStrike" kern="0" cap="none" spc="0" normalizeH="0" baseline="0" noProof="0" dirty="0" smtClean="0">
+                      <a:rPr kumimoji="0" lang="en-GB" sz="800" b="1" i="0" u="none" strike="noStrike" kern="0" cap="none" spc="0" normalizeH="0" baseline="0" noProof="0" dirty="0">
                         <a:ln>
                           <a:noFill/>
                         </a:ln>
@@ -45256,20 +43847,6 @@
                       </a:rPr>
                       <a:t>100D</a:t>
                     </a:r>
-                    <a:endParaRPr kumimoji="0" lang="en-GB" sz="800" b="1" i="0" u="none" strike="noStrike" kern="0" cap="none" spc="0" normalizeH="0" baseline="0" noProof="0" dirty="0">
-                      <a:ln>
-                        <a:noFill/>
-                      </a:ln>
-                      <a:solidFill>
-                        <a:srgbClr val="FFFFFF"/>
-                      </a:solidFill>
-                      <a:effectLst/>
-                      <a:uLnTx/>
-                      <a:uFillTx/>
-                      <a:latin typeface="Vodafone Rg" pitchFamily="34" charset="0"/>
-                      <a:ea typeface="+mn-ea"/>
-                      <a:cs typeface="+mn-cs"/>
-                    </a:endParaRPr>
                   </a:p>
                 </p:txBody>
               </p:sp>
@@ -45333,39 +43910,8 @@
                         <a:ea typeface="+mn-ea"/>
                         <a:cs typeface="+mn-cs"/>
                       </a:rPr>
-                      <a:t>2</a:t>
+                      <a:t>2x 100Gbps </a:t>
                     </a:r>
-                    <a:r>
-                      <a:rPr kumimoji="0" lang="en-GB" sz="600" b="1" i="0" u="none" strike="noStrike" kern="0" cap="none" spc="0" normalizeH="0" baseline="0" noProof="0" dirty="0" smtClean="0">
-                        <a:ln>
-                          <a:noFill/>
-                        </a:ln>
-                        <a:solidFill>
-                          <a:srgbClr val="FFFFFF"/>
-                        </a:solidFill>
-                        <a:effectLst/>
-                        <a:uLnTx/>
-                        <a:uFillTx/>
-                        <a:latin typeface="Vodafone Rg" pitchFamily="34" charset="0"/>
-                        <a:ea typeface="+mn-ea"/>
-                        <a:cs typeface="+mn-cs"/>
-                      </a:rPr>
-                      <a:t>x 100Gbps </a:t>
-                    </a:r>
-                    <a:endParaRPr kumimoji="0" lang="en-GB" sz="600" b="1" i="0" u="none" strike="noStrike" kern="0" cap="none" spc="0" normalizeH="0" baseline="0" noProof="0" dirty="0">
-                      <a:ln>
-                        <a:noFill/>
-                      </a:ln>
-                      <a:solidFill>
-                        <a:srgbClr val="FFFFFF"/>
-                      </a:solidFill>
-                      <a:effectLst/>
-                      <a:uLnTx/>
-                      <a:uFillTx/>
-                      <a:latin typeface="Vodafone Rg" pitchFamily="34" charset="0"/>
-                      <a:ea typeface="+mn-ea"/>
-                      <a:cs typeface="+mn-cs"/>
-                    </a:endParaRPr>
                   </a:p>
                 </p:txBody>
               </p:sp>
@@ -45582,7 +44128,7 @@
                 <a:t>H Instance </a:t>
               </a:r>
               <a:r>
-                <a:rPr kumimoji="0" lang="en-US" sz="1050" b="1" i="0" u="none" strike="noStrike" kern="0" cap="none" spc="0" normalizeH="0" baseline="0" noProof="0" dirty="0" smtClean="0">
+                <a:rPr kumimoji="0" lang="en-US" sz="1050" b="1" i="0" u="none" strike="noStrike" kern="0" cap="none" spc="0" normalizeH="0" baseline="0" noProof="0" dirty="0">
                   <a:ln>
                     <a:noFill/>
                   </a:ln>
@@ -45666,35 +44212,8 @@
                   <a:uFillTx/>
                   <a:latin typeface="Vodafone Rg" pitchFamily="34" charset="0"/>
                 </a:rPr>
-                <a:t>(I) Interfaces </a:t>
+                <a:t>(I) Interfaces Options</a:t>
               </a:r>
-              <a:r>
-                <a:rPr kumimoji="0" lang="en-GB" sz="1100" b="1" i="0" u="none" strike="noStrike" kern="0" cap="none" spc="0" normalizeH="0" baseline="0" noProof="0" dirty="0" smtClean="0">
-                  <a:ln>
-                    <a:noFill/>
-                  </a:ln>
-                  <a:solidFill>
-                    <a:srgbClr val="000000"/>
-                  </a:solidFill>
-                  <a:effectLst/>
-                  <a:uLnTx/>
-                  <a:uFillTx/>
-                  <a:latin typeface="Vodafone Rg" pitchFamily="34" charset="0"/>
-                </a:rPr>
-                <a:t>Options</a:t>
-              </a:r>
-              <a:endParaRPr kumimoji="0" lang="en-GB" sz="1100" b="1" i="0" u="none" strike="noStrike" kern="0" cap="none" spc="0" normalizeH="0" baseline="0" noProof="0" dirty="0">
-                <a:ln>
-                  <a:noFill/>
-                </a:ln>
-                <a:solidFill>
-                  <a:srgbClr val="000000"/>
-                </a:solidFill>
-                <a:effectLst/>
-                <a:uLnTx/>
-                <a:uFillTx/>
-                <a:latin typeface="Vodafone Rg" pitchFamily="34" charset="0"/>
-              </a:endParaRPr>
             </a:p>
           </p:txBody>
         </p:sp>
@@ -45996,7 +44515,7 @@
                       <a:t>  </a:t>
                     </a:r>
                     <a:r>
-                      <a:rPr kumimoji="0" lang="en-GB" sz="800" b="1" i="0" u="none" strike="noStrike" kern="0" cap="none" spc="0" normalizeH="0" baseline="0" noProof="0" dirty="0" smtClean="0">
+                      <a:rPr kumimoji="0" lang="en-GB" sz="800" b="1" i="0" u="none" strike="noStrike" kern="0" cap="none" spc="0" normalizeH="0" baseline="0" noProof="0" dirty="0">
                         <a:ln>
                           <a:noFill/>
                         </a:ln>
@@ -46012,20 +44531,6 @@
                       </a:rPr>
                       <a:t>25</a:t>
                     </a:r>
-                    <a:endParaRPr kumimoji="0" lang="en-GB" sz="800" b="1" i="0" u="none" strike="noStrike" kern="0" cap="none" spc="0" normalizeH="0" baseline="0" noProof="0" dirty="0">
-                      <a:ln>
-                        <a:noFill/>
-                      </a:ln>
-                      <a:solidFill>
-                        <a:srgbClr val="FFFFFF"/>
-                      </a:solidFill>
-                      <a:effectLst/>
-                      <a:uLnTx/>
-                      <a:uFillTx/>
-                      <a:latin typeface="Vodafone Rg" pitchFamily="34" charset="0"/>
-                      <a:ea typeface="+mn-ea"/>
-                      <a:cs typeface="+mn-cs"/>
-                    </a:endParaRPr>
                   </a:p>
                 </p:txBody>
               </p:sp>
@@ -46089,39 +44594,8 @@
                         <a:ea typeface="+mn-ea"/>
                         <a:cs typeface="+mn-cs"/>
                       </a:rPr>
-                      <a:t>1x </a:t>
+                      <a:t>1x 25Gbps </a:t>
                     </a:r>
-                    <a:r>
-                      <a:rPr kumimoji="0" lang="en-GB" sz="600" b="1" i="0" u="none" strike="noStrike" kern="0" cap="none" spc="0" normalizeH="0" baseline="0" noProof="0" dirty="0" smtClean="0">
-                        <a:ln>
-                          <a:noFill/>
-                        </a:ln>
-                        <a:solidFill>
-                          <a:srgbClr val="FFFFFF"/>
-                        </a:solidFill>
-                        <a:effectLst/>
-                        <a:uLnTx/>
-                        <a:uFillTx/>
-                        <a:latin typeface="Vodafone Rg" pitchFamily="34" charset="0"/>
-                        <a:ea typeface="+mn-ea"/>
-                        <a:cs typeface="+mn-cs"/>
-                      </a:rPr>
-                      <a:t>25Gbps </a:t>
-                    </a:r>
-                    <a:endParaRPr kumimoji="0" lang="en-GB" sz="600" b="1" i="0" u="none" strike="noStrike" kern="0" cap="none" spc="0" normalizeH="0" baseline="0" noProof="0" dirty="0">
-                      <a:ln>
-                        <a:noFill/>
-                      </a:ln>
-                      <a:solidFill>
-                        <a:srgbClr val="FFFFFF"/>
-                      </a:solidFill>
-                      <a:effectLst/>
-                      <a:uLnTx/>
-                      <a:uFillTx/>
-                      <a:latin typeface="Vodafone Rg" pitchFamily="34" charset="0"/>
-                      <a:ea typeface="+mn-ea"/>
-                      <a:cs typeface="+mn-cs"/>
-                    </a:endParaRPr>
                   </a:p>
                 </p:txBody>
               </p:sp>
@@ -46205,7 +44679,7 @@
                       <a:t>  </a:t>
                     </a:r>
                     <a:r>
-                      <a:rPr kumimoji="0" lang="en-GB" sz="800" b="1" i="0" u="none" strike="noStrike" kern="0" cap="none" spc="0" normalizeH="0" baseline="0" noProof="0" dirty="0" smtClean="0">
+                      <a:rPr kumimoji="0" lang="en-GB" sz="800" b="1" i="0" u="none" strike="noStrike" kern="0" cap="none" spc="0" normalizeH="0" baseline="0" noProof="0" dirty="0">
                         <a:ln>
                           <a:noFill/>
                         </a:ln>
@@ -46221,20 +44695,6 @@
                       </a:rPr>
                       <a:t>40D</a:t>
                     </a:r>
-                    <a:endParaRPr kumimoji="0" lang="en-GB" sz="800" b="1" i="0" u="none" strike="noStrike" kern="0" cap="none" spc="0" normalizeH="0" baseline="0" noProof="0" dirty="0">
-                      <a:ln>
-                        <a:noFill/>
-                      </a:ln>
-                      <a:solidFill>
-                        <a:srgbClr val="FFFFFF"/>
-                      </a:solidFill>
-                      <a:effectLst/>
-                      <a:uLnTx/>
-                      <a:uFillTx/>
-                      <a:latin typeface="Vodafone Rg" pitchFamily="34" charset="0"/>
-                      <a:ea typeface="+mn-ea"/>
-                      <a:cs typeface="+mn-cs"/>
-                    </a:endParaRPr>
                   </a:p>
                 </p:txBody>
               </p:sp>
@@ -46284,7 +44744,7 @@
                       <a:defRPr/>
                     </a:pPr>
                     <a:r>
-                      <a:rPr kumimoji="0" lang="en-GB" sz="600" b="1" i="0" u="none" strike="noStrike" kern="0" cap="none" spc="0" normalizeH="0" baseline="0" noProof="0" dirty="0" smtClean="0">
+                      <a:rPr kumimoji="0" lang="en-GB" sz="600" b="1" i="0" u="none" strike="noStrike" kern="0" cap="none" spc="0" normalizeH="0" baseline="0" noProof="0" dirty="0">
                         <a:ln>
                           <a:noFill/>
                         </a:ln>
@@ -46300,20 +44760,6 @@
                       </a:rPr>
                       <a:t>2x 40Gbps </a:t>
                     </a:r>
-                    <a:endParaRPr kumimoji="0" lang="en-GB" sz="600" b="1" i="0" u="none" strike="noStrike" kern="0" cap="none" spc="0" normalizeH="0" baseline="0" noProof="0" dirty="0">
-                      <a:ln>
-                        <a:noFill/>
-                      </a:ln>
-                      <a:solidFill>
-                        <a:srgbClr val="FFFFFF"/>
-                      </a:solidFill>
-                      <a:effectLst/>
-                      <a:uLnTx/>
-                      <a:uFillTx/>
-                      <a:latin typeface="Vodafone Rg" pitchFamily="34" charset="0"/>
-                      <a:ea typeface="+mn-ea"/>
-                      <a:cs typeface="+mn-cs"/>
-                    </a:endParaRPr>
                   </a:p>
                 </p:txBody>
               </p:sp>
@@ -46397,7 +44843,7 @@
                       <a:t>  </a:t>
                     </a:r>
                     <a:r>
-                      <a:rPr kumimoji="0" lang="en-GB" sz="800" b="1" i="0" u="none" strike="noStrike" kern="0" cap="none" spc="0" normalizeH="0" baseline="0" noProof="0" dirty="0" smtClean="0">
+                      <a:rPr kumimoji="0" lang="en-GB" sz="800" b="1" i="0" u="none" strike="noStrike" kern="0" cap="none" spc="0" normalizeH="0" baseline="0" noProof="0" dirty="0">
                         <a:ln>
                           <a:noFill/>
                         </a:ln>
@@ -46413,20 +44859,6 @@
                       </a:rPr>
                       <a:t>25D</a:t>
                     </a:r>
-                    <a:endParaRPr kumimoji="0" lang="en-GB" sz="800" b="1" i="0" u="none" strike="noStrike" kern="0" cap="none" spc="0" normalizeH="0" baseline="0" noProof="0" dirty="0">
-                      <a:ln>
-                        <a:noFill/>
-                      </a:ln>
-                      <a:solidFill>
-                        <a:srgbClr val="FFFFFF"/>
-                      </a:solidFill>
-                      <a:effectLst/>
-                      <a:uLnTx/>
-                      <a:uFillTx/>
-                      <a:latin typeface="Vodafone Rg" pitchFamily="34" charset="0"/>
-                      <a:ea typeface="+mn-ea"/>
-                      <a:cs typeface="+mn-cs"/>
-                    </a:endParaRPr>
                   </a:p>
                 </p:txBody>
               </p:sp>
@@ -46589,39 +45021,8 @@
                         <a:ea typeface="+mn-ea"/>
                         <a:cs typeface="+mn-cs"/>
                       </a:rPr>
-                      <a:t>5</a:t>
+                      <a:t>50</a:t>
                     </a:r>
-                    <a:r>
-                      <a:rPr kumimoji="0" lang="en-GB" sz="800" b="1" i="0" u="none" strike="noStrike" kern="0" cap="none" spc="0" normalizeH="0" baseline="0" noProof="0" dirty="0" smtClean="0">
-                        <a:ln>
-                          <a:noFill/>
-                        </a:ln>
-                        <a:solidFill>
-                          <a:srgbClr val="FFFFFF"/>
-                        </a:solidFill>
-                        <a:effectLst/>
-                        <a:uLnTx/>
-                        <a:uFillTx/>
-                        <a:latin typeface="Vodafone Rg" pitchFamily="34" charset="0"/>
-                        <a:ea typeface="+mn-ea"/>
-                        <a:cs typeface="+mn-cs"/>
-                      </a:rPr>
-                      <a:t>0</a:t>
-                    </a:r>
-                    <a:endParaRPr kumimoji="0" lang="en-GB" sz="800" b="1" i="0" u="none" strike="noStrike" kern="0" cap="none" spc="0" normalizeH="0" baseline="0" noProof="0" dirty="0">
-                      <a:ln>
-                        <a:noFill/>
-                      </a:ln>
-                      <a:solidFill>
-                        <a:srgbClr val="FFFFFF"/>
-                      </a:solidFill>
-                      <a:effectLst/>
-                      <a:uLnTx/>
-                      <a:uFillTx/>
-                      <a:latin typeface="Vodafone Rg" pitchFamily="34" charset="0"/>
-                      <a:ea typeface="+mn-ea"/>
-                      <a:cs typeface="+mn-cs"/>
-                    </a:endParaRPr>
                   </a:p>
                 </p:txBody>
               </p:sp>
@@ -46685,39 +45086,8 @@
                         <a:ea typeface="+mn-ea"/>
                         <a:cs typeface="+mn-cs"/>
                       </a:rPr>
-                      <a:t>1</a:t>
+                      <a:t>1x 50Gbps </a:t>
                     </a:r>
-                    <a:r>
-                      <a:rPr kumimoji="0" lang="en-GB" sz="600" b="1" i="0" u="none" strike="noStrike" kern="0" cap="none" spc="0" normalizeH="0" baseline="0" noProof="0" dirty="0" smtClean="0">
-                        <a:ln>
-                          <a:noFill/>
-                        </a:ln>
-                        <a:solidFill>
-                          <a:srgbClr val="FFFFFF"/>
-                        </a:solidFill>
-                        <a:effectLst/>
-                        <a:uLnTx/>
-                        <a:uFillTx/>
-                        <a:latin typeface="Vodafone Rg" pitchFamily="34" charset="0"/>
-                        <a:ea typeface="+mn-ea"/>
-                        <a:cs typeface="+mn-cs"/>
-                      </a:rPr>
-                      <a:t>x 50Gbps </a:t>
-                    </a:r>
-                    <a:endParaRPr kumimoji="0" lang="en-GB" sz="600" b="1" i="0" u="none" strike="noStrike" kern="0" cap="none" spc="0" normalizeH="0" baseline="0" noProof="0" dirty="0">
-                      <a:ln>
-                        <a:noFill/>
-                      </a:ln>
-                      <a:solidFill>
-                        <a:srgbClr val="FFFFFF"/>
-                      </a:solidFill>
-                      <a:effectLst/>
-                      <a:uLnTx/>
-                      <a:uFillTx/>
-                      <a:latin typeface="Vodafone Rg" pitchFamily="34" charset="0"/>
-                      <a:ea typeface="+mn-ea"/>
-                      <a:cs typeface="+mn-cs"/>
-                    </a:endParaRPr>
                   </a:p>
                 </p:txBody>
               </p:sp>
@@ -46801,7 +45171,7 @@
                       <a:t>  </a:t>
                     </a:r>
                     <a:r>
-                      <a:rPr kumimoji="0" lang="en-GB" sz="800" b="1" i="0" u="none" strike="noStrike" kern="0" cap="none" spc="0" normalizeH="0" baseline="0" noProof="0" dirty="0" smtClean="0">
+                      <a:rPr kumimoji="0" lang="en-GB" sz="800" b="1" i="0" u="none" strike="noStrike" kern="0" cap="none" spc="0" normalizeH="0" baseline="0" noProof="0" dirty="0">
                         <a:ln>
                           <a:noFill/>
                         </a:ln>
@@ -46817,20 +45187,6 @@
                       </a:rPr>
                       <a:t>40</a:t>
                     </a:r>
-                    <a:endParaRPr kumimoji="0" lang="en-GB" sz="800" b="1" i="0" u="none" strike="noStrike" kern="0" cap="none" spc="0" normalizeH="0" baseline="0" noProof="0" dirty="0">
-                      <a:ln>
-                        <a:noFill/>
-                      </a:ln>
-                      <a:solidFill>
-                        <a:srgbClr val="FFFFFF"/>
-                      </a:solidFill>
-                      <a:effectLst/>
-                      <a:uLnTx/>
-                      <a:uFillTx/>
-                      <a:latin typeface="Vodafone Rg" pitchFamily="34" charset="0"/>
-                      <a:ea typeface="+mn-ea"/>
-                      <a:cs typeface="+mn-cs"/>
-                    </a:endParaRPr>
                   </a:p>
                 </p:txBody>
               </p:sp>
@@ -46894,73 +45250,8 @@
                         <a:ea typeface="+mn-ea"/>
                         <a:cs typeface="+mn-cs"/>
                       </a:rPr>
-                      <a:t>1</a:t>
+                      <a:t>1x 40Gbps </a:t>
                     </a:r>
-                    <a:r>
-                      <a:rPr kumimoji="0" lang="en-GB" sz="600" b="1" i="0" u="none" strike="noStrike" kern="0" cap="none" spc="0" normalizeH="0" baseline="0" noProof="0" dirty="0" smtClean="0">
-                        <a:ln>
-                          <a:noFill/>
-                        </a:ln>
-                        <a:solidFill>
-                          <a:srgbClr val="FFFFFF"/>
-                        </a:solidFill>
-                        <a:effectLst/>
-                        <a:uLnTx/>
-                        <a:uFillTx/>
-                        <a:latin typeface="Vodafone Rg" pitchFamily="34" charset="0"/>
-                        <a:ea typeface="+mn-ea"/>
-                        <a:cs typeface="+mn-cs"/>
-                      </a:rPr>
-                      <a:t>x </a:t>
-                    </a:r>
-                    <a:r>
-                      <a:rPr kumimoji="0" lang="en-GB" sz="600" b="1" i="0" u="none" strike="noStrike" kern="0" cap="none" spc="0" normalizeH="0" baseline="0" noProof="0" dirty="0">
-                        <a:ln>
-                          <a:noFill/>
-                        </a:ln>
-                        <a:solidFill>
-                          <a:srgbClr val="FFFFFF"/>
-                        </a:solidFill>
-                        <a:effectLst/>
-                        <a:uLnTx/>
-                        <a:uFillTx/>
-                        <a:latin typeface="Vodafone Rg" pitchFamily="34" charset="0"/>
-                        <a:ea typeface="+mn-ea"/>
-                        <a:cs typeface="+mn-cs"/>
-                      </a:rPr>
-                      <a:t>4</a:t>
-                    </a:r>
-                    <a:r>
-                      <a:rPr kumimoji="0" lang="en-GB" sz="600" b="1" i="0" u="none" strike="noStrike" kern="0" cap="none" spc="0" normalizeH="0" baseline="0" noProof="0" dirty="0" smtClean="0">
-                        <a:ln>
-                          <a:noFill/>
-                        </a:ln>
-                        <a:solidFill>
-                          <a:srgbClr val="FFFFFF"/>
-                        </a:solidFill>
-                        <a:effectLst/>
-                        <a:uLnTx/>
-                        <a:uFillTx/>
-                        <a:latin typeface="Vodafone Rg" pitchFamily="34" charset="0"/>
-                        <a:ea typeface="+mn-ea"/>
-                        <a:cs typeface="+mn-cs"/>
-                      </a:rPr>
-                      <a:t>0Gbps </a:t>
-                    </a:r>
-                    <a:endParaRPr kumimoji="0" lang="en-GB" sz="600" b="1" i="0" u="none" strike="noStrike" kern="0" cap="none" spc="0" normalizeH="0" baseline="0" noProof="0" dirty="0">
-                      <a:ln>
-                        <a:noFill/>
-                      </a:ln>
-                      <a:solidFill>
-                        <a:srgbClr val="FFFFFF"/>
-                      </a:solidFill>
-                      <a:effectLst/>
-                      <a:uLnTx/>
-                      <a:uFillTx/>
-                      <a:latin typeface="Vodafone Rg" pitchFamily="34" charset="0"/>
-                      <a:ea typeface="+mn-ea"/>
-                      <a:cs typeface="+mn-cs"/>
-                    </a:endParaRPr>
                   </a:p>
                 </p:txBody>
               </p:sp>
@@ -47041,39 +45332,8 @@
                         <a:ea typeface="+mn-ea"/>
                         <a:cs typeface="+mn-cs"/>
                       </a:rPr>
-                      <a:t>  </a:t>
+                      <a:t>  50D</a:t>
                     </a:r>
-                    <a:r>
-                      <a:rPr kumimoji="0" lang="en-GB" sz="800" b="1" i="0" u="none" strike="noStrike" kern="0" cap="none" spc="0" normalizeH="0" baseline="0" noProof="0" dirty="0" smtClean="0">
-                        <a:ln>
-                          <a:noFill/>
-                        </a:ln>
-                        <a:solidFill>
-                          <a:srgbClr val="FFFFFF"/>
-                        </a:solidFill>
-                        <a:effectLst/>
-                        <a:uLnTx/>
-                        <a:uFillTx/>
-                        <a:latin typeface="Vodafone Rg" pitchFamily="34" charset="0"/>
-                        <a:ea typeface="+mn-ea"/>
-                        <a:cs typeface="+mn-cs"/>
-                      </a:rPr>
-                      <a:t>50D</a:t>
-                    </a:r>
-                    <a:endParaRPr kumimoji="0" lang="en-GB" sz="800" b="1" i="0" u="none" strike="noStrike" kern="0" cap="none" spc="0" normalizeH="0" baseline="0" noProof="0" dirty="0">
-                      <a:ln>
-                        <a:noFill/>
-                      </a:ln>
-                      <a:solidFill>
-                        <a:srgbClr val="FFFFFF"/>
-                      </a:solidFill>
-                      <a:effectLst/>
-                      <a:uLnTx/>
-                      <a:uFillTx/>
-                      <a:latin typeface="Vodafone Rg" pitchFamily="34" charset="0"/>
-                      <a:ea typeface="+mn-ea"/>
-                      <a:cs typeface="+mn-cs"/>
-                    </a:endParaRPr>
                   </a:p>
                 </p:txBody>
               </p:sp>
@@ -47137,39 +45397,8 @@
                         <a:ea typeface="+mn-ea"/>
                         <a:cs typeface="+mn-cs"/>
                       </a:rPr>
-                      <a:t>2</a:t>
+                      <a:t>2x 50Gbps </a:t>
                     </a:r>
-                    <a:r>
-                      <a:rPr kumimoji="0" lang="en-GB" sz="600" b="1" i="0" u="none" strike="noStrike" kern="0" cap="none" spc="0" normalizeH="0" baseline="0" noProof="0" dirty="0" smtClean="0">
-                        <a:ln>
-                          <a:noFill/>
-                        </a:ln>
-                        <a:solidFill>
-                          <a:srgbClr val="FFFFFF"/>
-                        </a:solidFill>
-                        <a:effectLst/>
-                        <a:uLnTx/>
-                        <a:uFillTx/>
-                        <a:latin typeface="Vodafone Rg" pitchFamily="34" charset="0"/>
-                        <a:ea typeface="+mn-ea"/>
-                        <a:cs typeface="+mn-cs"/>
-                      </a:rPr>
-                      <a:t>x 50Gbps </a:t>
-                    </a:r>
-                    <a:endParaRPr kumimoji="0" lang="en-GB" sz="600" b="1" i="0" u="none" strike="noStrike" kern="0" cap="none" spc="0" normalizeH="0" baseline="0" noProof="0" dirty="0">
-                      <a:ln>
-                        <a:noFill/>
-                      </a:ln>
-                      <a:solidFill>
-                        <a:srgbClr val="FFFFFF"/>
-                      </a:solidFill>
-                      <a:effectLst/>
-                      <a:uLnTx/>
-                      <a:uFillTx/>
-                      <a:latin typeface="Vodafone Rg" pitchFamily="34" charset="0"/>
-                      <a:ea typeface="+mn-ea"/>
-                      <a:cs typeface="+mn-cs"/>
-                    </a:endParaRPr>
                   </a:p>
                 </p:txBody>
               </p:sp>
@@ -47380,41 +45609,7 @@
                   <a:ea typeface="+mn-ea"/>
                   <a:cs typeface="+mn-cs"/>
                 </a:rPr>
-                <a:t>                                  </a:t>
-              </a:r>
-              <a:r>
-                <a:rPr kumimoji="0" lang="en-GB" sz="788" b="0" i="0" u="none" strike="noStrike" kern="0" cap="none" spc="0" normalizeH="0" baseline="0" noProof="0" dirty="0" smtClean="0">
-                  <a:ln>
-                    <a:noFill/>
-                  </a:ln>
-                  <a:solidFill>
-                    <a:srgbClr val="FFFFFF"/>
-                  </a:solidFill>
-                  <a:effectLst/>
-                  <a:uLnTx/>
-                  <a:uFillTx/>
-                  <a:latin typeface="Vodafone Rg" pitchFamily="34" charset="0"/>
-                  <a:ea typeface="+mn-ea"/>
-                  <a:cs typeface="+mn-cs"/>
-                </a:rPr>
-                <a:t>Programmable </a:t>
-              </a:r>
-              <a:r>
-                <a:rPr kumimoji="0" lang="en-GB" sz="788" b="0" i="0" u="none" strike="noStrike" kern="0" cap="none" spc="0" normalizeH="0" baseline="0" noProof="0" dirty="0">
-                  <a:ln>
-                    <a:noFill/>
-                  </a:ln>
-                  <a:solidFill>
-                    <a:srgbClr val="FFFFFF"/>
-                  </a:solidFill>
-                  <a:effectLst/>
-                  <a:uLnTx/>
-                  <a:uFillTx/>
-                  <a:latin typeface="Vodafone Rg" pitchFamily="34" charset="0"/>
-                  <a:ea typeface="+mn-ea"/>
-                  <a:cs typeface="+mn-cs"/>
-                </a:rPr>
-                <a:t>look-aside</a:t>
+                <a:t>                                  Programmable look-aside</a:t>
               </a:r>
             </a:p>
           </p:txBody>
@@ -47480,27 +45675,10 @@
                   <a:ea typeface="+mn-ea"/>
                   <a:cs typeface="+mn-cs"/>
                 </a:rPr>
-                <a:t> .</a:t>
+                <a:t> .la-</a:t>
               </a:r>
               <a:r>
-                <a:rPr kumimoji="0" lang="en-GB" sz="900" b="1" i="0" u="none" strike="noStrike" kern="0" cap="none" spc="0" normalizeH="0" baseline="0" noProof="0" dirty="0" smtClean="0">
-                  <a:ln>
-                    <a:noFill/>
-                  </a:ln>
-                  <a:solidFill>
-                    <a:srgbClr val="FFFFFF"/>
-                  </a:solidFill>
-                  <a:effectLst/>
-                  <a:uLnTx/>
-                  <a:uFillTx/>
-                  <a:latin typeface="Vodafone Rg" pitchFamily="34" charset="0"/>
-                  <a:ea typeface="+mn-ea"/>
-                  <a:cs typeface="+mn-cs"/>
-                </a:rPr>
-                <a:t>la-</a:t>
-              </a:r>
-              <a:r>
-                <a:rPr kumimoji="0" lang="en-GB" sz="900" b="1" i="0" u="none" strike="noStrike" kern="0" cap="none" spc="0" normalizeH="0" baseline="0" noProof="0" dirty="0" err="1" smtClean="0">
+                <a:rPr kumimoji="0" lang="en-GB" sz="900" b="1" i="0" u="none" strike="noStrike" kern="0" cap="none" spc="0" normalizeH="0" baseline="0" noProof="0" dirty="0" err="1">
                   <a:ln>
                     <a:noFill/>
                   </a:ln>
@@ -47559,7 +45737,7 @@
               <a:defRPr/>
             </a:pPr>
             <a:r>
-              <a:rPr lang="en-GB" sz="900" b="1" dirty="0" smtClean="0">
+              <a:rPr lang="en-GB" sz="900" b="1" dirty="0">
                 <a:solidFill>
                   <a:srgbClr val="FFFFFF"/>
                 </a:solidFill>
@@ -47567,12 +45745,6 @@
               </a:rPr>
               <a:t>Compute Acceleration (A extension)</a:t>
             </a:r>
-            <a:endParaRPr lang="en-GB" sz="900" b="1" dirty="0">
-              <a:solidFill>
-                <a:srgbClr val="FFFFFF"/>
-              </a:solidFill>
-              <a:latin typeface="Vodafone Rg" pitchFamily="34" charset="0"/>
-            </a:endParaRPr>
           </a:p>
         </p:txBody>
       </p:sp>
@@ -47612,11 +45784,11 @@
           </a:lstStyle>
           <a:p>
             <a:r>
-              <a:rPr lang="en-GB" sz="2667" b="0" dirty="0" smtClean="0"/>
+              <a:rPr lang="en-GB" sz="2667" b="0" dirty="0"/>
               <a:t>CNTT</a:t>
             </a:r>
             <a:r>
-              <a:rPr lang="en-US" sz="2667" b="0" dirty="0" smtClean="0"/>
+              <a:rPr lang="en-US" sz="2667" b="0" dirty="0"/>
               <a:t> </a:t>
             </a:r>
             <a:r>
@@ -47627,25 +45799,8 @@
                   </a:schemeClr>
                 </a:solidFill>
               </a:rPr>
-              <a:t>| </a:t>
+              <a:t>| Catalogue. </a:t>
             </a:r>
-            <a:r>
-              <a:rPr lang="en-GB" sz="2667" b="0" dirty="0" smtClean="0">
-                <a:solidFill>
-                  <a:schemeClr val="bg1">
-                    <a:lumMod val="50000"/>
-                  </a:schemeClr>
-                </a:solidFill>
-              </a:rPr>
-              <a:t>Catalogue. </a:t>
-            </a:r>
-            <a:endParaRPr lang="en-GB" sz="2667" b="0" dirty="0">
-              <a:solidFill>
-                <a:schemeClr val="bg1">
-                  <a:lumMod val="50000"/>
-                </a:schemeClr>
-              </a:solidFill>
-            </a:endParaRPr>
           </a:p>
         </p:txBody>
       </p:sp>
@@ -47726,7 +45881,7 @@
               <a:tabLst/>
               <a:defRPr/>
             </a:pPr>
-            <a:endParaRPr kumimoji="0" lang="en-GB" sz="1000" b="0" i="0" u="none" strike="noStrike" kern="0" cap="none" spc="0" normalizeH="0" baseline="0" noProof="0" dirty="0" smtClean="0">
+            <a:endParaRPr kumimoji="0" lang="en-GB" sz="1000" b="0" i="0" u="none" strike="noStrike" kern="0" cap="none" spc="0" normalizeH="0" baseline="0" noProof="0" dirty="0">
               <a:ln>
                 <a:noFill/>
               </a:ln>
@@ -47790,7 +45945,7 @@
               <a:tabLst/>
               <a:defRPr/>
             </a:pPr>
-            <a:endParaRPr kumimoji="0" lang="en-GB" sz="1000" b="0" i="0" u="none" strike="noStrike" kern="0" cap="none" spc="0" normalizeH="0" baseline="0" noProof="0" dirty="0" smtClean="0">
+            <a:endParaRPr kumimoji="0" lang="en-GB" sz="1000" b="0" i="0" u="none" strike="noStrike" kern="0" cap="none" spc="0" normalizeH="0" baseline="0" noProof="0" dirty="0">
               <a:ln>
                 <a:noFill/>
               </a:ln>
@@ -47854,7 +46009,7 @@
               <a:tabLst/>
               <a:defRPr/>
             </a:pPr>
-            <a:endParaRPr kumimoji="0" lang="en-GB" sz="1000" b="0" i="0" u="none" strike="noStrike" kern="0" cap="none" spc="0" normalizeH="0" baseline="0" noProof="0" dirty="0" smtClean="0">
+            <a:endParaRPr kumimoji="0" lang="en-GB" sz="1000" b="0" i="0" u="none" strike="noStrike" kern="0" cap="none" spc="0" normalizeH="0" baseline="0" noProof="0" dirty="0">
               <a:ln>
                 <a:noFill/>
               </a:ln>
@@ -47918,7 +46073,7 @@
               <a:tabLst/>
               <a:defRPr/>
             </a:pPr>
-            <a:endParaRPr kumimoji="0" lang="en-GB" sz="1000" b="0" i="0" u="none" strike="noStrike" kern="0" cap="none" spc="0" normalizeH="0" baseline="0" noProof="0" dirty="0" smtClean="0">
+            <a:endParaRPr kumimoji="0" lang="en-GB" sz="1000" b="0" i="0" u="none" strike="noStrike" kern="0" cap="none" spc="0" normalizeH="0" baseline="0" noProof="0" dirty="0">
               <a:ln>
                 <a:noFill/>
               </a:ln>
@@ -47981,7 +46136,7 @@
               <a:defRPr/>
             </a:pPr>
             <a:r>
-              <a:rPr kumimoji="0" lang="en-GB" sz="1000" b="0" i="0" u="none" strike="noStrike" kern="0" cap="none" spc="0" normalizeH="0" baseline="0" noProof="0" dirty="0" smtClean="0">
+              <a:rPr kumimoji="0" lang="en-GB" sz="1000" b="0" i="0" u="none" strike="noStrike" kern="0" cap="none" spc="0" normalizeH="0" baseline="0" noProof="0" dirty="0">
                 <a:ln>
                   <a:noFill/>
                 </a:ln>
@@ -48046,7 +46201,7 @@
               <a:defRPr/>
             </a:pPr>
             <a:r>
-              <a:rPr kumimoji="0" lang="en-GB" sz="1400" b="0" i="0" u="none" strike="noStrike" kern="0" cap="none" spc="0" normalizeH="0" baseline="0" noProof="0" dirty="0" smtClean="0">
+              <a:rPr kumimoji="0" lang="en-GB" sz="1400" b="0" i="0" u="none" strike="noStrike" kern="0" cap="none" spc="0" normalizeH="0" baseline="0" noProof="0" dirty="0">
                 <a:ln>
                   <a:noFill/>
                 </a:ln>
@@ -48492,7 +46647,7 @@
               <a:defRPr/>
             </a:pPr>
             <a:r>
-              <a:rPr kumimoji="0" lang="en-GB" sz="600" b="0" i="0" u="none" strike="noStrike" kern="0" cap="none" spc="0" normalizeH="0" baseline="0" noProof="0" dirty="0" err="1" smtClean="0">
+              <a:rPr kumimoji="0" lang="en-GB" sz="600" b="0" i="0" u="none" strike="noStrike" kern="0" cap="none" spc="0" normalizeH="0" baseline="0" noProof="0" dirty="0" err="1">
                 <a:ln>
                   <a:noFill/>
                 </a:ln>
@@ -48508,7 +46663,7 @@
               </a:rPr>
               <a:t>vPort</a:t>
             </a:r>
-            <a:endParaRPr kumimoji="0" lang="en-GB" sz="600" b="0" i="0" u="none" strike="noStrike" kern="0" cap="none" spc="0" normalizeH="0" baseline="0" noProof="0" dirty="0" smtClean="0">
+            <a:endParaRPr kumimoji="0" lang="en-GB" sz="600" b="0" i="0" u="none" strike="noStrike" kern="0" cap="none" spc="0" normalizeH="0" baseline="0" noProof="0" dirty="0">
               <a:ln>
                 <a:noFill/>
               </a:ln>
@@ -48580,7 +46735,7 @@
               <a:buNone/>
             </a:pPr>
             <a:r>
-              <a:rPr lang="en-GB" dirty="0" smtClean="0">
+              <a:rPr lang="en-GB" dirty="0">
                 <a:solidFill>
                   <a:srgbClr val="000000"/>
                 </a:solidFill>
@@ -48642,7 +46797,7 @@
               <a:defRPr/>
             </a:pPr>
             <a:r>
-              <a:rPr kumimoji="0" lang="en-GB" sz="600" b="0" i="0" u="none" strike="noStrike" kern="0" cap="none" spc="0" normalizeH="0" baseline="0" noProof="0" dirty="0" err="1" smtClean="0">
+              <a:rPr kumimoji="0" lang="en-GB" sz="600" b="0" i="0" u="none" strike="noStrike" kern="0" cap="none" spc="0" normalizeH="0" baseline="0" noProof="0" dirty="0" err="1">
                 <a:ln>
                   <a:noFill/>
                 </a:ln>
@@ -48658,7 +46813,7 @@
               </a:rPr>
               <a:t>vPort</a:t>
             </a:r>
-            <a:endParaRPr kumimoji="0" lang="en-GB" sz="600" b="0" i="0" u="none" strike="noStrike" kern="0" cap="none" spc="0" normalizeH="0" baseline="0" noProof="0" dirty="0" smtClean="0">
+            <a:endParaRPr kumimoji="0" lang="en-GB" sz="600" b="0" i="0" u="none" strike="noStrike" kern="0" cap="none" spc="0" normalizeH="0" baseline="0" noProof="0" dirty="0">
               <a:ln>
                 <a:noFill/>
               </a:ln>
@@ -48857,7 +47012,7 @@
               <a:defRPr/>
             </a:pPr>
             <a:r>
-              <a:rPr kumimoji="0" lang="en-GB" sz="600" b="0" i="0" u="none" strike="noStrike" kern="0" cap="none" spc="0" normalizeH="0" baseline="0" noProof="0" dirty="0" err="1" smtClean="0">
+              <a:rPr kumimoji="0" lang="en-GB" sz="600" b="0" i="0" u="none" strike="noStrike" kern="0" cap="none" spc="0" normalizeH="0" baseline="0" noProof="0" dirty="0" err="1">
                 <a:ln>
                   <a:noFill/>
                 </a:ln>
@@ -48873,7 +47028,7 @@
               </a:rPr>
               <a:t>vPort</a:t>
             </a:r>
-            <a:endParaRPr kumimoji="0" lang="en-GB" sz="600" b="0" i="0" u="none" strike="noStrike" kern="0" cap="none" spc="0" normalizeH="0" baseline="0" noProof="0" dirty="0" smtClean="0">
+            <a:endParaRPr kumimoji="0" lang="en-GB" sz="600" b="0" i="0" u="none" strike="noStrike" kern="0" cap="none" spc="0" normalizeH="0" baseline="0" noProof="0" dirty="0">
               <a:ln>
                 <a:noFill/>
               </a:ln>
@@ -48945,7 +47100,7 @@
               <a:buNone/>
             </a:pPr>
             <a:r>
-              <a:rPr lang="en-GB" dirty="0" smtClean="0">
+              <a:rPr lang="en-GB" dirty="0">
                 <a:solidFill>
                   <a:srgbClr val="000000"/>
                 </a:solidFill>
@@ -49007,7 +47162,7 @@
               <a:defRPr/>
             </a:pPr>
             <a:r>
-              <a:rPr kumimoji="0" lang="en-GB" sz="600" b="0" i="0" u="none" strike="noStrike" kern="0" cap="none" spc="0" normalizeH="0" baseline="0" noProof="0" dirty="0" err="1" smtClean="0">
+              <a:rPr kumimoji="0" lang="en-GB" sz="600" b="0" i="0" u="none" strike="noStrike" kern="0" cap="none" spc="0" normalizeH="0" baseline="0" noProof="0" dirty="0" err="1">
                 <a:ln>
                   <a:noFill/>
                 </a:ln>
@@ -49023,7 +47178,7 @@
               </a:rPr>
               <a:t>vPort</a:t>
             </a:r>
-            <a:endParaRPr kumimoji="0" lang="en-GB" sz="600" b="0" i="0" u="none" strike="noStrike" kern="0" cap="none" spc="0" normalizeH="0" baseline="0" noProof="0" dirty="0" smtClean="0">
+            <a:endParaRPr kumimoji="0" lang="en-GB" sz="600" b="0" i="0" u="none" strike="noStrike" kern="0" cap="none" spc="0" normalizeH="0" baseline="0" noProof="0" dirty="0">
               <a:ln>
                 <a:noFill/>
               </a:ln>
@@ -49120,7 +47275,7 @@
               <a:defRPr/>
             </a:pPr>
             <a:r>
-              <a:rPr kumimoji="0" lang="en-GB" sz="600" b="0" i="0" u="none" strike="noStrike" kern="0" cap="none" spc="0" normalizeH="0" baseline="0" noProof="0" dirty="0" err="1" smtClean="0">
+              <a:rPr kumimoji="0" lang="en-GB" sz="600" b="0" i="0" u="none" strike="noStrike" kern="0" cap="none" spc="0" normalizeH="0" baseline="0" noProof="0" dirty="0" err="1">
                 <a:ln>
                   <a:noFill/>
                 </a:ln>
@@ -49136,7 +47291,7 @@
               </a:rPr>
               <a:t>vPort</a:t>
             </a:r>
-            <a:endParaRPr kumimoji="0" lang="en-GB" sz="600" b="0" i="0" u="none" strike="noStrike" kern="0" cap="none" spc="0" normalizeH="0" baseline="0" noProof="0" dirty="0" smtClean="0">
+            <a:endParaRPr kumimoji="0" lang="en-GB" sz="600" b="0" i="0" u="none" strike="noStrike" kern="0" cap="none" spc="0" normalizeH="0" baseline="0" noProof="0" dirty="0">
               <a:ln>
                 <a:noFill/>
               </a:ln>
@@ -49208,7 +47363,7 @@
               <a:buNone/>
             </a:pPr>
             <a:r>
-              <a:rPr lang="en-GB" dirty="0" smtClean="0">
+              <a:rPr lang="en-GB" dirty="0">
                 <a:solidFill>
                   <a:srgbClr val="000000"/>
                 </a:solidFill>
@@ -49270,7 +47425,7 @@
               <a:defRPr/>
             </a:pPr>
             <a:r>
-              <a:rPr kumimoji="0" lang="en-GB" sz="600" b="0" i="0" u="none" strike="noStrike" kern="0" cap="none" spc="0" normalizeH="0" baseline="0" noProof="0" dirty="0" err="1" smtClean="0">
+              <a:rPr kumimoji="0" lang="en-GB" sz="600" b="0" i="0" u="none" strike="noStrike" kern="0" cap="none" spc="0" normalizeH="0" baseline="0" noProof="0" dirty="0" err="1">
                 <a:ln>
                   <a:noFill/>
                 </a:ln>
@@ -49286,7 +47441,7 @@
               </a:rPr>
               <a:t>vPort</a:t>
             </a:r>
-            <a:endParaRPr kumimoji="0" lang="en-GB" sz="600" b="0" i="0" u="none" strike="noStrike" kern="0" cap="none" spc="0" normalizeH="0" baseline="0" noProof="0" dirty="0" smtClean="0">
+            <a:endParaRPr kumimoji="0" lang="en-GB" sz="600" b="0" i="0" u="none" strike="noStrike" kern="0" cap="none" spc="0" normalizeH="0" baseline="0" noProof="0" dirty="0">
               <a:ln>
                 <a:noFill/>
               </a:ln>
@@ -49358,7 +47513,7 @@
               <a:defRPr/>
             </a:pPr>
             <a:r>
-              <a:rPr kumimoji="0" lang="en-GB" sz="1200" b="1" i="0" u="none" strike="noStrike" kern="0" cap="none" spc="0" normalizeH="0" baseline="0" noProof="0" dirty="0" err="1" smtClean="0">
+              <a:rPr kumimoji="0" lang="en-GB" sz="1200" b="1" i="0" u="none" strike="noStrike" kern="0" cap="none" spc="0" normalizeH="0" baseline="0" noProof="0" dirty="0" err="1">
                 <a:ln>
                   <a:noFill/>
                 </a:ln>
@@ -49375,7 +47530,7 @@
               <a:t>vNIC</a:t>
             </a:r>
             <a:r>
-              <a:rPr kumimoji="0" lang="en-GB" sz="1200" b="1" i="0" u="none" strike="noStrike" kern="0" cap="none" spc="0" normalizeH="0" baseline="0" noProof="0" dirty="0" smtClean="0">
+              <a:rPr kumimoji="0" lang="en-GB" sz="1200" b="1" i="0" u="none" strike="noStrike" kern="0" cap="none" spc="0" normalizeH="0" baseline="0" noProof="0" dirty="0">
                 <a:ln>
                   <a:noFill/>
                 </a:ln>
@@ -49411,7 +47566,7 @@
               <a:defRPr/>
             </a:pPr>
             <a:r>
-              <a:rPr kumimoji="0" lang="en-GB" sz="1200" b="0" i="0" u="none" strike="noStrike" kern="0" cap="none" spc="0" normalizeH="0" baseline="0" noProof="0" dirty="0" smtClean="0">
+              <a:rPr kumimoji="0" lang="en-GB" sz="1200" b="0" i="0" u="none" strike="noStrike" kern="0" cap="none" spc="0" normalizeH="0" baseline="0" noProof="0" dirty="0">
                 <a:ln>
                   <a:noFill/>
                 </a:ln>
@@ -49428,7 +47583,7 @@
               <a:t>e.g. </a:t>
             </a:r>
             <a:r>
-              <a:rPr kumimoji="0" lang="en-GB" sz="1200" b="0" i="0" u="none" strike="noStrike" kern="0" cap="none" spc="0" normalizeH="0" baseline="0" noProof="0" dirty="0" err="1" smtClean="0">
+              <a:rPr kumimoji="0" lang="en-GB" sz="1200" b="0" i="0" u="none" strike="noStrike" kern="0" cap="none" spc="0" normalizeH="0" baseline="0" noProof="0" dirty="0" err="1">
                 <a:ln>
                   <a:noFill/>
                 </a:ln>
@@ -49444,7 +47599,7 @@
               </a:rPr>
               <a:t>virt-io</a:t>
             </a:r>
-            <a:endParaRPr kumimoji="0" lang="en-US" sz="1200" b="0" i="0" u="none" strike="noStrike" kern="0" cap="none" spc="0" normalizeH="0" baseline="0" noProof="0" dirty="0" smtClean="0">
+            <a:endParaRPr kumimoji="0" lang="en-US" sz="1200" b="0" i="0" u="none" strike="noStrike" kern="0" cap="none" spc="0" normalizeH="0" baseline="0" noProof="0" dirty="0">
               <a:ln>
                 <a:noFill/>
               </a:ln>
@@ -49517,7 +47672,7 @@
               <a:buNone/>
             </a:pPr>
             <a:r>
-              <a:rPr lang="en-GB" sz="1100" dirty="0" smtClean="0">
+              <a:rPr lang="en-GB" sz="1100" dirty="0">
                 <a:solidFill>
                   <a:srgbClr val="000000"/>
                 </a:solidFill>
@@ -49575,7 +47730,7 @@
               <a:defRPr/>
             </a:pPr>
             <a:r>
-              <a:rPr kumimoji="0" lang="en-GB" sz="1000" b="0" i="0" u="none" strike="noStrike" kern="0" cap="none" spc="0" normalizeH="0" baseline="0" noProof="0" dirty="0" smtClean="0">
+              <a:rPr kumimoji="0" lang="en-GB" sz="1000" b="0" i="0" u="none" strike="noStrike" kern="0" cap="none" spc="0" normalizeH="0" baseline="0" noProof="0" dirty="0">
                 <a:ln>
                   <a:noFill/>
                 </a:ln>
@@ -49620,7 +47775,7 @@
               <a:buNone/>
             </a:pPr>
             <a:r>
-              <a:rPr lang="en-GB" sz="1100" dirty="0" smtClean="0">
+              <a:rPr lang="en-GB" sz="1100" dirty="0">
                 <a:solidFill>
                   <a:srgbClr val="000000"/>
                 </a:solidFill>
@@ -49710,7 +47865,7 @@
               <a:defRPr/>
             </a:pPr>
             <a:r>
-              <a:rPr kumimoji="0" lang="en-GB" sz="1400" b="0" i="0" u="none" strike="noStrike" kern="0" cap="none" spc="0" normalizeH="0" baseline="0" noProof="0" dirty="0" smtClean="0">
+              <a:rPr kumimoji="0" lang="en-GB" sz="1400" b="0" i="0" u="none" strike="noStrike" kern="0" cap="none" spc="0" normalizeH="0" baseline="0" noProof="0" dirty="0">
                 <a:ln>
                   <a:noFill/>
                 </a:ln>
@@ -49775,7 +47930,7 @@
               <a:defRPr/>
             </a:pPr>
             <a:r>
-              <a:rPr kumimoji="0" lang="en-GB" sz="1400" b="0" i="0" u="none" strike="noStrike" kern="0" cap="none" spc="0" normalizeH="0" baseline="0" noProof="0" dirty="0" smtClean="0">
+              <a:rPr kumimoji="0" lang="en-GB" sz="1400" b="0" i="0" u="none" strike="noStrike" kern="0" cap="none" spc="0" normalizeH="0" baseline="0" noProof="0" dirty="0">
                 <a:ln>
                   <a:noFill/>
                 </a:ln>
@@ -49842,7 +47997,7 @@
               <a:defRPr/>
             </a:pPr>
             <a:r>
-              <a:rPr kumimoji="0" lang="en-GB" sz="1000" b="0" i="0" u="none" strike="noStrike" kern="0" cap="none" spc="0" normalizeH="0" baseline="0" noProof="0" dirty="0" smtClean="0">
+              <a:rPr kumimoji="0" lang="en-GB" sz="1000" b="0" i="0" u="none" strike="noStrike" kern="0" cap="none" spc="0" normalizeH="0" baseline="0" noProof="0" dirty="0">
                 <a:ln>
                   <a:noFill/>
                 </a:ln>
@@ -49897,11 +48052,11 @@
           </a:lstStyle>
           <a:p>
             <a:r>
-              <a:rPr lang="en-GB" sz="2667" b="0" dirty="0" smtClean="0"/>
+              <a:rPr lang="en-GB" sz="2667" b="0" dirty="0"/>
               <a:t>CNTT</a:t>
             </a:r>
             <a:r>
-              <a:rPr lang="en-US" sz="2667" b="0" dirty="0" smtClean="0"/>
+              <a:rPr lang="en-US" sz="2667" b="0" dirty="0"/>
               <a:t> </a:t>
             </a:r>
             <a:r>
@@ -49912,20 +48067,10 @@
                   </a:schemeClr>
                 </a:solidFill>
               </a:rPr>
-              <a:t>| </a:t>
+              <a:t>| Basic SW </a:t>
             </a:r>
             <a:r>
-              <a:rPr lang="en-GB" sz="2667" b="0" dirty="0" smtClean="0">
-                <a:solidFill>
-                  <a:schemeClr val="bg1">
-                    <a:lumMod val="50000"/>
-                  </a:schemeClr>
-                </a:solidFill>
-              </a:rPr>
-              <a:t>Basic SW </a:t>
-            </a:r>
-            <a:r>
-              <a:rPr lang="en-GB" sz="2667" b="0" dirty="0" err="1" smtClean="0">
+              <a:rPr lang="en-GB" sz="2667" b="0" dirty="0" err="1">
                 <a:solidFill>
                   <a:schemeClr val="bg1">
                     <a:lumMod val="50000"/>
@@ -49935,7 +48080,7 @@
               <a:t>Config</a:t>
             </a:r>
             <a:r>
-              <a:rPr lang="en-GB" sz="2667" b="0" dirty="0" smtClean="0">
+              <a:rPr lang="en-GB" sz="2667" b="0" dirty="0">
                 <a:solidFill>
                   <a:schemeClr val="bg1">
                     <a:lumMod val="50000"/>
@@ -49944,13 +48089,6 @@
               </a:rPr>
               <a:t>. </a:t>
             </a:r>
-            <a:endParaRPr lang="en-GB" sz="2667" b="0" dirty="0">
-              <a:solidFill>
-                <a:schemeClr val="bg1">
-                  <a:lumMod val="50000"/>
-                </a:schemeClr>
-              </a:solidFill>
-            </a:endParaRPr>
           </a:p>
         </p:txBody>
       </p:sp>
@@ -50031,7 +48169,7 @@
               <a:tabLst/>
               <a:defRPr/>
             </a:pPr>
-            <a:endParaRPr kumimoji="0" lang="en-GB" sz="1000" b="0" i="0" u="none" strike="noStrike" kern="0" cap="none" spc="0" normalizeH="0" baseline="0" noProof="0" dirty="0" smtClean="0">
+            <a:endParaRPr kumimoji="0" lang="en-GB" sz="1000" b="0" i="0" u="none" strike="noStrike" kern="0" cap="none" spc="0" normalizeH="0" baseline="0" noProof="0" dirty="0">
               <a:ln>
                 <a:noFill/>
               </a:ln>
@@ -50095,7 +48233,7 @@
               <a:tabLst/>
               <a:defRPr/>
             </a:pPr>
-            <a:endParaRPr kumimoji="0" lang="en-GB" sz="1000" b="0" i="0" u="none" strike="noStrike" kern="0" cap="none" spc="0" normalizeH="0" baseline="0" noProof="0" dirty="0" smtClean="0">
+            <a:endParaRPr kumimoji="0" lang="en-GB" sz="1000" b="0" i="0" u="none" strike="noStrike" kern="0" cap="none" spc="0" normalizeH="0" baseline="0" noProof="0" dirty="0">
               <a:ln>
                 <a:noFill/>
               </a:ln>
@@ -50159,7 +48297,7 @@
               <a:tabLst/>
               <a:defRPr/>
             </a:pPr>
-            <a:endParaRPr kumimoji="0" lang="en-GB" sz="1000" b="0" i="0" u="none" strike="noStrike" kern="0" cap="none" spc="0" normalizeH="0" baseline="0" noProof="0" dirty="0" smtClean="0">
+            <a:endParaRPr kumimoji="0" lang="en-GB" sz="1000" b="0" i="0" u="none" strike="noStrike" kern="0" cap="none" spc="0" normalizeH="0" baseline="0" noProof="0" dirty="0">
               <a:ln>
                 <a:noFill/>
               </a:ln>
@@ -50223,7 +48361,7 @@
               <a:tabLst/>
               <a:defRPr/>
             </a:pPr>
-            <a:endParaRPr kumimoji="0" lang="en-GB" sz="1000" b="0" i="0" u="none" strike="noStrike" kern="0" cap="none" spc="0" normalizeH="0" baseline="0" noProof="0" dirty="0" smtClean="0">
+            <a:endParaRPr kumimoji="0" lang="en-GB" sz="1000" b="0" i="0" u="none" strike="noStrike" kern="0" cap="none" spc="0" normalizeH="0" baseline="0" noProof="0" dirty="0">
               <a:ln>
                 <a:noFill/>
               </a:ln>
@@ -50286,7 +48424,7 @@
               <a:defRPr/>
             </a:pPr>
             <a:r>
-              <a:rPr kumimoji="0" lang="en-GB" sz="1000" b="0" i="0" u="none" strike="noStrike" kern="0" cap="none" spc="0" normalizeH="0" baseline="0" noProof="0" dirty="0" smtClean="0">
+              <a:rPr kumimoji="0" lang="en-GB" sz="1000" b="0" i="0" u="none" strike="noStrike" kern="0" cap="none" spc="0" normalizeH="0" baseline="0" noProof="0" dirty="0">
                 <a:ln>
                   <a:noFill/>
                 </a:ln>
@@ -50351,7 +48489,7 @@
               <a:defRPr/>
             </a:pPr>
             <a:r>
-              <a:rPr kumimoji="0" lang="en-GB" sz="1400" b="0" i="0" u="none" strike="noStrike" kern="0" cap="none" spc="0" normalizeH="0" baseline="0" noProof="0" dirty="0" smtClean="0">
+              <a:rPr kumimoji="0" lang="en-GB" sz="1400" b="0" i="0" u="none" strike="noStrike" kern="0" cap="none" spc="0" normalizeH="0" baseline="0" noProof="0" dirty="0">
                 <a:ln>
                   <a:noFill/>
                 </a:ln>
@@ -50797,7 +48935,7 @@
               <a:defRPr/>
             </a:pPr>
             <a:r>
-              <a:rPr kumimoji="0" lang="en-GB" sz="600" b="0" i="0" u="none" strike="noStrike" kern="0" cap="none" spc="0" normalizeH="0" baseline="0" noProof="0" dirty="0" err="1" smtClean="0">
+              <a:rPr kumimoji="0" lang="en-GB" sz="600" b="0" i="0" u="none" strike="noStrike" kern="0" cap="none" spc="0" normalizeH="0" baseline="0" noProof="0" dirty="0" err="1">
                 <a:ln>
                   <a:noFill/>
                 </a:ln>
@@ -50813,7 +48951,7 @@
               </a:rPr>
               <a:t>vPort</a:t>
             </a:r>
-            <a:endParaRPr kumimoji="0" lang="en-GB" sz="600" b="0" i="0" u="none" strike="noStrike" kern="0" cap="none" spc="0" normalizeH="0" baseline="0" noProof="0" dirty="0" smtClean="0">
+            <a:endParaRPr kumimoji="0" lang="en-GB" sz="600" b="0" i="0" u="none" strike="noStrike" kern="0" cap="none" spc="0" normalizeH="0" baseline="0" noProof="0" dirty="0">
               <a:ln>
                 <a:noFill/>
               </a:ln>
@@ -50885,7 +49023,7 @@
               <a:buNone/>
             </a:pPr>
             <a:r>
-              <a:rPr lang="en-GB" dirty="0" smtClean="0">
+              <a:rPr lang="en-GB" dirty="0">
                 <a:solidFill>
                   <a:srgbClr val="000000"/>
                 </a:solidFill>
@@ -50947,7 +49085,7 @@
               <a:defRPr/>
             </a:pPr>
             <a:r>
-              <a:rPr kumimoji="0" lang="en-GB" sz="600" b="0" i="0" u="none" strike="noStrike" kern="0" cap="none" spc="0" normalizeH="0" baseline="0" noProof="0" dirty="0" err="1" smtClean="0">
+              <a:rPr kumimoji="0" lang="en-GB" sz="600" b="0" i="0" u="none" strike="noStrike" kern="0" cap="none" spc="0" normalizeH="0" baseline="0" noProof="0" dirty="0" err="1">
                 <a:ln>
                   <a:noFill/>
                 </a:ln>
@@ -50963,7 +49101,7 @@
               </a:rPr>
               <a:t>vPort</a:t>
             </a:r>
-            <a:endParaRPr kumimoji="0" lang="en-GB" sz="600" b="0" i="0" u="none" strike="noStrike" kern="0" cap="none" spc="0" normalizeH="0" baseline="0" noProof="0" dirty="0" smtClean="0">
+            <a:endParaRPr kumimoji="0" lang="en-GB" sz="600" b="0" i="0" u="none" strike="noStrike" kern="0" cap="none" spc="0" normalizeH="0" baseline="0" noProof="0" dirty="0">
               <a:ln>
                 <a:noFill/>
               </a:ln>
@@ -51060,7 +49198,7 @@
               <a:defRPr/>
             </a:pPr>
             <a:r>
-              <a:rPr kumimoji="0" lang="en-GB" sz="600" b="0" i="0" u="none" strike="noStrike" kern="0" cap="none" spc="0" normalizeH="0" baseline="0" noProof="0" dirty="0" err="1" smtClean="0">
+              <a:rPr kumimoji="0" lang="en-GB" sz="600" b="0" i="0" u="none" strike="noStrike" kern="0" cap="none" spc="0" normalizeH="0" baseline="0" noProof="0" dirty="0" err="1">
                 <a:ln>
                   <a:noFill/>
                 </a:ln>
@@ -51076,7 +49214,7 @@
               </a:rPr>
               <a:t>vPort</a:t>
             </a:r>
-            <a:endParaRPr kumimoji="0" lang="en-GB" sz="600" b="0" i="0" u="none" strike="noStrike" kern="0" cap="none" spc="0" normalizeH="0" baseline="0" noProof="0" dirty="0" smtClean="0">
+            <a:endParaRPr kumimoji="0" lang="en-GB" sz="600" b="0" i="0" u="none" strike="noStrike" kern="0" cap="none" spc="0" normalizeH="0" baseline="0" noProof="0" dirty="0">
               <a:ln>
                 <a:noFill/>
               </a:ln>
@@ -51148,7 +49286,7 @@
               <a:buNone/>
             </a:pPr>
             <a:r>
-              <a:rPr lang="en-GB" dirty="0" smtClean="0">
+              <a:rPr lang="en-GB" dirty="0">
                 <a:solidFill>
                   <a:srgbClr val="000000"/>
                 </a:solidFill>
@@ -51210,7 +49348,7 @@
               <a:defRPr/>
             </a:pPr>
             <a:r>
-              <a:rPr kumimoji="0" lang="en-GB" sz="600" b="0" i="0" u="none" strike="noStrike" kern="0" cap="none" spc="0" normalizeH="0" baseline="0" noProof="0" dirty="0" err="1" smtClean="0">
+              <a:rPr kumimoji="0" lang="en-GB" sz="600" b="0" i="0" u="none" strike="noStrike" kern="0" cap="none" spc="0" normalizeH="0" baseline="0" noProof="0" dirty="0" err="1">
                 <a:ln>
                   <a:noFill/>
                 </a:ln>
@@ -51226,7 +49364,7 @@
               </a:rPr>
               <a:t>vPort</a:t>
             </a:r>
-            <a:endParaRPr kumimoji="0" lang="en-GB" sz="600" b="0" i="0" u="none" strike="noStrike" kern="0" cap="none" spc="0" normalizeH="0" baseline="0" noProof="0" dirty="0" smtClean="0">
+            <a:endParaRPr kumimoji="0" lang="en-GB" sz="600" b="0" i="0" u="none" strike="noStrike" kern="0" cap="none" spc="0" normalizeH="0" baseline="0" noProof="0" dirty="0">
               <a:ln>
                 <a:noFill/>
               </a:ln>
@@ -51323,7 +49461,7 @@
               <a:defRPr/>
             </a:pPr>
             <a:r>
-              <a:rPr kumimoji="0" lang="en-GB" sz="600" b="0" i="0" u="none" strike="noStrike" kern="0" cap="none" spc="0" normalizeH="0" baseline="0" noProof="0" dirty="0" err="1" smtClean="0">
+              <a:rPr kumimoji="0" lang="en-GB" sz="600" b="0" i="0" u="none" strike="noStrike" kern="0" cap="none" spc="0" normalizeH="0" baseline="0" noProof="0" dirty="0" err="1">
                 <a:ln>
                   <a:noFill/>
                 </a:ln>
@@ -51339,7 +49477,7 @@
               </a:rPr>
               <a:t>vPort</a:t>
             </a:r>
-            <a:endParaRPr kumimoji="0" lang="en-GB" sz="600" b="0" i="0" u="none" strike="noStrike" kern="0" cap="none" spc="0" normalizeH="0" baseline="0" noProof="0" dirty="0" smtClean="0">
+            <a:endParaRPr kumimoji="0" lang="en-GB" sz="600" b="0" i="0" u="none" strike="noStrike" kern="0" cap="none" spc="0" normalizeH="0" baseline="0" noProof="0" dirty="0">
               <a:ln>
                 <a:noFill/>
               </a:ln>
@@ -51411,7 +49549,7 @@
               <a:buNone/>
             </a:pPr>
             <a:r>
-              <a:rPr lang="en-GB" dirty="0" smtClean="0">
+              <a:rPr lang="en-GB" dirty="0">
                 <a:solidFill>
                   <a:srgbClr val="000000"/>
                 </a:solidFill>
@@ -51473,7 +49611,7 @@
               <a:defRPr/>
             </a:pPr>
             <a:r>
-              <a:rPr kumimoji="0" lang="en-GB" sz="600" b="0" i="0" u="none" strike="noStrike" kern="0" cap="none" spc="0" normalizeH="0" baseline="0" noProof="0" dirty="0" err="1" smtClean="0">
+              <a:rPr kumimoji="0" lang="en-GB" sz="600" b="0" i="0" u="none" strike="noStrike" kern="0" cap="none" spc="0" normalizeH="0" baseline="0" noProof="0" dirty="0" err="1">
                 <a:ln>
                   <a:noFill/>
                 </a:ln>
@@ -51489,7 +49627,7 @@
               </a:rPr>
               <a:t>vPort</a:t>
             </a:r>
-            <a:endParaRPr kumimoji="0" lang="en-GB" sz="600" b="0" i="0" u="none" strike="noStrike" kern="0" cap="none" spc="0" normalizeH="0" baseline="0" noProof="0" dirty="0" smtClean="0">
+            <a:endParaRPr kumimoji="0" lang="en-GB" sz="600" b="0" i="0" u="none" strike="noStrike" kern="0" cap="none" spc="0" normalizeH="0" baseline="0" noProof="0" dirty="0">
               <a:ln>
                 <a:noFill/>
               </a:ln>
@@ -51561,7 +49699,7 @@
               <a:defRPr/>
             </a:pPr>
             <a:r>
-              <a:rPr kumimoji="0" lang="en-GB" sz="1200" b="1" i="0" u="none" strike="noStrike" kern="0" cap="none" spc="0" normalizeH="0" baseline="0" noProof="0" dirty="0" err="1" smtClean="0">
+              <a:rPr kumimoji="0" lang="en-GB" sz="1200" b="1" i="0" u="none" strike="noStrike" kern="0" cap="none" spc="0" normalizeH="0" baseline="0" noProof="0" dirty="0" err="1">
                 <a:ln>
                   <a:noFill/>
                 </a:ln>
@@ -51578,7 +49716,7 @@
               <a:t>vNIC</a:t>
             </a:r>
             <a:r>
-              <a:rPr kumimoji="0" lang="en-GB" sz="1200" b="1" i="0" u="none" strike="noStrike" kern="0" cap="none" spc="0" normalizeH="0" baseline="0" noProof="0" dirty="0" smtClean="0">
+              <a:rPr kumimoji="0" lang="en-GB" sz="1200" b="1" i="0" u="none" strike="noStrike" kern="0" cap="none" spc="0" normalizeH="0" baseline="0" noProof="0" dirty="0">
                 <a:ln>
                   <a:noFill/>
                 </a:ln>
@@ -51614,7 +49752,7 @@
               <a:defRPr/>
             </a:pPr>
             <a:r>
-              <a:rPr kumimoji="0" lang="en-GB" sz="1200" b="0" i="0" u="none" strike="noStrike" kern="0" cap="none" spc="0" normalizeH="0" baseline="0" noProof="0" dirty="0" smtClean="0">
+              <a:rPr kumimoji="0" lang="en-GB" sz="1200" b="0" i="0" u="none" strike="noStrike" kern="0" cap="none" spc="0" normalizeH="0" baseline="0" noProof="0" dirty="0">
                 <a:ln>
                   <a:noFill/>
                 </a:ln>
@@ -51631,7 +49769,7 @@
               <a:t>e.g. </a:t>
             </a:r>
             <a:r>
-              <a:rPr kumimoji="0" lang="en-GB" sz="1200" b="0" i="0" u="none" strike="noStrike" kern="0" cap="none" spc="0" normalizeH="0" baseline="0" noProof="0" dirty="0" err="1" smtClean="0">
+              <a:rPr kumimoji="0" lang="en-GB" sz="1200" b="0" i="0" u="none" strike="noStrike" kern="0" cap="none" spc="0" normalizeH="0" baseline="0" noProof="0" dirty="0" err="1">
                 <a:ln>
                   <a:noFill/>
                 </a:ln>
@@ -51647,7 +49785,7 @@
               </a:rPr>
               <a:t>virt-io</a:t>
             </a:r>
-            <a:endParaRPr kumimoji="0" lang="en-US" sz="1200" b="0" i="0" u="none" strike="noStrike" kern="0" cap="none" spc="0" normalizeH="0" baseline="0" noProof="0" dirty="0" smtClean="0">
+            <a:endParaRPr kumimoji="0" lang="en-US" sz="1200" b="0" i="0" u="none" strike="noStrike" kern="0" cap="none" spc="0" normalizeH="0" baseline="0" noProof="0" dirty="0">
               <a:ln>
                 <a:noFill/>
               </a:ln>
@@ -51720,7 +49858,7 @@
               <a:buNone/>
             </a:pPr>
             <a:r>
-              <a:rPr lang="en-GB" sz="1100" dirty="0" smtClean="0">
+              <a:rPr lang="en-GB" sz="1100" dirty="0">
                 <a:solidFill>
                   <a:srgbClr val="000000"/>
                 </a:solidFill>
@@ -51778,7 +49916,7 @@
               <a:defRPr/>
             </a:pPr>
             <a:r>
-              <a:rPr kumimoji="0" lang="en-GB" sz="1000" b="0" i="0" u="none" strike="noStrike" kern="0" cap="none" spc="0" normalizeH="0" baseline="0" noProof="0" dirty="0" smtClean="0">
+              <a:rPr kumimoji="0" lang="en-GB" sz="1000" b="0" i="0" u="none" strike="noStrike" kern="0" cap="none" spc="0" normalizeH="0" baseline="0" noProof="0" dirty="0">
                 <a:ln>
                   <a:noFill/>
                 </a:ln>
@@ -51823,7 +49961,7 @@
               <a:buNone/>
             </a:pPr>
             <a:r>
-              <a:rPr lang="en-GB" sz="1100" dirty="0" smtClean="0">
+              <a:rPr lang="en-GB" sz="1100" dirty="0">
                 <a:solidFill>
                   <a:srgbClr val="000000"/>
                 </a:solidFill>
@@ -51913,7 +50051,7 @@
               <a:defRPr/>
             </a:pPr>
             <a:r>
-              <a:rPr kumimoji="0" lang="en-GB" sz="1400" b="0" i="0" u="none" strike="noStrike" kern="0" cap="none" spc="0" normalizeH="0" baseline="0" noProof="0" dirty="0" smtClean="0">
+              <a:rPr kumimoji="0" lang="en-GB" sz="1400" b="0" i="0" u="none" strike="noStrike" kern="0" cap="none" spc="0" normalizeH="0" baseline="0" noProof="0" dirty="0">
                 <a:ln>
                   <a:noFill/>
                 </a:ln>
@@ -51978,7 +50116,7 @@
               <a:defRPr/>
             </a:pPr>
             <a:r>
-              <a:rPr kumimoji="0" lang="en-GB" sz="1400" b="0" i="0" u="none" strike="noStrike" kern="0" cap="none" spc="0" normalizeH="0" baseline="0" noProof="0" dirty="0" smtClean="0">
+              <a:rPr kumimoji="0" lang="en-GB" sz="1400" b="0" i="0" u="none" strike="noStrike" kern="0" cap="none" spc="0" normalizeH="0" baseline="0" noProof="0" dirty="0">
                 <a:ln>
                   <a:noFill/>
                 </a:ln>
@@ -52045,7 +50183,7 @@
               <a:defRPr/>
             </a:pPr>
             <a:r>
-              <a:rPr kumimoji="0" lang="en-GB" sz="1000" b="0" i="0" u="none" strike="noStrike" kern="0" cap="none" spc="0" normalizeH="0" baseline="0" noProof="0" dirty="0" smtClean="0">
+              <a:rPr kumimoji="0" lang="en-GB" sz="1000" b="0" i="0" u="none" strike="noStrike" kern="0" cap="none" spc="0" normalizeH="0" baseline="0" noProof="0" dirty="0">
                 <a:ln>
                   <a:noFill/>
                 </a:ln>
@@ -52110,7 +50248,7 @@
               <a:defRPr/>
             </a:pPr>
             <a:r>
-              <a:rPr kumimoji="0" lang="en-GB" sz="900" b="0" i="0" u="none" strike="noStrike" kern="0" cap="none" spc="0" normalizeH="0" baseline="0" noProof="0" dirty="0" smtClean="0">
+              <a:rPr kumimoji="0" lang="en-GB" sz="900" b="0" i="0" u="none" strike="noStrike" kern="0" cap="none" spc="0" normalizeH="0" baseline="0" noProof="0" dirty="0">
                 <a:ln>
                   <a:noFill/>
                 </a:ln>
@@ -52213,7 +50351,7 @@
               <a:defRPr/>
             </a:pPr>
             <a:r>
-              <a:rPr kumimoji="0" lang="en-GB" sz="1200" b="1" i="0" u="none" strike="noStrike" kern="0" cap="none" spc="0" normalizeH="0" baseline="0" noProof="0" dirty="0" err="1" smtClean="0">
+              <a:rPr kumimoji="0" lang="en-GB" sz="1200" b="1" i="0" u="none" strike="noStrike" kern="0" cap="none" spc="0" normalizeH="0" baseline="0" noProof="0" dirty="0" err="1">
                 <a:ln>
                   <a:noFill/>
                 </a:ln>
@@ -52230,7 +50368,7 @@
               <a:t>Acc</a:t>
             </a:r>
             <a:r>
-              <a:rPr kumimoji="0" lang="en-GB" sz="1200" b="1" i="0" u="none" strike="noStrike" kern="0" cap="none" spc="0" normalizeH="0" baseline="0" noProof="0" dirty="0" smtClean="0">
+              <a:rPr kumimoji="0" lang="en-GB" sz="1200" b="1" i="0" u="none" strike="noStrike" kern="0" cap="none" spc="0" normalizeH="0" baseline="0" noProof="0" dirty="0">
                 <a:ln>
                   <a:noFill/>
                 </a:ln>
@@ -52266,7 +50404,7 @@
               <a:defRPr/>
             </a:pPr>
             <a:r>
-              <a:rPr kumimoji="0" lang="en-GB" sz="1200" b="0" i="0" u="none" strike="noStrike" kern="0" cap="none" spc="0" normalizeH="0" baseline="0" noProof="0" dirty="0" smtClean="0">
+              <a:rPr kumimoji="0" lang="en-GB" sz="1200" b="0" i="0" u="none" strike="noStrike" kern="0" cap="none" spc="0" normalizeH="0" baseline="0" noProof="0" dirty="0">
                 <a:ln>
                   <a:noFill/>
                 </a:ln>
@@ -52283,7 +50421,7 @@
               <a:t>e.g. </a:t>
             </a:r>
             <a:r>
-              <a:rPr kumimoji="0" lang="en-GB" sz="1200" b="0" i="0" u="none" strike="noStrike" kern="0" cap="none" spc="0" normalizeH="0" baseline="0" noProof="0" dirty="0" err="1" smtClean="0">
+              <a:rPr kumimoji="0" lang="en-GB" sz="1200" b="0" i="0" u="none" strike="noStrike" kern="0" cap="none" spc="0" normalizeH="0" baseline="0" noProof="0" dirty="0" err="1">
                 <a:ln>
                   <a:noFill/>
                 </a:ln>
@@ -52299,7 +50437,7 @@
               </a:rPr>
               <a:t>virtio-ipsec</a:t>
             </a:r>
-            <a:endParaRPr kumimoji="0" lang="en-US" sz="1200" b="0" i="0" u="none" strike="noStrike" kern="0" cap="none" spc="0" normalizeH="0" baseline="0" noProof="0" dirty="0" smtClean="0">
+            <a:endParaRPr kumimoji="0" lang="en-US" sz="1200" b="0" i="0" u="none" strike="noStrike" kern="0" cap="none" spc="0" normalizeH="0" baseline="0" noProof="0" dirty="0">
               <a:ln>
                 <a:noFill/>
               </a:ln>
@@ -52484,11 +50622,11 @@
           </a:lstStyle>
           <a:p>
             <a:r>
-              <a:rPr lang="en-GB" sz="2667" b="0" dirty="0" smtClean="0"/>
+              <a:rPr lang="en-GB" sz="2667" b="0" dirty="0"/>
               <a:t>CNTT</a:t>
             </a:r>
             <a:r>
-              <a:rPr lang="en-US" sz="2667" b="0" dirty="0" smtClean="0"/>
+              <a:rPr lang="en-US" sz="2667" b="0" dirty="0"/>
               <a:t> </a:t>
             </a:r>
             <a:r>
@@ -52499,20 +50637,10 @@
                   </a:schemeClr>
                 </a:solidFill>
               </a:rPr>
-              <a:t>| </a:t>
+              <a:t>| NI SW </a:t>
             </a:r>
             <a:r>
-              <a:rPr lang="en-GB" sz="2667" b="0" dirty="0" smtClean="0">
-                <a:solidFill>
-                  <a:schemeClr val="bg1">
-                    <a:lumMod val="50000"/>
-                  </a:schemeClr>
-                </a:solidFill>
-              </a:rPr>
-              <a:t>NI SW </a:t>
-            </a:r>
-            <a:r>
-              <a:rPr lang="en-GB" sz="2667" b="0" dirty="0" err="1" smtClean="0">
+              <a:rPr lang="en-GB" sz="2667" b="0" dirty="0" err="1">
                 <a:solidFill>
                   <a:schemeClr val="bg1">
                     <a:lumMod val="50000"/>
@@ -52522,7 +50650,7 @@
               <a:t>Config</a:t>
             </a:r>
             <a:r>
-              <a:rPr lang="en-GB" sz="2667" b="0" dirty="0" smtClean="0">
+              <a:rPr lang="en-GB" sz="2667" b="0" dirty="0">
                 <a:solidFill>
                   <a:schemeClr val="bg1">
                     <a:lumMod val="50000"/>
@@ -52531,13 +50659,6 @@
               </a:rPr>
               <a:t>. </a:t>
             </a:r>
-            <a:endParaRPr lang="en-GB" sz="2667" b="0" dirty="0">
-              <a:solidFill>
-                <a:schemeClr val="bg1">
-                  <a:lumMod val="50000"/>
-                </a:schemeClr>
-              </a:solidFill>
-            </a:endParaRPr>
           </a:p>
         </p:txBody>
       </p:sp>

--- a/artifacts/CNTT_Artifact.pptx
+++ b/artifacts/CNTT_Artifact.pptx
@@ -6,7 +6,7 @@
     <p:sldMasterId id="2147483678" r:id="rId2"/>
   </p:sldMasterIdLst>
   <p:notesMasterIdLst>
-    <p:notesMasterId r:id="rId21"/>
+    <p:notesMasterId r:id="rId22"/>
   </p:notesMasterIdLst>
   <p:sldIdLst>
     <p:sldId id="256" r:id="rId3"/>
@@ -20,13 +20,14 @@
     <p:sldId id="265" r:id="rId11"/>
     <p:sldId id="266" r:id="rId12"/>
     <p:sldId id="271" r:id="rId13"/>
-    <p:sldId id="272" r:id="rId14"/>
-    <p:sldId id="273" r:id="rId15"/>
-    <p:sldId id="274" r:id="rId16"/>
-    <p:sldId id="275" r:id="rId17"/>
-    <p:sldId id="277" r:id="rId18"/>
-    <p:sldId id="280" r:id="rId19"/>
-    <p:sldId id="257" r:id="rId20"/>
+    <p:sldId id="281" r:id="rId14"/>
+    <p:sldId id="272" r:id="rId15"/>
+    <p:sldId id="273" r:id="rId16"/>
+    <p:sldId id="274" r:id="rId17"/>
+    <p:sldId id="275" r:id="rId18"/>
+    <p:sldId id="277" r:id="rId19"/>
+    <p:sldId id="280" r:id="rId20"/>
+    <p:sldId id="257" r:id="rId21"/>
   </p:sldIdLst>
   <p:sldSz cx="12192000" cy="6858000"/>
   <p:notesSz cx="6858000" cy="9144000"/>
@@ -215,7 +216,7 @@
           <a:p>
             <a:fld id="{F300692A-B8F2-48F6-B218-A4958D7E8758}" type="datetimeFigureOut">
               <a:rPr lang="en-US" smtClean="0"/>
-              <a:t>7/13/19</a:t>
+              <a:t>7/15/19</a:t>
             </a:fld>
             <a:endParaRPr lang="en-US"/>
           </a:p>
@@ -631,7 +632,7 @@
           <a:p>
             <a:fld id="{B32ABD91-820C-4FDF-A69B-FB4E2190F4FF}" type="slidenum">
               <a:rPr lang="en-US" smtClean="0"/>
-              <a:t>16</a:t>
+              <a:t>17</a:t>
             </a:fld>
             <a:endParaRPr lang="en-US"/>
           </a:p>
@@ -715,7 +716,7 @@
           <a:p>
             <a:fld id="{B32ABD91-820C-4FDF-A69B-FB4E2190F4FF}" type="slidenum">
               <a:rPr lang="en-US" smtClean="0"/>
-              <a:t>17</a:t>
+              <a:t>18</a:t>
             </a:fld>
             <a:endParaRPr lang="en-US"/>
           </a:p>
@@ -925,7 +926,7 @@
           <a:p>
             <a:fld id="{2B25DCB4-1894-45C1-AC80-BB1CC7AB7AF3}" type="datetimeFigureOut">
               <a:rPr lang="en-GB" smtClean="0"/>
-              <a:t>13/07/2019</a:t>
+              <a:t>15/07/2019</a:t>
             </a:fld>
             <a:endParaRPr lang="en-GB"/>
           </a:p>
@@ -1361,7 +1362,7 @@
           <a:p>
             <a:fld id="{2B25DCB4-1894-45C1-AC80-BB1CC7AB7AF3}" type="datetimeFigureOut">
               <a:rPr lang="en-GB" smtClean="0"/>
-              <a:t>13/07/2019</a:t>
+              <a:t>15/07/2019</a:t>
             </a:fld>
             <a:endParaRPr lang="en-GB"/>
           </a:p>
@@ -1611,7 +1612,7 @@
           <a:p>
             <a:fld id="{2B25DCB4-1894-45C1-AC80-BB1CC7AB7AF3}" type="datetimeFigureOut">
               <a:rPr lang="en-GB" smtClean="0"/>
-              <a:t>13/07/2019</a:t>
+              <a:t>15/07/2019</a:t>
             </a:fld>
             <a:endParaRPr lang="en-GB"/>
           </a:p>
@@ -1919,7 +1920,7 @@
           <a:p>
             <a:fld id="{2B25DCB4-1894-45C1-AC80-BB1CC7AB7AF3}" type="datetimeFigureOut">
               <a:rPr lang="en-GB" smtClean="0"/>
-              <a:t>13/07/2019</a:t>
+              <a:t>15/07/2019</a:t>
             </a:fld>
             <a:endParaRPr lang="en-GB"/>
           </a:p>
@@ -2237,7 +2238,7 @@
           <a:p>
             <a:fld id="{2B25DCB4-1894-45C1-AC80-BB1CC7AB7AF3}" type="datetimeFigureOut">
               <a:rPr lang="en-GB" smtClean="0"/>
-              <a:t>13/07/2019</a:t>
+              <a:t>15/07/2019</a:t>
             </a:fld>
             <a:endParaRPr lang="en-GB"/>
           </a:p>
@@ -2539,7 +2540,7 @@
           <a:p>
             <a:fld id="{2B25DCB4-1894-45C1-AC80-BB1CC7AB7AF3}" type="datetimeFigureOut">
               <a:rPr lang="en-GB" smtClean="0"/>
-              <a:t>13/07/2019</a:t>
+              <a:t>15/07/2019</a:t>
             </a:fld>
             <a:endParaRPr lang="en-GB"/>
           </a:p>
@@ -2906,7 +2907,7 @@
           <a:p>
             <a:fld id="{2B25DCB4-1894-45C1-AC80-BB1CC7AB7AF3}" type="datetimeFigureOut">
               <a:rPr lang="en-GB" smtClean="0"/>
-              <a:t>13/07/2019</a:t>
+              <a:t>15/07/2019</a:t>
             </a:fld>
             <a:endParaRPr lang="en-GB"/>
           </a:p>
@@ -3080,7 +3081,7 @@
           <a:p>
             <a:fld id="{2B25DCB4-1894-45C1-AC80-BB1CC7AB7AF3}" type="datetimeFigureOut">
               <a:rPr lang="en-GB" smtClean="0"/>
-              <a:t>13/07/2019</a:t>
+              <a:t>15/07/2019</a:t>
             </a:fld>
             <a:endParaRPr lang="en-GB"/>
           </a:p>
@@ -3260,7 +3261,7 @@
           <a:p>
             <a:fld id="{2B25DCB4-1894-45C1-AC80-BB1CC7AB7AF3}" type="datetimeFigureOut">
               <a:rPr lang="en-GB" smtClean="0"/>
-              <a:t>13/07/2019</a:t>
+              <a:t>15/07/2019</a:t>
             </a:fld>
             <a:endParaRPr lang="en-GB"/>
           </a:p>
@@ -3452,7 +3453,7 @@
           <a:p>
             <a:fld id="{432668E7-1494-4367-8917-840B541A68C2}" type="datetimeFigureOut">
               <a:rPr lang="en-GB" smtClean="0"/>
-              <a:t>13/07/2019</a:t>
+              <a:t>15/07/2019</a:t>
             </a:fld>
             <a:endParaRPr lang="en-GB"/>
           </a:p>
@@ -3622,7 +3623,7 @@
           <a:p>
             <a:fld id="{432668E7-1494-4367-8917-840B541A68C2}" type="datetimeFigureOut">
               <a:rPr lang="en-GB" smtClean="0"/>
-              <a:t>13/07/2019</a:t>
+              <a:t>15/07/2019</a:t>
             </a:fld>
             <a:endParaRPr lang="en-GB"/>
           </a:p>
@@ -3792,7 +3793,7 @@
           <a:p>
             <a:fld id="{2B25DCB4-1894-45C1-AC80-BB1CC7AB7AF3}" type="datetimeFigureOut">
               <a:rPr lang="en-GB" smtClean="0"/>
-              <a:t>13/07/2019</a:t>
+              <a:t>15/07/2019</a:t>
             </a:fld>
             <a:endParaRPr lang="en-GB"/>
           </a:p>
@@ -4038,7 +4039,7 @@
           <a:p>
             <a:fld id="{432668E7-1494-4367-8917-840B541A68C2}" type="datetimeFigureOut">
               <a:rPr lang="en-GB" smtClean="0"/>
-              <a:t>13/07/2019</a:t>
+              <a:t>15/07/2019</a:t>
             </a:fld>
             <a:endParaRPr lang="en-GB"/>
           </a:p>
@@ -4270,7 +4271,7 @@
           <a:p>
             <a:fld id="{432668E7-1494-4367-8917-840B541A68C2}" type="datetimeFigureOut">
               <a:rPr lang="en-GB" smtClean="0"/>
-              <a:t>13/07/2019</a:t>
+              <a:t>15/07/2019</a:t>
             </a:fld>
             <a:endParaRPr lang="en-GB"/>
           </a:p>
@@ -4637,7 +4638,7 @@
           <a:p>
             <a:fld id="{432668E7-1494-4367-8917-840B541A68C2}" type="datetimeFigureOut">
               <a:rPr lang="en-GB" smtClean="0"/>
-              <a:t>13/07/2019</a:t>
+              <a:t>15/07/2019</a:t>
             </a:fld>
             <a:endParaRPr lang="en-GB"/>
           </a:p>
@@ -4755,7 +4756,7 @@
           <a:p>
             <a:fld id="{432668E7-1494-4367-8917-840B541A68C2}" type="datetimeFigureOut">
               <a:rPr lang="en-GB" smtClean="0"/>
-              <a:t>13/07/2019</a:t>
+              <a:t>15/07/2019</a:t>
             </a:fld>
             <a:endParaRPr lang="en-GB"/>
           </a:p>
@@ -4850,7 +4851,7 @@
           <a:p>
             <a:fld id="{432668E7-1494-4367-8917-840B541A68C2}" type="datetimeFigureOut">
               <a:rPr lang="en-GB" smtClean="0"/>
-              <a:t>13/07/2019</a:t>
+              <a:t>15/07/2019</a:t>
             </a:fld>
             <a:endParaRPr lang="en-GB"/>
           </a:p>
@@ -5127,7 +5128,7 @@
           <a:p>
             <a:fld id="{432668E7-1494-4367-8917-840B541A68C2}" type="datetimeFigureOut">
               <a:rPr lang="en-GB" smtClean="0"/>
-              <a:t>13/07/2019</a:t>
+              <a:t>15/07/2019</a:t>
             </a:fld>
             <a:endParaRPr lang="en-GB"/>
           </a:p>
@@ -5380,7 +5381,7 @@
           <a:p>
             <a:fld id="{432668E7-1494-4367-8917-840B541A68C2}" type="datetimeFigureOut">
               <a:rPr lang="en-GB" smtClean="0"/>
-              <a:t>13/07/2019</a:t>
+              <a:t>15/07/2019</a:t>
             </a:fld>
             <a:endParaRPr lang="en-GB"/>
           </a:p>
@@ -5550,7 +5551,7 @@
           <a:p>
             <a:fld id="{432668E7-1494-4367-8917-840B541A68C2}" type="datetimeFigureOut">
               <a:rPr lang="en-GB" smtClean="0"/>
-              <a:t>13/07/2019</a:t>
+              <a:t>15/07/2019</a:t>
             </a:fld>
             <a:endParaRPr lang="en-GB"/>
           </a:p>
@@ -5730,7 +5731,7 @@
           <a:p>
             <a:fld id="{432668E7-1494-4367-8917-840B541A68C2}" type="datetimeFigureOut">
               <a:rPr lang="en-GB" smtClean="0"/>
-              <a:t>13/07/2019</a:t>
+              <a:t>15/07/2019</a:t>
             </a:fld>
             <a:endParaRPr lang="en-GB"/>
           </a:p>
@@ -5853,7 +5854,7 @@
           <a:p>
             <a:fld id="{AD47607F-D0CB-4AC6-9566-046428C59115}" type="datetime3">
               <a:rPr lang="en-US" smtClean="0"/>
-              <a:t>13 July 2019</a:t>
+              <a:t>15 July 2019</a:t>
             </a:fld>
             <a:endParaRPr lang="en-GB" dirty="0"/>
           </a:p>
@@ -6176,7 +6177,7 @@
           <a:p>
             <a:fld id="{2B25DCB4-1894-45C1-AC80-BB1CC7AB7AF3}" type="datetimeFigureOut">
               <a:rPr lang="en-GB" smtClean="0"/>
-              <a:t>13/07/2019</a:t>
+              <a:t>15/07/2019</a:t>
             </a:fld>
             <a:endParaRPr lang="en-GB"/>
           </a:p>
@@ -6679,7 +6680,7 @@
           <a:p>
             <a:fld id="{2B25DCB4-1894-45C1-AC80-BB1CC7AB7AF3}" type="datetimeFigureOut">
               <a:rPr lang="en-GB" smtClean="0"/>
-              <a:t>13/07/2019</a:t>
+              <a:t>15/07/2019</a:t>
             </a:fld>
             <a:endParaRPr lang="en-GB"/>
           </a:p>
@@ -7061,7 +7062,7 @@
           <a:p>
             <a:fld id="{2B25DCB4-1894-45C1-AC80-BB1CC7AB7AF3}" type="datetimeFigureOut">
               <a:rPr lang="en-GB" smtClean="0"/>
-              <a:t>13/07/2019</a:t>
+              <a:t>15/07/2019</a:t>
             </a:fld>
             <a:endParaRPr lang="en-GB"/>
           </a:p>
@@ -7179,7 +7180,7 @@
           <a:p>
             <a:fld id="{2B25DCB4-1894-45C1-AC80-BB1CC7AB7AF3}" type="datetimeFigureOut">
               <a:rPr lang="en-GB" smtClean="0"/>
-              <a:t>13/07/2019</a:t>
+              <a:t>15/07/2019</a:t>
             </a:fld>
             <a:endParaRPr lang="en-GB"/>
           </a:p>
@@ -7274,7 +7275,7 @@
           <a:p>
             <a:fld id="{2B25DCB4-1894-45C1-AC80-BB1CC7AB7AF3}" type="datetimeFigureOut">
               <a:rPr lang="en-GB" smtClean="0"/>
-              <a:t>13/07/2019</a:t>
+              <a:t>15/07/2019</a:t>
             </a:fld>
             <a:endParaRPr lang="en-GB"/>
           </a:p>
@@ -7529,7 +7530,7 @@
           <a:p>
             <a:fld id="{2B25DCB4-1894-45C1-AC80-BB1CC7AB7AF3}" type="datetimeFigureOut">
               <a:rPr lang="en-GB" smtClean="0"/>
-              <a:t>13/07/2019</a:t>
+              <a:t>15/07/2019</a:t>
             </a:fld>
             <a:endParaRPr lang="en-GB"/>
           </a:p>
@@ -7812,7 +7813,7 @@
           <a:p>
             <a:fld id="{2B25DCB4-1894-45C1-AC80-BB1CC7AB7AF3}" type="datetimeFigureOut">
               <a:rPr lang="en-GB" smtClean="0"/>
-              <a:t>13/07/2019</a:t>
+              <a:t>15/07/2019</a:t>
             </a:fld>
             <a:endParaRPr lang="en-GB"/>
           </a:p>
@@ -8218,7 +8219,7 @@
           <a:p>
             <a:fld id="{2B25DCB4-1894-45C1-AC80-BB1CC7AB7AF3}" type="datetimeFigureOut">
               <a:rPr lang="en-GB" smtClean="0"/>
-              <a:t>13/07/2019</a:t>
+              <a:t>15/07/2019</a:t>
             </a:fld>
             <a:endParaRPr lang="en-GB"/>
           </a:p>
@@ -8930,7 +8931,7 @@
           <a:p>
             <a:fld id="{432668E7-1494-4367-8917-840B541A68C2}" type="datetimeFigureOut">
               <a:rPr lang="en-GB" smtClean="0"/>
-              <a:t>13/07/2019</a:t>
+              <a:t>15/07/2019</a:t>
             </a:fld>
             <a:endParaRPr lang="en-GB"/>
           </a:p>
@@ -14894,6 +14895,2541 @@
           <a:chExt cx="0" cy="0"/>
         </a:xfrm>
       </p:grpSpPr>
+      <p:sp>
+        <p:nvSpPr>
+          <p:cNvPr id="118" name="Title 5"/>
+          <p:cNvSpPr txBox="1">
+            <a:spLocks/>
+          </p:cNvSpPr>
+          <p:nvPr/>
+        </p:nvSpPr>
+        <p:spPr>
+          <a:xfrm>
+            <a:off x="436082" y="483783"/>
+            <a:ext cx="9963149" cy="585227"/>
+          </a:xfrm>
+        </p:spPr>
+        <p:txBody>
+          <a:bodyPr>
+            <a:noAutofit/>
+          </a:bodyPr>
+          <a:lstStyle>
+            <a:lvl1pPr algn="l" defTabSz="914400" rtl="0" eaLnBrk="1" latinLnBrk="0" hangingPunct="1">
+              <a:spcBef>
+                <a:spcPct val="0"/>
+              </a:spcBef>
+              <a:buNone/>
+              <a:defRPr sz="2000" b="1" kern="1200">
+                <a:solidFill>
+                  <a:schemeClr val="tx1"/>
+                </a:solidFill>
+                <a:latin typeface="Arial" panose="020B0604020202020204" pitchFamily="34" charset="0"/>
+                <a:ea typeface="+mj-ea"/>
+                <a:cs typeface="Arial" panose="020B0604020202020204" pitchFamily="34" charset="0"/>
+              </a:defRPr>
+            </a:lvl1pPr>
+          </a:lstStyle>
+          <a:p>
+            <a:r>
+              <a:rPr lang="en-GB" sz="2667" b="0" dirty="0"/>
+              <a:t>CNTT</a:t>
+            </a:r>
+            <a:r>
+              <a:rPr lang="en-US" sz="2667" b="0" dirty="0"/>
+              <a:t> </a:t>
+            </a:r>
+            <a:r>
+              <a:rPr lang="en-GB" sz="2667" b="0" dirty="0">
+                <a:solidFill>
+                  <a:schemeClr val="bg1">
+                    <a:lumMod val="50000"/>
+                  </a:schemeClr>
+                </a:solidFill>
+              </a:rPr>
+              <a:t>| HW/SW </a:t>
+            </a:r>
+            <a:r>
+              <a:rPr lang="en-GB" sz="2667" b="0" dirty="0" err="1">
+                <a:solidFill>
+                  <a:schemeClr val="bg1">
+                    <a:lumMod val="50000"/>
+                  </a:schemeClr>
+                </a:solidFill>
+              </a:rPr>
+              <a:t>Config</a:t>
+            </a:r>
+            <a:r>
+              <a:rPr lang="en-GB" sz="2667" b="0" dirty="0">
+                <a:solidFill>
+                  <a:schemeClr val="bg1">
+                    <a:lumMod val="50000"/>
+                  </a:schemeClr>
+                </a:solidFill>
+              </a:rPr>
+              <a:t>. </a:t>
+            </a:r>
+          </a:p>
+        </p:txBody>
+      </p:sp>
+      <p:grpSp>
+        <p:nvGrpSpPr>
+          <p:cNvPr id="2" name="Group 1">
+            <a:extLst>
+              <a:ext uri="{FF2B5EF4-FFF2-40B4-BE49-F238E27FC236}">
+                <a16:creationId xmlns:a16="http://schemas.microsoft.com/office/drawing/2014/main" id="{3B33AA89-38A2-C849-9795-50F826E5A891}"/>
+              </a:ext>
+            </a:extLst>
+          </p:cNvPr>
+          <p:cNvGrpSpPr/>
+          <p:nvPr/>
+        </p:nvGrpSpPr>
+        <p:grpSpPr>
+          <a:xfrm>
+            <a:off x="2066906" y="4224766"/>
+            <a:ext cx="2570765" cy="1864939"/>
+            <a:chOff x="2066906" y="4224766"/>
+            <a:chExt cx="2570765" cy="1864939"/>
+          </a:xfrm>
+        </p:grpSpPr>
+        <p:sp>
+          <p:nvSpPr>
+            <p:cNvPr id="87" name="Rounded Rectangle 86"/>
+            <p:cNvSpPr/>
+            <p:nvPr/>
+          </p:nvSpPr>
+          <p:spPr>
+            <a:xfrm>
+              <a:off x="2066906" y="4361513"/>
+              <a:ext cx="2498757" cy="1728192"/>
+            </a:xfrm>
+            <a:prstGeom prst="roundRect">
+              <a:avLst>
+                <a:gd name="adj" fmla="val 7505"/>
+              </a:avLst>
+            </a:prstGeom>
+            <a:solidFill>
+              <a:srgbClr val="5C5C5C">
+                <a:alpha val="50000"/>
+              </a:srgbClr>
+            </a:solidFill>
+            <a:ln>
+              <a:noFill/>
+            </a:ln>
+            <a:effectLst/>
+          </p:spPr>
+          <p:txBody>
+            <a:bodyPr rtlCol="0" anchor="t"/>
+            <a:lstStyle/>
+            <a:p>
+              <a:pPr marL="0" marR="0" lvl="0" indent="0" algn="ctr" defTabSz="914400" eaLnBrk="1" fontAlgn="auto" latinLnBrk="0" hangingPunct="1">
+                <a:lnSpc>
+                  <a:spcPct val="100000"/>
+                </a:lnSpc>
+                <a:spcBef>
+                  <a:spcPts val="0"/>
+                </a:spcBef>
+                <a:spcAft>
+                  <a:spcPts val="0"/>
+                </a:spcAft>
+                <a:buClrTx/>
+                <a:buSzTx/>
+                <a:buFontTx/>
+                <a:buNone/>
+                <a:tabLst/>
+                <a:defRPr/>
+              </a:pPr>
+              <a:r>
+                <a:rPr kumimoji="0" lang="en-GB" sz="1400" b="1" i="0" u="none" strike="noStrike" kern="0" cap="none" spc="0" normalizeH="0" baseline="0" noProof="0" dirty="0">
+                  <a:ln>
+                    <a:noFill/>
+                  </a:ln>
+                  <a:solidFill>
+                    <a:srgbClr val="FFFFFF"/>
+                  </a:solidFill>
+                  <a:effectLst/>
+                  <a:uLnTx/>
+                  <a:uFillTx/>
+                  <a:latin typeface="Arial"/>
+                  <a:ea typeface="+mn-ea"/>
+                  <a:cs typeface="+mn-cs"/>
+                </a:rPr>
+                <a:t>Basic</a:t>
+              </a:r>
+            </a:p>
+          </p:txBody>
+        </p:sp>
+        <p:pic>
+          <p:nvPicPr>
+            <p:cNvPr id="88" name="Picture 87"/>
+            <p:cNvPicPr>
+              <a:picLocks noChangeAspect="1"/>
+            </p:cNvPicPr>
+            <p:nvPr/>
+          </p:nvPicPr>
+          <p:blipFill>
+            <a:blip r:embed="rId2" cstate="print">
+              <a:extLst>
+                <a:ext uri="{28A0092B-C50C-407E-A947-70E740481C1C}">
+                  <a14:useLocalDpi xmlns:a14="http://schemas.microsoft.com/office/drawing/2010/main" val="0"/>
+                </a:ext>
+              </a:extLst>
+            </a:blip>
+            <a:stretch>
+              <a:fillRect/>
+            </a:stretch>
+          </p:blipFill>
+          <p:spPr>
+            <a:xfrm>
+              <a:off x="4193792" y="4224766"/>
+              <a:ext cx="443879" cy="438637"/>
+            </a:xfrm>
+            <a:prstGeom prst="rect">
+              <a:avLst/>
+            </a:prstGeom>
+          </p:spPr>
+        </p:pic>
+        <p:sp>
+          <p:nvSpPr>
+            <p:cNvPr id="94" name="Rounded Rectangle 93"/>
+            <p:cNvSpPr/>
+            <p:nvPr/>
+          </p:nvSpPr>
+          <p:spPr>
+            <a:xfrm>
+              <a:off x="2138914" y="5420921"/>
+              <a:ext cx="1152128" cy="288032"/>
+            </a:xfrm>
+            <a:prstGeom prst="roundRect">
+              <a:avLst/>
+            </a:prstGeom>
+            <a:solidFill>
+              <a:srgbClr val="FCDF9E"/>
+            </a:solidFill>
+            <a:ln w="25400" cap="flat" cmpd="sng" algn="ctr">
+              <a:noFill/>
+              <a:prstDash val="solid"/>
+            </a:ln>
+            <a:effectLst/>
+          </p:spPr>
+          <p:txBody>
+            <a:bodyPr rtlCol="0" anchor="ctr"/>
+            <a:lstStyle/>
+            <a:p>
+              <a:pPr marL="0" marR="0" lvl="0" indent="0" algn="ctr" defTabSz="914400" eaLnBrk="1" fontAlgn="auto" latinLnBrk="0" hangingPunct="1">
+                <a:lnSpc>
+                  <a:spcPct val="100000"/>
+                </a:lnSpc>
+                <a:spcBef>
+                  <a:spcPts val="0"/>
+                </a:spcBef>
+                <a:spcAft>
+                  <a:spcPts val="0"/>
+                </a:spcAft>
+                <a:buClrTx/>
+                <a:buSzTx/>
+                <a:buFontTx/>
+                <a:buNone/>
+                <a:tabLst/>
+                <a:defRPr/>
+              </a:pPr>
+              <a:r>
+                <a:rPr kumimoji="0" lang="en-GB" sz="1200" b="0" i="0" u="none" strike="noStrike" kern="0" cap="none" spc="0" normalizeH="0" baseline="0" noProof="0" dirty="0">
+                  <a:ln>
+                    <a:noFill/>
+                  </a:ln>
+                  <a:solidFill>
+                    <a:srgbClr val="262626"/>
+                  </a:solidFill>
+                  <a:effectLst/>
+                  <a:uLnTx/>
+                  <a:uFillTx/>
+                  <a:latin typeface="Arial"/>
+                  <a:ea typeface="+mn-ea"/>
+                  <a:cs typeface="+mn-cs"/>
+                </a:rPr>
+                <a:t>SMT/HT</a:t>
+              </a:r>
+            </a:p>
+          </p:txBody>
+        </p:sp>
+        <p:sp>
+          <p:nvSpPr>
+            <p:cNvPr id="95" name="Rounded Rectangle 94"/>
+            <p:cNvSpPr/>
+            <p:nvPr/>
+          </p:nvSpPr>
+          <p:spPr>
+            <a:xfrm>
+              <a:off x="3352288" y="5420921"/>
+              <a:ext cx="1152128" cy="288032"/>
+            </a:xfrm>
+            <a:prstGeom prst="roundRect">
+              <a:avLst/>
+            </a:prstGeom>
+            <a:solidFill>
+              <a:srgbClr val="FCDF9E"/>
+            </a:solidFill>
+            <a:ln w="25400" cap="flat" cmpd="sng" algn="ctr">
+              <a:noFill/>
+              <a:prstDash val="solid"/>
+            </a:ln>
+            <a:effectLst/>
+          </p:spPr>
+          <p:txBody>
+            <a:bodyPr rtlCol="0" anchor="ctr"/>
+            <a:lstStyle/>
+            <a:p>
+              <a:pPr marL="0" marR="0" lvl="0" indent="0" algn="ctr" defTabSz="914400" eaLnBrk="1" fontAlgn="auto" latinLnBrk="0" hangingPunct="1">
+                <a:lnSpc>
+                  <a:spcPct val="100000"/>
+                </a:lnSpc>
+                <a:spcBef>
+                  <a:spcPts val="0"/>
+                </a:spcBef>
+                <a:spcAft>
+                  <a:spcPts val="0"/>
+                </a:spcAft>
+                <a:buClrTx/>
+                <a:buSzTx/>
+                <a:buFontTx/>
+                <a:buNone/>
+                <a:tabLst/>
+                <a:defRPr/>
+              </a:pPr>
+              <a:r>
+                <a:rPr lang="en-GB" sz="1200" kern="0" dirty="0">
+                  <a:solidFill>
+                    <a:srgbClr val="262626"/>
+                  </a:solidFill>
+                  <a:latin typeface="Arial"/>
+                </a:rPr>
+                <a:t>PCIe</a:t>
+              </a:r>
+              <a:endParaRPr kumimoji="0" lang="en-GB" sz="1200" b="0" i="0" u="none" strike="noStrike" kern="0" cap="none" spc="0" normalizeH="0" baseline="0" noProof="0" dirty="0">
+                <a:ln>
+                  <a:noFill/>
+                </a:ln>
+                <a:solidFill>
+                  <a:srgbClr val="262626"/>
+                </a:solidFill>
+                <a:effectLst/>
+                <a:uLnTx/>
+                <a:uFillTx/>
+                <a:latin typeface="Arial"/>
+                <a:ea typeface="+mn-ea"/>
+                <a:cs typeface="+mn-cs"/>
+              </a:endParaRPr>
+            </a:p>
+          </p:txBody>
+        </p:sp>
+        <p:sp>
+          <p:nvSpPr>
+            <p:cNvPr id="92" name="Rounded Rectangle 91"/>
+            <p:cNvSpPr/>
+            <p:nvPr/>
+          </p:nvSpPr>
+          <p:spPr>
+            <a:xfrm>
+              <a:off x="3352288" y="5080378"/>
+              <a:ext cx="1152128" cy="288032"/>
+            </a:xfrm>
+            <a:prstGeom prst="roundRect">
+              <a:avLst/>
+            </a:prstGeom>
+            <a:solidFill>
+              <a:srgbClr val="FCDF9E"/>
+            </a:solidFill>
+            <a:ln w="25400" cap="flat" cmpd="sng" algn="ctr">
+              <a:noFill/>
+              <a:prstDash val="solid"/>
+            </a:ln>
+            <a:effectLst/>
+          </p:spPr>
+          <p:txBody>
+            <a:bodyPr rtlCol="0" anchor="ctr"/>
+            <a:lstStyle/>
+            <a:p>
+              <a:pPr marL="0" marR="0" lvl="0" indent="0" algn="ctr" defTabSz="914400" eaLnBrk="1" fontAlgn="auto" latinLnBrk="0" hangingPunct="1">
+                <a:lnSpc>
+                  <a:spcPct val="100000"/>
+                </a:lnSpc>
+                <a:spcBef>
+                  <a:spcPts val="0"/>
+                </a:spcBef>
+                <a:spcAft>
+                  <a:spcPts val="0"/>
+                </a:spcAft>
+                <a:buClrTx/>
+                <a:buSzTx/>
+                <a:buFontTx/>
+                <a:buNone/>
+                <a:tabLst/>
+                <a:defRPr/>
+              </a:pPr>
+              <a:r>
+                <a:rPr lang="en-GB" sz="1200" kern="0" dirty="0">
+                  <a:solidFill>
+                    <a:srgbClr val="262626"/>
+                  </a:solidFill>
+                  <a:latin typeface="Arial"/>
+                </a:rPr>
+                <a:t>#NIC</a:t>
+              </a:r>
+              <a:endParaRPr kumimoji="0" lang="en-GB" sz="1200" b="0" i="0" u="none" strike="noStrike" kern="0" cap="none" spc="0" normalizeH="0" baseline="0" noProof="0" dirty="0">
+                <a:ln>
+                  <a:noFill/>
+                </a:ln>
+                <a:solidFill>
+                  <a:srgbClr val="262626"/>
+                </a:solidFill>
+                <a:effectLst/>
+                <a:uLnTx/>
+                <a:uFillTx/>
+                <a:latin typeface="Arial"/>
+                <a:ea typeface="+mn-ea"/>
+                <a:cs typeface="+mn-cs"/>
+              </a:endParaRPr>
+            </a:p>
+          </p:txBody>
+        </p:sp>
+        <p:sp>
+          <p:nvSpPr>
+            <p:cNvPr id="93" name="Rounded Rectangle 92"/>
+            <p:cNvSpPr/>
+            <p:nvPr/>
+          </p:nvSpPr>
+          <p:spPr>
+            <a:xfrm>
+              <a:off x="3364628" y="4737575"/>
+              <a:ext cx="1152128" cy="288032"/>
+            </a:xfrm>
+            <a:prstGeom prst="roundRect">
+              <a:avLst/>
+            </a:prstGeom>
+            <a:solidFill>
+              <a:srgbClr val="FCDF9E"/>
+            </a:solidFill>
+            <a:ln w="25400" cap="flat" cmpd="sng" algn="ctr">
+              <a:noFill/>
+              <a:prstDash val="solid"/>
+            </a:ln>
+            <a:effectLst/>
+          </p:spPr>
+          <p:txBody>
+            <a:bodyPr rtlCol="0" anchor="ctr"/>
+            <a:lstStyle/>
+            <a:p>
+              <a:pPr marL="0" marR="0" lvl="0" indent="0" algn="ctr" defTabSz="914400" eaLnBrk="1" fontAlgn="auto" latinLnBrk="0" hangingPunct="1">
+                <a:lnSpc>
+                  <a:spcPct val="100000"/>
+                </a:lnSpc>
+                <a:spcBef>
+                  <a:spcPts val="0"/>
+                </a:spcBef>
+                <a:spcAft>
+                  <a:spcPts val="0"/>
+                </a:spcAft>
+                <a:buClrTx/>
+                <a:buSzTx/>
+                <a:buFontTx/>
+                <a:buNone/>
+                <a:tabLst/>
+                <a:defRPr/>
+              </a:pPr>
+              <a:r>
+                <a:rPr kumimoji="0" lang="en-GB" sz="1200" b="0" i="0" u="none" strike="noStrike" kern="0" cap="none" spc="0" normalizeH="0" baseline="0" noProof="0" dirty="0">
+                  <a:ln>
+                    <a:noFill/>
+                  </a:ln>
+                  <a:solidFill>
+                    <a:srgbClr val="262626"/>
+                  </a:solidFill>
+                  <a:effectLst/>
+                  <a:uLnTx/>
+                  <a:uFillTx/>
+                  <a:latin typeface="Arial"/>
+                  <a:ea typeface="+mn-ea"/>
+                  <a:cs typeface="+mn-cs"/>
+                </a:rPr>
+                <a:t>SSD </a:t>
+              </a:r>
+            </a:p>
+          </p:txBody>
+        </p:sp>
+        <p:sp>
+          <p:nvSpPr>
+            <p:cNvPr id="60" name="Rounded Rectangle 59">
+              <a:extLst>
+                <a:ext uri="{FF2B5EF4-FFF2-40B4-BE49-F238E27FC236}">
+                  <a16:creationId xmlns:a16="http://schemas.microsoft.com/office/drawing/2014/main" id="{FCE20A78-67DB-CB4F-BCC4-0D61B1DD5052}"/>
+                </a:ext>
+              </a:extLst>
+            </p:cNvPr>
+            <p:cNvSpPr/>
+            <p:nvPr/>
+          </p:nvSpPr>
+          <p:spPr>
+            <a:xfrm>
+              <a:off x="2138914" y="5772811"/>
+              <a:ext cx="1152128" cy="288032"/>
+            </a:xfrm>
+            <a:prstGeom prst="roundRect">
+              <a:avLst/>
+            </a:prstGeom>
+            <a:solidFill>
+              <a:srgbClr val="FCDF9E"/>
+            </a:solidFill>
+            <a:ln w="25400" cap="flat" cmpd="sng" algn="ctr">
+              <a:noFill/>
+              <a:prstDash val="solid"/>
+            </a:ln>
+            <a:effectLst/>
+          </p:spPr>
+          <p:txBody>
+            <a:bodyPr rtlCol="0" anchor="ctr"/>
+            <a:lstStyle/>
+            <a:p>
+              <a:pPr marL="0" marR="0" lvl="0" indent="0" algn="ctr" defTabSz="914400" eaLnBrk="1" fontAlgn="auto" latinLnBrk="0" hangingPunct="1">
+                <a:lnSpc>
+                  <a:spcPct val="100000"/>
+                </a:lnSpc>
+                <a:spcBef>
+                  <a:spcPts val="0"/>
+                </a:spcBef>
+                <a:spcAft>
+                  <a:spcPts val="0"/>
+                </a:spcAft>
+                <a:buClrTx/>
+                <a:buSzTx/>
+                <a:buFontTx/>
+                <a:buNone/>
+                <a:tabLst/>
+                <a:defRPr/>
+              </a:pPr>
+              <a:r>
+                <a:rPr kumimoji="0" lang="en-GB" sz="1200" b="0" i="0" u="none" strike="noStrike" kern="0" cap="none" spc="0" normalizeH="0" baseline="0" noProof="0" dirty="0">
+                  <a:ln>
+                    <a:noFill/>
+                  </a:ln>
+                  <a:solidFill>
+                    <a:srgbClr val="262626"/>
+                  </a:solidFill>
+                  <a:effectLst/>
+                  <a:uLnTx/>
+                  <a:uFillTx/>
+                  <a:latin typeface="Arial"/>
+                  <a:ea typeface="+mn-ea"/>
+                  <a:cs typeface="+mn-cs"/>
+                </a:rPr>
+                <a:t>#CPU</a:t>
+              </a:r>
+            </a:p>
+          </p:txBody>
+        </p:sp>
+        <p:sp>
+          <p:nvSpPr>
+            <p:cNvPr id="61" name="Rounded Rectangle 60">
+              <a:extLst>
+                <a:ext uri="{FF2B5EF4-FFF2-40B4-BE49-F238E27FC236}">
+                  <a16:creationId xmlns:a16="http://schemas.microsoft.com/office/drawing/2014/main" id="{77B8E8C5-2974-0F4A-ABA3-D18A85195AEA}"/>
+                </a:ext>
+              </a:extLst>
+            </p:cNvPr>
+            <p:cNvSpPr/>
+            <p:nvPr/>
+          </p:nvSpPr>
+          <p:spPr>
+            <a:xfrm>
+              <a:off x="3352288" y="5761464"/>
+              <a:ext cx="1152128" cy="288032"/>
+            </a:xfrm>
+            <a:prstGeom prst="roundRect">
+              <a:avLst/>
+            </a:prstGeom>
+            <a:solidFill>
+              <a:srgbClr val="FCDF9E"/>
+            </a:solidFill>
+            <a:ln w="25400" cap="flat" cmpd="sng" algn="ctr">
+              <a:noFill/>
+              <a:prstDash val="solid"/>
+            </a:ln>
+            <a:effectLst/>
+          </p:spPr>
+          <p:txBody>
+            <a:bodyPr rtlCol="0" anchor="ctr"/>
+            <a:lstStyle/>
+            <a:p>
+              <a:pPr marL="0" marR="0" lvl="0" indent="0" algn="ctr" defTabSz="914400" eaLnBrk="1" fontAlgn="auto" latinLnBrk="0" hangingPunct="1">
+                <a:lnSpc>
+                  <a:spcPct val="100000"/>
+                </a:lnSpc>
+                <a:spcBef>
+                  <a:spcPts val="0"/>
+                </a:spcBef>
+                <a:spcAft>
+                  <a:spcPts val="0"/>
+                </a:spcAft>
+                <a:buClrTx/>
+                <a:buSzTx/>
+                <a:buFontTx/>
+                <a:buNone/>
+                <a:tabLst/>
+                <a:defRPr/>
+              </a:pPr>
+              <a:r>
+                <a:rPr kumimoji="0" lang="en-GB" sz="1200" b="0" i="0" u="none" strike="noStrike" kern="0" cap="none" spc="0" normalizeH="0" baseline="0" noProof="0" dirty="0">
+                  <a:ln>
+                    <a:noFill/>
+                  </a:ln>
+                  <a:solidFill>
+                    <a:srgbClr val="262626"/>
+                  </a:solidFill>
+                  <a:effectLst/>
+                  <a:uLnTx/>
+                  <a:uFillTx/>
+                  <a:latin typeface="Arial"/>
+                  <a:ea typeface="+mn-ea"/>
+                  <a:cs typeface="+mn-cs"/>
+                </a:rPr>
+                <a:t>#Cores</a:t>
+              </a:r>
+            </a:p>
+          </p:txBody>
+        </p:sp>
+        <p:sp>
+          <p:nvSpPr>
+            <p:cNvPr id="62" name="Rounded Rectangle 61">
+              <a:extLst>
+                <a:ext uri="{FF2B5EF4-FFF2-40B4-BE49-F238E27FC236}">
+                  <a16:creationId xmlns:a16="http://schemas.microsoft.com/office/drawing/2014/main" id="{75C28481-EEA1-4445-965A-64837F942658}"/>
+                </a:ext>
+              </a:extLst>
+            </p:cNvPr>
+            <p:cNvSpPr/>
+            <p:nvPr/>
+          </p:nvSpPr>
+          <p:spPr>
+            <a:xfrm>
+              <a:off x="2138914" y="5085826"/>
+              <a:ext cx="1152128" cy="288032"/>
+            </a:xfrm>
+            <a:prstGeom prst="roundRect">
+              <a:avLst/>
+            </a:prstGeom>
+            <a:solidFill>
+              <a:srgbClr val="FCDF9E"/>
+            </a:solidFill>
+            <a:ln w="25400" cap="flat" cmpd="sng" algn="ctr">
+              <a:noFill/>
+              <a:prstDash val="solid"/>
+            </a:ln>
+            <a:effectLst/>
+          </p:spPr>
+          <p:txBody>
+            <a:bodyPr rtlCol="0" anchor="ctr"/>
+            <a:lstStyle/>
+            <a:p>
+              <a:pPr marL="0" marR="0" lvl="0" indent="0" algn="ctr" defTabSz="914400" eaLnBrk="1" fontAlgn="auto" latinLnBrk="0" hangingPunct="1">
+                <a:lnSpc>
+                  <a:spcPct val="100000"/>
+                </a:lnSpc>
+                <a:spcBef>
+                  <a:spcPts val="0"/>
+                </a:spcBef>
+                <a:spcAft>
+                  <a:spcPts val="0"/>
+                </a:spcAft>
+                <a:buClrTx/>
+                <a:buSzTx/>
+                <a:buFontTx/>
+                <a:buNone/>
+                <a:tabLst/>
+                <a:defRPr/>
+              </a:pPr>
+              <a:r>
+                <a:rPr kumimoji="0" lang="en-GB" sz="1200" b="0" i="0" u="none" strike="noStrike" kern="0" cap="none" spc="0" normalizeH="0" baseline="0" noProof="0" dirty="0">
+                  <a:ln>
+                    <a:noFill/>
+                  </a:ln>
+                  <a:solidFill>
+                    <a:srgbClr val="262626"/>
+                  </a:solidFill>
+                  <a:effectLst/>
+                  <a:uLnTx/>
+                  <a:uFillTx/>
+                  <a:latin typeface="Arial"/>
+                  <a:ea typeface="+mn-ea"/>
+                  <a:cs typeface="+mn-cs"/>
+                </a:rPr>
+                <a:t>RAM(GB)</a:t>
+              </a:r>
+            </a:p>
+          </p:txBody>
+        </p:sp>
+        <p:sp>
+          <p:nvSpPr>
+            <p:cNvPr id="63" name="Rounded Rectangle 62">
+              <a:extLst>
+                <a:ext uri="{FF2B5EF4-FFF2-40B4-BE49-F238E27FC236}">
+                  <a16:creationId xmlns:a16="http://schemas.microsoft.com/office/drawing/2014/main" id="{4F48FC36-C931-254A-A435-8400516180A7}"/>
+                </a:ext>
+              </a:extLst>
+            </p:cNvPr>
+            <p:cNvSpPr/>
+            <p:nvPr/>
+          </p:nvSpPr>
+          <p:spPr>
+            <a:xfrm>
+              <a:off x="2138914" y="4745371"/>
+              <a:ext cx="1152128" cy="288032"/>
+            </a:xfrm>
+            <a:prstGeom prst="roundRect">
+              <a:avLst/>
+            </a:prstGeom>
+            <a:solidFill>
+              <a:srgbClr val="FCDF9E"/>
+            </a:solidFill>
+            <a:ln w="25400" cap="flat" cmpd="sng" algn="ctr">
+              <a:noFill/>
+              <a:prstDash val="solid"/>
+            </a:ln>
+            <a:effectLst/>
+          </p:spPr>
+          <p:txBody>
+            <a:bodyPr rtlCol="0" anchor="ctr"/>
+            <a:lstStyle/>
+            <a:p>
+              <a:pPr marL="0" marR="0" lvl="0" indent="0" algn="ctr" defTabSz="914400" eaLnBrk="1" fontAlgn="auto" latinLnBrk="0" hangingPunct="1">
+                <a:lnSpc>
+                  <a:spcPct val="100000"/>
+                </a:lnSpc>
+                <a:spcBef>
+                  <a:spcPts val="0"/>
+                </a:spcBef>
+                <a:spcAft>
+                  <a:spcPts val="0"/>
+                </a:spcAft>
+                <a:buClrTx/>
+                <a:buSzTx/>
+                <a:buFontTx/>
+                <a:buNone/>
+                <a:tabLst/>
+                <a:defRPr/>
+              </a:pPr>
+              <a:r>
+                <a:rPr lang="en-GB" sz="1200" kern="0" dirty="0">
+                  <a:solidFill>
+                    <a:srgbClr val="262626"/>
+                  </a:solidFill>
+                  <a:latin typeface="Arial"/>
+                </a:rPr>
+                <a:t>HD</a:t>
+              </a:r>
+              <a:r>
+                <a:rPr kumimoji="0" lang="en-GB" sz="1200" b="0" i="0" u="none" strike="noStrike" kern="0" cap="none" spc="0" normalizeH="0" baseline="0" noProof="0" dirty="0">
+                  <a:ln>
+                    <a:noFill/>
+                  </a:ln>
+                  <a:solidFill>
+                    <a:srgbClr val="262626"/>
+                  </a:solidFill>
+                  <a:effectLst/>
+                  <a:uLnTx/>
+                  <a:uFillTx/>
+                  <a:latin typeface="Arial"/>
+                  <a:ea typeface="+mn-ea"/>
+                  <a:cs typeface="+mn-cs"/>
+                </a:rPr>
+                <a:t>D </a:t>
+              </a:r>
+            </a:p>
+          </p:txBody>
+        </p:sp>
+      </p:grpSp>
+      <p:grpSp>
+        <p:nvGrpSpPr>
+          <p:cNvPr id="3" name="Group 2">
+            <a:extLst>
+              <a:ext uri="{FF2B5EF4-FFF2-40B4-BE49-F238E27FC236}">
+                <a16:creationId xmlns:a16="http://schemas.microsoft.com/office/drawing/2014/main" id="{59A0BDED-3F62-5444-B6A4-6B88B78AD869}"/>
+              </a:ext>
+            </a:extLst>
+          </p:cNvPr>
+          <p:cNvGrpSpPr/>
+          <p:nvPr/>
+        </p:nvGrpSpPr>
+        <p:grpSpPr>
+          <a:xfrm>
+            <a:off x="4810617" y="3855877"/>
+            <a:ext cx="2570765" cy="2233828"/>
+            <a:chOff x="4810617" y="3855877"/>
+            <a:chExt cx="2570765" cy="2233828"/>
+          </a:xfrm>
+        </p:grpSpPr>
+        <p:sp>
+          <p:nvSpPr>
+            <p:cNvPr id="66" name="Rounded Rectangle 65">
+              <a:extLst>
+                <a:ext uri="{FF2B5EF4-FFF2-40B4-BE49-F238E27FC236}">
+                  <a16:creationId xmlns:a16="http://schemas.microsoft.com/office/drawing/2014/main" id="{C79DA955-3DED-444E-95C6-D3E5BCB086A2}"/>
+                </a:ext>
+              </a:extLst>
+            </p:cNvPr>
+            <p:cNvSpPr/>
+            <p:nvPr/>
+          </p:nvSpPr>
+          <p:spPr>
+            <a:xfrm>
+              <a:off x="4810617" y="3986784"/>
+              <a:ext cx="2498757" cy="2102921"/>
+            </a:xfrm>
+            <a:prstGeom prst="roundRect">
+              <a:avLst>
+                <a:gd name="adj" fmla="val 7505"/>
+              </a:avLst>
+            </a:prstGeom>
+            <a:solidFill>
+              <a:srgbClr val="5C5C5C">
+                <a:alpha val="50000"/>
+              </a:srgbClr>
+            </a:solidFill>
+            <a:ln>
+              <a:noFill/>
+            </a:ln>
+            <a:effectLst/>
+          </p:spPr>
+          <p:txBody>
+            <a:bodyPr rtlCol="0" anchor="t"/>
+            <a:lstStyle/>
+            <a:p>
+              <a:pPr marL="0" marR="0" lvl="0" indent="0" algn="ctr" defTabSz="914400" eaLnBrk="1" fontAlgn="auto" latinLnBrk="0" hangingPunct="1">
+                <a:lnSpc>
+                  <a:spcPct val="100000"/>
+                </a:lnSpc>
+                <a:spcBef>
+                  <a:spcPts val="0"/>
+                </a:spcBef>
+                <a:spcAft>
+                  <a:spcPts val="0"/>
+                </a:spcAft>
+                <a:buClrTx/>
+                <a:buSzTx/>
+                <a:buFontTx/>
+                <a:buNone/>
+                <a:tabLst/>
+                <a:defRPr/>
+              </a:pPr>
+              <a:r>
+                <a:rPr kumimoji="0" lang="en-GB" sz="1400" b="1" i="0" u="none" strike="noStrike" kern="0" cap="none" spc="0" normalizeH="0" baseline="0" noProof="0" dirty="0">
+                  <a:ln>
+                    <a:noFill/>
+                  </a:ln>
+                  <a:solidFill>
+                    <a:srgbClr val="FFFFFF"/>
+                  </a:solidFill>
+                  <a:effectLst/>
+                  <a:uLnTx/>
+                  <a:uFillTx/>
+                  <a:latin typeface="Arial"/>
+                  <a:ea typeface="+mn-ea"/>
+                  <a:cs typeface="+mn-cs"/>
+                </a:rPr>
+                <a:t>Network Intensive</a:t>
+              </a:r>
+            </a:p>
+          </p:txBody>
+        </p:sp>
+        <p:pic>
+          <p:nvPicPr>
+            <p:cNvPr id="67" name="Picture 66">
+              <a:extLst>
+                <a:ext uri="{FF2B5EF4-FFF2-40B4-BE49-F238E27FC236}">
+                  <a16:creationId xmlns:a16="http://schemas.microsoft.com/office/drawing/2014/main" id="{1487D1C9-5B8E-4042-87DD-FE7A3ECDEA82}"/>
+                </a:ext>
+              </a:extLst>
+            </p:cNvPr>
+            <p:cNvPicPr>
+              <a:picLocks noChangeAspect="1"/>
+            </p:cNvPicPr>
+            <p:nvPr/>
+          </p:nvPicPr>
+          <p:blipFill>
+            <a:blip r:embed="rId2" cstate="print">
+              <a:extLst>
+                <a:ext uri="{28A0092B-C50C-407E-A947-70E740481C1C}">
+                  <a14:useLocalDpi xmlns:a14="http://schemas.microsoft.com/office/drawing/2010/main" val="0"/>
+                </a:ext>
+              </a:extLst>
+            </a:blip>
+            <a:stretch>
+              <a:fillRect/>
+            </a:stretch>
+          </p:blipFill>
+          <p:spPr>
+            <a:xfrm>
+              <a:off x="6937503" y="3855877"/>
+              <a:ext cx="443879" cy="438637"/>
+            </a:xfrm>
+            <a:prstGeom prst="rect">
+              <a:avLst/>
+            </a:prstGeom>
+          </p:spPr>
+        </p:pic>
+        <p:sp>
+          <p:nvSpPr>
+            <p:cNvPr id="68" name="Rounded Rectangle 67">
+              <a:extLst>
+                <a:ext uri="{FF2B5EF4-FFF2-40B4-BE49-F238E27FC236}">
+                  <a16:creationId xmlns:a16="http://schemas.microsoft.com/office/drawing/2014/main" id="{981604DF-FD30-4446-97ED-7BCBDE9BE014}"/>
+                </a:ext>
+              </a:extLst>
+            </p:cNvPr>
+            <p:cNvSpPr/>
+            <p:nvPr/>
+          </p:nvSpPr>
+          <p:spPr>
+            <a:xfrm>
+              <a:off x="4882625" y="5420921"/>
+              <a:ext cx="1152128" cy="288032"/>
+            </a:xfrm>
+            <a:prstGeom prst="roundRect">
+              <a:avLst/>
+            </a:prstGeom>
+            <a:solidFill>
+              <a:srgbClr val="FCDF9E"/>
+            </a:solidFill>
+            <a:ln w="25400" cap="flat" cmpd="sng" algn="ctr">
+              <a:noFill/>
+              <a:prstDash val="solid"/>
+            </a:ln>
+            <a:effectLst/>
+          </p:spPr>
+          <p:txBody>
+            <a:bodyPr rtlCol="0" anchor="ctr"/>
+            <a:lstStyle/>
+            <a:p>
+              <a:pPr marL="0" marR="0" lvl="0" indent="0" algn="ctr" defTabSz="914400" eaLnBrk="1" fontAlgn="auto" latinLnBrk="0" hangingPunct="1">
+                <a:lnSpc>
+                  <a:spcPct val="100000"/>
+                </a:lnSpc>
+                <a:spcBef>
+                  <a:spcPts val="0"/>
+                </a:spcBef>
+                <a:spcAft>
+                  <a:spcPts val="0"/>
+                </a:spcAft>
+                <a:buClrTx/>
+                <a:buSzTx/>
+                <a:buFontTx/>
+                <a:buNone/>
+                <a:tabLst/>
+                <a:defRPr/>
+              </a:pPr>
+              <a:r>
+                <a:rPr kumimoji="0" lang="en-GB" sz="1200" b="0" i="0" u="none" strike="noStrike" kern="0" cap="none" spc="0" normalizeH="0" baseline="0" noProof="0" dirty="0">
+                  <a:ln>
+                    <a:noFill/>
+                  </a:ln>
+                  <a:solidFill>
+                    <a:srgbClr val="262626"/>
+                  </a:solidFill>
+                  <a:effectLst/>
+                  <a:uLnTx/>
+                  <a:uFillTx/>
+                  <a:latin typeface="Arial"/>
+                  <a:ea typeface="+mn-ea"/>
+                  <a:cs typeface="+mn-cs"/>
+                </a:rPr>
+                <a:t>SMT/HT</a:t>
+              </a:r>
+            </a:p>
+          </p:txBody>
+        </p:sp>
+        <p:sp>
+          <p:nvSpPr>
+            <p:cNvPr id="69" name="Rounded Rectangle 68">
+              <a:extLst>
+                <a:ext uri="{FF2B5EF4-FFF2-40B4-BE49-F238E27FC236}">
+                  <a16:creationId xmlns:a16="http://schemas.microsoft.com/office/drawing/2014/main" id="{1912CF33-92C3-264D-B45D-30004C610AD5}"/>
+                </a:ext>
+              </a:extLst>
+            </p:cNvPr>
+            <p:cNvSpPr/>
+            <p:nvPr/>
+          </p:nvSpPr>
+          <p:spPr>
+            <a:xfrm>
+              <a:off x="6095999" y="5420921"/>
+              <a:ext cx="1152128" cy="288032"/>
+            </a:xfrm>
+            <a:prstGeom prst="roundRect">
+              <a:avLst/>
+            </a:prstGeom>
+            <a:solidFill>
+              <a:srgbClr val="FCDF9E"/>
+            </a:solidFill>
+            <a:ln w="25400" cap="flat" cmpd="sng" algn="ctr">
+              <a:noFill/>
+              <a:prstDash val="solid"/>
+            </a:ln>
+            <a:effectLst/>
+          </p:spPr>
+          <p:txBody>
+            <a:bodyPr rtlCol="0" anchor="ctr"/>
+            <a:lstStyle/>
+            <a:p>
+              <a:pPr marL="0" marR="0" lvl="0" indent="0" algn="ctr" defTabSz="914400" eaLnBrk="1" fontAlgn="auto" latinLnBrk="0" hangingPunct="1">
+                <a:lnSpc>
+                  <a:spcPct val="100000"/>
+                </a:lnSpc>
+                <a:spcBef>
+                  <a:spcPts val="0"/>
+                </a:spcBef>
+                <a:spcAft>
+                  <a:spcPts val="0"/>
+                </a:spcAft>
+                <a:buClrTx/>
+                <a:buSzTx/>
+                <a:buFontTx/>
+                <a:buNone/>
+                <a:tabLst/>
+                <a:defRPr/>
+              </a:pPr>
+              <a:r>
+                <a:rPr lang="en-GB" sz="1200" kern="0" dirty="0">
+                  <a:solidFill>
+                    <a:srgbClr val="262626"/>
+                  </a:solidFill>
+                  <a:latin typeface="Arial"/>
+                </a:rPr>
+                <a:t>PCIe</a:t>
+              </a:r>
+              <a:endParaRPr kumimoji="0" lang="en-GB" sz="1200" b="0" i="0" u="none" strike="noStrike" kern="0" cap="none" spc="0" normalizeH="0" baseline="0" noProof="0" dirty="0">
+                <a:ln>
+                  <a:noFill/>
+                </a:ln>
+                <a:solidFill>
+                  <a:srgbClr val="262626"/>
+                </a:solidFill>
+                <a:effectLst/>
+                <a:uLnTx/>
+                <a:uFillTx/>
+                <a:latin typeface="Arial"/>
+                <a:ea typeface="+mn-ea"/>
+                <a:cs typeface="+mn-cs"/>
+              </a:endParaRPr>
+            </a:p>
+          </p:txBody>
+        </p:sp>
+        <p:sp>
+          <p:nvSpPr>
+            <p:cNvPr id="70" name="Rounded Rectangle 69">
+              <a:extLst>
+                <a:ext uri="{FF2B5EF4-FFF2-40B4-BE49-F238E27FC236}">
+                  <a16:creationId xmlns:a16="http://schemas.microsoft.com/office/drawing/2014/main" id="{8728341C-1406-554A-A017-534D0EFEA987}"/>
+                </a:ext>
+              </a:extLst>
+            </p:cNvPr>
+            <p:cNvSpPr/>
+            <p:nvPr/>
+          </p:nvSpPr>
+          <p:spPr>
+            <a:xfrm>
+              <a:off x="6095999" y="5080378"/>
+              <a:ext cx="1152128" cy="288032"/>
+            </a:xfrm>
+            <a:prstGeom prst="roundRect">
+              <a:avLst/>
+            </a:prstGeom>
+            <a:solidFill>
+              <a:srgbClr val="FCDF9E"/>
+            </a:solidFill>
+            <a:ln w="25400" cap="flat" cmpd="sng" algn="ctr">
+              <a:noFill/>
+              <a:prstDash val="solid"/>
+            </a:ln>
+            <a:effectLst/>
+          </p:spPr>
+          <p:txBody>
+            <a:bodyPr rtlCol="0" anchor="ctr"/>
+            <a:lstStyle/>
+            <a:p>
+              <a:pPr marL="0" marR="0" lvl="0" indent="0" algn="ctr" defTabSz="914400" eaLnBrk="1" fontAlgn="auto" latinLnBrk="0" hangingPunct="1">
+                <a:lnSpc>
+                  <a:spcPct val="100000"/>
+                </a:lnSpc>
+                <a:spcBef>
+                  <a:spcPts val="0"/>
+                </a:spcBef>
+                <a:spcAft>
+                  <a:spcPts val="0"/>
+                </a:spcAft>
+                <a:buClrTx/>
+                <a:buSzTx/>
+                <a:buFontTx/>
+                <a:buNone/>
+                <a:tabLst/>
+                <a:defRPr/>
+              </a:pPr>
+              <a:r>
+                <a:rPr lang="en-GB" sz="1200" kern="0" dirty="0">
+                  <a:solidFill>
+                    <a:srgbClr val="262626"/>
+                  </a:solidFill>
+                  <a:latin typeface="Arial"/>
+                </a:rPr>
+                <a:t>#NIC</a:t>
+              </a:r>
+              <a:endParaRPr kumimoji="0" lang="en-GB" sz="1200" b="0" i="0" u="none" strike="noStrike" kern="0" cap="none" spc="0" normalizeH="0" baseline="0" noProof="0" dirty="0">
+                <a:ln>
+                  <a:noFill/>
+                </a:ln>
+                <a:solidFill>
+                  <a:srgbClr val="262626"/>
+                </a:solidFill>
+                <a:effectLst/>
+                <a:uLnTx/>
+                <a:uFillTx/>
+                <a:latin typeface="Arial"/>
+                <a:ea typeface="+mn-ea"/>
+                <a:cs typeface="+mn-cs"/>
+              </a:endParaRPr>
+            </a:p>
+          </p:txBody>
+        </p:sp>
+        <p:sp>
+          <p:nvSpPr>
+            <p:cNvPr id="71" name="Rounded Rectangle 70">
+              <a:extLst>
+                <a:ext uri="{FF2B5EF4-FFF2-40B4-BE49-F238E27FC236}">
+                  <a16:creationId xmlns:a16="http://schemas.microsoft.com/office/drawing/2014/main" id="{2CAE517E-708D-EB45-8DF1-F30B8CAC4473}"/>
+                </a:ext>
+              </a:extLst>
+            </p:cNvPr>
+            <p:cNvSpPr/>
+            <p:nvPr/>
+          </p:nvSpPr>
+          <p:spPr>
+            <a:xfrm>
+              <a:off x="6108339" y="4737575"/>
+              <a:ext cx="1152128" cy="288032"/>
+            </a:xfrm>
+            <a:prstGeom prst="roundRect">
+              <a:avLst/>
+            </a:prstGeom>
+            <a:solidFill>
+              <a:srgbClr val="FCDF9E"/>
+            </a:solidFill>
+            <a:ln w="25400" cap="flat" cmpd="sng" algn="ctr">
+              <a:noFill/>
+              <a:prstDash val="solid"/>
+            </a:ln>
+            <a:effectLst/>
+          </p:spPr>
+          <p:txBody>
+            <a:bodyPr rtlCol="0" anchor="ctr"/>
+            <a:lstStyle/>
+            <a:p>
+              <a:pPr marL="0" marR="0" lvl="0" indent="0" algn="ctr" defTabSz="914400" eaLnBrk="1" fontAlgn="auto" latinLnBrk="0" hangingPunct="1">
+                <a:lnSpc>
+                  <a:spcPct val="100000"/>
+                </a:lnSpc>
+                <a:spcBef>
+                  <a:spcPts val="0"/>
+                </a:spcBef>
+                <a:spcAft>
+                  <a:spcPts val="0"/>
+                </a:spcAft>
+                <a:buClrTx/>
+                <a:buSzTx/>
+                <a:buFontTx/>
+                <a:buNone/>
+                <a:tabLst/>
+                <a:defRPr/>
+              </a:pPr>
+              <a:r>
+                <a:rPr kumimoji="0" lang="en-GB" sz="1200" b="0" i="0" u="none" strike="noStrike" kern="0" cap="none" spc="0" normalizeH="0" baseline="0" noProof="0" dirty="0">
+                  <a:ln>
+                    <a:noFill/>
+                  </a:ln>
+                  <a:solidFill>
+                    <a:srgbClr val="262626"/>
+                  </a:solidFill>
+                  <a:effectLst/>
+                  <a:uLnTx/>
+                  <a:uFillTx/>
+                  <a:latin typeface="Arial"/>
+                  <a:ea typeface="+mn-ea"/>
+                  <a:cs typeface="+mn-cs"/>
+                </a:rPr>
+                <a:t>SSD </a:t>
+              </a:r>
+            </a:p>
+          </p:txBody>
+        </p:sp>
+        <p:sp>
+          <p:nvSpPr>
+            <p:cNvPr id="72" name="Rounded Rectangle 71">
+              <a:extLst>
+                <a:ext uri="{FF2B5EF4-FFF2-40B4-BE49-F238E27FC236}">
+                  <a16:creationId xmlns:a16="http://schemas.microsoft.com/office/drawing/2014/main" id="{EFB9D564-083E-4448-8F63-519E8374311B}"/>
+                </a:ext>
+              </a:extLst>
+            </p:cNvPr>
+            <p:cNvSpPr/>
+            <p:nvPr/>
+          </p:nvSpPr>
+          <p:spPr>
+            <a:xfrm>
+              <a:off x="4882625" y="5772811"/>
+              <a:ext cx="1152128" cy="288032"/>
+            </a:xfrm>
+            <a:prstGeom prst="roundRect">
+              <a:avLst/>
+            </a:prstGeom>
+            <a:solidFill>
+              <a:srgbClr val="FCDF9E"/>
+            </a:solidFill>
+            <a:ln w="25400" cap="flat" cmpd="sng" algn="ctr">
+              <a:noFill/>
+              <a:prstDash val="solid"/>
+            </a:ln>
+            <a:effectLst/>
+          </p:spPr>
+          <p:txBody>
+            <a:bodyPr rtlCol="0" anchor="ctr"/>
+            <a:lstStyle/>
+            <a:p>
+              <a:pPr marL="0" marR="0" lvl="0" indent="0" algn="ctr" defTabSz="914400" eaLnBrk="1" fontAlgn="auto" latinLnBrk="0" hangingPunct="1">
+                <a:lnSpc>
+                  <a:spcPct val="100000"/>
+                </a:lnSpc>
+                <a:spcBef>
+                  <a:spcPts val="0"/>
+                </a:spcBef>
+                <a:spcAft>
+                  <a:spcPts val="0"/>
+                </a:spcAft>
+                <a:buClrTx/>
+                <a:buSzTx/>
+                <a:buFontTx/>
+                <a:buNone/>
+                <a:tabLst/>
+                <a:defRPr/>
+              </a:pPr>
+              <a:r>
+                <a:rPr kumimoji="0" lang="en-GB" sz="1200" b="0" i="0" u="none" strike="noStrike" kern="0" cap="none" spc="0" normalizeH="0" baseline="0" noProof="0" dirty="0">
+                  <a:ln>
+                    <a:noFill/>
+                  </a:ln>
+                  <a:solidFill>
+                    <a:srgbClr val="262626"/>
+                  </a:solidFill>
+                  <a:effectLst/>
+                  <a:uLnTx/>
+                  <a:uFillTx/>
+                  <a:latin typeface="Arial"/>
+                  <a:ea typeface="+mn-ea"/>
+                  <a:cs typeface="+mn-cs"/>
+                </a:rPr>
+                <a:t>#CPU</a:t>
+              </a:r>
+            </a:p>
+          </p:txBody>
+        </p:sp>
+        <p:sp>
+          <p:nvSpPr>
+            <p:cNvPr id="73" name="Rounded Rectangle 72">
+              <a:extLst>
+                <a:ext uri="{FF2B5EF4-FFF2-40B4-BE49-F238E27FC236}">
+                  <a16:creationId xmlns:a16="http://schemas.microsoft.com/office/drawing/2014/main" id="{99B14DED-4CA0-3744-BA7D-3A9A68A80377}"/>
+                </a:ext>
+              </a:extLst>
+            </p:cNvPr>
+            <p:cNvSpPr/>
+            <p:nvPr/>
+          </p:nvSpPr>
+          <p:spPr>
+            <a:xfrm>
+              <a:off x="6095999" y="5761464"/>
+              <a:ext cx="1152128" cy="288032"/>
+            </a:xfrm>
+            <a:prstGeom prst="roundRect">
+              <a:avLst/>
+            </a:prstGeom>
+            <a:solidFill>
+              <a:srgbClr val="FCDF9E"/>
+            </a:solidFill>
+            <a:ln w="25400" cap="flat" cmpd="sng" algn="ctr">
+              <a:noFill/>
+              <a:prstDash val="solid"/>
+            </a:ln>
+            <a:effectLst/>
+          </p:spPr>
+          <p:txBody>
+            <a:bodyPr rtlCol="0" anchor="ctr"/>
+            <a:lstStyle/>
+            <a:p>
+              <a:pPr marL="0" marR="0" lvl="0" indent="0" algn="ctr" defTabSz="914400" eaLnBrk="1" fontAlgn="auto" latinLnBrk="0" hangingPunct="1">
+                <a:lnSpc>
+                  <a:spcPct val="100000"/>
+                </a:lnSpc>
+                <a:spcBef>
+                  <a:spcPts val="0"/>
+                </a:spcBef>
+                <a:spcAft>
+                  <a:spcPts val="0"/>
+                </a:spcAft>
+                <a:buClrTx/>
+                <a:buSzTx/>
+                <a:buFontTx/>
+                <a:buNone/>
+                <a:tabLst/>
+                <a:defRPr/>
+              </a:pPr>
+              <a:r>
+                <a:rPr kumimoji="0" lang="en-GB" sz="1200" b="0" i="0" u="none" strike="noStrike" kern="0" cap="none" spc="0" normalizeH="0" baseline="0" noProof="0" dirty="0">
+                  <a:ln>
+                    <a:noFill/>
+                  </a:ln>
+                  <a:solidFill>
+                    <a:srgbClr val="262626"/>
+                  </a:solidFill>
+                  <a:effectLst/>
+                  <a:uLnTx/>
+                  <a:uFillTx/>
+                  <a:latin typeface="Arial"/>
+                  <a:ea typeface="+mn-ea"/>
+                  <a:cs typeface="+mn-cs"/>
+                </a:rPr>
+                <a:t>#Cores</a:t>
+              </a:r>
+            </a:p>
+          </p:txBody>
+        </p:sp>
+        <p:sp>
+          <p:nvSpPr>
+            <p:cNvPr id="74" name="Rounded Rectangle 73">
+              <a:extLst>
+                <a:ext uri="{FF2B5EF4-FFF2-40B4-BE49-F238E27FC236}">
+                  <a16:creationId xmlns:a16="http://schemas.microsoft.com/office/drawing/2014/main" id="{B6A0704F-E967-4D43-92A0-CEC9CA788893}"/>
+                </a:ext>
+              </a:extLst>
+            </p:cNvPr>
+            <p:cNvSpPr/>
+            <p:nvPr/>
+          </p:nvSpPr>
+          <p:spPr>
+            <a:xfrm>
+              <a:off x="4882625" y="5085826"/>
+              <a:ext cx="1152128" cy="288032"/>
+            </a:xfrm>
+            <a:prstGeom prst="roundRect">
+              <a:avLst/>
+            </a:prstGeom>
+            <a:solidFill>
+              <a:srgbClr val="FCDF9E"/>
+            </a:solidFill>
+            <a:ln w="25400" cap="flat" cmpd="sng" algn="ctr">
+              <a:noFill/>
+              <a:prstDash val="solid"/>
+            </a:ln>
+            <a:effectLst/>
+          </p:spPr>
+          <p:txBody>
+            <a:bodyPr rtlCol="0" anchor="ctr"/>
+            <a:lstStyle/>
+            <a:p>
+              <a:pPr marL="0" marR="0" lvl="0" indent="0" algn="ctr" defTabSz="914400" eaLnBrk="1" fontAlgn="auto" latinLnBrk="0" hangingPunct="1">
+                <a:lnSpc>
+                  <a:spcPct val="100000"/>
+                </a:lnSpc>
+                <a:spcBef>
+                  <a:spcPts val="0"/>
+                </a:spcBef>
+                <a:spcAft>
+                  <a:spcPts val="0"/>
+                </a:spcAft>
+                <a:buClrTx/>
+                <a:buSzTx/>
+                <a:buFontTx/>
+                <a:buNone/>
+                <a:tabLst/>
+                <a:defRPr/>
+              </a:pPr>
+              <a:r>
+                <a:rPr kumimoji="0" lang="en-GB" sz="1200" b="0" i="0" u="none" strike="noStrike" kern="0" cap="none" spc="0" normalizeH="0" baseline="0" noProof="0" dirty="0">
+                  <a:ln>
+                    <a:noFill/>
+                  </a:ln>
+                  <a:solidFill>
+                    <a:srgbClr val="262626"/>
+                  </a:solidFill>
+                  <a:effectLst/>
+                  <a:uLnTx/>
+                  <a:uFillTx/>
+                  <a:latin typeface="Arial"/>
+                  <a:ea typeface="+mn-ea"/>
+                  <a:cs typeface="+mn-cs"/>
+                </a:rPr>
+                <a:t>RAM(GB)</a:t>
+              </a:r>
+            </a:p>
+          </p:txBody>
+        </p:sp>
+        <p:sp>
+          <p:nvSpPr>
+            <p:cNvPr id="75" name="Rounded Rectangle 74">
+              <a:extLst>
+                <a:ext uri="{FF2B5EF4-FFF2-40B4-BE49-F238E27FC236}">
+                  <a16:creationId xmlns:a16="http://schemas.microsoft.com/office/drawing/2014/main" id="{92B147EB-0033-B04A-A177-1A94733B58F2}"/>
+                </a:ext>
+              </a:extLst>
+            </p:cNvPr>
+            <p:cNvSpPr/>
+            <p:nvPr/>
+          </p:nvSpPr>
+          <p:spPr>
+            <a:xfrm>
+              <a:off x="4882625" y="4745371"/>
+              <a:ext cx="1152128" cy="288032"/>
+            </a:xfrm>
+            <a:prstGeom prst="roundRect">
+              <a:avLst/>
+            </a:prstGeom>
+            <a:solidFill>
+              <a:srgbClr val="FCDF9E"/>
+            </a:solidFill>
+            <a:ln w="25400" cap="flat" cmpd="sng" algn="ctr">
+              <a:noFill/>
+              <a:prstDash val="solid"/>
+            </a:ln>
+            <a:effectLst/>
+          </p:spPr>
+          <p:txBody>
+            <a:bodyPr rtlCol="0" anchor="ctr"/>
+            <a:lstStyle/>
+            <a:p>
+              <a:pPr marL="0" marR="0" lvl="0" indent="0" algn="ctr" defTabSz="914400" eaLnBrk="1" fontAlgn="auto" latinLnBrk="0" hangingPunct="1">
+                <a:lnSpc>
+                  <a:spcPct val="100000"/>
+                </a:lnSpc>
+                <a:spcBef>
+                  <a:spcPts val="0"/>
+                </a:spcBef>
+                <a:spcAft>
+                  <a:spcPts val="0"/>
+                </a:spcAft>
+                <a:buClrTx/>
+                <a:buSzTx/>
+                <a:buFontTx/>
+                <a:buNone/>
+                <a:tabLst/>
+                <a:defRPr/>
+              </a:pPr>
+              <a:r>
+                <a:rPr lang="en-GB" sz="1200" kern="0" dirty="0">
+                  <a:solidFill>
+                    <a:srgbClr val="262626"/>
+                  </a:solidFill>
+                  <a:latin typeface="Arial"/>
+                </a:rPr>
+                <a:t>HD</a:t>
+              </a:r>
+              <a:r>
+                <a:rPr kumimoji="0" lang="en-GB" sz="1200" b="0" i="0" u="none" strike="noStrike" kern="0" cap="none" spc="0" normalizeH="0" baseline="0" noProof="0" dirty="0">
+                  <a:ln>
+                    <a:noFill/>
+                  </a:ln>
+                  <a:solidFill>
+                    <a:srgbClr val="262626"/>
+                  </a:solidFill>
+                  <a:effectLst/>
+                  <a:uLnTx/>
+                  <a:uFillTx/>
+                  <a:latin typeface="Arial"/>
+                  <a:ea typeface="+mn-ea"/>
+                  <a:cs typeface="+mn-cs"/>
+                </a:rPr>
+                <a:t>D </a:t>
+              </a:r>
+            </a:p>
+          </p:txBody>
+        </p:sp>
+        <p:sp>
+          <p:nvSpPr>
+            <p:cNvPr id="76" name="Rounded Rectangle 75">
+              <a:extLst>
+                <a:ext uri="{FF2B5EF4-FFF2-40B4-BE49-F238E27FC236}">
+                  <a16:creationId xmlns:a16="http://schemas.microsoft.com/office/drawing/2014/main" id="{2F7F7B36-6D21-B24A-BEAD-AF6F5B5A24F0}"/>
+                </a:ext>
+              </a:extLst>
+            </p:cNvPr>
+            <p:cNvSpPr/>
+            <p:nvPr/>
+          </p:nvSpPr>
+          <p:spPr>
+            <a:xfrm>
+              <a:off x="6108339" y="4404790"/>
+              <a:ext cx="1152128" cy="288032"/>
+            </a:xfrm>
+            <a:prstGeom prst="roundRect">
+              <a:avLst/>
+            </a:prstGeom>
+            <a:solidFill>
+              <a:srgbClr val="FCDF9E"/>
+            </a:solidFill>
+            <a:ln w="25400" cap="flat" cmpd="sng" algn="ctr">
+              <a:noFill/>
+              <a:prstDash val="solid"/>
+            </a:ln>
+            <a:effectLst/>
+          </p:spPr>
+          <p:txBody>
+            <a:bodyPr rtlCol="0" anchor="ctr"/>
+            <a:lstStyle/>
+            <a:p>
+              <a:pPr marL="0" marR="0" lvl="0" indent="0" algn="ctr" defTabSz="914400" eaLnBrk="1" fontAlgn="auto" latinLnBrk="0" hangingPunct="1">
+                <a:lnSpc>
+                  <a:spcPct val="100000"/>
+                </a:lnSpc>
+                <a:spcBef>
+                  <a:spcPts val="0"/>
+                </a:spcBef>
+                <a:spcAft>
+                  <a:spcPts val="0"/>
+                </a:spcAft>
+                <a:buClrTx/>
+                <a:buSzTx/>
+                <a:buFontTx/>
+                <a:buNone/>
+                <a:tabLst/>
+                <a:defRPr/>
+              </a:pPr>
+              <a:r>
+                <a:rPr kumimoji="0" lang="en-GB" sz="1200" b="0" i="0" u="none" strike="noStrike" kern="0" cap="none" spc="0" normalizeH="0" baseline="0" noProof="0" dirty="0">
+                  <a:ln>
+                    <a:noFill/>
+                  </a:ln>
+                  <a:solidFill>
+                    <a:srgbClr val="262626"/>
+                  </a:solidFill>
+                  <a:effectLst/>
+                  <a:uLnTx/>
+                  <a:uFillTx/>
+                  <a:latin typeface="Arial"/>
+                  <a:ea typeface="+mn-ea"/>
+                  <a:cs typeface="+mn-cs"/>
+                </a:rPr>
+                <a:t>Network </a:t>
+              </a:r>
+              <a:r>
+                <a:rPr kumimoji="0" lang="en-GB" sz="1200" b="0" i="0" u="none" strike="noStrike" kern="0" cap="none" spc="0" normalizeH="0" baseline="0" noProof="0" dirty="0" err="1">
+                  <a:ln>
+                    <a:noFill/>
+                  </a:ln>
+                  <a:solidFill>
+                    <a:srgbClr val="262626"/>
+                  </a:solidFill>
+                  <a:effectLst/>
+                  <a:uLnTx/>
+                  <a:uFillTx/>
+                  <a:latin typeface="Arial"/>
+                  <a:ea typeface="+mn-ea"/>
+                  <a:cs typeface="+mn-cs"/>
+                </a:rPr>
+                <a:t>Acc</a:t>
+              </a:r>
+              <a:r>
+                <a:rPr kumimoji="0" lang="en-GB" sz="1200" b="0" i="0" u="none" strike="noStrike" kern="0" cap="none" spc="0" normalizeH="0" baseline="0" noProof="0" dirty="0">
+                  <a:ln>
+                    <a:noFill/>
+                  </a:ln>
+                  <a:solidFill>
+                    <a:srgbClr val="262626"/>
+                  </a:solidFill>
+                  <a:effectLst/>
+                  <a:uLnTx/>
+                  <a:uFillTx/>
+                  <a:latin typeface="Arial"/>
+                  <a:ea typeface="+mn-ea"/>
+                  <a:cs typeface="+mn-cs"/>
+                </a:rPr>
+                <a:t> </a:t>
+              </a:r>
+            </a:p>
+          </p:txBody>
+        </p:sp>
+        <p:sp>
+          <p:nvSpPr>
+            <p:cNvPr id="77" name="Rounded Rectangle 76">
+              <a:extLst>
+                <a:ext uri="{FF2B5EF4-FFF2-40B4-BE49-F238E27FC236}">
+                  <a16:creationId xmlns:a16="http://schemas.microsoft.com/office/drawing/2014/main" id="{E44E4E1E-B2DD-1B4A-9ECF-46D5A24244B6}"/>
+                </a:ext>
+              </a:extLst>
+            </p:cNvPr>
+            <p:cNvSpPr/>
+            <p:nvPr/>
+          </p:nvSpPr>
+          <p:spPr>
+            <a:xfrm>
+              <a:off x="4882625" y="4412586"/>
+              <a:ext cx="1152128" cy="288032"/>
+            </a:xfrm>
+            <a:prstGeom prst="roundRect">
+              <a:avLst/>
+            </a:prstGeom>
+            <a:solidFill>
+              <a:srgbClr val="FCDF9E"/>
+            </a:solidFill>
+            <a:ln w="25400" cap="flat" cmpd="sng" algn="ctr">
+              <a:noFill/>
+              <a:prstDash val="solid"/>
+            </a:ln>
+            <a:effectLst/>
+          </p:spPr>
+          <p:txBody>
+            <a:bodyPr rtlCol="0" anchor="ctr"/>
+            <a:lstStyle/>
+            <a:p>
+              <a:pPr marL="0" marR="0" lvl="0" indent="0" algn="ctr" defTabSz="914400" eaLnBrk="1" fontAlgn="auto" latinLnBrk="0" hangingPunct="1">
+                <a:lnSpc>
+                  <a:spcPct val="100000"/>
+                </a:lnSpc>
+                <a:spcBef>
+                  <a:spcPts val="0"/>
+                </a:spcBef>
+                <a:spcAft>
+                  <a:spcPts val="0"/>
+                </a:spcAft>
+                <a:buClrTx/>
+                <a:buSzTx/>
+                <a:buFontTx/>
+                <a:buNone/>
+                <a:tabLst/>
+                <a:defRPr/>
+              </a:pPr>
+              <a:r>
+                <a:rPr lang="en-GB" sz="1200" kern="0" dirty="0">
+                  <a:solidFill>
+                    <a:srgbClr val="262626"/>
+                  </a:solidFill>
+                  <a:latin typeface="Arial"/>
+                </a:rPr>
+                <a:t>HW Offloads</a:t>
+              </a:r>
+              <a:r>
+                <a:rPr kumimoji="0" lang="en-GB" sz="1200" b="0" i="0" u="none" strike="noStrike" kern="0" cap="none" spc="0" normalizeH="0" baseline="0" noProof="0" dirty="0">
+                  <a:ln>
+                    <a:noFill/>
+                  </a:ln>
+                  <a:solidFill>
+                    <a:srgbClr val="262626"/>
+                  </a:solidFill>
+                  <a:effectLst/>
+                  <a:uLnTx/>
+                  <a:uFillTx/>
+                  <a:latin typeface="Arial"/>
+                  <a:ea typeface="+mn-ea"/>
+                  <a:cs typeface="+mn-cs"/>
+                </a:rPr>
+                <a:t> </a:t>
+              </a:r>
+            </a:p>
+          </p:txBody>
+        </p:sp>
+      </p:grpSp>
+      <p:grpSp>
+        <p:nvGrpSpPr>
+          <p:cNvPr id="79" name="Group 78">
+            <a:extLst>
+              <a:ext uri="{FF2B5EF4-FFF2-40B4-BE49-F238E27FC236}">
+                <a16:creationId xmlns:a16="http://schemas.microsoft.com/office/drawing/2014/main" id="{F5470228-5F81-524D-96C5-D76F67D83D0A}"/>
+              </a:ext>
+            </a:extLst>
+          </p:cNvPr>
+          <p:cNvGrpSpPr/>
+          <p:nvPr/>
+        </p:nvGrpSpPr>
+        <p:grpSpPr>
+          <a:xfrm>
+            <a:off x="7626339" y="3848519"/>
+            <a:ext cx="2570765" cy="2233828"/>
+            <a:chOff x="4810617" y="3855877"/>
+            <a:chExt cx="2570765" cy="2233828"/>
+          </a:xfrm>
+        </p:grpSpPr>
+        <p:sp>
+          <p:nvSpPr>
+            <p:cNvPr id="80" name="Rounded Rectangle 79">
+              <a:extLst>
+                <a:ext uri="{FF2B5EF4-FFF2-40B4-BE49-F238E27FC236}">
+                  <a16:creationId xmlns:a16="http://schemas.microsoft.com/office/drawing/2014/main" id="{D086A8C7-0004-7F44-ABA9-3C4482D773BE}"/>
+                </a:ext>
+              </a:extLst>
+            </p:cNvPr>
+            <p:cNvSpPr/>
+            <p:nvPr/>
+          </p:nvSpPr>
+          <p:spPr>
+            <a:xfrm>
+              <a:off x="4810617" y="3986784"/>
+              <a:ext cx="2498757" cy="2102921"/>
+            </a:xfrm>
+            <a:prstGeom prst="roundRect">
+              <a:avLst>
+                <a:gd name="adj" fmla="val 7505"/>
+              </a:avLst>
+            </a:prstGeom>
+            <a:solidFill>
+              <a:srgbClr val="5C5C5C">
+                <a:alpha val="50000"/>
+              </a:srgbClr>
+            </a:solidFill>
+            <a:ln>
+              <a:noFill/>
+            </a:ln>
+            <a:effectLst/>
+          </p:spPr>
+          <p:txBody>
+            <a:bodyPr rtlCol="0" anchor="t"/>
+            <a:lstStyle/>
+            <a:p>
+              <a:pPr marL="0" marR="0" lvl="0" indent="0" algn="ctr" defTabSz="914400" eaLnBrk="1" fontAlgn="auto" latinLnBrk="0" hangingPunct="1">
+                <a:lnSpc>
+                  <a:spcPct val="100000"/>
+                </a:lnSpc>
+                <a:spcBef>
+                  <a:spcPts val="0"/>
+                </a:spcBef>
+                <a:spcAft>
+                  <a:spcPts val="0"/>
+                </a:spcAft>
+                <a:buClrTx/>
+                <a:buSzTx/>
+                <a:buFontTx/>
+                <a:buNone/>
+                <a:tabLst/>
+                <a:defRPr/>
+              </a:pPr>
+              <a:r>
+                <a:rPr kumimoji="0" lang="en-GB" sz="1400" b="1" i="0" u="none" strike="noStrike" kern="0" cap="none" spc="0" normalizeH="0" baseline="0" noProof="0" dirty="0">
+                  <a:ln>
+                    <a:noFill/>
+                  </a:ln>
+                  <a:solidFill>
+                    <a:srgbClr val="FFFFFF"/>
+                  </a:solidFill>
+                  <a:effectLst/>
+                  <a:uLnTx/>
+                  <a:uFillTx/>
+                  <a:latin typeface="Arial"/>
+                  <a:ea typeface="+mn-ea"/>
+                  <a:cs typeface="+mn-cs"/>
+                </a:rPr>
+                <a:t>Compute Intensive</a:t>
+              </a:r>
+            </a:p>
+          </p:txBody>
+        </p:sp>
+        <p:pic>
+          <p:nvPicPr>
+            <p:cNvPr id="81" name="Picture 80">
+              <a:extLst>
+                <a:ext uri="{FF2B5EF4-FFF2-40B4-BE49-F238E27FC236}">
+                  <a16:creationId xmlns:a16="http://schemas.microsoft.com/office/drawing/2014/main" id="{EE008E9F-B81D-4945-A0C0-094468E27075}"/>
+                </a:ext>
+              </a:extLst>
+            </p:cNvPr>
+            <p:cNvPicPr>
+              <a:picLocks noChangeAspect="1"/>
+            </p:cNvPicPr>
+            <p:nvPr/>
+          </p:nvPicPr>
+          <p:blipFill>
+            <a:blip r:embed="rId2" cstate="print">
+              <a:extLst>
+                <a:ext uri="{28A0092B-C50C-407E-A947-70E740481C1C}">
+                  <a14:useLocalDpi xmlns:a14="http://schemas.microsoft.com/office/drawing/2010/main" val="0"/>
+                </a:ext>
+              </a:extLst>
+            </a:blip>
+            <a:stretch>
+              <a:fillRect/>
+            </a:stretch>
+          </p:blipFill>
+          <p:spPr>
+            <a:xfrm>
+              <a:off x="6937503" y="3855877"/>
+              <a:ext cx="443879" cy="438637"/>
+            </a:xfrm>
+            <a:prstGeom prst="rect">
+              <a:avLst/>
+            </a:prstGeom>
+          </p:spPr>
+        </p:pic>
+        <p:sp>
+          <p:nvSpPr>
+            <p:cNvPr id="82" name="Rounded Rectangle 81">
+              <a:extLst>
+                <a:ext uri="{FF2B5EF4-FFF2-40B4-BE49-F238E27FC236}">
+                  <a16:creationId xmlns:a16="http://schemas.microsoft.com/office/drawing/2014/main" id="{9C5497C0-B043-D34A-835B-42A3720DAD3B}"/>
+                </a:ext>
+              </a:extLst>
+            </p:cNvPr>
+            <p:cNvSpPr/>
+            <p:nvPr/>
+          </p:nvSpPr>
+          <p:spPr>
+            <a:xfrm>
+              <a:off x="4882625" y="5420921"/>
+              <a:ext cx="1152128" cy="288032"/>
+            </a:xfrm>
+            <a:prstGeom prst="roundRect">
+              <a:avLst/>
+            </a:prstGeom>
+            <a:solidFill>
+              <a:srgbClr val="FCDF9E"/>
+            </a:solidFill>
+            <a:ln w="25400" cap="flat" cmpd="sng" algn="ctr">
+              <a:noFill/>
+              <a:prstDash val="solid"/>
+            </a:ln>
+            <a:effectLst/>
+          </p:spPr>
+          <p:txBody>
+            <a:bodyPr rtlCol="0" anchor="ctr"/>
+            <a:lstStyle/>
+            <a:p>
+              <a:pPr marL="0" marR="0" lvl="0" indent="0" algn="ctr" defTabSz="914400" eaLnBrk="1" fontAlgn="auto" latinLnBrk="0" hangingPunct="1">
+                <a:lnSpc>
+                  <a:spcPct val="100000"/>
+                </a:lnSpc>
+                <a:spcBef>
+                  <a:spcPts val="0"/>
+                </a:spcBef>
+                <a:spcAft>
+                  <a:spcPts val="0"/>
+                </a:spcAft>
+                <a:buClrTx/>
+                <a:buSzTx/>
+                <a:buFontTx/>
+                <a:buNone/>
+                <a:tabLst/>
+                <a:defRPr/>
+              </a:pPr>
+              <a:r>
+                <a:rPr kumimoji="0" lang="en-GB" sz="1200" b="0" i="0" u="none" strike="noStrike" kern="0" cap="none" spc="0" normalizeH="0" baseline="0" noProof="0" dirty="0">
+                  <a:ln>
+                    <a:noFill/>
+                  </a:ln>
+                  <a:solidFill>
+                    <a:srgbClr val="262626"/>
+                  </a:solidFill>
+                  <a:effectLst/>
+                  <a:uLnTx/>
+                  <a:uFillTx/>
+                  <a:latin typeface="Arial"/>
+                  <a:ea typeface="+mn-ea"/>
+                  <a:cs typeface="+mn-cs"/>
+                </a:rPr>
+                <a:t>SMT/HT</a:t>
+              </a:r>
+            </a:p>
+          </p:txBody>
+        </p:sp>
+        <p:sp>
+          <p:nvSpPr>
+            <p:cNvPr id="83" name="Rounded Rectangle 82">
+              <a:extLst>
+                <a:ext uri="{FF2B5EF4-FFF2-40B4-BE49-F238E27FC236}">
+                  <a16:creationId xmlns:a16="http://schemas.microsoft.com/office/drawing/2014/main" id="{871DD8DC-86F3-2D47-8F69-6DC65900927C}"/>
+                </a:ext>
+              </a:extLst>
+            </p:cNvPr>
+            <p:cNvSpPr/>
+            <p:nvPr/>
+          </p:nvSpPr>
+          <p:spPr>
+            <a:xfrm>
+              <a:off x="6095999" y="5420921"/>
+              <a:ext cx="1152128" cy="288032"/>
+            </a:xfrm>
+            <a:prstGeom prst="roundRect">
+              <a:avLst/>
+            </a:prstGeom>
+            <a:solidFill>
+              <a:srgbClr val="FCDF9E"/>
+            </a:solidFill>
+            <a:ln w="25400" cap="flat" cmpd="sng" algn="ctr">
+              <a:noFill/>
+              <a:prstDash val="solid"/>
+            </a:ln>
+            <a:effectLst/>
+          </p:spPr>
+          <p:txBody>
+            <a:bodyPr rtlCol="0" anchor="ctr"/>
+            <a:lstStyle/>
+            <a:p>
+              <a:pPr marL="0" marR="0" lvl="0" indent="0" algn="ctr" defTabSz="914400" eaLnBrk="1" fontAlgn="auto" latinLnBrk="0" hangingPunct="1">
+                <a:lnSpc>
+                  <a:spcPct val="100000"/>
+                </a:lnSpc>
+                <a:spcBef>
+                  <a:spcPts val="0"/>
+                </a:spcBef>
+                <a:spcAft>
+                  <a:spcPts val="0"/>
+                </a:spcAft>
+                <a:buClrTx/>
+                <a:buSzTx/>
+                <a:buFontTx/>
+                <a:buNone/>
+                <a:tabLst/>
+                <a:defRPr/>
+              </a:pPr>
+              <a:r>
+                <a:rPr lang="en-GB" sz="1200" kern="0" dirty="0">
+                  <a:solidFill>
+                    <a:srgbClr val="262626"/>
+                  </a:solidFill>
+                  <a:latin typeface="Arial"/>
+                </a:rPr>
+                <a:t>PCIe</a:t>
+              </a:r>
+              <a:endParaRPr kumimoji="0" lang="en-GB" sz="1200" b="0" i="0" u="none" strike="noStrike" kern="0" cap="none" spc="0" normalizeH="0" baseline="0" noProof="0" dirty="0">
+                <a:ln>
+                  <a:noFill/>
+                </a:ln>
+                <a:solidFill>
+                  <a:srgbClr val="262626"/>
+                </a:solidFill>
+                <a:effectLst/>
+                <a:uLnTx/>
+                <a:uFillTx/>
+                <a:latin typeface="Arial"/>
+                <a:ea typeface="+mn-ea"/>
+                <a:cs typeface="+mn-cs"/>
+              </a:endParaRPr>
+            </a:p>
+          </p:txBody>
+        </p:sp>
+        <p:sp>
+          <p:nvSpPr>
+            <p:cNvPr id="84" name="Rounded Rectangle 83">
+              <a:extLst>
+                <a:ext uri="{FF2B5EF4-FFF2-40B4-BE49-F238E27FC236}">
+                  <a16:creationId xmlns:a16="http://schemas.microsoft.com/office/drawing/2014/main" id="{2E2BA77C-D6F8-9D45-A322-AA0F550002A5}"/>
+                </a:ext>
+              </a:extLst>
+            </p:cNvPr>
+            <p:cNvSpPr/>
+            <p:nvPr/>
+          </p:nvSpPr>
+          <p:spPr>
+            <a:xfrm>
+              <a:off x="6095999" y="5080378"/>
+              <a:ext cx="1152128" cy="288032"/>
+            </a:xfrm>
+            <a:prstGeom prst="roundRect">
+              <a:avLst/>
+            </a:prstGeom>
+            <a:solidFill>
+              <a:srgbClr val="FCDF9E"/>
+            </a:solidFill>
+            <a:ln w="25400" cap="flat" cmpd="sng" algn="ctr">
+              <a:noFill/>
+              <a:prstDash val="solid"/>
+            </a:ln>
+            <a:effectLst/>
+          </p:spPr>
+          <p:txBody>
+            <a:bodyPr rtlCol="0" anchor="ctr"/>
+            <a:lstStyle/>
+            <a:p>
+              <a:pPr marL="0" marR="0" lvl="0" indent="0" algn="ctr" defTabSz="914400" eaLnBrk="1" fontAlgn="auto" latinLnBrk="0" hangingPunct="1">
+                <a:lnSpc>
+                  <a:spcPct val="100000"/>
+                </a:lnSpc>
+                <a:spcBef>
+                  <a:spcPts val="0"/>
+                </a:spcBef>
+                <a:spcAft>
+                  <a:spcPts val="0"/>
+                </a:spcAft>
+                <a:buClrTx/>
+                <a:buSzTx/>
+                <a:buFontTx/>
+                <a:buNone/>
+                <a:tabLst/>
+                <a:defRPr/>
+              </a:pPr>
+              <a:r>
+                <a:rPr lang="en-GB" sz="1200" kern="0" dirty="0">
+                  <a:solidFill>
+                    <a:srgbClr val="262626"/>
+                  </a:solidFill>
+                  <a:latin typeface="Arial"/>
+                </a:rPr>
+                <a:t>#NIC</a:t>
+              </a:r>
+              <a:endParaRPr kumimoji="0" lang="en-GB" sz="1200" b="0" i="0" u="none" strike="noStrike" kern="0" cap="none" spc="0" normalizeH="0" baseline="0" noProof="0" dirty="0">
+                <a:ln>
+                  <a:noFill/>
+                </a:ln>
+                <a:solidFill>
+                  <a:srgbClr val="262626"/>
+                </a:solidFill>
+                <a:effectLst/>
+                <a:uLnTx/>
+                <a:uFillTx/>
+                <a:latin typeface="Arial"/>
+                <a:ea typeface="+mn-ea"/>
+                <a:cs typeface="+mn-cs"/>
+              </a:endParaRPr>
+            </a:p>
+          </p:txBody>
+        </p:sp>
+        <p:sp>
+          <p:nvSpPr>
+            <p:cNvPr id="85" name="Rounded Rectangle 84">
+              <a:extLst>
+                <a:ext uri="{FF2B5EF4-FFF2-40B4-BE49-F238E27FC236}">
+                  <a16:creationId xmlns:a16="http://schemas.microsoft.com/office/drawing/2014/main" id="{9DB8B793-F70F-5D4A-A83C-76F20DC98FD0}"/>
+                </a:ext>
+              </a:extLst>
+            </p:cNvPr>
+            <p:cNvSpPr/>
+            <p:nvPr/>
+          </p:nvSpPr>
+          <p:spPr>
+            <a:xfrm>
+              <a:off x="6108339" y="4737575"/>
+              <a:ext cx="1152128" cy="288032"/>
+            </a:xfrm>
+            <a:prstGeom prst="roundRect">
+              <a:avLst/>
+            </a:prstGeom>
+            <a:solidFill>
+              <a:srgbClr val="FCDF9E"/>
+            </a:solidFill>
+            <a:ln w="25400" cap="flat" cmpd="sng" algn="ctr">
+              <a:noFill/>
+              <a:prstDash val="solid"/>
+            </a:ln>
+            <a:effectLst/>
+          </p:spPr>
+          <p:txBody>
+            <a:bodyPr rtlCol="0" anchor="ctr"/>
+            <a:lstStyle/>
+            <a:p>
+              <a:pPr marL="0" marR="0" lvl="0" indent="0" algn="ctr" defTabSz="914400" eaLnBrk="1" fontAlgn="auto" latinLnBrk="0" hangingPunct="1">
+                <a:lnSpc>
+                  <a:spcPct val="100000"/>
+                </a:lnSpc>
+                <a:spcBef>
+                  <a:spcPts val="0"/>
+                </a:spcBef>
+                <a:spcAft>
+                  <a:spcPts val="0"/>
+                </a:spcAft>
+                <a:buClrTx/>
+                <a:buSzTx/>
+                <a:buFontTx/>
+                <a:buNone/>
+                <a:tabLst/>
+                <a:defRPr/>
+              </a:pPr>
+              <a:r>
+                <a:rPr kumimoji="0" lang="en-GB" sz="1200" b="0" i="0" u="none" strike="noStrike" kern="0" cap="none" spc="0" normalizeH="0" baseline="0" noProof="0" dirty="0">
+                  <a:ln>
+                    <a:noFill/>
+                  </a:ln>
+                  <a:solidFill>
+                    <a:srgbClr val="262626"/>
+                  </a:solidFill>
+                  <a:effectLst/>
+                  <a:uLnTx/>
+                  <a:uFillTx/>
+                  <a:latin typeface="Arial"/>
+                  <a:ea typeface="+mn-ea"/>
+                  <a:cs typeface="+mn-cs"/>
+                </a:rPr>
+                <a:t>SSD </a:t>
+              </a:r>
+            </a:p>
+          </p:txBody>
+        </p:sp>
+        <p:sp>
+          <p:nvSpPr>
+            <p:cNvPr id="119" name="Rounded Rectangle 118">
+              <a:extLst>
+                <a:ext uri="{FF2B5EF4-FFF2-40B4-BE49-F238E27FC236}">
+                  <a16:creationId xmlns:a16="http://schemas.microsoft.com/office/drawing/2014/main" id="{79B8A91A-80EB-0240-9244-315FBF994739}"/>
+                </a:ext>
+              </a:extLst>
+            </p:cNvPr>
+            <p:cNvSpPr/>
+            <p:nvPr/>
+          </p:nvSpPr>
+          <p:spPr>
+            <a:xfrm>
+              <a:off x="4882625" y="5772811"/>
+              <a:ext cx="1152128" cy="288032"/>
+            </a:xfrm>
+            <a:prstGeom prst="roundRect">
+              <a:avLst/>
+            </a:prstGeom>
+            <a:solidFill>
+              <a:srgbClr val="FCDF9E"/>
+            </a:solidFill>
+            <a:ln w="25400" cap="flat" cmpd="sng" algn="ctr">
+              <a:noFill/>
+              <a:prstDash val="solid"/>
+            </a:ln>
+            <a:effectLst/>
+          </p:spPr>
+          <p:txBody>
+            <a:bodyPr rtlCol="0" anchor="ctr"/>
+            <a:lstStyle/>
+            <a:p>
+              <a:pPr marL="0" marR="0" lvl="0" indent="0" algn="ctr" defTabSz="914400" eaLnBrk="1" fontAlgn="auto" latinLnBrk="0" hangingPunct="1">
+                <a:lnSpc>
+                  <a:spcPct val="100000"/>
+                </a:lnSpc>
+                <a:spcBef>
+                  <a:spcPts val="0"/>
+                </a:spcBef>
+                <a:spcAft>
+                  <a:spcPts val="0"/>
+                </a:spcAft>
+                <a:buClrTx/>
+                <a:buSzTx/>
+                <a:buFontTx/>
+                <a:buNone/>
+                <a:tabLst/>
+                <a:defRPr/>
+              </a:pPr>
+              <a:r>
+                <a:rPr kumimoji="0" lang="en-GB" sz="1200" b="0" i="0" u="none" strike="noStrike" kern="0" cap="none" spc="0" normalizeH="0" baseline="0" noProof="0" dirty="0">
+                  <a:ln>
+                    <a:noFill/>
+                  </a:ln>
+                  <a:solidFill>
+                    <a:srgbClr val="262626"/>
+                  </a:solidFill>
+                  <a:effectLst/>
+                  <a:uLnTx/>
+                  <a:uFillTx/>
+                  <a:latin typeface="Arial"/>
+                  <a:ea typeface="+mn-ea"/>
+                  <a:cs typeface="+mn-cs"/>
+                </a:rPr>
+                <a:t>#CPU</a:t>
+              </a:r>
+            </a:p>
+          </p:txBody>
+        </p:sp>
+        <p:sp>
+          <p:nvSpPr>
+            <p:cNvPr id="120" name="Rounded Rectangle 119">
+              <a:extLst>
+                <a:ext uri="{FF2B5EF4-FFF2-40B4-BE49-F238E27FC236}">
+                  <a16:creationId xmlns:a16="http://schemas.microsoft.com/office/drawing/2014/main" id="{B4B8AEAD-D256-D445-AB1B-CF8BEAB7CF0E}"/>
+                </a:ext>
+              </a:extLst>
+            </p:cNvPr>
+            <p:cNvSpPr/>
+            <p:nvPr/>
+          </p:nvSpPr>
+          <p:spPr>
+            <a:xfrm>
+              <a:off x="6095999" y="5761464"/>
+              <a:ext cx="1152128" cy="288032"/>
+            </a:xfrm>
+            <a:prstGeom prst="roundRect">
+              <a:avLst/>
+            </a:prstGeom>
+            <a:solidFill>
+              <a:srgbClr val="FCDF9E"/>
+            </a:solidFill>
+            <a:ln w="25400" cap="flat" cmpd="sng" algn="ctr">
+              <a:noFill/>
+              <a:prstDash val="solid"/>
+            </a:ln>
+            <a:effectLst/>
+          </p:spPr>
+          <p:txBody>
+            <a:bodyPr rtlCol="0" anchor="ctr"/>
+            <a:lstStyle/>
+            <a:p>
+              <a:pPr marL="0" marR="0" lvl="0" indent="0" algn="ctr" defTabSz="914400" eaLnBrk="1" fontAlgn="auto" latinLnBrk="0" hangingPunct="1">
+                <a:lnSpc>
+                  <a:spcPct val="100000"/>
+                </a:lnSpc>
+                <a:spcBef>
+                  <a:spcPts val="0"/>
+                </a:spcBef>
+                <a:spcAft>
+                  <a:spcPts val="0"/>
+                </a:spcAft>
+                <a:buClrTx/>
+                <a:buSzTx/>
+                <a:buFontTx/>
+                <a:buNone/>
+                <a:tabLst/>
+                <a:defRPr/>
+              </a:pPr>
+              <a:r>
+                <a:rPr kumimoji="0" lang="en-GB" sz="1200" b="0" i="0" u="none" strike="noStrike" kern="0" cap="none" spc="0" normalizeH="0" baseline="0" noProof="0" dirty="0">
+                  <a:ln>
+                    <a:noFill/>
+                  </a:ln>
+                  <a:solidFill>
+                    <a:srgbClr val="262626"/>
+                  </a:solidFill>
+                  <a:effectLst/>
+                  <a:uLnTx/>
+                  <a:uFillTx/>
+                  <a:latin typeface="Arial"/>
+                  <a:ea typeface="+mn-ea"/>
+                  <a:cs typeface="+mn-cs"/>
+                </a:rPr>
+                <a:t>#Cores</a:t>
+              </a:r>
+            </a:p>
+          </p:txBody>
+        </p:sp>
+        <p:sp>
+          <p:nvSpPr>
+            <p:cNvPr id="121" name="Rounded Rectangle 120">
+              <a:extLst>
+                <a:ext uri="{FF2B5EF4-FFF2-40B4-BE49-F238E27FC236}">
+                  <a16:creationId xmlns:a16="http://schemas.microsoft.com/office/drawing/2014/main" id="{789A28A6-AA31-DB4F-962C-C978AA091EE6}"/>
+                </a:ext>
+              </a:extLst>
+            </p:cNvPr>
+            <p:cNvSpPr/>
+            <p:nvPr/>
+          </p:nvSpPr>
+          <p:spPr>
+            <a:xfrm>
+              <a:off x="4882625" y="5085826"/>
+              <a:ext cx="1152128" cy="288032"/>
+            </a:xfrm>
+            <a:prstGeom prst="roundRect">
+              <a:avLst/>
+            </a:prstGeom>
+            <a:solidFill>
+              <a:srgbClr val="FCDF9E"/>
+            </a:solidFill>
+            <a:ln w="25400" cap="flat" cmpd="sng" algn="ctr">
+              <a:noFill/>
+              <a:prstDash val="solid"/>
+            </a:ln>
+            <a:effectLst/>
+          </p:spPr>
+          <p:txBody>
+            <a:bodyPr rtlCol="0" anchor="ctr"/>
+            <a:lstStyle/>
+            <a:p>
+              <a:pPr marL="0" marR="0" lvl="0" indent="0" algn="ctr" defTabSz="914400" eaLnBrk="1" fontAlgn="auto" latinLnBrk="0" hangingPunct="1">
+                <a:lnSpc>
+                  <a:spcPct val="100000"/>
+                </a:lnSpc>
+                <a:spcBef>
+                  <a:spcPts val="0"/>
+                </a:spcBef>
+                <a:spcAft>
+                  <a:spcPts val="0"/>
+                </a:spcAft>
+                <a:buClrTx/>
+                <a:buSzTx/>
+                <a:buFontTx/>
+                <a:buNone/>
+                <a:tabLst/>
+                <a:defRPr/>
+              </a:pPr>
+              <a:r>
+                <a:rPr kumimoji="0" lang="en-GB" sz="1200" b="0" i="0" u="none" strike="noStrike" kern="0" cap="none" spc="0" normalizeH="0" baseline="0" noProof="0" dirty="0">
+                  <a:ln>
+                    <a:noFill/>
+                  </a:ln>
+                  <a:solidFill>
+                    <a:srgbClr val="262626"/>
+                  </a:solidFill>
+                  <a:effectLst/>
+                  <a:uLnTx/>
+                  <a:uFillTx/>
+                  <a:latin typeface="Arial"/>
+                  <a:ea typeface="+mn-ea"/>
+                  <a:cs typeface="+mn-cs"/>
+                </a:rPr>
+                <a:t>RAM(GB)</a:t>
+              </a:r>
+            </a:p>
+          </p:txBody>
+        </p:sp>
+        <p:sp>
+          <p:nvSpPr>
+            <p:cNvPr id="122" name="Rounded Rectangle 121">
+              <a:extLst>
+                <a:ext uri="{FF2B5EF4-FFF2-40B4-BE49-F238E27FC236}">
+                  <a16:creationId xmlns:a16="http://schemas.microsoft.com/office/drawing/2014/main" id="{4909F6C9-42FC-7245-821E-3E2AA7C64547}"/>
+                </a:ext>
+              </a:extLst>
+            </p:cNvPr>
+            <p:cNvSpPr/>
+            <p:nvPr/>
+          </p:nvSpPr>
+          <p:spPr>
+            <a:xfrm>
+              <a:off x="4882625" y="4745371"/>
+              <a:ext cx="1152128" cy="288032"/>
+            </a:xfrm>
+            <a:prstGeom prst="roundRect">
+              <a:avLst/>
+            </a:prstGeom>
+            <a:solidFill>
+              <a:srgbClr val="FCDF9E"/>
+            </a:solidFill>
+            <a:ln w="25400" cap="flat" cmpd="sng" algn="ctr">
+              <a:noFill/>
+              <a:prstDash val="solid"/>
+            </a:ln>
+            <a:effectLst/>
+          </p:spPr>
+          <p:txBody>
+            <a:bodyPr rtlCol="0" anchor="ctr"/>
+            <a:lstStyle/>
+            <a:p>
+              <a:pPr marL="0" marR="0" lvl="0" indent="0" algn="ctr" defTabSz="914400" eaLnBrk="1" fontAlgn="auto" latinLnBrk="0" hangingPunct="1">
+                <a:lnSpc>
+                  <a:spcPct val="100000"/>
+                </a:lnSpc>
+                <a:spcBef>
+                  <a:spcPts val="0"/>
+                </a:spcBef>
+                <a:spcAft>
+                  <a:spcPts val="0"/>
+                </a:spcAft>
+                <a:buClrTx/>
+                <a:buSzTx/>
+                <a:buFontTx/>
+                <a:buNone/>
+                <a:tabLst/>
+                <a:defRPr/>
+              </a:pPr>
+              <a:r>
+                <a:rPr lang="en-GB" sz="1200" kern="0" dirty="0">
+                  <a:solidFill>
+                    <a:srgbClr val="262626"/>
+                  </a:solidFill>
+                  <a:latin typeface="Arial"/>
+                </a:rPr>
+                <a:t>HD</a:t>
+              </a:r>
+              <a:r>
+                <a:rPr kumimoji="0" lang="en-GB" sz="1200" b="0" i="0" u="none" strike="noStrike" kern="0" cap="none" spc="0" normalizeH="0" baseline="0" noProof="0" dirty="0">
+                  <a:ln>
+                    <a:noFill/>
+                  </a:ln>
+                  <a:solidFill>
+                    <a:srgbClr val="262626"/>
+                  </a:solidFill>
+                  <a:effectLst/>
+                  <a:uLnTx/>
+                  <a:uFillTx/>
+                  <a:latin typeface="Arial"/>
+                  <a:ea typeface="+mn-ea"/>
+                  <a:cs typeface="+mn-cs"/>
+                </a:rPr>
+                <a:t>D </a:t>
+              </a:r>
+            </a:p>
+          </p:txBody>
+        </p:sp>
+        <p:sp>
+          <p:nvSpPr>
+            <p:cNvPr id="123" name="Rounded Rectangle 122">
+              <a:extLst>
+                <a:ext uri="{FF2B5EF4-FFF2-40B4-BE49-F238E27FC236}">
+                  <a16:creationId xmlns:a16="http://schemas.microsoft.com/office/drawing/2014/main" id="{C2E511A2-7191-8148-BAB3-8B7FAEFAC1C7}"/>
+                </a:ext>
+              </a:extLst>
+            </p:cNvPr>
+            <p:cNvSpPr/>
+            <p:nvPr/>
+          </p:nvSpPr>
+          <p:spPr>
+            <a:xfrm>
+              <a:off x="6108339" y="4404790"/>
+              <a:ext cx="1152128" cy="288032"/>
+            </a:xfrm>
+            <a:prstGeom prst="roundRect">
+              <a:avLst/>
+            </a:prstGeom>
+            <a:solidFill>
+              <a:srgbClr val="FCDF9E"/>
+            </a:solidFill>
+            <a:ln w="25400" cap="flat" cmpd="sng" algn="ctr">
+              <a:noFill/>
+              <a:prstDash val="solid"/>
+            </a:ln>
+            <a:effectLst/>
+          </p:spPr>
+          <p:txBody>
+            <a:bodyPr rtlCol="0" anchor="ctr"/>
+            <a:lstStyle/>
+            <a:p>
+              <a:pPr marL="0" marR="0" lvl="0" indent="0" algn="ctr" defTabSz="914400" eaLnBrk="1" fontAlgn="auto" latinLnBrk="0" hangingPunct="1">
+                <a:lnSpc>
+                  <a:spcPct val="100000"/>
+                </a:lnSpc>
+                <a:spcBef>
+                  <a:spcPts val="0"/>
+                </a:spcBef>
+                <a:spcAft>
+                  <a:spcPts val="0"/>
+                </a:spcAft>
+                <a:buClrTx/>
+                <a:buSzTx/>
+                <a:buFontTx/>
+                <a:buNone/>
+                <a:tabLst/>
+                <a:defRPr/>
+              </a:pPr>
+              <a:r>
+                <a:rPr kumimoji="0" lang="en-GB" sz="1200" b="0" i="0" u="none" strike="noStrike" kern="0" cap="none" spc="0" normalizeH="0" baseline="0" noProof="0" dirty="0">
+                  <a:ln>
+                    <a:noFill/>
+                  </a:ln>
+                  <a:solidFill>
+                    <a:srgbClr val="262626"/>
+                  </a:solidFill>
+                  <a:effectLst/>
+                  <a:uLnTx/>
+                  <a:uFillTx/>
+                  <a:latin typeface="Arial"/>
+                  <a:ea typeface="+mn-ea"/>
+                  <a:cs typeface="+mn-cs"/>
+                </a:rPr>
+                <a:t>FPGA/GPU</a:t>
+              </a:r>
+            </a:p>
+          </p:txBody>
+        </p:sp>
+        <p:sp>
+          <p:nvSpPr>
+            <p:cNvPr id="124" name="Rounded Rectangle 123">
+              <a:extLst>
+                <a:ext uri="{FF2B5EF4-FFF2-40B4-BE49-F238E27FC236}">
+                  <a16:creationId xmlns:a16="http://schemas.microsoft.com/office/drawing/2014/main" id="{F9EA8F84-BE9F-774D-B203-B661AC8E7128}"/>
+                </a:ext>
+              </a:extLst>
+            </p:cNvPr>
+            <p:cNvSpPr/>
+            <p:nvPr/>
+          </p:nvSpPr>
+          <p:spPr>
+            <a:xfrm>
+              <a:off x="4882625" y="4412586"/>
+              <a:ext cx="1152128" cy="288032"/>
+            </a:xfrm>
+            <a:prstGeom prst="roundRect">
+              <a:avLst/>
+            </a:prstGeom>
+            <a:solidFill>
+              <a:srgbClr val="FCDF9E"/>
+            </a:solidFill>
+            <a:ln w="25400" cap="flat" cmpd="sng" algn="ctr">
+              <a:noFill/>
+              <a:prstDash val="solid"/>
+            </a:ln>
+            <a:effectLst/>
+          </p:spPr>
+          <p:txBody>
+            <a:bodyPr rtlCol="0" anchor="ctr"/>
+            <a:lstStyle/>
+            <a:p>
+              <a:pPr marL="0" marR="0" lvl="0" indent="0" algn="ctr" defTabSz="914400" eaLnBrk="1" fontAlgn="auto" latinLnBrk="0" hangingPunct="1">
+                <a:lnSpc>
+                  <a:spcPct val="100000"/>
+                </a:lnSpc>
+                <a:spcBef>
+                  <a:spcPts val="0"/>
+                </a:spcBef>
+                <a:spcAft>
+                  <a:spcPts val="0"/>
+                </a:spcAft>
+                <a:buClrTx/>
+                <a:buSzTx/>
+                <a:buFontTx/>
+                <a:buNone/>
+                <a:tabLst/>
+                <a:defRPr/>
+              </a:pPr>
+              <a:r>
+                <a:rPr lang="en-GB" sz="1200" kern="0" dirty="0">
+                  <a:solidFill>
+                    <a:srgbClr val="262626"/>
+                  </a:solidFill>
+                  <a:latin typeface="Arial"/>
+                </a:rPr>
+                <a:t>HW Offloads</a:t>
+              </a:r>
+              <a:r>
+                <a:rPr kumimoji="0" lang="en-GB" sz="1200" b="0" i="0" u="none" strike="noStrike" kern="0" cap="none" spc="0" normalizeH="0" baseline="0" noProof="0" dirty="0">
+                  <a:ln>
+                    <a:noFill/>
+                  </a:ln>
+                  <a:solidFill>
+                    <a:srgbClr val="262626"/>
+                  </a:solidFill>
+                  <a:effectLst/>
+                  <a:uLnTx/>
+                  <a:uFillTx/>
+                  <a:latin typeface="Arial"/>
+                  <a:ea typeface="+mn-ea"/>
+                  <a:cs typeface="+mn-cs"/>
+                </a:rPr>
+                <a:t> </a:t>
+              </a:r>
+            </a:p>
+          </p:txBody>
+        </p:sp>
+      </p:grpSp>
+    </p:spTree>
+    <p:extLst>
+      <p:ext uri="{BB962C8B-B14F-4D97-AF65-F5344CB8AC3E}">
+        <p14:creationId xmlns:p14="http://schemas.microsoft.com/office/powerpoint/2010/main" val="1188196551"/>
+      </p:ext>
+    </p:extLst>
+  </p:cSld>
+  <p:clrMapOvr>
+    <a:masterClrMapping/>
+  </p:clrMapOvr>
+</p:sld>
+</file>
+
+<file path=ppt/slides/slide13.xml><?xml version="1.0" encoding="utf-8"?>
+<p:sld xmlns:a="http://schemas.openxmlformats.org/drawingml/2006/main" xmlns:r="http://schemas.openxmlformats.org/officeDocument/2006/relationships" xmlns:p="http://schemas.openxmlformats.org/presentationml/2006/main">
+  <p:cSld>
+    <p:spTree>
+      <p:nvGrpSpPr>
+        <p:cNvPr id="1" name=""/>
+        <p:cNvGrpSpPr/>
+        <p:nvPr/>
+      </p:nvGrpSpPr>
+      <p:grpSpPr>
+        <a:xfrm>
+          <a:off x="0" y="0"/>
+          <a:ext cx="0" cy="0"/>
+          <a:chOff x="0" y="0"/>
+          <a:chExt cx="0" cy="0"/>
+        </a:xfrm>
+      </p:grpSpPr>
       <p:pic>
         <p:nvPicPr>
           <p:cNvPr id="21" name="Picture 20"/>
@@ -15983,7 +18519,7 @@
 </p:sld>
 </file>
 
-<file path=ppt/slides/slide13.xml><?xml version="1.0" encoding="utf-8"?>
+<file path=ppt/slides/slide14.xml><?xml version="1.0" encoding="utf-8"?>
 <p:sld xmlns:a="http://schemas.openxmlformats.org/drawingml/2006/main" xmlns:r="http://schemas.openxmlformats.org/officeDocument/2006/relationships" xmlns:p="http://schemas.openxmlformats.org/presentationml/2006/main">
   <p:cSld>
     <p:spTree>
@@ -17508,7 +20044,7 @@
 </p:sld>
 </file>
 
-<file path=ppt/slides/slide14.xml><?xml version="1.0" encoding="utf-8"?>
+<file path=ppt/slides/slide15.xml><?xml version="1.0" encoding="utf-8"?>
 <p:sld xmlns:a="http://schemas.openxmlformats.org/drawingml/2006/main" xmlns:r="http://schemas.openxmlformats.org/officeDocument/2006/relationships" xmlns:p="http://schemas.openxmlformats.org/presentationml/2006/main">
   <p:cSld>
     <p:spTree>
@@ -18749,7 +21285,7 @@
 </p:sld>
 </file>
 
-<file path=ppt/slides/slide15.xml><?xml version="1.0" encoding="utf-8"?>
+<file path=ppt/slides/slide16.xml><?xml version="1.0" encoding="utf-8"?>
 <p:sld xmlns:a="http://schemas.openxmlformats.org/drawingml/2006/main" xmlns:r="http://schemas.openxmlformats.org/officeDocument/2006/relationships" xmlns:p="http://schemas.openxmlformats.org/presentationml/2006/main">
   <p:cSld>
     <p:spTree>
@@ -20712,7 +23248,7 @@
 </p:sld>
 </file>
 
-<file path=ppt/slides/slide16.xml><?xml version="1.0" encoding="utf-8"?>
+<file path=ppt/slides/slide17.xml><?xml version="1.0" encoding="utf-8"?>
 <p:sld xmlns:a="http://schemas.openxmlformats.org/drawingml/2006/main" xmlns:r="http://schemas.openxmlformats.org/officeDocument/2006/relationships" xmlns:p="http://schemas.openxmlformats.org/presentationml/2006/main">
   <p:cSld>
     <p:spTree>
@@ -22329,7 +24865,7 @@
 </p:sld>
 </file>
 
-<file path=ppt/slides/slide17.xml><?xml version="1.0" encoding="utf-8"?>
+<file path=ppt/slides/slide18.xml><?xml version="1.0" encoding="utf-8"?>
 <p:sld xmlns:a="http://schemas.openxmlformats.org/drawingml/2006/main" xmlns:r="http://schemas.openxmlformats.org/officeDocument/2006/relationships" xmlns:p="http://schemas.openxmlformats.org/presentationml/2006/main">
   <p:cSld>
     <p:spTree>
@@ -23194,7 +25730,7 @@
 </p:sld>
 </file>
 
-<file path=ppt/slides/slide18.xml><?xml version="1.0" encoding="utf-8"?>
+<file path=ppt/slides/slide19.xml><?xml version="1.0" encoding="utf-8"?>
 <p:sld xmlns:a="http://schemas.openxmlformats.org/drawingml/2006/main" xmlns:r="http://schemas.openxmlformats.org/officeDocument/2006/relationships" xmlns:p="http://schemas.openxmlformats.org/presentationml/2006/main">
   <p:cSld>
     <p:spTree>
